--- a/preliminary/Working/presentations/Sitara/PRU in Sitara Device.pptx
+++ b/preliminary/Working/presentations/Sitara/PRU in Sitara Device.pptx
@@ -5,7 +5,7 @@
     <p:sldMasterId id="2147483648" r:id="rId1"/>
   </p:sldMasterIdLst>
   <p:notesMasterIdLst>
-    <p:notesMasterId r:id="rId55"/>
+    <p:notesMasterId r:id="rId59"/>
   </p:notesMasterIdLst>
   <p:sldIdLst>
     <p:sldId id="270" r:id="rId2"/>
@@ -27,40 +27,44 @@
     <p:sldId id="277" r:id="rId18"/>
     <p:sldId id="278" r:id="rId19"/>
     <p:sldId id="331" r:id="rId20"/>
-    <p:sldId id="288" r:id="rId21"/>
-    <p:sldId id="289" r:id="rId22"/>
-    <p:sldId id="280" r:id="rId23"/>
-    <p:sldId id="281" r:id="rId24"/>
-    <p:sldId id="293" r:id="rId25"/>
-    <p:sldId id="294" r:id="rId26"/>
-    <p:sldId id="295" r:id="rId27"/>
-    <p:sldId id="296" r:id="rId28"/>
-    <p:sldId id="300" r:id="rId29"/>
-    <p:sldId id="301" r:id="rId30"/>
-    <p:sldId id="320" r:id="rId31"/>
-    <p:sldId id="302" r:id="rId32"/>
-    <p:sldId id="317" r:id="rId33"/>
-    <p:sldId id="318" r:id="rId34"/>
-    <p:sldId id="319" r:id="rId35"/>
-    <p:sldId id="316" r:id="rId36"/>
-    <p:sldId id="312" r:id="rId37"/>
-    <p:sldId id="313" r:id="rId38"/>
-    <p:sldId id="314" r:id="rId39"/>
-    <p:sldId id="315" r:id="rId40"/>
-    <p:sldId id="311" r:id="rId41"/>
-    <p:sldId id="303" r:id="rId42"/>
-    <p:sldId id="305" r:id="rId43"/>
-    <p:sldId id="306" r:id="rId44"/>
-    <p:sldId id="307" r:id="rId45"/>
-    <p:sldId id="309" r:id="rId46"/>
-    <p:sldId id="310" r:id="rId47"/>
-    <p:sldId id="282" r:id="rId48"/>
-    <p:sldId id="324" r:id="rId49"/>
-    <p:sldId id="283" r:id="rId50"/>
-    <p:sldId id="285" r:id="rId51"/>
-    <p:sldId id="286" r:id="rId52"/>
-    <p:sldId id="287" r:id="rId53"/>
-    <p:sldId id="322" r:id="rId54"/>
+    <p:sldId id="332" r:id="rId21"/>
+    <p:sldId id="288" r:id="rId22"/>
+    <p:sldId id="289" r:id="rId23"/>
+    <p:sldId id="280" r:id="rId24"/>
+    <p:sldId id="281" r:id="rId25"/>
+    <p:sldId id="293" r:id="rId26"/>
+    <p:sldId id="294" r:id="rId27"/>
+    <p:sldId id="295" r:id="rId28"/>
+    <p:sldId id="296" r:id="rId29"/>
+    <p:sldId id="300" r:id="rId30"/>
+    <p:sldId id="301" r:id="rId31"/>
+    <p:sldId id="320" r:id="rId32"/>
+    <p:sldId id="302" r:id="rId33"/>
+    <p:sldId id="317" r:id="rId34"/>
+    <p:sldId id="318" r:id="rId35"/>
+    <p:sldId id="333" r:id="rId36"/>
+    <p:sldId id="319" r:id="rId37"/>
+    <p:sldId id="334" r:id="rId38"/>
+    <p:sldId id="316" r:id="rId39"/>
+    <p:sldId id="312" r:id="rId40"/>
+    <p:sldId id="313" r:id="rId41"/>
+    <p:sldId id="314" r:id="rId42"/>
+    <p:sldId id="315" r:id="rId43"/>
+    <p:sldId id="311" r:id="rId44"/>
+    <p:sldId id="303" r:id="rId45"/>
+    <p:sldId id="305" r:id="rId46"/>
+    <p:sldId id="306" r:id="rId47"/>
+    <p:sldId id="307" r:id="rId48"/>
+    <p:sldId id="309" r:id="rId49"/>
+    <p:sldId id="310" r:id="rId50"/>
+    <p:sldId id="282" r:id="rId51"/>
+    <p:sldId id="335" r:id="rId52"/>
+    <p:sldId id="324" r:id="rId53"/>
+    <p:sldId id="283" r:id="rId54"/>
+    <p:sldId id="285" r:id="rId55"/>
+    <p:sldId id="286" r:id="rId56"/>
+    <p:sldId id="287" r:id="rId57"/>
+    <p:sldId id="322" r:id="rId58"/>
   </p:sldIdLst>
   <p:sldSz cx="9144000" cy="6858000" type="screen4x3"/>
   <p:notesSz cx="6858000" cy="9144000"/>
@@ -244,7 +248,7 @@
           <a:p>
             <a:fld id="{8175A721-DFAB-4E45-89A8-776EFE3A7B3A}" type="datetimeFigureOut">
               <a:rPr lang="en-US" smtClean="0"/>
-              <a:t>11/4/2014</a:t>
+              <a:t>11/5/2014</a:t>
             </a:fld>
             <a:endParaRPr lang="en-US" dirty="0"/>
           </a:p>
@@ -603,7 +607,7 @@
           <a:p>
             <a:fld id="{A4701F91-29EB-40D2-B9D7-8C42FB260373}" type="datetime1">
               <a:rPr lang="en-US" smtClean="0"/>
-              <a:t>11/4/2014</a:t>
+              <a:t>11/5/2014</a:t>
             </a:fld>
             <a:endParaRPr lang="en-US"/>
           </a:p>
@@ -711,7 +715,7 @@
           <a:p>
             <a:fld id="{51E15663-ABC3-4907-8BC5-ADC9FA984BB7}" type="datetime1">
               <a:rPr lang="en-US" smtClean="0"/>
-              <a:t>11/4/2014</a:t>
+              <a:t>11/5/2014</a:t>
             </a:fld>
             <a:endParaRPr lang="en-US"/>
           </a:p>
@@ -1964,7 +1968,7 @@
           <a:p>
             <a:fld id="{A2E0F6EB-8074-47DC-B3A3-4A9DB8A85AA3}" type="datetime1">
               <a:rPr lang="en-US" smtClean="0"/>
-              <a:t>11/4/2014</a:t>
+              <a:t>11/5/2014</a:t>
             </a:fld>
             <a:endParaRPr lang="en-US"/>
           </a:p>
@@ -2072,7 +2076,7 @@
           <a:p>
             <a:fld id="{12E0C451-B760-44FC-ABFA-E0ADABCAE2A2}" type="datetime1">
               <a:rPr lang="en-US" smtClean="0"/>
-              <a:t>11/4/2014</a:t>
+              <a:t>11/5/2014</a:t>
             </a:fld>
             <a:endParaRPr lang="en-US"/>
           </a:p>
@@ -2216,7 +2220,7 @@
             <a:fld id="{8BE618C1-3EEF-4602-9777-CACBEB7B4EB5}" type="slidenum">
               <a:rPr lang="en-US" smtClean="0"/>
               <a:pPr/>
-              <a:t>23</a:t>
+              <a:t>24</a:t>
             </a:fld>
             <a:endParaRPr lang="en-US"/>
           </a:p>
@@ -2315,7 +2319,7 @@
           <a:p>
             <a:fld id="{44180B62-1E4E-4603-B1AA-ED4D2BC6A1E5}" type="datetime1">
               <a:rPr lang="en-US" smtClean="0"/>
-              <a:t>11/4/2014</a:t>
+              <a:t>11/5/2014</a:t>
             </a:fld>
             <a:endParaRPr lang="en-US"/>
           </a:p>
@@ -2339,7 +2343,7 @@
             <a:fld id="{AF74D21E-FC2D-4C2D-A54C-47F1D12D0BDC}" type="slidenum">
               <a:rPr lang="en-US" smtClean="0"/>
               <a:pPr/>
-              <a:t>27</a:t>
+              <a:t>28</a:t>
             </a:fld>
             <a:endParaRPr lang="en-US"/>
           </a:p>
@@ -2399,7 +2403,7 @@
                 </a:solidFill>
               </a:rPr>
               <a:pPr/>
-              <a:t>28</a:t>
+              <a:t>29</a:t>
             </a:fld>
             <a:endParaRPr lang="en-US" dirty="0" smtClean="0">
               <a:solidFill>
@@ -2447,7 +2451,7 @@
                 <a:cs typeface="Arial" charset="0"/>
               </a:rPr>
               <a:pPr algn="r" defTabSz="903856"/>
-              <a:t>28</a:t>
+              <a:t>29</a:t>
             </a:fld>
             <a:endParaRPr lang="en-US" sz="1100" dirty="0">
               <a:solidFill>
@@ -2638,7 +2642,7 @@
           <a:p>
             <a:fld id="{9D8042E3-1816-48BC-B487-5AB2CF23402A}" type="slidenum">
               <a:rPr lang="en-US" smtClean="0"/>
-              <a:t>38</a:t>
+              <a:t>41</a:t>
             </a:fld>
             <a:endParaRPr lang="en-US" dirty="0"/>
           </a:p>
@@ -2722,7 +2726,7 @@
           <a:p>
             <a:fld id="{9D8042E3-1816-48BC-B487-5AB2CF23402A}" type="slidenum">
               <a:rPr lang="en-US" smtClean="0"/>
-              <a:t>39</a:t>
+              <a:t>42</a:t>
             </a:fld>
             <a:endParaRPr lang="en-US" dirty="0"/>
           </a:p>
@@ -2850,7 +2854,7 @@
           <a:p>
             <a:fld id="{A4701F91-29EB-40D2-B9D7-8C42FB260373}" type="datetime1">
               <a:rPr lang="en-US" smtClean="0"/>
-              <a:t>11/4/2014</a:t>
+              <a:t>11/5/2014</a:t>
             </a:fld>
             <a:endParaRPr lang="en-US" dirty="0"/>
           </a:p>
@@ -3124,7 +3128,6 @@
               <a:rPr lang="en-US" baseline="0" dirty="0" smtClean="0"/>
               <a:t>	- RISC processors </a:t>
             </a:r>
-            <a:endParaRPr lang="en-US" baseline="0" dirty="0" smtClean="0"/>
           </a:p>
           <a:p>
             <a:pPr eaLnBrk="1" hangingPunct="1">
@@ -3236,7 +3239,6 @@
               <a:rPr lang="en-US" dirty="0" smtClean="0"/>
               <a:t>: write a new register value into the register file, if necessary [not necessary for stores]</a:t>
             </a:r>
-            <a:endParaRPr lang="en-US" dirty="0" smtClean="0"/>
           </a:p>
         </p:txBody>
       </p:sp>
@@ -3479,7 +3481,6 @@
               <a:rPr lang="en-US" baseline="0" dirty="0" smtClean="0"/>
               <a:t>	- RISC processors </a:t>
             </a:r>
-            <a:endParaRPr lang="en-US" baseline="0" dirty="0" smtClean="0"/>
           </a:p>
           <a:p>
             <a:pPr eaLnBrk="1" hangingPunct="1">
@@ -3601,7 +3602,6 @@
               <a:rPr lang="en-US" dirty="0" smtClean="0"/>
               <a:t>: write a new register value into the register file, if necessary [not necessary for stores]</a:t>
             </a:r>
-            <a:endParaRPr lang="en-US" dirty="0" smtClean="0"/>
           </a:p>
         </p:txBody>
       </p:sp>
@@ -4337,7 +4337,7 @@
           <a:p>
             <a:fld id="{7B8A4E2A-EC1C-49F2-86AD-0AF2DCEAA54C}" type="datetimeFigureOut">
               <a:rPr lang="en-US" smtClean="0"/>
-              <a:t>11/4/2014</a:t>
+              <a:t>11/5/2014</a:t>
             </a:fld>
             <a:endParaRPr lang="en-US" dirty="0"/>
           </a:p>
@@ -4507,7 +4507,7 @@
           <a:p>
             <a:fld id="{7B8A4E2A-EC1C-49F2-86AD-0AF2DCEAA54C}" type="datetimeFigureOut">
               <a:rPr lang="en-US" smtClean="0"/>
-              <a:t>11/4/2014</a:t>
+              <a:t>11/5/2014</a:t>
             </a:fld>
             <a:endParaRPr lang="en-US" dirty="0"/>
           </a:p>
@@ -4687,7 +4687,7 @@
           <a:p>
             <a:fld id="{7B8A4E2A-EC1C-49F2-86AD-0AF2DCEAA54C}" type="datetimeFigureOut">
               <a:rPr lang="en-US" smtClean="0"/>
-              <a:t>11/4/2014</a:t>
+              <a:t>11/5/2014</a:t>
             </a:fld>
             <a:endParaRPr lang="en-US" dirty="0"/>
           </a:p>
@@ -4857,7 +4857,7 @@
           <a:p>
             <a:fld id="{7B8A4E2A-EC1C-49F2-86AD-0AF2DCEAA54C}" type="datetimeFigureOut">
               <a:rPr lang="en-US" smtClean="0"/>
-              <a:t>11/4/2014</a:t>
+              <a:t>11/5/2014</a:t>
             </a:fld>
             <a:endParaRPr lang="en-US" dirty="0"/>
           </a:p>
@@ -5103,7 +5103,7 @@
           <a:p>
             <a:fld id="{7B8A4E2A-EC1C-49F2-86AD-0AF2DCEAA54C}" type="datetimeFigureOut">
               <a:rPr lang="en-US" smtClean="0"/>
-              <a:t>11/4/2014</a:t>
+              <a:t>11/5/2014</a:t>
             </a:fld>
             <a:endParaRPr lang="en-US" dirty="0"/>
           </a:p>
@@ -5391,7 +5391,7 @@
           <a:p>
             <a:fld id="{7B8A4E2A-EC1C-49F2-86AD-0AF2DCEAA54C}" type="datetimeFigureOut">
               <a:rPr lang="en-US" smtClean="0"/>
-              <a:t>11/4/2014</a:t>
+              <a:t>11/5/2014</a:t>
             </a:fld>
             <a:endParaRPr lang="en-US" dirty="0"/>
           </a:p>
@@ -5813,7 +5813,7 @@
           <a:p>
             <a:fld id="{7B8A4E2A-EC1C-49F2-86AD-0AF2DCEAA54C}" type="datetimeFigureOut">
               <a:rPr lang="en-US" smtClean="0"/>
-              <a:t>11/4/2014</a:t>
+              <a:t>11/5/2014</a:t>
             </a:fld>
             <a:endParaRPr lang="en-US" dirty="0"/>
           </a:p>
@@ -5931,7 +5931,7 @@
           <a:p>
             <a:fld id="{7B8A4E2A-EC1C-49F2-86AD-0AF2DCEAA54C}" type="datetimeFigureOut">
               <a:rPr lang="en-US" smtClean="0"/>
-              <a:t>11/4/2014</a:t>
+              <a:t>11/5/2014</a:t>
             </a:fld>
             <a:endParaRPr lang="en-US" dirty="0"/>
           </a:p>
@@ -6026,7 +6026,7 @@
           <a:p>
             <a:fld id="{7B8A4E2A-EC1C-49F2-86AD-0AF2DCEAA54C}" type="datetimeFigureOut">
               <a:rPr lang="en-US" smtClean="0"/>
-              <a:t>11/4/2014</a:t>
+              <a:t>11/5/2014</a:t>
             </a:fld>
             <a:endParaRPr lang="en-US" dirty="0"/>
           </a:p>
@@ -6303,7 +6303,7 @@
           <a:p>
             <a:fld id="{7B8A4E2A-EC1C-49F2-86AD-0AF2DCEAA54C}" type="datetimeFigureOut">
               <a:rPr lang="en-US" smtClean="0"/>
-              <a:t>11/4/2014</a:t>
+              <a:t>11/5/2014</a:t>
             </a:fld>
             <a:endParaRPr lang="en-US" dirty="0"/>
           </a:p>
@@ -6556,7 +6556,7 @@
           <a:p>
             <a:fld id="{7B8A4E2A-EC1C-49F2-86AD-0AF2DCEAA54C}" type="datetimeFigureOut">
               <a:rPr lang="en-US" smtClean="0"/>
-              <a:t>11/4/2014</a:t>
+              <a:t>11/5/2014</a:t>
             </a:fld>
             <a:endParaRPr lang="en-US" dirty="0"/>
           </a:p>
@@ -6769,7 +6769,7 @@
           <a:p>
             <a:fld id="{7B8A4E2A-EC1C-49F2-86AD-0AF2DCEAA54C}" type="datetimeFigureOut">
               <a:rPr lang="en-US" smtClean="0"/>
-              <a:t>11/4/2014</a:t>
+              <a:t>11/5/2014</a:t>
             </a:fld>
             <a:endParaRPr lang="en-US" dirty="0"/>
           </a:p>
@@ -7450,30 +7450,20 @@
           <a:p>
             <a:r>
               <a:rPr lang="en-US" dirty="0" smtClean="0"/>
-              <a:t>Two MII </a:t>
-            </a:r>
+              <a:t>Two MII ports</a:t>
+            </a:r>
+          </a:p>
+          <a:p>
             <a:r>
               <a:rPr lang="en-US" dirty="0" smtClean="0"/>
-              <a:t>ports</a:t>
-            </a:r>
-          </a:p>
-          <a:p>
-            <a:r>
-              <a:rPr lang="en-US" dirty="0" smtClean="0"/>
-              <a:t>One </a:t>
-            </a:r>
-            <a:r>
-              <a:rPr lang="en-US" dirty="0" smtClean="0"/>
-              <a:t>MDIO port</a:t>
-            </a:r>
-            <a:endParaRPr lang="en-US" dirty="0" smtClean="0"/>
+              <a:t>One MDIO port</a:t>
+            </a:r>
           </a:p>
           <a:p>
             <a:r>
               <a:rPr lang="en-US" dirty="0" smtClean="0"/>
               <a:t>IEP (Industrial Ethernet peripheral) </a:t>
             </a:r>
-            <a:endParaRPr lang="en-US" dirty="0" smtClean="0"/>
           </a:p>
           <a:p>
             <a:r>
@@ -15640,15 +15630,7 @@
                   <a:srgbClr val="001233"/>
                 </a:solidFill>
               </a:rPr>
-              <a:t>L1D, L1P caches </a:t>
-            </a:r>
-            <a:r>
-              <a:rPr lang="en-US" dirty="0" smtClean="0">
-                <a:solidFill>
-                  <a:srgbClr val="001233"/>
-                </a:solidFill>
-              </a:rPr>
-              <a:t>(32KB): </a:t>
+              <a:t>L1D, L1P caches (32KB): </a:t>
             </a:r>
             <a:endParaRPr lang="en-US" dirty="0">
               <a:solidFill>
@@ -17023,6 +17005,90 @@
           <a:chExt cx="0" cy="0"/>
         </a:xfrm>
       </p:grpSpPr>
+      <p:pic>
+        <p:nvPicPr>
+          <p:cNvPr id="1026" name="Picture 2"/>
+          <p:cNvPicPr>
+            <a:picLocks noChangeAspect="1" noChangeArrowheads="1"/>
+          </p:cNvPicPr>
+          <p:nvPr/>
+        </p:nvPicPr>
+        <p:blipFill>
+          <a:blip r:embed="rId2">
+            <a:extLst>
+              <a:ext uri="{28A0092B-C50C-407E-A947-70E740481C1C}">
+                <a14:useLocalDpi xmlns:a14="http://schemas.microsoft.com/office/drawing/2010/main" val="0"/>
+              </a:ext>
+            </a:extLst>
+          </a:blip>
+          <a:srcRect/>
+          <a:stretch>
+            <a:fillRect/>
+          </a:stretch>
+        </p:blipFill>
+        <p:spPr bwMode="auto">
+          <a:xfrm>
+            <a:off x="1804988" y="14288"/>
+            <a:ext cx="5534025" cy="6829425"/>
+          </a:xfrm>
+          <a:prstGeom prst="rect">
+            <a:avLst/>
+          </a:prstGeom>
+          <a:noFill/>
+          <a:ln>
+            <a:noFill/>
+          </a:ln>
+          <a:extLst>
+            <a:ext uri="{909E8E84-426E-40DD-AFC4-6F175D3DCCD1}">
+              <a14:hiddenFill xmlns:a14="http://schemas.microsoft.com/office/drawing/2010/main">
+                <a:solidFill>
+                  <a:schemeClr val="accent1"/>
+                </a:solidFill>
+              </a14:hiddenFill>
+            </a:ext>
+            <a:ext uri="{91240B29-F687-4F45-9708-019B960494DF}">
+              <a14:hiddenLine xmlns:a14="http://schemas.microsoft.com/office/drawing/2010/main" w="9525">
+                <a:solidFill>
+                  <a:schemeClr val="tx1"/>
+                </a:solidFill>
+                <a:miter lim="800000"/>
+                <a:headEnd/>
+                <a:tailEnd/>
+              </a14:hiddenLine>
+            </a:ext>
+          </a:extLst>
+        </p:spPr>
+      </p:pic>
+    </p:spTree>
+    <p:extLst>
+      <p:ext uri="{BB962C8B-B14F-4D97-AF65-F5344CB8AC3E}">
+        <p14:creationId xmlns:p14="http://schemas.microsoft.com/office/powerpoint/2010/main" val="388705104"/>
+      </p:ext>
+    </p:extLst>
+  </p:cSld>
+  <p:clrMapOvr>
+    <a:masterClrMapping/>
+  </p:clrMapOvr>
+</p:sld>
+</file>
+
+<file path=ppt/slides/slide21.xml><?xml version="1.0" encoding="utf-8"?>
+<p:sld xmlns:a="http://schemas.openxmlformats.org/drawingml/2006/main" xmlns:r="http://schemas.openxmlformats.org/officeDocument/2006/relationships" xmlns:p="http://schemas.openxmlformats.org/presentationml/2006/main">
+  <p:cSld>
+    <p:spTree>
+      <p:nvGrpSpPr>
+        <p:cNvPr id="1" name=""/>
+        <p:cNvGrpSpPr/>
+        <p:nvPr/>
+      </p:nvGrpSpPr>
+      <p:grpSpPr>
+        <a:xfrm>
+          <a:off x="0" y="0"/>
+          <a:ext cx="0" cy="0"/>
+          <a:chOff x="0" y="0"/>
+          <a:chExt cx="0" cy="0"/>
+        </a:xfrm>
+      </p:grpSpPr>
       <p:sp>
         <p:nvSpPr>
           <p:cNvPr id="2" name="Title 1"/>
@@ -17206,7 +17272,7 @@
 </p:sld>
 </file>
 
-<file path=ppt/slides/slide21.xml><?xml version="1.0" encoding="utf-8"?>
+<file path=ppt/slides/slide22.xml><?xml version="1.0" encoding="utf-8"?>
 <p:sld xmlns:a="http://schemas.openxmlformats.org/drawingml/2006/main" xmlns:r="http://schemas.openxmlformats.org/officeDocument/2006/relationships" xmlns:p="http://schemas.openxmlformats.org/presentationml/2006/main">
   <p:cSld>
     <p:spTree>
@@ -17352,7 +17418,7 @@
 </p:sld>
 </file>
 
-<file path=ppt/slides/slide22.xml><?xml version="1.0" encoding="utf-8"?>
+<file path=ppt/slides/slide23.xml><?xml version="1.0" encoding="utf-8"?>
 <p:sld xmlns:a="http://schemas.openxmlformats.org/drawingml/2006/main" xmlns:r="http://schemas.openxmlformats.org/officeDocument/2006/relationships" xmlns:p="http://schemas.openxmlformats.org/presentationml/2006/main">
   <p:cSld>
     <p:spTree>
@@ -18701,7 +18767,7 @@
 </p:sld>
 </file>
 
-<file path=ppt/slides/slide23.xml><?xml version="1.0" encoding="utf-8"?>
+<file path=ppt/slides/slide24.xml><?xml version="1.0" encoding="utf-8"?>
 <p:sld xmlns:a="http://schemas.openxmlformats.org/drawingml/2006/main" xmlns:r="http://schemas.openxmlformats.org/officeDocument/2006/relationships" xmlns:p="http://schemas.openxmlformats.org/presentationml/2006/main">
   <p:cSld>
     <p:spTree>
@@ -19558,7 +19624,7 @@
 </p:sld>
 </file>
 
-<file path=ppt/slides/slide24.xml><?xml version="1.0" encoding="utf-8"?>
+<file path=ppt/slides/slide25.xml><?xml version="1.0" encoding="utf-8"?>
 <p:sld xmlns:a="http://schemas.openxmlformats.org/drawingml/2006/main" xmlns:r="http://schemas.openxmlformats.org/officeDocument/2006/relationships" xmlns:p="http://schemas.openxmlformats.org/presentationml/2006/main">
   <p:cSld>
     <p:spTree>
@@ -19979,7 +20045,7 @@
 </p:sld>
 </file>
 
-<file path=ppt/slides/slide25.xml><?xml version="1.0" encoding="utf-8"?>
+<file path=ppt/slides/slide26.xml><?xml version="1.0" encoding="utf-8"?>
 <p:sld xmlns:a="http://schemas.openxmlformats.org/drawingml/2006/main" xmlns:r="http://schemas.openxmlformats.org/officeDocument/2006/relationships" xmlns:p="http://schemas.openxmlformats.org/presentationml/2006/main">
   <p:cSld>
     <p:spTree>
@@ -20708,7 +20774,7 @@
 </p:sld>
 </file>
 
-<file path=ppt/slides/slide26.xml><?xml version="1.0" encoding="utf-8"?>
+<file path=ppt/slides/slide27.xml><?xml version="1.0" encoding="utf-8"?>
 <p:sld xmlns:a="http://schemas.openxmlformats.org/drawingml/2006/main" xmlns:r="http://schemas.openxmlformats.org/officeDocument/2006/relationships" xmlns:p="http://schemas.openxmlformats.org/presentationml/2006/main">
   <p:cSld>
     <p:spTree>
@@ -21676,7 +21742,7 @@
 </p:sld>
 </file>
 
-<file path=ppt/slides/slide27.xml><?xml version="1.0" encoding="utf-8"?>
+<file path=ppt/slides/slide28.xml><?xml version="1.0" encoding="utf-8"?>
 <p:sld xmlns:a="http://schemas.openxmlformats.org/drawingml/2006/main" xmlns:r="http://schemas.openxmlformats.org/officeDocument/2006/relationships" xmlns:p="http://schemas.openxmlformats.org/presentationml/2006/main">
   <p:cSld>
     <p:spTree>
@@ -22093,7 +22159,7 @@
 </p:sld>
 </file>
 
-<file path=ppt/slides/slide28.xml><?xml version="1.0" encoding="utf-8"?>
+<file path=ppt/slides/slide29.xml><?xml version="1.0" encoding="utf-8"?>
 <p:sld xmlns:a="http://schemas.openxmlformats.org/drawingml/2006/main" xmlns:r="http://schemas.openxmlformats.org/officeDocument/2006/relationships" xmlns:p="http://schemas.openxmlformats.org/presentationml/2006/main">
   <p:cSld>
     <p:spTree>
@@ -22849,7 +22915,2804 @@
 </p:sld>
 </file>
 
-<file path=ppt/slides/slide29.xml><?xml version="1.0" encoding="utf-8"?>
+<file path=ppt/slides/slide3.xml><?xml version="1.0" encoding="utf-8"?>
+<p:sld xmlns:a="http://schemas.openxmlformats.org/drawingml/2006/main" xmlns:r="http://schemas.openxmlformats.org/officeDocument/2006/relationships" xmlns:p="http://schemas.openxmlformats.org/presentationml/2006/main">
+  <p:cSld>
+    <p:spTree>
+      <p:nvGrpSpPr>
+        <p:cNvPr id="1" name=""/>
+        <p:cNvGrpSpPr/>
+        <p:nvPr/>
+      </p:nvGrpSpPr>
+      <p:grpSpPr>
+        <a:xfrm>
+          <a:off x="0" y="0"/>
+          <a:ext cx="0" cy="0"/>
+          <a:chOff x="0" y="0"/>
+          <a:chExt cx="0" cy="0"/>
+        </a:xfrm>
+      </p:grpSpPr>
+      <p:sp>
+        <p:nvSpPr>
+          <p:cNvPr id="2" name="Title 1"/>
+          <p:cNvSpPr>
+            <a:spLocks noGrp="1"/>
+          </p:cNvSpPr>
+          <p:nvPr>
+            <p:ph type="title"/>
+          </p:nvPr>
+        </p:nvSpPr>
+        <p:spPr>
+          <a:xfrm>
+            <a:off x="413536" y="0"/>
+            <a:ext cx="8229600" cy="685800"/>
+          </a:xfrm>
+        </p:spPr>
+        <p:txBody>
+          <a:bodyPr>
+            <a:normAutofit/>
+          </a:bodyPr>
+          <a:lstStyle/>
+          <a:p>
+            <a:r>
+              <a:rPr lang="en-US" sz="3600" dirty="0" smtClean="0"/>
+              <a:t>PRU in Sitara Device</a:t>
+            </a:r>
+            <a:endParaRPr lang="en-US" sz="3600" dirty="0"/>
+          </a:p>
+        </p:txBody>
+      </p:sp>
+      <p:sp>
+        <p:nvSpPr>
+          <p:cNvPr id="5" name="Rectangle 4"/>
+          <p:cNvSpPr/>
+          <p:nvPr/>
+        </p:nvSpPr>
+        <p:spPr>
+          <a:xfrm>
+            <a:off x="3856810" y="971080"/>
+            <a:ext cx="3749185" cy="2573135"/>
+          </a:xfrm>
+          <a:prstGeom prst="rect">
+            <a:avLst/>
+          </a:prstGeom>
+          <a:solidFill>
+            <a:schemeClr val="bg1">
+              <a:lumMod val="95000"/>
+            </a:schemeClr>
+          </a:solidFill>
+          <a:ln w="9525">
+            <a:solidFill>
+              <a:schemeClr val="bg1">
+                <a:lumMod val="75000"/>
+              </a:schemeClr>
+            </a:solidFill>
+          </a:ln>
+        </p:spPr>
+        <p:style>
+          <a:lnRef idx="2">
+            <a:schemeClr val="accent1">
+              <a:shade val="50000"/>
+            </a:schemeClr>
+          </a:lnRef>
+          <a:fillRef idx="1">
+            <a:schemeClr val="accent1"/>
+          </a:fillRef>
+          <a:effectRef idx="0">
+            <a:schemeClr val="accent1"/>
+          </a:effectRef>
+          <a:fontRef idx="minor">
+            <a:schemeClr val="lt1"/>
+          </a:fontRef>
+        </p:style>
+        <p:txBody>
+          <a:bodyPr rtlCol="0" anchor="t"/>
+          <a:lstStyle/>
+          <a:p>
+            <a:pPr fontAlgn="base">
+              <a:spcBef>
+                <a:spcPct val="0"/>
+              </a:spcBef>
+              <a:spcAft>
+                <a:spcPct val="0"/>
+              </a:spcAft>
+            </a:pPr>
+            <a:r>
+              <a:rPr lang="en-US" sz="1400" b="1" dirty="0" smtClean="0">
+                <a:solidFill>
+                  <a:srgbClr val="000000">
+                    <a:lumMod val="95000"/>
+                    <a:lumOff val="5000"/>
+                  </a:srgbClr>
+                </a:solidFill>
+              </a:rPr>
+              <a:t>Programmable Real-Time Unit (PRU) </a:t>
+            </a:r>
+            <a:br>
+              <a:rPr lang="en-US" sz="1400" b="1" dirty="0" smtClean="0">
+                <a:solidFill>
+                  <a:srgbClr val="000000">
+                    <a:lumMod val="95000"/>
+                    <a:lumOff val="5000"/>
+                  </a:srgbClr>
+                </a:solidFill>
+              </a:rPr>
+            </a:br>
+            <a:r>
+              <a:rPr lang="en-US" sz="1400" b="1" dirty="0" smtClean="0">
+                <a:solidFill>
+                  <a:srgbClr val="000000">
+                    <a:lumMod val="95000"/>
+                    <a:lumOff val="5000"/>
+                  </a:srgbClr>
+                </a:solidFill>
+              </a:rPr>
+              <a:t>Subsystem</a:t>
+            </a:r>
+            <a:endParaRPr lang="en-US" sz="1400" b="1" dirty="0">
+              <a:solidFill>
+                <a:srgbClr val="000000">
+                  <a:lumMod val="95000"/>
+                  <a:lumOff val="5000"/>
+                </a:srgbClr>
+              </a:solidFill>
+            </a:endParaRPr>
+          </a:p>
+        </p:txBody>
+      </p:sp>
+      <p:sp>
+        <p:nvSpPr>
+          <p:cNvPr id="6" name="Rectangle 5"/>
+          <p:cNvSpPr>
+            <a:spLocks noChangeArrowheads="1"/>
+          </p:cNvSpPr>
+          <p:nvPr/>
+        </p:nvSpPr>
+        <p:spPr bwMode="auto">
+          <a:xfrm rot="16200000">
+            <a:off x="5779469" y="1142437"/>
+            <a:ext cx="211888" cy="3132278"/>
+          </a:xfrm>
+          <a:prstGeom prst="rect">
+            <a:avLst/>
+          </a:prstGeom>
+          <a:ln>
+            <a:headEnd/>
+            <a:tailEnd/>
+          </a:ln>
+        </p:spPr>
+        <p:style>
+          <a:lnRef idx="1">
+            <a:schemeClr val="dk1"/>
+          </a:lnRef>
+          <a:fillRef idx="2">
+            <a:schemeClr val="dk1"/>
+          </a:fillRef>
+          <a:effectRef idx="1">
+            <a:schemeClr val="dk1"/>
+          </a:effectRef>
+          <a:fontRef idx="minor">
+            <a:schemeClr val="dk1"/>
+          </a:fontRef>
+        </p:style>
+        <p:txBody>
+          <a:bodyPr vert="vert" lIns="66751" tIns="33376" rIns="66751" bIns="33376" anchor="ctr"/>
+          <a:lstStyle/>
+          <a:p>
+            <a:pPr algn="ctr" eaLnBrk="0" fontAlgn="base" hangingPunct="0">
+              <a:spcBef>
+                <a:spcPct val="0"/>
+              </a:spcBef>
+              <a:spcAft>
+                <a:spcPct val="0"/>
+              </a:spcAft>
+            </a:pPr>
+            <a:r>
+              <a:rPr lang="en-US" sz="1100" b="1" dirty="0">
+                <a:solidFill>
+                  <a:srgbClr val="000000"/>
+                </a:solidFill>
+                <a:ea typeface="MS Mincho"/>
+                <a:cs typeface="MS Mincho"/>
+              </a:rPr>
+              <a:t>Interconnect</a:t>
+            </a:r>
+          </a:p>
+        </p:txBody>
+      </p:sp>
+      <p:sp>
+        <p:nvSpPr>
+          <p:cNvPr id="10" name="Rectangle 9"/>
+          <p:cNvSpPr>
+            <a:spLocks noChangeArrowheads="1"/>
+          </p:cNvSpPr>
+          <p:nvPr/>
+        </p:nvSpPr>
+        <p:spPr bwMode="auto">
+          <a:xfrm>
+            <a:off x="4335182" y="3032580"/>
+            <a:ext cx="888880" cy="434825"/>
+          </a:xfrm>
+          <a:prstGeom prst="rect">
+            <a:avLst/>
+          </a:prstGeom>
+          <a:solidFill>
+            <a:srgbClr val="FF0000"/>
+          </a:solidFill>
+          <a:ln>
+            <a:noFill/>
+            <a:headEnd/>
+            <a:tailEnd/>
+          </a:ln>
+        </p:spPr>
+        <p:style>
+          <a:lnRef idx="1">
+            <a:schemeClr val="accent4"/>
+          </a:lnRef>
+          <a:fillRef idx="3">
+            <a:schemeClr val="accent4"/>
+          </a:fillRef>
+          <a:effectRef idx="2">
+            <a:schemeClr val="accent4"/>
+          </a:effectRef>
+          <a:fontRef idx="minor">
+            <a:schemeClr val="lt1"/>
+          </a:fontRef>
+        </p:style>
+        <p:txBody>
+          <a:bodyPr lIns="66751" tIns="33376" rIns="66751" bIns="33376" anchor="ctr"/>
+          <a:lstStyle/>
+          <a:p>
+            <a:pPr algn="ctr" eaLnBrk="0" fontAlgn="base" hangingPunct="0">
+              <a:spcBef>
+                <a:spcPct val="0"/>
+              </a:spcBef>
+              <a:spcAft>
+                <a:spcPct val="0"/>
+              </a:spcAft>
+            </a:pPr>
+            <a:r>
+              <a:rPr lang="en-US" altLang="ja-JP" sz="1100" b="1" dirty="0" smtClean="0">
+                <a:solidFill>
+                  <a:schemeClr val="bg1"/>
+                </a:solidFill>
+                <a:ea typeface="MS Mincho"/>
+                <a:cs typeface="MS Mincho"/>
+              </a:rPr>
+              <a:t>INTC</a:t>
+            </a:r>
+            <a:endParaRPr lang="en-US" altLang="ja-JP" sz="1100" b="1" dirty="0">
+              <a:solidFill>
+                <a:schemeClr val="bg1"/>
+              </a:solidFill>
+              <a:ea typeface="MS Mincho"/>
+              <a:cs typeface="MS Mincho"/>
+            </a:endParaRPr>
+          </a:p>
+        </p:txBody>
+      </p:sp>
+      <p:sp>
+        <p:nvSpPr>
+          <p:cNvPr id="17" name="Up-Down Arrow 16"/>
+          <p:cNvSpPr/>
+          <p:nvPr/>
+        </p:nvSpPr>
+        <p:spPr>
+          <a:xfrm rot="5400000">
+            <a:off x="7718552" y="1273127"/>
+            <a:ext cx="235746" cy="460860"/>
+          </a:xfrm>
+          <a:prstGeom prst="upDownArrow">
+            <a:avLst>
+              <a:gd name="adj1" fmla="val 40476"/>
+              <a:gd name="adj2" fmla="val 33333"/>
+            </a:avLst>
+          </a:prstGeom>
+          <a:ln/>
+        </p:spPr>
+        <p:style>
+          <a:lnRef idx="1">
+            <a:schemeClr val="dk1"/>
+          </a:lnRef>
+          <a:fillRef idx="2">
+            <a:schemeClr val="dk1"/>
+          </a:fillRef>
+          <a:effectRef idx="1">
+            <a:schemeClr val="dk1"/>
+          </a:effectRef>
+          <a:fontRef idx="minor">
+            <a:schemeClr val="dk1"/>
+          </a:fontRef>
+        </p:style>
+        <p:txBody>
+          <a:bodyPr rtlCol="0" anchor="ctr"/>
+          <a:lstStyle/>
+          <a:p>
+            <a:pPr algn="ctr" fontAlgn="base">
+              <a:spcBef>
+                <a:spcPct val="0"/>
+              </a:spcBef>
+              <a:spcAft>
+                <a:spcPct val="0"/>
+              </a:spcAft>
+            </a:pPr>
+            <a:endParaRPr lang="en-US" b="1" dirty="0">
+              <a:solidFill>
+                <a:srgbClr val="FFFFFF"/>
+              </a:solidFill>
+            </a:endParaRPr>
+          </a:p>
+        </p:txBody>
+      </p:sp>
+      <p:sp>
+        <p:nvSpPr>
+          <p:cNvPr id="20" name="Rectangle 19"/>
+          <p:cNvSpPr>
+            <a:spLocks noChangeArrowheads="1"/>
+          </p:cNvSpPr>
+          <p:nvPr/>
+        </p:nvSpPr>
+        <p:spPr bwMode="auto">
+          <a:xfrm>
+            <a:off x="6453022" y="3029749"/>
+            <a:ext cx="1037758" cy="437656"/>
+          </a:xfrm>
+          <a:prstGeom prst="rect">
+            <a:avLst/>
+          </a:prstGeom>
+          <a:solidFill>
+            <a:srgbClr val="FFC000"/>
+          </a:solidFill>
+          <a:ln>
+            <a:solidFill>
+              <a:srgbClr val="E8A835"/>
+            </a:solidFill>
+            <a:headEnd/>
+            <a:tailEnd/>
+          </a:ln>
+        </p:spPr>
+        <p:style>
+          <a:lnRef idx="1">
+            <a:schemeClr val="accent3"/>
+          </a:lnRef>
+          <a:fillRef idx="3">
+            <a:schemeClr val="accent3"/>
+          </a:fillRef>
+          <a:effectRef idx="2">
+            <a:schemeClr val="accent3"/>
+          </a:effectRef>
+          <a:fontRef idx="minor">
+            <a:schemeClr val="lt1"/>
+          </a:fontRef>
+        </p:style>
+        <p:txBody>
+          <a:bodyPr lIns="66751" tIns="33376" rIns="66751" bIns="33376" anchor="ctr"/>
+          <a:lstStyle/>
+          <a:p>
+            <a:pPr algn="ctr" eaLnBrk="0" fontAlgn="base" hangingPunct="0">
+              <a:spcBef>
+                <a:spcPct val="0"/>
+              </a:spcBef>
+              <a:spcAft>
+                <a:spcPct val="0"/>
+              </a:spcAft>
+            </a:pPr>
+            <a:r>
+              <a:rPr lang="en-US" altLang="ja-JP" sz="1100" b="1" dirty="0">
+                <a:solidFill>
+                  <a:srgbClr val="000000"/>
+                </a:solidFill>
+                <a:ea typeface="MS Mincho"/>
+                <a:cs typeface="MS Mincho"/>
+              </a:rPr>
+              <a:t>Peripherals</a:t>
+            </a:r>
+          </a:p>
+        </p:txBody>
+      </p:sp>
+      <p:sp>
+        <p:nvSpPr>
+          <p:cNvPr id="39" name="Rectangle 7"/>
+          <p:cNvSpPr>
+            <a:spLocks noChangeArrowheads="1"/>
+          </p:cNvSpPr>
+          <p:nvPr/>
+        </p:nvSpPr>
+        <p:spPr bwMode="auto">
+          <a:xfrm>
+            <a:off x="8105260" y="1316725"/>
+            <a:ext cx="729695" cy="419921"/>
+          </a:xfrm>
+          <a:prstGeom prst="rect">
+            <a:avLst/>
+          </a:prstGeom>
+          <a:solidFill>
+            <a:srgbClr val="FF6600"/>
+          </a:solidFill>
+          <a:ln>
+            <a:solidFill>
+              <a:srgbClr val="FF6600"/>
+            </a:solidFill>
+            <a:headEnd/>
+            <a:tailEnd/>
+          </a:ln>
+        </p:spPr>
+        <p:style>
+          <a:lnRef idx="1">
+            <a:schemeClr val="accent6"/>
+          </a:lnRef>
+          <a:fillRef idx="3">
+            <a:schemeClr val="accent6"/>
+          </a:fillRef>
+          <a:effectRef idx="2">
+            <a:schemeClr val="accent6"/>
+          </a:effectRef>
+          <a:fontRef idx="minor">
+            <a:schemeClr val="lt1"/>
+          </a:fontRef>
+        </p:style>
+        <p:txBody>
+          <a:bodyPr lIns="66751" tIns="33376" rIns="66751" bIns="33376" anchor="ctr"/>
+          <a:lstStyle/>
+          <a:p>
+            <a:pPr algn="ctr" eaLnBrk="0" fontAlgn="base" hangingPunct="0">
+              <a:spcBef>
+                <a:spcPct val="0"/>
+              </a:spcBef>
+              <a:spcAft>
+                <a:spcPct val="0"/>
+              </a:spcAft>
+            </a:pPr>
+            <a:r>
+              <a:rPr lang="en-US" altLang="ja-JP" sz="1100" b="1" dirty="0">
+                <a:solidFill>
+                  <a:srgbClr val="000000"/>
+                </a:solidFill>
+                <a:ea typeface="MS Mincho"/>
+                <a:cs typeface="MS Mincho"/>
+              </a:rPr>
+              <a:t>PRU0 I/O</a:t>
+            </a:r>
+          </a:p>
+        </p:txBody>
+      </p:sp>
+      <p:sp>
+        <p:nvSpPr>
+          <p:cNvPr id="49" name="Rectangle 48"/>
+          <p:cNvSpPr>
+            <a:spLocks noChangeArrowheads="1"/>
+          </p:cNvSpPr>
+          <p:nvPr/>
+        </p:nvSpPr>
+        <p:spPr bwMode="auto">
+          <a:xfrm>
+            <a:off x="5339277" y="1980585"/>
+            <a:ext cx="502920" cy="411480"/>
+          </a:xfrm>
+          <a:prstGeom prst="rect">
+            <a:avLst/>
+          </a:prstGeom>
+          <a:solidFill>
+            <a:srgbClr val="32B4CE"/>
+          </a:solidFill>
+          <a:ln>
+            <a:noFill/>
+            <a:headEnd/>
+            <a:tailEnd/>
+          </a:ln>
+        </p:spPr>
+        <p:style>
+          <a:lnRef idx="1">
+            <a:schemeClr val="accent2"/>
+          </a:lnRef>
+          <a:fillRef idx="3">
+            <a:schemeClr val="accent2"/>
+          </a:fillRef>
+          <a:effectRef idx="2">
+            <a:schemeClr val="accent2"/>
+          </a:effectRef>
+          <a:fontRef idx="minor">
+            <a:schemeClr val="lt1"/>
+          </a:fontRef>
+        </p:style>
+        <p:txBody>
+          <a:bodyPr lIns="66751" tIns="33376" rIns="66751" bIns="33376" anchor="ctr"/>
+          <a:lstStyle/>
+          <a:p>
+            <a:pPr algn="ctr" eaLnBrk="0" fontAlgn="base" hangingPunct="0">
+              <a:spcBef>
+                <a:spcPct val="0"/>
+              </a:spcBef>
+              <a:spcAft>
+                <a:spcPct val="0"/>
+              </a:spcAft>
+            </a:pPr>
+            <a:r>
+              <a:rPr lang="en-US" altLang="ja-JP" sz="1100" b="1" dirty="0">
+                <a:solidFill>
+                  <a:schemeClr val="bg1"/>
+                </a:solidFill>
+                <a:ea typeface="MS Mincho"/>
+                <a:cs typeface="MS Mincho"/>
+              </a:rPr>
+              <a:t>Inst.</a:t>
+            </a:r>
+            <a:br>
+              <a:rPr lang="en-US" altLang="ja-JP" sz="1100" b="1" dirty="0">
+                <a:solidFill>
+                  <a:schemeClr val="bg1"/>
+                </a:solidFill>
+                <a:ea typeface="MS Mincho"/>
+                <a:cs typeface="MS Mincho"/>
+              </a:rPr>
+            </a:br>
+            <a:r>
+              <a:rPr lang="en-US" altLang="ja-JP" sz="1100" b="1" dirty="0">
+                <a:solidFill>
+                  <a:schemeClr val="bg1"/>
+                </a:solidFill>
+                <a:ea typeface="MS Mincho"/>
+                <a:cs typeface="MS Mincho"/>
+              </a:rPr>
+              <a:t>RAM</a:t>
+            </a:r>
+          </a:p>
+        </p:txBody>
+      </p:sp>
+      <p:sp>
+        <p:nvSpPr>
+          <p:cNvPr id="50" name="Rectangle 49"/>
+          <p:cNvSpPr>
+            <a:spLocks noChangeArrowheads="1"/>
+          </p:cNvSpPr>
+          <p:nvPr/>
+        </p:nvSpPr>
+        <p:spPr bwMode="auto">
+          <a:xfrm>
+            <a:off x="4342699" y="1980585"/>
+            <a:ext cx="958173" cy="411480"/>
+          </a:xfrm>
+          <a:prstGeom prst="rect">
+            <a:avLst/>
+          </a:prstGeom>
+          <a:solidFill>
+            <a:srgbClr val="117788"/>
+          </a:solidFill>
+          <a:ln>
+            <a:noFill/>
+            <a:headEnd/>
+            <a:tailEnd/>
+          </a:ln>
+        </p:spPr>
+        <p:style>
+          <a:lnRef idx="1">
+            <a:schemeClr val="accent2"/>
+          </a:lnRef>
+          <a:fillRef idx="3">
+            <a:schemeClr val="accent2"/>
+          </a:fillRef>
+          <a:effectRef idx="2">
+            <a:schemeClr val="accent2"/>
+          </a:effectRef>
+          <a:fontRef idx="minor">
+            <a:schemeClr val="lt1"/>
+          </a:fontRef>
+        </p:style>
+        <p:txBody>
+          <a:bodyPr lIns="66751" tIns="33376" rIns="66751" bIns="33376" anchor="ctr"/>
+          <a:lstStyle/>
+          <a:p>
+            <a:pPr algn="ctr" eaLnBrk="0" fontAlgn="base" hangingPunct="0">
+              <a:spcBef>
+                <a:spcPct val="0"/>
+              </a:spcBef>
+              <a:spcAft>
+                <a:spcPct val="0"/>
+              </a:spcAft>
+            </a:pPr>
+            <a:r>
+              <a:rPr lang="en-US" altLang="ja-JP" sz="1100" b="1" dirty="0">
+                <a:solidFill>
+                  <a:schemeClr val="bg1"/>
+                </a:solidFill>
+                <a:ea typeface="MS Mincho"/>
+                <a:cs typeface="MS Mincho"/>
+              </a:rPr>
+              <a:t>Shared RAM</a:t>
+            </a:r>
+          </a:p>
+        </p:txBody>
+      </p:sp>
+      <p:sp>
+        <p:nvSpPr>
+          <p:cNvPr id="54" name="Line 8"/>
+          <p:cNvSpPr>
+            <a:spLocks noChangeShapeType="1"/>
+          </p:cNvSpPr>
+          <p:nvPr/>
+        </p:nvSpPr>
+        <p:spPr bwMode="auto">
+          <a:xfrm>
+            <a:off x="4808988" y="2381053"/>
+            <a:ext cx="0" cy="228600"/>
+          </a:xfrm>
+          <a:prstGeom prst="line">
+            <a:avLst/>
+          </a:prstGeom>
+          <a:noFill/>
+          <a:ln w="9525">
+            <a:solidFill>
+              <a:srgbClr val="000000"/>
+            </a:solidFill>
+            <a:round/>
+            <a:headEnd type="triangle" w="med" len="med"/>
+            <a:tailEnd type="triangle"/>
+          </a:ln>
+        </p:spPr>
+        <p:txBody>
+          <a:bodyPr/>
+          <a:lstStyle/>
+          <a:p>
+            <a:pPr fontAlgn="base">
+              <a:spcBef>
+                <a:spcPct val="0"/>
+              </a:spcBef>
+              <a:spcAft>
+                <a:spcPct val="0"/>
+              </a:spcAft>
+            </a:pPr>
+            <a:endParaRPr lang="en-US" b="1" dirty="0">
+              <a:solidFill>
+                <a:srgbClr val="000000"/>
+              </a:solidFill>
+            </a:endParaRPr>
+          </a:p>
+        </p:txBody>
+      </p:sp>
+      <p:sp>
+        <p:nvSpPr>
+          <p:cNvPr id="55" name="Line 8"/>
+          <p:cNvSpPr>
+            <a:spLocks noChangeShapeType="1"/>
+          </p:cNvSpPr>
+          <p:nvPr/>
+        </p:nvSpPr>
+        <p:spPr bwMode="auto">
+          <a:xfrm>
+            <a:off x="5598510" y="2376539"/>
+            <a:ext cx="0" cy="228600"/>
+          </a:xfrm>
+          <a:prstGeom prst="line">
+            <a:avLst/>
+          </a:prstGeom>
+          <a:noFill/>
+          <a:ln w="9525">
+            <a:solidFill>
+              <a:srgbClr val="000000"/>
+            </a:solidFill>
+            <a:round/>
+            <a:headEnd type="triangle" w="med" len="med"/>
+            <a:tailEnd type="triangle"/>
+          </a:ln>
+        </p:spPr>
+        <p:txBody>
+          <a:bodyPr/>
+          <a:lstStyle/>
+          <a:p>
+            <a:pPr fontAlgn="base">
+              <a:spcBef>
+                <a:spcPct val="0"/>
+              </a:spcBef>
+              <a:spcAft>
+                <a:spcPct val="0"/>
+              </a:spcAft>
+            </a:pPr>
+            <a:endParaRPr lang="en-US" b="1" dirty="0">
+              <a:solidFill>
+                <a:srgbClr val="000000"/>
+              </a:solidFill>
+            </a:endParaRPr>
+          </a:p>
+        </p:txBody>
+      </p:sp>
+      <p:sp>
+        <p:nvSpPr>
+          <p:cNvPr id="57" name="Line 8"/>
+          <p:cNvSpPr>
+            <a:spLocks noChangeShapeType="1"/>
+          </p:cNvSpPr>
+          <p:nvPr/>
+        </p:nvSpPr>
+        <p:spPr bwMode="auto">
+          <a:xfrm>
+            <a:off x="6958879" y="2803980"/>
+            <a:ext cx="0" cy="228600"/>
+          </a:xfrm>
+          <a:prstGeom prst="line">
+            <a:avLst/>
+          </a:prstGeom>
+          <a:noFill/>
+          <a:ln w="9525">
+            <a:solidFill>
+              <a:srgbClr val="000000"/>
+            </a:solidFill>
+            <a:round/>
+            <a:headEnd type="triangle" w="med" len="med"/>
+            <a:tailEnd type="triangle"/>
+          </a:ln>
+        </p:spPr>
+        <p:txBody>
+          <a:bodyPr/>
+          <a:lstStyle/>
+          <a:p>
+            <a:pPr fontAlgn="base">
+              <a:spcBef>
+                <a:spcPct val="0"/>
+              </a:spcBef>
+              <a:spcAft>
+                <a:spcPct val="0"/>
+              </a:spcAft>
+            </a:pPr>
+            <a:endParaRPr lang="en-US" b="1" dirty="0">
+              <a:solidFill>
+                <a:srgbClr val="000000"/>
+              </a:solidFill>
+            </a:endParaRPr>
+          </a:p>
+        </p:txBody>
+      </p:sp>
+      <p:sp>
+        <p:nvSpPr>
+          <p:cNvPr id="58" name="Line 8"/>
+          <p:cNvSpPr>
+            <a:spLocks noChangeShapeType="1"/>
+          </p:cNvSpPr>
+          <p:nvPr/>
+        </p:nvSpPr>
+        <p:spPr bwMode="auto">
+          <a:xfrm>
+            <a:off x="4768325" y="2801149"/>
+            <a:ext cx="0" cy="228600"/>
+          </a:xfrm>
+          <a:prstGeom prst="line">
+            <a:avLst/>
+          </a:prstGeom>
+          <a:noFill/>
+          <a:ln w="9525">
+            <a:solidFill>
+              <a:srgbClr val="000000"/>
+            </a:solidFill>
+            <a:round/>
+            <a:headEnd type="triangle" w="med" len="med"/>
+            <a:tailEnd type="triangle"/>
+          </a:ln>
+        </p:spPr>
+        <p:txBody>
+          <a:bodyPr/>
+          <a:lstStyle/>
+          <a:p>
+            <a:pPr fontAlgn="base">
+              <a:spcBef>
+                <a:spcPct val="0"/>
+              </a:spcBef>
+              <a:spcAft>
+                <a:spcPct val="0"/>
+              </a:spcAft>
+            </a:pPr>
+            <a:endParaRPr lang="en-US" b="1" dirty="0">
+              <a:solidFill>
+                <a:srgbClr val="000000"/>
+              </a:solidFill>
+            </a:endParaRPr>
+          </a:p>
+        </p:txBody>
+      </p:sp>
+      <p:sp>
+        <p:nvSpPr>
+          <p:cNvPr id="72" name="Up-Down Arrow 71"/>
+          <p:cNvSpPr/>
+          <p:nvPr/>
+        </p:nvSpPr>
+        <p:spPr>
+          <a:xfrm>
+            <a:off x="5780601" y="2814520"/>
+            <a:ext cx="211561" cy="1010102"/>
+          </a:xfrm>
+          <a:prstGeom prst="upDownArrow">
+            <a:avLst>
+              <a:gd name="adj1" fmla="val 40476"/>
+              <a:gd name="adj2" fmla="val 33333"/>
+            </a:avLst>
+          </a:prstGeom>
+          <a:ln/>
+        </p:spPr>
+        <p:style>
+          <a:lnRef idx="1">
+            <a:schemeClr val="dk1"/>
+          </a:lnRef>
+          <a:fillRef idx="2">
+            <a:schemeClr val="dk1"/>
+          </a:fillRef>
+          <a:effectRef idx="1">
+            <a:schemeClr val="dk1"/>
+          </a:effectRef>
+          <a:fontRef idx="minor">
+            <a:schemeClr val="dk1"/>
+          </a:fontRef>
+        </p:style>
+        <p:txBody>
+          <a:bodyPr rtlCol="0" anchor="ctr"/>
+          <a:lstStyle/>
+          <a:p>
+            <a:pPr algn="ctr" fontAlgn="base">
+              <a:spcBef>
+                <a:spcPct val="0"/>
+              </a:spcBef>
+              <a:spcAft>
+                <a:spcPct val="0"/>
+              </a:spcAft>
+            </a:pPr>
+            <a:endParaRPr lang="en-US" b="1" dirty="0">
+              <a:solidFill>
+                <a:srgbClr val="FFFFFF"/>
+              </a:solidFill>
+            </a:endParaRPr>
+          </a:p>
+        </p:txBody>
+      </p:sp>
+      <p:sp>
+        <p:nvSpPr>
+          <p:cNvPr id="41" name="Rectangle 40"/>
+          <p:cNvSpPr>
+            <a:spLocks noChangeArrowheads="1"/>
+          </p:cNvSpPr>
+          <p:nvPr/>
+        </p:nvSpPr>
+        <p:spPr bwMode="auto">
+          <a:xfrm>
+            <a:off x="5874115" y="1980585"/>
+            <a:ext cx="502920" cy="411480"/>
+          </a:xfrm>
+          <a:prstGeom prst="rect">
+            <a:avLst/>
+          </a:prstGeom>
+          <a:solidFill>
+            <a:srgbClr val="117788"/>
+          </a:solidFill>
+          <a:ln>
+            <a:noFill/>
+            <a:headEnd/>
+            <a:tailEnd/>
+          </a:ln>
+        </p:spPr>
+        <p:style>
+          <a:lnRef idx="1">
+            <a:schemeClr val="accent2"/>
+          </a:lnRef>
+          <a:fillRef idx="3">
+            <a:schemeClr val="accent2"/>
+          </a:fillRef>
+          <a:effectRef idx="2">
+            <a:schemeClr val="accent2"/>
+          </a:effectRef>
+          <a:fontRef idx="minor">
+            <a:schemeClr val="lt1"/>
+          </a:fontRef>
+        </p:style>
+        <p:txBody>
+          <a:bodyPr lIns="66751" tIns="33376" rIns="66751" bIns="33376" anchor="ctr"/>
+          <a:lstStyle/>
+          <a:p>
+            <a:pPr algn="ctr" eaLnBrk="0" fontAlgn="base" hangingPunct="0">
+              <a:spcBef>
+                <a:spcPct val="0"/>
+              </a:spcBef>
+              <a:spcAft>
+                <a:spcPct val="0"/>
+              </a:spcAft>
+            </a:pPr>
+            <a:r>
+              <a:rPr lang="en-US" altLang="ja-JP" sz="1100" b="1" dirty="0">
+                <a:solidFill>
+                  <a:schemeClr val="bg1"/>
+                </a:solidFill>
+                <a:ea typeface="MS Mincho"/>
+                <a:cs typeface="MS Mincho"/>
+              </a:rPr>
+              <a:t>DataRAM</a:t>
+            </a:r>
+          </a:p>
+        </p:txBody>
+      </p:sp>
+      <p:sp>
+        <p:nvSpPr>
+          <p:cNvPr id="43" name="Rectangle 42"/>
+          <p:cNvSpPr>
+            <a:spLocks noChangeArrowheads="1"/>
+          </p:cNvSpPr>
+          <p:nvPr/>
+        </p:nvSpPr>
+        <p:spPr bwMode="auto">
+          <a:xfrm>
+            <a:off x="6413794" y="1980585"/>
+            <a:ext cx="502920" cy="411480"/>
+          </a:xfrm>
+          <a:prstGeom prst="rect">
+            <a:avLst/>
+          </a:prstGeom>
+          <a:solidFill>
+            <a:srgbClr val="32B4CE"/>
+          </a:solidFill>
+          <a:ln>
+            <a:noFill/>
+            <a:headEnd/>
+            <a:tailEnd/>
+          </a:ln>
+        </p:spPr>
+        <p:style>
+          <a:lnRef idx="1">
+            <a:schemeClr val="accent2"/>
+          </a:lnRef>
+          <a:fillRef idx="3">
+            <a:schemeClr val="accent2"/>
+          </a:fillRef>
+          <a:effectRef idx="2">
+            <a:schemeClr val="accent2"/>
+          </a:effectRef>
+          <a:fontRef idx="minor">
+            <a:schemeClr val="lt1"/>
+          </a:fontRef>
+        </p:style>
+        <p:txBody>
+          <a:bodyPr lIns="66751" tIns="33376" rIns="66751" bIns="33376" anchor="ctr"/>
+          <a:lstStyle/>
+          <a:p>
+            <a:pPr algn="ctr" eaLnBrk="0" fontAlgn="base" hangingPunct="0">
+              <a:spcBef>
+                <a:spcPct val="0"/>
+              </a:spcBef>
+              <a:spcAft>
+                <a:spcPct val="0"/>
+              </a:spcAft>
+            </a:pPr>
+            <a:r>
+              <a:rPr lang="en-US" altLang="ja-JP" sz="1100" b="1" dirty="0">
+                <a:solidFill>
+                  <a:schemeClr val="bg1"/>
+                </a:solidFill>
+                <a:ea typeface="MS Mincho"/>
+                <a:cs typeface="MS Mincho"/>
+              </a:rPr>
+              <a:t>Inst.</a:t>
+            </a:r>
+            <a:br>
+              <a:rPr lang="en-US" altLang="ja-JP" sz="1100" b="1" dirty="0">
+                <a:solidFill>
+                  <a:schemeClr val="bg1"/>
+                </a:solidFill>
+                <a:ea typeface="MS Mincho"/>
+                <a:cs typeface="MS Mincho"/>
+              </a:rPr>
+            </a:br>
+            <a:r>
+              <a:rPr lang="en-US" altLang="ja-JP" sz="1100" b="1" dirty="0">
+                <a:solidFill>
+                  <a:schemeClr val="bg1"/>
+                </a:solidFill>
+                <a:ea typeface="MS Mincho"/>
+                <a:cs typeface="MS Mincho"/>
+              </a:rPr>
+              <a:t>RAM</a:t>
+            </a:r>
+          </a:p>
+        </p:txBody>
+      </p:sp>
+      <p:sp>
+        <p:nvSpPr>
+          <p:cNvPr id="44" name="Rectangle 43"/>
+          <p:cNvSpPr>
+            <a:spLocks noChangeArrowheads="1"/>
+          </p:cNvSpPr>
+          <p:nvPr/>
+        </p:nvSpPr>
+        <p:spPr bwMode="auto">
+          <a:xfrm>
+            <a:off x="6948632" y="1980585"/>
+            <a:ext cx="502920" cy="411480"/>
+          </a:xfrm>
+          <a:prstGeom prst="rect">
+            <a:avLst/>
+          </a:prstGeom>
+          <a:solidFill>
+            <a:srgbClr val="117788"/>
+          </a:solidFill>
+          <a:ln>
+            <a:noFill/>
+            <a:headEnd/>
+            <a:tailEnd/>
+          </a:ln>
+        </p:spPr>
+        <p:style>
+          <a:lnRef idx="1">
+            <a:schemeClr val="accent2"/>
+          </a:lnRef>
+          <a:fillRef idx="3">
+            <a:schemeClr val="accent2"/>
+          </a:fillRef>
+          <a:effectRef idx="2">
+            <a:schemeClr val="accent2"/>
+          </a:effectRef>
+          <a:fontRef idx="minor">
+            <a:schemeClr val="lt1"/>
+          </a:fontRef>
+        </p:style>
+        <p:txBody>
+          <a:bodyPr lIns="66751" tIns="33376" rIns="66751" bIns="33376" anchor="ctr"/>
+          <a:lstStyle/>
+          <a:p>
+            <a:pPr algn="ctr" eaLnBrk="0" fontAlgn="base" hangingPunct="0">
+              <a:spcBef>
+                <a:spcPct val="0"/>
+              </a:spcBef>
+              <a:spcAft>
+                <a:spcPct val="0"/>
+              </a:spcAft>
+            </a:pPr>
+            <a:r>
+              <a:rPr lang="en-US" altLang="ja-JP" sz="1100" b="1" dirty="0">
+                <a:solidFill>
+                  <a:schemeClr val="bg1"/>
+                </a:solidFill>
+                <a:ea typeface="MS Mincho"/>
+                <a:cs typeface="MS Mincho"/>
+              </a:rPr>
+              <a:t>DataRAM</a:t>
+            </a:r>
+          </a:p>
+        </p:txBody>
+      </p:sp>
+      <p:sp>
+        <p:nvSpPr>
+          <p:cNvPr id="45" name="Line 8"/>
+          <p:cNvSpPr>
+            <a:spLocks noChangeShapeType="1"/>
+          </p:cNvSpPr>
+          <p:nvPr/>
+        </p:nvSpPr>
+        <p:spPr bwMode="auto">
+          <a:xfrm>
+            <a:off x="6117389" y="2372202"/>
+            <a:ext cx="0" cy="228600"/>
+          </a:xfrm>
+          <a:prstGeom prst="line">
+            <a:avLst/>
+          </a:prstGeom>
+          <a:noFill/>
+          <a:ln w="9525">
+            <a:solidFill>
+              <a:srgbClr val="000000"/>
+            </a:solidFill>
+            <a:round/>
+            <a:headEnd type="triangle" w="med" len="med"/>
+            <a:tailEnd type="triangle"/>
+          </a:ln>
+        </p:spPr>
+        <p:txBody>
+          <a:bodyPr/>
+          <a:lstStyle/>
+          <a:p>
+            <a:pPr fontAlgn="base">
+              <a:spcBef>
+                <a:spcPct val="0"/>
+              </a:spcBef>
+              <a:spcAft>
+                <a:spcPct val="0"/>
+              </a:spcAft>
+            </a:pPr>
+            <a:endParaRPr lang="en-US" b="1" dirty="0">
+              <a:solidFill>
+                <a:srgbClr val="000000"/>
+              </a:solidFill>
+            </a:endParaRPr>
+          </a:p>
+        </p:txBody>
+      </p:sp>
+      <p:sp>
+        <p:nvSpPr>
+          <p:cNvPr id="51" name="Line 8"/>
+          <p:cNvSpPr>
+            <a:spLocks noChangeShapeType="1"/>
+          </p:cNvSpPr>
+          <p:nvPr/>
+        </p:nvSpPr>
+        <p:spPr bwMode="auto">
+          <a:xfrm>
+            <a:off x="6683452" y="2376539"/>
+            <a:ext cx="0" cy="228600"/>
+          </a:xfrm>
+          <a:prstGeom prst="line">
+            <a:avLst/>
+          </a:prstGeom>
+          <a:noFill/>
+          <a:ln w="9525">
+            <a:solidFill>
+              <a:srgbClr val="000000"/>
+            </a:solidFill>
+            <a:round/>
+            <a:headEnd type="triangle" w="med" len="med"/>
+            <a:tailEnd type="triangle"/>
+          </a:ln>
+        </p:spPr>
+        <p:txBody>
+          <a:bodyPr/>
+          <a:lstStyle/>
+          <a:p>
+            <a:pPr fontAlgn="base">
+              <a:spcBef>
+                <a:spcPct val="0"/>
+              </a:spcBef>
+              <a:spcAft>
+                <a:spcPct val="0"/>
+              </a:spcAft>
+            </a:pPr>
+            <a:endParaRPr lang="en-US" b="1" dirty="0">
+              <a:solidFill>
+                <a:srgbClr val="000000"/>
+              </a:solidFill>
+            </a:endParaRPr>
+          </a:p>
+        </p:txBody>
+      </p:sp>
+      <p:sp>
+        <p:nvSpPr>
+          <p:cNvPr id="52" name="Line 8"/>
+          <p:cNvSpPr>
+            <a:spLocks noChangeShapeType="1"/>
+          </p:cNvSpPr>
+          <p:nvPr/>
+        </p:nvSpPr>
+        <p:spPr bwMode="auto">
+          <a:xfrm>
+            <a:off x="7202331" y="2372202"/>
+            <a:ext cx="0" cy="228600"/>
+          </a:xfrm>
+          <a:prstGeom prst="line">
+            <a:avLst/>
+          </a:prstGeom>
+          <a:noFill/>
+          <a:ln w="9525">
+            <a:solidFill>
+              <a:srgbClr val="000000"/>
+            </a:solidFill>
+            <a:round/>
+            <a:headEnd type="triangle" w="med" len="med"/>
+            <a:tailEnd type="triangle"/>
+          </a:ln>
+        </p:spPr>
+        <p:txBody>
+          <a:bodyPr/>
+          <a:lstStyle/>
+          <a:p>
+            <a:pPr fontAlgn="base">
+              <a:spcBef>
+                <a:spcPct val="0"/>
+              </a:spcBef>
+              <a:spcAft>
+                <a:spcPct val="0"/>
+              </a:spcAft>
+            </a:pPr>
+            <a:endParaRPr lang="en-US" b="1" dirty="0">
+              <a:solidFill>
+                <a:srgbClr val="000000"/>
+              </a:solidFill>
+            </a:endParaRPr>
+          </a:p>
+        </p:txBody>
+      </p:sp>
+      <p:sp>
+        <p:nvSpPr>
+          <p:cNvPr id="53" name="Rectangle 7"/>
+          <p:cNvSpPr>
+            <a:spLocks noChangeArrowheads="1"/>
+          </p:cNvSpPr>
+          <p:nvPr/>
+        </p:nvSpPr>
+        <p:spPr bwMode="auto">
+          <a:xfrm>
+            <a:off x="8105260" y="1815990"/>
+            <a:ext cx="729695" cy="419921"/>
+          </a:xfrm>
+          <a:prstGeom prst="rect">
+            <a:avLst/>
+          </a:prstGeom>
+          <a:solidFill>
+            <a:srgbClr val="FF6600"/>
+          </a:solidFill>
+          <a:ln>
+            <a:solidFill>
+              <a:srgbClr val="FF6600"/>
+            </a:solidFill>
+            <a:headEnd/>
+            <a:tailEnd/>
+          </a:ln>
+        </p:spPr>
+        <p:style>
+          <a:lnRef idx="1">
+            <a:schemeClr val="accent6"/>
+          </a:lnRef>
+          <a:fillRef idx="3">
+            <a:schemeClr val="accent6"/>
+          </a:fillRef>
+          <a:effectRef idx="2">
+            <a:schemeClr val="accent6"/>
+          </a:effectRef>
+          <a:fontRef idx="minor">
+            <a:schemeClr val="lt1"/>
+          </a:fontRef>
+        </p:style>
+        <p:txBody>
+          <a:bodyPr lIns="66751" tIns="33376" rIns="66751" bIns="33376" anchor="ctr"/>
+          <a:lstStyle/>
+          <a:p>
+            <a:pPr algn="ctr" eaLnBrk="0" fontAlgn="base" hangingPunct="0">
+              <a:spcBef>
+                <a:spcPct val="0"/>
+              </a:spcBef>
+              <a:spcAft>
+                <a:spcPct val="0"/>
+              </a:spcAft>
+            </a:pPr>
+            <a:r>
+              <a:rPr lang="en-US" altLang="ja-JP" sz="1100" b="1" dirty="0">
+                <a:solidFill>
+                  <a:srgbClr val="000000"/>
+                </a:solidFill>
+                <a:ea typeface="MS Mincho"/>
+                <a:cs typeface="MS Mincho"/>
+              </a:rPr>
+              <a:t>PRU1 I/O</a:t>
+            </a:r>
+          </a:p>
+        </p:txBody>
+      </p:sp>
+      <p:sp>
+        <p:nvSpPr>
+          <p:cNvPr id="56" name="Up-Down Arrow 55"/>
+          <p:cNvSpPr/>
+          <p:nvPr/>
+        </p:nvSpPr>
+        <p:spPr>
+          <a:xfrm rot="5400000">
+            <a:off x="7718552" y="1777709"/>
+            <a:ext cx="235746" cy="460860"/>
+          </a:xfrm>
+          <a:prstGeom prst="upDownArrow">
+            <a:avLst>
+              <a:gd name="adj1" fmla="val 40476"/>
+              <a:gd name="adj2" fmla="val 33333"/>
+            </a:avLst>
+          </a:prstGeom>
+          <a:ln/>
+        </p:spPr>
+        <p:style>
+          <a:lnRef idx="1">
+            <a:schemeClr val="dk1"/>
+          </a:lnRef>
+          <a:fillRef idx="2">
+            <a:schemeClr val="dk1"/>
+          </a:fillRef>
+          <a:effectRef idx="1">
+            <a:schemeClr val="dk1"/>
+          </a:effectRef>
+          <a:fontRef idx="minor">
+            <a:schemeClr val="dk1"/>
+          </a:fontRef>
+        </p:style>
+        <p:txBody>
+          <a:bodyPr rtlCol="0" anchor="ctr"/>
+          <a:lstStyle/>
+          <a:p>
+            <a:pPr algn="ctr" fontAlgn="base">
+              <a:spcBef>
+                <a:spcPct val="0"/>
+              </a:spcBef>
+              <a:spcAft>
+                <a:spcPct val="0"/>
+              </a:spcAft>
+            </a:pPr>
+            <a:endParaRPr lang="en-US" b="1" dirty="0">
+              <a:solidFill>
+                <a:srgbClr val="FFFFFF"/>
+              </a:solidFill>
+            </a:endParaRPr>
+          </a:p>
+        </p:txBody>
+      </p:sp>
+      <p:sp>
+        <p:nvSpPr>
+          <p:cNvPr id="4" name="Rectangle 7"/>
+          <p:cNvSpPr>
+            <a:spLocks noChangeArrowheads="1"/>
+          </p:cNvSpPr>
+          <p:nvPr/>
+        </p:nvSpPr>
+        <p:spPr bwMode="auto">
+          <a:xfrm>
+            <a:off x="881710" y="4556159"/>
+            <a:ext cx="958173" cy="419921"/>
+          </a:xfrm>
+          <a:prstGeom prst="rect">
+            <a:avLst/>
+          </a:prstGeom>
+          <a:solidFill>
+            <a:srgbClr val="117788"/>
+          </a:solidFill>
+          <a:ln>
+            <a:noFill/>
+            <a:headEnd/>
+            <a:tailEnd/>
+          </a:ln>
+        </p:spPr>
+        <p:style>
+          <a:lnRef idx="1">
+            <a:schemeClr val="accent2"/>
+          </a:lnRef>
+          <a:fillRef idx="3">
+            <a:schemeClr val="accent2"/>
+          </a:fillRef>
+          <a:effectRef idx="2">
+            <a:schemeClr val="accent2"/>
+          </a:effectRef>
+          <a:fontRef idx="minor">
+            <a:schemeClr val="lt1"/>
+          </a:fontRef>
+        </p:style>
+        <p:txBody>
+          <a:bodyPr lIns="66751" tIns="33376" rIns="66751" bIns="33376" anchor="ctr"/>
+          <a:lstStyle/>
+          <a:p>
+            <a:pPr algn="ctr" eaLnBrk="0" fontAlgn="base" hangingPunct="0">
+              <a:spcBef>
+                <a:spcPct val="0"/>
+              </a:spcBef>
+              <a:spcAft>
+                <a:spcPct val="0"/>
+              </a:spcAft>
+            </a:pPr>
+            <a:r>
+              <a:rPr lang="en-US" altLang="ja-JP" sz="1100" b="1" dirty="0">
+                <a:solidFill>
+                  <a:schemeClr val="bg1"/>
+                </a:solidFill>
+                <a:ea typeface="MS Mincho"/>
+                <a:cs typeface="MS Mincho"/>
+              </a:rPr>
+              <a:t>Shared </a:t>
+            </a:r>
+          </a:p>
+          <a:p>
+            <a:pPr algn="ctr" eaLnBrk="0" fontAlgn="base" hangingPunct="0">
+              <a:spcBef>
+                <a:spcPct val="0"/>
+              </a:spcBef>
+              <a:spcAft>
+                <a:spcPct val="0"/>
+              </a:spcAft>
+            </a:pPr>
+            <a:r>
+              <a:rPr lang="en-US" altLang="ja-JP" sz="1100" b="1" dirty="0">
+                <a:solidFill>
+                  <a:schemeClr val="bg1"/>
+                </a:solidFill>
+                <a:ea typeface="MS Mincho"/>
+                <a:cs typeface="MS Mincho"/>
+              </a:rPr>
+              <a:t>Memory</a:t>
+            </a:r>
+          </a:p>
+        </p:txBody>
+      </p:sp>
+      <p:sp>
+        <p:nvSpPr>
+          <p:cNvPr id="7" name="Rectangle 7"/>
+          <p:cNvSpPr>
+            <a:spLocks noChangeArrowheads="1"/>
+          </p:cNvSpPr>
+          <p:nvPr/>
+        </p:nvSpPr>
+        <p:spPr bwMode="auto">
+          <a:xfrm>
+            <a:off x="3322796" y="4547677"/>
+            <a:ext cx="958173" cy="419921"/>
+          </a:xfrm>
+          <a:prstGeom prst="rect">
+            <a:avLst/>
+          </a:prstGeom>
+          <a:solidFill>
+            <a:srgbClr val="FFC000"/>
+          </a:solidFill>
+          <a:ln>
+            <a:solidFill>
+              <a:srgbClr val="E8A835"/>
+            </a:solidFill>
+            <a:headEnd/>
+            <a:tailEnd/>
+          </a:ln>
+        </p:spPr>
+        <p:style>
+          <a:lnRef idx="1">
+            <a:schemeClr val="accent3"/>
+          </a:lnRef>
+          <a:fillRef idx="3">
+            <a:schemeClr val="accent3"/>
+          </a:fillRef>
+          <a:effectRef idx="2">
+            <a:schemeClr val="accent3"/>
+          </a:effectRef>
+          <a:fontRef idx="minor">
+            <a:schemeClr val="lt1"/>
+          </a:fontRef>
+        </p:style>
+        <p:txBody>
+          <a:bodyPr lIns="66751" tIns="33376" rIns="66751" bIns="33376" anchor="ctr"/>
+          <a:lstStyle/>
+          <a:p>
+            <a:pPr algn="ctr" eaLnBrk="0" fontAlgn="base" hangingPunct="0">
+              <a:spcBef>
+                <a:spcPct val="0"/>
+              </a:spcBef>
+              <a:spcAft>
+                <a:spcPct val="0"/>
+              </a:spcAft>
+            </a:pPr>
+            <a:r>
+              <a:rPr lang="en-US" altLang="ja-JP" sz="1100" b="1" dirty="0" smtClean="0">
+                <a:solidFill>
+                  <a:srgbClr val="000000"/>
+                </a:solidFill>
+                <a:ea typeface="MS Mincho"/>
+                <a:cs typeface="MS Mincho"/>
+              </a:rPr>
+              <a:t>Peripherals</a:t>
+            </a:r>
+            <a:endParaRPr lang="en-US" altLang="ja-JP" sz="1100" b="1" dirty="0">
+              <a:solidFill>
+                <a:srgbClr val="000000"/>
+              </a:solidFill>
+              <a:ea typeface="MS Mincho"/>
+              <a:cs typeface="MS Mincho"/>
+            </a:endParaRPr>
+          </a:p>
+        </p:txBody>
+      </p:sp>
+      <p:sp>
+        <p:nvSpPr>
+          <p:cNvPr id="8" name="Rectangle 7"/>
+          <p:cNvSpPr>
+            <a:spLocks noChangeArrowheads="1"/>
+          </p:cNvSpPr>
+          <p:nvPr/>
+        </p:nvSpPr>
+        <p:spPr bwMode="auto">
+          <a:xfrm>
+            <a:off x="1380975" y="5810110"/>
+            <a:ext cx="958173" cy="419921"/>
+          </a:xfrm>
+          <a:prstGeom prst="rect">
+            <a:avLst/>
+          </a:prstGeom>
+          <a:solidFill>
+            <a:srgbClr val="FFC000"/>
+          </a:solidFill>
+          <a:ln>
+            <a:solidFill>
+              <a:srgbClr val="E8A835"/>
+            </a:solidFill>
+            <a:headEnd/>
+            <a:tailEnd/>
+          </a:ln>
+        </p:spPr>
+        <p:style>
+          <a:lnRef idx="1">
+            <a:schemeClr val="accent3"/>
+          </a:lnRef>
+          <a:fillRef idx="3">
+            <a:schemeClr val="accent3"/>
+          </a:fillRef>
+          <a:effectRef idx="2">
+            <a:schemeClr val="accent3"/>
+          </a:effectRef>
+          <a:fontRef idx="minor">
+            <a:schemeClr val="lt1"/>
+          </a:fontRef>
+        </p:style>
+        <p:txBody>
+          <a:bodyPr lIns="66751" tIns="33376" rIns="66751" bIns="33376" anchor="ctr"/>
+          <a:lstStyle/>
+          <a:p>
+            <a:pPr algn="ctr" eaLnBrk="0" fontAlgn="base" hangingPunct="0">
+              <a:spcBef>
+                <a:spcPct val="0"/>
+              </a:spcBef>
+              <a:spcAft>
+                <a:spcPct val="0"/>
+              </a:spcAft>
+            </a:pPr>
+            <a:r>
+              <a:rPr lang="en-US" altLang="ja-JP" sz="1100" b="1" dirty="0">
+                <a:solidFill>
+                  <a:srgbClr val="000000"/>
+                </a:solidFill>
+                <a:ea typeface="MS Mincho"/>
+                <a:cs typeface="MS Mincho"/>
+              </a:rPr>
+              <a:t>Peripherals</a:t>
+            </a:r>
+          </a:p>
+        </p:txBody>
+      </p:sp>
+      <p:sp>
+        <p:nvSpPr>
+          <p:cNvPr id="9" name="Rectangle 7"/>
+          <p:cNvSpPr>
+            <a:spLocks noChangeArrowheads="1"/>
+          </p:cNvSpPr>
+          <p:nvPr/>
+        </p:nvSpPr>
+        <p:spPr bwMode="auto">
+          <a:xfrm>
+            <a:off x="2846237" y="5812644"/>
+            <a:ext cx="721871" cy="419921"/>
+          </a:xfrm>
+          <a:prstGeom prst="rect">
+            <a:avLst/>
+          </a:prstGeom>
+          <a:solidFill>
+            <a:srgbClr val="FF6600"/>
+          </a:solidFill>
+          <a:ln>
+            <a:solidFill>
+              <a:srgbClr val="FF6600"/>
+            </a:solidFill>
+            <a:headEnd/>
+            <a:tailEnd/>
+          </a:ln>
+        </p:spPr>
+        <p:style>
+          <a:lnRef idx="1">
+            <a:schemeClr val="accent6"/>
+          </a:lnRef>
+          <a:fillRef idx="3">
+            <a:schemeClr val="accent6"/>
+          </a:fillRef>
+          <a:effectRef idx="2">
+            <a:schemeClr val="accent6"/>
+          </a:effectRef>
+          <a:fontRef idx="minor">
+            <a:schemeClr val="lt1"/>
+          </a:fontRef>
+        </p:style>
+        <p:txBody>
+          <a:bodyPr lIns="66751" tIns="33376" rIns="66751" bIns="33376" anchor="ctr"/>
+          <a:lstStyle/>
+          <a:p>
+            <a:pPr algn="ctr" eaLnBrk="0" fontAlgn="base" hangingPunct="0">
+              <a:spcBef>
+                <a:spcPct val="0"/>
+              </a:spcBef>
+              <a:spcAft>
+                <a:spcPct val="0"/>
+              </a:spcAft>
+            </a:pPr>
+            <a:r>
+              <a:rPr lang="en-US" altLang="ja-JP" sz="1100" b="1" dirty="0">
+                <a:solidFill>
+                  <a:srgbClr val="000000"/>
+                </a:solidFill>
+                <a:ea typeface="MS Mincho"/>
+                <a:cs typeface="MS Mincho"/>
+              </a:rPr>
+              <a:t>GP I/O</a:t>
+            </a:r>
+          </a:p>
+        </p:txBody>
+      </p:sp>
+      <p:sp>
+        <p:nvSpPr>
+          <p:cNvPr id="11" name="Rectangle 63"/>
+          <p:cNvSpPr>
+            <a:spLocks noChangeArrowheads="1"/>
+          </p:cNvSpPr>
+          <p:nvPr/>
+        </p:nvSpPr>
+        <p:spPr bwMode="auto">
+          <a:xfrm rot="16200000">
+            <a:off x="2436168" y="3110235"/>
+            <a:ext cx="357971" cy="4427298"/>
+          </a:xfrm>
+          <a:prstGeom prst="rect">
+            <a:avLst/>
+          </a:prstGeom>
+          <a:ln>
+            <a:headEnd/>
+            <a:tailEnd/>
+          </a:ln>
+        </p:spPr>
+        <p:style>
+          <a:lnRef idx="1">
+            <a:schemeClr val="dk1"/>
+          </a:lnRef>
+          <a:fillRef idx="2">
+            <a:schemeClr val="dk1"/>
+          </a:fillRef>
+          <a:effectRef idx="1">
+            <a:schemeClr val="dk1"/>
+          </a:effectRef>
+          <a:fontRef idx="minor">
+            <a:schemeClr val="dk1"/>
+          </a:fontRef>
+        </p:style>
+        <p:txBody>
+          <a:bodyPr vert="vert" lIns="66751" tIns="33376" rIns="66751" bIns="33376" anchor="ctr"/>
+          <a:lstStyle/>
+          <a:p>
+            <a:pPr algn="ctr" eaLnBrk="0" fontAlgn="base" hangingPunct="0">
+              <a:spcBef>
+                <a:spcPct val="0"/>
+              </a:spcBef>
+              <a:spcAft>
+                <a:spcPct val="0"/>
+              </a:spcAft>
+            </a:pPr>
+            <a:r>
+              <a:rPr lang="en-US" sz="1100" b="1" dirty="0" smtClean="0">
+                <a:solidFill>
+                  <a:srgbClr val="000000"/>
+                </a:solidFill>
+                <a:ea typeface="MS Mincho"/>
+                <a:cs typeface="MS Mincho"/>
+              </a:rPr>
+              <a:t>			L4 </a:t>
+            </a:r>
+            <a:r>
+              <a:rPr lang="en-US" sz="1100" b="1" dirty="0">
+                <a:solidFill>
+                  <a:srgbClr val="000000"/>
+                </a:solidFill>
+                <a:ea typeface="MS Mincho"/>
+                <a:cs typeface="MS Mincho"/>
+              </a:rPr>
+              <a:t>Interconnect</a:t>
+            </a:r>
+          </a:p>
+        </p:txBody>
+      </p:sp>
+      <p:sp>
+        <p:nvSpPr>
+          <p:cNvPr id="12" name="Up-Down Arrow 64"/>
+          <p:cNvSpPr/>
+          <p:nvPr/>
+        </p:nvSpPr>
+        <p:spPr>
+          <a:xfrm>
+            <a:off x="2504467" y="4236507"/>
+            <a:ext cx="218731" cy="908391"/>
+          </a:xfrm>
+          <a:prstGeom prst="upDownArrow">
+            <a:avLst>
+              <a:gd name="adj1" fmla="val 40476"/>
+              <a:gd name="adj2" fmla="val 33333"/>
+            </a:avLst>
+          </a:prstGeom>
+          <a:ln/>
+        </p:spPr>
+        <p:style>
+          <a:lnRef idx="1">
+            <a:schemeClr val="dk1"/>
+          </a:lnRef>
+          <a:fillRef idx="2">
+            <a:schemeClr val="dk1"/>
+          </a:fillRef>
+          <a:effectRef idx="1">
+            <a:schemeClr val="dk1"/>
+          </a:effectRef>
+          <a:fontRef idx="minor">
+            <a:schemeClr val="dk1"/>
+          </a:fontRef>
+        </p:style>
+        <p:txBody>
+          <a:bodyPr rtlCol="0" anchor="ctr"/>
+          <a:lstStyle/>
+          <a:p>
+            <a:pPr algn="ctr" fontAlgn="base">
+              <a:spcBef>
+                <a:spcPct val="0"/>
+              </a:spcBef>
+              <a:spcAft>
+                <a:spcPct val="0"/>
+              </a:spcAft>
+            </a:pPr>
+            <a:endParaRPr lang="en-US" b="1" dirty="0">
+              <a:solidFill>
+                <a:srgbClr val="FFFFFF"/>
+              </a:solidFill>
+            </a:endParaRPr>
+          </a:p>
+        </p:txBody>
+      </p:sp>
+      <p:sp>
+        <p:nvSpPr>
+          <p:cNvPr id="16" name="Up-Down Arrow 66"/>
+          <p:cNvSpPr/>
+          <p:nvPr/>
+        </p:nvSpPr>
+        <p:spPr>
+          <a:xfrm>
+            <a:off x="1255991" y="4230289"/>
+            <a:ext cx="211561" cy="312456"/>
+          </a:xfrm>
+          <a:prstGeom prst="upDownArrow">
+            <a:avLst>
+              <a:gd name="adj1" fmla="val 40476"/>
+              <a:gd name="adj2" fmla="val 33333"/>
+            </a:avLst>
+          </a:prstGeom>
+          <a:ln/>
+        </p:spPr>
+        <p:style>
+          <a:lnRef idx="1">
+            <a:schemeClr val="dk1"/>
+          </a:lnRef>
+          <a:fillRef idx="2">
+            <a:schemeClr val="dk1"/>
+          </a:fillRef>
+          <a:effectRef idx="1">
+            <a:schemeClr val="dk1"/>
+          </a:effectRef>
+          <a:fontRef idx="minor">
+            <a:schemeClr val="dk1"/>
+          </a:fontRef>
+        </p:style>
+        <p:txBody>
+          <a:bodyPr rtlCol="0" anchor="ctr"/>
+          <a:lstStyle/>
+          <a:p>
+            <a:pPr algn="ctr" fontAlgn="base">
+              <a:spcBef>
+                <a:spcPct val="0"/>
+              </a:spcBef>
+              <a:spcAft>
+                <a:spcPct val="0"/>
+              </a:spcAft>
+            </a:pPr>
+            <a:endParaRPr lang="en-US" b="1" dirty="0">
+              <a:solidFill>
+                <a:srgbClr val="FFFFFF"/>
+              </a:solidFill>
+            </a:endParaRPr>
+          </a:p>
+        </p:txBody>
+      </p:sp>
+      <p:sp>
+        <p:nvSpPr>
+          <p:cNvPr id="18" name="Up-Down Arrow 67"/>
+          <p:cNvSpPr/>
+          <p:nvPr/>
+        </p:nvSpPr>
+        <p:spPr>
+          <a:xfrm>
+            <a:off x="3696101" y="4230289"/>
+            <a:ext cx="211561" cy="312456"/>
+          </a:xfrm>
+          <a:prstGeom prst="upDownArrow">
+            <a:avLst>
+              <a:gd name="adj1" fmla="val 40476"/>
+              <a:gd name="adj2" fmla="val 33333"/>
+            </a:avLst>
+          </a:prstGeom>
+          <a:ln/>
+        </p:spPr>
+        <p:style>
+          <a:lnRef idx="1">
+            <a:schemeClr val="dk1"/>
+          </a:lnRef>
+          <a:fillRef idx="2">
+            <a:schemeClr val="dk1"/>
+          </a:fillRef>
+          <a:effectRef idx="1">
+            <a:schemeClr val="dk1"/>
+          </a:effectRef>
+          <a:fontRef idx="minor">
+            <a:schemeClr val="dk1"/>
+          </a:fontRef>
+        </p:style>
+        <p:txBody>
+          <a:bodyPr rtlCol="0" anchor="ctr"/>
+          <a:lstStyle/>
+          <a:p>
+            <a:pPr algn="ctr" fontAlgn="base">
+              <a:spcBef>
+                <a:spcPct val="0"/>
+              </a:spcBef>
+              <a:spcAft>
+                <a:spcPct val="0"/>
+              </a:spcAft>
+            </a:pPr>
+            <a:endParaRPr lang="en-US" b="1" dirty="0">
+              <a:solidFill>
+                <a:srgbClr val="FFFFFF"/>
+              </a:solidFill>
+            </a:endParaRPr>
+          </a:p>
+        </p:txBody>
+      </p:sp>
+      <p:sp>
+        <p:nvSpPr>
+          <p:cNvPr id="19" name="Up-Down Arrow 68"/>
+          <p:cNvSpPr/>
+          <p:nvPr/>
+        </p:nvSpPr>
+        <p:spPr>
+          <a:xfrm>
+            <a:off x="1781942" y="5502870"/>
+            <a:ext cx="211561" cy="312456"/>
+          </a:xfrm>
+          <a:prstGeom prst="upDownArrow">
+            <a:avLst>
+              <a:gd name="adj1" fmla="val 40476"/>
+              <a:gd name="adj2" fmla="val 33333"/>
+            </a:avLst>
+          </a:prstGeom>
+          <a:ln/>
+        </p:spPr>
+        <p:style>
+          <a:lnRef idx="1">
+            <a:schemeClr val="dk1"/>
+          </a:lnRef>
+          <a:fillRef idx="2">
+            <a:schemeClr val="dk1"/>
+          </a:fillRef>
+          <a:effectRef idx="1">
+            <a:schemeClr val="dk1"/>
+          </a:effectRef>
+          <a:fontRef idx="minor">
+            <a:schemeClr val="dk1"/>
+          </a:fontRef>
+        </p:style>
+        <p:txBody>
+          <a:bodyPr rtlCol="0" anchor="ctr"/>
+          <a:lstStyle/>
+          <a:p>
+            <a:pPr algn="ctr" fontAlgn="base">
+              <a:spcBef>
+                <a:spcPct val="0"/>
+              </a:spcBef>
+              <a:spcAft>
+                <a:spcPct val="0"/>
+              </a:spcAft>
+            </a:pPr>
+            <a:endParaRPr lang="en-US" b="1" dirty="0">
+              <a:solidFill>
+                <a:srgbClr val="FFFFFF"/>
+              </a:solidFill>
+            </a:endParaRPr>
+          </a:p>
+        </p:txBody>
+      </p:sp>
+      <p:sp>
+        <p:nvSpPr>
+          <p:cNvPr id="21" name="Up-Down Arrow 69"/>
+          <p:cNvSpPr/>
+          <p:nvPr/>
+        </p:nvSpPr>
+        <p:spPr>
+          <a:xfrm>
+            <a:off x="3087712" y="5508940"/>
+            <a:ext cx="211561" cy="312456"/>
+          </a:xfrm>
+          <a:prstGeom prst="upDownArrow">
+            <a:avLst>
+              <a:gd name="adj1" fmla="val 40476"/>
+              <a:gd name="adj2" fmla="val 33333"/>
+            </a:avLst>
+          </a:prstGeom>
+          <a:ln/>
+        </p:spPr>
+        <p:style>
+          <a:lnRef idx="1">
+            <a:schemeClr val="dk1"/>
+          </a:lnRef>
+          <a:fillRef idx="2">
+            <a:schemeClr val="dk1"/>
+          </a:fillRef>
+          <a:effectRef idx="1">
+            <a:schemeClr val="dk1"/>
+          </a:effectRef>
+          <a:fontRef idx="minor">
+            <a:schemeClr val="dk1"/>
+          </a:fontRef>
+        </p:style>
+        <p:txBody>
+          <a:bodyPr rtlCol="0" anchor="ctr"/>
+          <a:lstStyle/>
+          <a:p>
+            <a:pPr algn="ctr" fontAlgn="base">
+              <a:spcBef>
+                <a:spcPct val="0"/>
+              </a:spcBef>
+              <a:spcAft>
+                <a:spcPct val="0"/>
+              </a:spcAft>
+            </a:pPr>
+            <a:endParaRPr lang="en-US" b="1" dirty="0">
+              <a:solidFill>
+                <a:srgbClr val="FFFFFF"/>
+              </a:solidFill>
+            </a:endParaRPr>
+          </a:p>
+        </p:txBody>
+      </p:sp>
+      <p:sp>
+        <p:nvSpPr>
+          <p:cNvPr id="22" name="Rectangle 70"/>
+          <p:cNvSpPr/>
+          <p:nvPr/>
+        </p:nvSpPr>
+        <p:spPr>
+          <a:xfrm>
+            <a:off x="1494238" y="971080"/>
+            <a:ext cx="2232187" cy="2573135"/>
+          </a:xfrm>
+          <a:prstGeom prst="rect">
+            <a:avLst/>
+          </a:prstGeom>
+          <a:solidFill>
+            <a:schemeClr val="bg1">
+              <a:lumMod val="95000"/>
+            </a:schemeClr>
+          </a:solidFill>
+          <a:ln w="9525">
+            <a:solidFill>
+              <a:schemeClr val="bg1">
+                <a:lumMod val="75000"/>
+              </a:schemeClr>
+            </a:solidFill>
+          </a:ln>
+        </p:spPr>
+        <p:style>
+          <a:lnRef idx="2">
+            <a:schemeClr val="accent1">
+              <a:shade val="50000"/>
+            </a:schemeClr>
+          </a:lnRef>
+          <a:fillRef idx="1">
+            <a:schemeClr val="accent1"/>
+          </a:fillRef>
+          <a:effectRef idx="0">
+            <a:schemeClr val="accent1"/>
+          </a:effectRef>
+          <a:fontRef idx="minor">
+            <a:schemeClr val="lt1"/>
+          </a:fontRef>
+        </p:style>
+        <p:txBody>
+          <a:bodyPr rtlCol="0" anchor="t"/>
+          <a:lstStyle/>
+          <a:p>
+            <a:pPr fontAlgn="base">
+              <a:spcBef>
+                <a:spcPct val="0"/>
+              </a:spcBef>
+              <a:spcAft>
+                <a:spcPct val="0"/>
+              </a:spcAft>
+            </a:pPr>
+            <a:r>
+              <a:rPr lang="en-US" sz="1400" b="1" dirty="0">
+                <a:solidFill>
+                  <a:srgbClr val="000000">
+                    <a:lumMod val="95000"/>
+                    <a:lumOff val="5000"/>
+                  </a:srgbClr>
+                </a:solidFill>
+              </a:rPr>
+              <a:t>ARM Subsystem</a:t>
+            </a:r>
+          </a:p>
+        </p:txBody>
+      </p:sp>
+      <p:sp>
+        <p:nvSpPr>
+          <p:cNvPr id="23" name="Rectangle 7"/>
+          <p:cNvSpPr>
+            <a:spLocks noChangeArrowheads="1"/>
+          </p:cNvSpPr>
+          <p:nvPr/>
+        </p:nvSpPr>
+        <p:spPr bwMode="auto">
+          <a:xfrm>
+            <a:off x="1693583" y="1623965"/>
+            <a:ext cx="1905610" cy="502920"/>
+          </a:xfrm>
+          <a:prstGeom prst="rect">
+            <a:avLst/>
+          </a:prstGeom>
+          <a:solidFill>
+            <a:srgbClr val="006687"/>
+          </a:solidFill>
+          <a:ln>
+            <a:headEnd/>
+            <a:tailEnd/>
+          </a:ln>
+        </p:spPr>
+        <p:style>
+          <a:lnRef idx="1">
+            <a:schemeClr val="accent5"/>
+          </a:lnRef>
+          <a:fillRef idx="3">
+            <a:schemeClr val="accent5"/>
+          </a:fillRef>
+          <a:effectRef idx="2">
+            <a:schemeClr val="accent5"/>
+          </a:effectRef>
+          <a:fontRef idx="minor">
+            <a:schemeClr val="lt1"/>
+          </a:fontRef>
+        </p:style>
+        <p:txBody>
+          <a:bodyPr lIns="66751" tIns="33376" rIns="66751" bIns="33376" anchor="ctr"/>
+          <a:lstStyle/>
+          <a:p>
+            <a:pPr algn="ctr" eaLnBrk="0" fontAlgn="base" hangingPunct="0">
+              <a:spcBef>
+                <a:spcPct val="0"/>
+              </a:spcBef>
+              <a:spcAft>
+                <a:spcPct val="0"/>
+              </a:spcAft>
+            </a:pPr>
+            <a:r>
+              <a:rPr lang="en-US" altLang="ja-JP" sz="1600" b="1" dirty="0" smtClean="0">
+                <a:solidFill>
+                  <a:schemeClr val="bg1"/>
+                </a:solidFill>
+                <a:ea typeface="MS Mincho"/>
+                <a:cs typeface="MS Mincho"/>
+              </a:rPr>
+              <a:t>Cortex-A8</a:t>
+            </a:r>
+            <a:endParaRPr lang="en-US" altLang="ja-JP" sz="1600" b="1" dirty="0">
+              <a:solidFill>
+                <a:schemeClr val="bg1"/>
+              </a:solidFill>
+              <a:ea typeface="MS Mincho"/>
+              <a:cs typeface="MS Mincho"/>
+            </a:endParaRPr>
+          </a:p>
+        </p:txBody>
+      </p:sp>
+      <p:sp>
+        <p:nvSpPr>
+          <p:cNvPr id="24" name="Rectangle 79"/>
+          <p:cNvSpPr>
+            <a:spLocks noChangeArrowheads="1"/>
+          </p:cNvSpPr>
+          <p:nvPr/>
+        </p:nvSpPr>
+        <p:spPr bwMode="auto">
+          <a:xfrm>
+            <a:off x="1693583" y="2202574"/>
+            <a:ext cx="914400" cy="501193"/>
+          </a:xfrm>
+          <a:prstGeom prst="rect">
+            <a:avLst/>
+          </a:prstGeom>
+          <a:solidFill>
+            <a:srgbClr val="32B4CE"/>
+          </a:solidFill>
+          <a:ln>
+            <a:noFill/>
+            <a:headEnd/>
+            <a:tailEnd/>
+          </a:ln>
+        </p:spPr>
+        <p:style>
+          <a:lnRef idx="1">
+            <a:schemeClr val="accent2"/>
+          </a:lnRef>
+          <a:fillRef idx="3">
+            <a:schemeClr val="accent2"/>
+          </a:fillRef>
+          <a:effectRef idx="2">
+            <a:schemeClr val="accent2"/>
+          </a:effectRef>
+          <a:fontRef idx="minor">
+            <a:schemeClr val="lt1"/>
+          </a:fontRef>
+        </p:style>
+        <p:txBody>
+          <a:bodyPr lIns="66751" tIns="33376" rIns="66751" bIns="33376" anchor="ctr"/>
+          <a:lstStyle/>
+          <a:p>
+            <a:pPr algn="ctr" eaLnBrk="0" fontAlgn="base" hangingPunct="0">
+              <a:spcBef>
+                <a:spcPct val="0"/>
+              </a:spcBef>
+              <a:spcAft>
+                <a:spcPct val="0"/>
+              </a:spcAft>
+            </a:pPr>
+            <a:r>
+              <a:rPr lang="en-US" altLang="ja-JP" sz="1100" b="1" dirty="0" smtClean="0">
+                <a:solidFill>
+                  <a:schemeClr val="bg1"/>
+                </a:solidFill>
+                <a:ea typeface="MS Mincho"/>
+                <a:cs typeface="MS Mincho"/>
+              </a:rPr>
+              <a:t>L1 Instruction Cache</a:t>
+            </a:r>
+            <a:endParaRPr lang="en-US" altLang="ja-JP" sz="1100" b="1" dirty="0">
+              <a:solidFill>
+                <a:schemeClr val="bg1"/>
+              </a:solidFill>
+              <a:ea typeface="MS Mincho"/>
+              <a:cs typeface="MS Mincho"/>
+            </a:endParaRPr>
+          </a:p>
+        </p:txBody>
+      </p:sp>
+      <p:sp>
+        <p:nvSpPr>
+          <p:cNvPr id="25" name="Rectangle 80"/>
+          <p:cNvSpPr>
+            <a:spLocks noChangeArrowheads="1"/>
+          </p:cNvSpPr>
+          <p:nvPr/>
+        </p:nvSpPr>
+        <p:spPr bwMode="auto">
+          <a:xfrm>
+            <a:off x="2684793" y="2202573"/>
+            <a:ext cx="914400" cy="501193"/>
+          </a:xfrm>
+          <a:prstGeom prst="rect">
+            <a:avLst/>
+          </a:prstGeom>
+          <a:solidFill>
+            <a:srgbClr val="117788"/>
+          </a:solidFill>
+          <a:ln>
+            <a:noFill/>
+            <a:headEnd/>
+            <a:tailEnd/>
+          </a:ln>
+        </p:spPr>
+        <p:style>
+          <a:lnRef idx="1">
+            <a:schemeClr val="accent2"/>
+          </a:lnRef>
+          <a:fillRef idx="3">
+            <a:schemeClr val="accent2"/>
+          </a:fillRef>
+          <a:effectRef idx="2">
+            <a:schemeClr val="accent2"/>
+          </a:effectRef>
+          <a:fontRef idx="minor">
+            <a:schemeClr val="lt1"/>
+          </a:fontRef>
+        </p:style>
+        <p:txBody>
+          <a:bodyPr lIns="66751" tIns="33376" rIns="66751" bIns="33376" anchor="ctr"/>
+          <a:lstStyle/>
+          <a:p>
+            <a:pPr algn="ctr" eaLnBrk="0" fontAlgn="base" hangingPunct="0">
+              <a:spcBef>
+                <a:spcPct val="0"/>
+              </a:spcBef>
+              <a:spcAft>
+                <a:spcPct val="0"/>
+              </a:spcAft>
+            </a:pPr>
+            <a:r>
+              <a:rPr lang="en-US" altLang="ja-JP" sz="1100" b="1" dirty="0">
+                <a:solidFill>
+                  <a:schemeClr val="bg1"/>
+                </a:solidFill>
+                <a:ea typeface="MS Mincho"/>
+                <a:cs typeface="MS Mincho"/>
+              </a:rPr>
+              <a:t>L1 </a:t>
+            </a:r>
+            <a:r>
+              <a:rPr lang="en-US" altLang="ja-JP" sz="1100" b="1" dirty="0" smtClean="0">
+                <a:solidFill>
+                  <a:schemeClr val="bg1"/>
+                </a:solidFill>
+                <a:ea typeface="MS Mincho"/>
+                <a:cs typeface="MS Mincho"/>
+              </a:rPr>
+              <a:t/>
+            </a:r>
+            <a:br>
+              <a:rPr lang="en-US" altLang="ja-JP" sz="1100" b="1" dirty="0" smtClean="0">
+                <a:solidFill>
+                  <a:schemeClr val="bg1"/>
+                </a:solidFill>
+                <a:ea typeface="MS Mincho"/>
+                <a:cs typeface="MS Mincho"/>
+              </a:rPr>
+            </a:br>
+            <a:r>
+              <a:rPr lang="en-US" altLang="ja-JP" sz="1100" b="1" dirty="0" smtClean="0">
+                <a:solidFill>
+                  <a:schemeClr val="bg1"/>
+                </a:solidFill>
+                <a:ea typeface="MS Mincho"/>
+                <a:cs typeface="MS Mincho"/>
+              </a:rPr>
+              <a:t>Data </a:t>
+            </a:r>
+            <a:br>
+              <a:rPr lang="en-US" altLang="ja-JP" sz="1100" b="1" dirty="0" smtClean="0">
+                <a:solidFill>
+                  <a:schemeClr val="bg1"/>
+                </a:solidFill>
+                <a:ea typeface="MS Mincho"/>
+                <a:cs typeface="MS Mincho"/>
+              </a:rPr>
+            </a:br>
+            <a:r>
+              <a:rPr lang="en-US" altLang="ja-JP" sz="1100" b="1" dirty="0" smtClean="0">
+                <a:solidFill>
+                  <a:schemeClr val="bg1"/>
+                </a:solidFill>
+                <a:ea typeface="MS Mincho"/>
+                <a:cs typeface="MS Mincho"/>
+              </a:rPr>
+              <a:t>Cache</a:t>
+            </a:r>
+            <a:endParaRPr lang="en-US" altLang="ja-JP" sz="1100" b="1" dirty="0">
+              <a:solidFill>
+                <a:schemeClr val="bg1"/>
+              </a:solidFill>
+              <a:ea typeface="MS Mincho"/>
+              <a:cs typeface="MS Mincho"/>
+            </a:endParaRPr>
+          </a:p>
+        </p:txBody>
+      </p:sp>
+      <p:sp>
+        <p:nvSpPr>
+          <p:cNvPr id="26" name="Rectangle 81"/>
+          <p:cNvSpPr>
+            <a:spLocks noChangeArrowheads="1"/>
+          </p:cNvSpPr>
+          <p:nvPr/>
+        </p:nvSpPr>
+        <p:spPr bwMode="auto">
+          <a:xfrm>
+            <a:off x="1693583" y="2778648"/>
+            <a:ext cx="1905610" cy="502920"/>
+          </a:xfrm>
+          <a:prstGeom prst="rect">
+            <a:avLst/>
+          </a:prstGeom>
+          <a:solidFill>
+            <a:srgbClr val="117788"/>
+          </a:solidFill>
+          <a:ln>
+            <a:noFill/>
+            <a:headEnd/>
+            <a:tailEnd/>
+          </a:ln>
+        </p:spPr>
+        <p:style>
+          <a:lnRef idx="1">
+            <a:schemeClr val="accent2"/>
+          </a:lnRef>
+          <a:fillRef idx="3">
+            <a:schemeClr val="accent2"/>
+          </a:fillRef>
+          <a:effectRef idx="2">
+            <a:schemeClr val="accent2"/>
+          </a:effectRef>
+          <a:fontRef idx="minor">
+            <a:schemeClr val="lt1"/>
+          </a:fontRef>
+        </p:style>
+        <p:txBody>
+          <a:bodyPr lIns="66751" tIns="33376" rIns="66751" bIns="33376" anchor="ctr"/>
+          <a:lstStyle/>
+          <a:p>
+            <a:pPr algn="ctr" eaLnBrk="0" fontAlgn="base" hangingPunct="0">
+              <a:spcBef>
+                <a:spcPct val="0"/>
+              </a:spcBef>
+              <a:spcAft>
+                <a:spcPct val="0"/>
+              </a:spcAft>
+            </a:pPr>
+            <a:r>
+              <a:rPr lang="en-US" altLang="ja-JP" sz="1100" b="1" dirty="0">
+                <a:solidFill>
+                  <a:schemeClr val="bg1"/>
+                </a:solidFill>
+                <a:ea typeface="MS Mincho"/>
+                <a:cs typeface="MS Mincho"/>
+              </a:rPr>
+              <a:t>L2 Data Cache</a:t>
+            </a:r>
+          </a:p>
+        </p:txBody>
+      </p:sp>
+      <p:sp>
+        <p:nvSpPr>
+          <p:cNvPr id="13" name="Rectangle 12"/>
+          <p:cNvSpPr>
+            <a:spLocks noChangeArrowheads="1"/>
+          </p:cNvSpPr>
+          <p:nvPr/>
+        </p:nvSpPr>
+        <p:spPr bwMode="auto">
+          <a:xfrm>
+            <a:off x="5339277" y="1269469"/>
+            <a:ext cx="1037758" cy="661736"/>
+          </a:xfrm>
+          <a:prstGeom prst="rect">
+            <a:avLst/>
+          </a:prstGeom>
+          <a:solidFill>
+            <a:srgbClr val="006687"/>
+          </a:solidFill>
+          <a:ln>
+            <a:headEnd/>
+            <a:tailEnd/>
+          </a:ln>
+        </p:spPr>
+        <p:style>
+          <a:lnRef idx="1">
+            <a:schemeClr val="accent5"/>
+          </a:lnRef>
+          <a:fillRef idx="3">
+            <a:schemeClr val="accent5"/>
+          </a:fillRef>
+          <a:effectRef idx="2">
+            <a:schemeClr val="accent5"/>
+          </a:effectRef>
+          <a:fontRef idx="minor">
+            <a:schemeClr val="lt1"/>
+          </a:fontRef>
+        </p:style>
+        <p:txBody>
+          <a:bodyPr lIns="66751" tIns="33376" rIns="66751" bIns="33376" anchor="ctr"/>
+          <a:lstStyle/>
+          <a:p>
+            <a:pPr algn="ctr" eaLnBrk="0" fontAlgn="base" hangingPunct="0">
+              <a:spcBef>
+                <a:spcPct val="0"/>
+              </a:spcBef>
+              <a:spcAft>
+                <a:spcPct val="0"/>
+              </a:spcAft>
+            </a:pPr>
+            <a:endParaRPr lang="en-US" altLang="ja-JP" sz="1600" b="1" dirty="0">
+              <a:solidFill>
+                <a:schemeClr val="bg1"/>
+              </a:solidFill>
+              <a:ea typeface="MS Mincho"/>
+              <a:cs typeface="MS Mincho"/>
+            </a:endParaRPr>
+          </a:p>
+          <a:p>
+            <a:pPr algn="ctr" eaLnBrk="0" fontAlgn="base" hangingPunct="0">
+              <a:spcBef>
+                <a:spcPct val="0"/>
+              </a:spcBef>
+              <a:spcAft>
+                <a:spcPct val="0"/>
+              </a:spcAft>
+            </a:pPr>
+            <a:r>
+              <a:rPr lang="en-US" altLang="ja-JP" sz="1600" b="1" dirty="0">
+                <a:solidFill>
+                  <a:schemeClr val="bg1"/>
+                </a:solidFill>
+                <a:ea typeface="MS Mincho"/>
+                <a:cs typeface="MS Mincho"/>
+              </a:rPr>
+              <a:t>PRU0    </a:t>
+            </a:r>
+            <a:r>
+              <a:rPr lang="en-US" altLang="ja-JP" sz="1200" dirty="0">
+                <a:solidFill>
+                  <a:schemeClr val="bg1"/>
+                </a:solidFill>
+                <a:ea typeface="MS Mincho"/>
+                <a:cs typeface="MS Mincho"/>
+              </a:rPr>
+              <a:t>(200MHz)</a:t>
+            </a:r>
+            <a:endParaRPr lang="en-US" altLang="ja-JP" sz="1600" dirty="0">
+              <a:solidFill>
+                <a:schemeClr val="bg1"/>
+              </a:solidFill>
+              <a:ea typeface="MS Mincho"/>
+              <a:cs typeface="MS Mincho"/>
+            </a:endParaRPr>
+          </a:p>
+          <a:p>
+            <a:pPr algn="ctr" eaLnBrk="0" fontAlgn="base" hangingPunct="0">
+              <a:spcBef>
+                <a:spcPct val="0"/>
+              </a:spcBef>
+              <a:spcAft>
+                <a:spcPct val="0"/>
+              </a:spcAft>
+            </a:pPr>
+            <a:endParaRPr lang="en-US" sz="1600" b="1" dirty="0">
+              <a:solidFill>
+                <a:schemeClr val="bg1"/>
+              </a:solidFill>
+              <a:ea typeface="MS Mincho"/>
+              <a:cs typeface="MS Mincho"/>
+            </a:endParaRPr>
+          </a:p>
+        </p:txBody>
+      </p:sp>
+      <p:sp>
+        <p:nvSpPr>
+          <p:cNvPr id="38" name="Rectangle 37"/>
+          <p:cNvSpPr>
+            <a:spLocks noChangeArrowheads="1"/>
+          </p:cNvSpPr>
+          <p:nvPr/>
+        </p:nvSpPr>
+        <p:spPr bwMode="auto">
+          <a:xfrm>
+            <a:off x="6413794" y="1269469"/>
+            <a:ext cx="1037758" cy="661736"/>
+          </a:xfrm>
+          <a:prstGeom prst="rect">
+            <a:avLst/>
+          </a:prstGeom>
+          <a:solidFill>
+            <a:srgbClr val="006687"/>
+          </a:solidFill>
+          <a:ln>
+            <a:headEnd/>
+            <a:tailEnd/>
+          </a:ln>
+        </p:spPr>
+        <p:style>
+          <a:lnRef idx="1">
+            <a:schemeClr val="accent5"/>
+          </a:lnRef>
+          <a:fillRef idx="3">
+            <a:schemeClr val="accent5"/>
+          </a:fillRef>
+          <a:effectRef idx="2">
+            <a:schemeClr val="accent5"/>
+          </a:effectRef>
+          <a:fontRef idx="minor">
+            <a:schemeClr val="lt1"/>
+          </a:fontRef>
+        </p:style>
+        <p:txBody>
+          <a:bodyPr lIns="66751" tIns="33376" rIns="66751" bIns="33376" anchor="ctr"/>
+          <a:lstStyle/>
+          <a:p>
+            <a:pPr algn="ctr" eaLnBrk="0" fontAlgn="base" hangingPunct="0">
+              <a:spcBef>
+                <a:spcPct val="0"/>
+              </a:spcBef>
+              <a:spcAft>
+                <a:spcPct val="0"/>
+              </a:spcAft>
+            </a:pPr>
+            <a:endParaRPr lang="en-US" altLang="ja-JP" sz="1600" b="1" dirty="0">
+              <a:solidFill>
+                <a:schemeClr val="bg1"/>
+              </a:solidFill>
+              <a:ea typeface="MS Mincho"/>
+              <a:cs typeface="MS Mincho"/>
+            </a:endParaRPr>
+          </a:p>
+          <a:p>
+            <a:pPr algn="ctr" eaLnBrk="0" fontAlgn="base" hangingPunct="0">
+              <a:spcBef>
+                <a:spcPct val="0"/>
+              </a:spcBef>
+              <a:spcAft>
+                <a:spcPct val="0"/>
+              </a:spcAft>
+            </a:pPr>
+            <a:r>
+              <a:rPr lang="en-US" altLang="ja-JP" sz="1600" b="1" dirty="0">
+                <a:solidFill>
+                  <a:schemeClr val="bg1"/>
+                </a:solidFill>
+                <a:ea typeface="MS Mincho"/>
+                <a:cs typeface="MS Mincho"/>
+              </a:rPr>
+              <a:t>PRU1    </a:t>
+            </a:r>
+            <a:r>
+              <a:rPr lang="en-US" altLang="ja-JP" sz="1200" dirty="0">
+                <a:solidFill>
+                  <a:schemeClr val="bg1"/>
+                </a:solidFill>
+                <a:ea typeface="MS Mincho"/>
+                <a:cs typeface="MS Mincho"/>
+              </a:rPr>
+              <a:t>(200MHz)</a:t>
+            </a:r>
+          </a:p>
+          <a:p>
+            <a:pPr algn="ctr" eaLnBrk="0" fontAlgn="base" hangingPunct="0">
+              <a:spcBef>
+                <a:spcPct val="0"/>
+              </a:spcBef>
+              <a:spcAft>
+                <a:spcPct val="0"/>
+              </a:spcAft>
+            </a:pPr>
+            <a:endParaRPr lang="en-US" sz="1600" b="1" dirty="0">
+              <a:solidFill>
+                <a:schemeClr val="bg1"/>
+              </a:solidFill>
+              <a:ea typeface="MS Mincho"/>
+              <a:cs typeface="MS Mincho"/>
+            </a:endParaRPr>
+          </a:p>
+        </p:txBody>
+      </p:sp>
+      <p:sp>
+        <p:nvSpPr>
+          <p:cNvPr id="27" name="Up-Down Arrow 65"/>
+          <p:cNvSpPr/>
+          <p:nvPr/>
+        </p:nvSpPr>
+        <p:spPr>
+          <a:xfrm>
+            <a:off x="2506940" y="3466484"/>
+            <a:ext cx="211561" cy="339596"/>
+          </a:xfrm>
+          <a:prstGeom prst="upDownArrow">
+            <a:avLst>
+              <a:gd name="adj1" fmla="val 40476"/>
+              <a:gd name="adj2" fmla="val 33333"/>
+            </a:avLst>
+          </a:prstGeom>
+          <a:ln/>
+        </p:spPr>
+        <p:style>
+          <a:lnRef idx="1">
+            <a:schemeClr val="dk1"/>
+          </a:lnRef>
+          <a:fillRef idx="2">
+            <a:schemeClr val="dk1"/>
+          </a:fillRef>
+          <a:effectRef idx="1">
+            <a:schemeClr val="dk1"/>
+          </a:effectRef>
+          <a:fontRef idx="minor">
+            <a:schemeClr val="dk1"/>
+          </a:fontRef>
+        </p:style>
+        <p:txBody>
+          <a:bodyPr rtlCol="0" anchor="ctr"/>
+          <a:lstStyle/>
+          <a:p>
+            <a:pPr algn="ctr" fontAlgn="base">
+              <a:spcBef>
+                <a:spcPct val="0"/>
+              </a:spcBef>
+              <a:spcAft>
+                <a:spcPct val="0"/>
+              </a:spcAft>
+            </a:pPr>
+            <a:endParaRPr lang="en-US" b="1" dirty="0">
+              <a:solidFill>
+                <a:srgbClr val="FFFFFF"/>
+              </a:solidFill>
+            </a:endParaRPr>
+          </a:p>
+        </p:txBody>
+      </p:sp>
+      <p:sp>
+        <p:nvSpPr>
+          <p:cNvPr id="31" name="Rectangle 30"/>
+          <p:cNvSpPr/>
+          <p:nvPr/>
+        </p:nvSpPr>
+        <p:spPr>
+          <a:xfrm>
+            <a:off x="154387" y="3466484"/>
+            <a:ext cx="236287" cy="938091"/>
+          </a:xfrm>
+          <a:prstGeom prst="rect">
+            <a:avLst/>
+          </a:prstGeom>
+          <a:solidFill>
+            <a:schemeClr val="bg1"/>
+          </a:solidFill>
+          <a:ln>
+            <a:solidFill>
+              <a:schemeClr val="bg1"/>
+            </a:solidFill>
+          </a:ln>
+        </p:spPr>
+        <p:style>
+          <a:lnRef idx="2">
+            <a:schemeClr val="accent1">
+              <a:shade val="50000"/>
+            </a:schemeClr>
+          </a:lnRef>
+          <a:fillRef idx="1">
+            <a:schemeClr val="accent1"/>
+          </a:fillRef>
+          <a:effectRef idx="0">
+            <a:schemeClr val="accent1"/>
+          </a:effectRef>
+          <a:fontRef idx="minor">
+            <a:schemeClr val="lt1"/>
+          </a:fontRef>
+        </p:style>
+        <p:txBody>
+          <a:bodyPr rtlCol="0" anchor="ctr"/>
+          <a:lstStyle/>
+          <a:p>
+            <a:pPr algn="ctr"/>
+            <a:endParaRPr lang="en-US" dirty="0"/>
+          </a:p>
+        </p:txBody>
+      </p:sp>
+      <p:sp>
+        <p:nvSpPr>
+          <p:cNvPr id="29" name="Rectangle 82"/>
+          <p:cNvSpPr>
+            <a:spLocks noChangeArrowheads="1"/>
+          </p:cNvSpPr>
+          <p:nvPr/>
+        </p:nvSpPr>
+        <p:spPr bwMode="auto">
+          <a:xfrm rot="16200000">
+            <a:off x="2442186" y="1795074"/>
+            <a:ext cx="357971" cy="4415270"/>
+          </a:xfrm>
+          <a:prstGeom prst="rect">
+            <a:avLst/>
+          </a:prstGeom>
+          <a:ln>
+            <a:headEnd/>
+            <a:tailEnd/>
+          </a:ln>
+        </p:spPr>
+        <p:style>
+          <a:lnRef idx="1">
+            <a:schemeClr val="dk1"/>
+          </a:lnRef>
+          <a:fillRef idx="2">
+            <a:schemeClr val="dk1"/>
+          </a:fillRef>
+          <a:effectRef idx="1">
+            <a:schemeClr val="dk1"/>
+          </a:effectRef>
+          <a:fontRef idx="minor">
+            <a:schemeClr val="dk1"/>
+          </a:fontRef>
+        </p:style>
+        <p:txBody>
+          <a:bodyPr vert="vert" lIns="66751" tIns="33376" rIns="66751" bIns="33376" anchor="ctr"/>
+          <a:lstStyle/>
+          <a:p>
+            <a:pPr algn="ctr" eaLnBrk="0" fontAlgn="base" hangingPunct="0">
+              <a:spcBef>
+                <a:spcPct val="0"/>
+              </a:spcBef>
+              <a:spcAft>
+                <a:spcPct val="0"/>
+              </a:spcAft>
+            </a:pPr>
+            <a:r>
+              <a:rPr lang="en-US" sz="1100" b="1" dirty="0">
+                <a:solidFill>
+                  <a:srgbClr val="000000"/>
+                </a:solidFill>
+                <a:ea typeface="MS Mincho"/>
+                <a:cs typeface="MS Mincho"/>
+              </a:rPr>
+              <a:t>			L3 Interconnect</a:t>
+            </a:r>
+          </a:p>
+        </p:txBody>
+      </p:sp>
+      <p:sp>
+        <p:nvSpPr>
+          <p:cNvPr id="30" name="Rectangle 59"/>
+          <p:cNvSpPr>
+            <a:spLocks noChangeArrowheads="1"/>
+          </p:cNvSpPr>
+          <p:nvPr/>
+        </p:nvSpPr>
+        <p:spPr bwMode="auto">
+          <a:xfrm rot="16200000">
+            <a:off x="3830781" y="406479"/>
+            <a:ext cx="357971" cy="7192460"/>
+          </a:xfrm>
+          <a:prstGeom prst="rect">
+            <a:avLst/>
+          </a:prstGeom>
+          <a:ln>
+            <a:headEnd/>
+            <a:tailEnd/>
+          </a:ln>
+        </p:spPr>
+        <p:style>
+          <a:lnRef idx="1">
+            <a:schemeClr val="dk1"/>
+          </a:lnRef>
+          <a:fillRef idx="2">
+            <a:schemeClr val="dk1"/>
+          </a:fillRef>
+          <a:effectRef idx="1">
+            <a:schemeClr val="dk1"/>
+          </a:effectRef>
+          <a:fontRef idx="minor">
+            <a:schemeClr val="dk1"/>
+          </a:fontRef>
+        </p:style>
+        <p:txBody>
+          <a:bodyPr vert="vert" lIns="66751" tIns="33376" rIns="66751" bIns="33376" anchor="ctr"/>
+          <a:lstStyle/>
+          <a:p>
+            <a:pPr algn="ctr" eaLnBrk="0" fontAlgn="base" hangingPunct="0">
+              <a:spcBef>
+                <a:spcPct val="0"/>
+              </a:spcBef>
+              <a:spcAft>
+                <a:spcPct val="0"/>
+              </a:spcAft>
+            </a:pPr>
+            <a:r>
+              <a:rPr lang="en-US" sz="1100" b="1" dirty="0" smtClean="0">
+                <a:solidFill>
+                  <a:srgbClr val="000000"/>
+                </a:solidFill>
+                <a:ea typeface="MS Mincho"/>
+                <a:cs typeface="MS Mincho"/>
+              </a:rPr>
+              <a:t>L3 Interconnect</a:t>
+            </a:r>
+            <a:endParaRPr lang="en-US" sz="1100" b="1" dirty="0">
+              <a:solidFill>
+                <a:srgbClr val="000000"/>
+              </a:solidFill>
+            </a:endParaRPr>
+          </a:p>
+        </p:txBody>
+      </p:sp>
+    </p:spTree>
+    <p:extLst>
+      <p:ext uri="{BB962C8B-B14F-4D97-AF65-F5344CB8AC3E}">
+        <p14:creationId xmlns:p14="http://schemas.microsoft.com/office/powerpoint/2010/main" val="2988091051"/>
+      </p:ext>
+    </p:extLst>
+  </p:cSld>
+  <p:clrMapOvr>
+    <a:masterClrMapping/>
+  </p:clrMapOvr>
+  <p:timing>
+    <p:tnLst>
+      <p:par>
+        <p:cTn id="1" dur="indefinite" restart="never" nodeType="tmRoot"/>
+      </p:par>
+    </p:tnLst>
+  </p:timing>
+</p:sld>
+</file>
+
+<file path=ppt/slides/slide30.xml><?xml version="1.0" encoding="utf-8"?>
 <p:sld xmlns:a="http://schemas.openxmlformats.org/drawingml/2006/main" xmlns:r="http://schemas.openxmlformats.org/officeDocument/2006/relationships" xmlns:p="http://schemas.openxmlformats.org/presentationml/2006/main">
   <p:cSld>
     <p:spTree>
@@ -24531,2804 +27394,7 @@
 </p:sld>
 </file>
 
-<file path=ppt/slides/slide3.xml><?xml version="1.0" encoding="utf-8"?>
-<p:sld xmlns:a="http://schemas.openxmlformats.org/drawingml/2006/main" xmlns:r="http://schemas.openxmlformats.org/officeDocument/2006/relationships" xmlns:p="http://schemas.openxmlformats.org/presentationml/2006/main">
-  <p:cSld>
-    <p:spTree>
-      <p:nvGrpSpPr>
-        <p:cNvPr id="1" name=""/>
-        <p:cNvGrpSpPr/>
-        <p:nvPr/>
-      </p:nvGrpSpPr>
-      <p:grpSpPr>
-        <a:xfrm>
-          <a:off x="0" y="0"/>
-          <a:ext cx="0" cy="0"/>
-          <a:chOff x="0" y="0"/>
-          <a:chExt cx="0" cy="0"/>
-        </a:xfrm>
-      </p:grpSpPr>
-      <p:sp>
-        <p:nvSpPr>
-          <p:cNvPr id="2" name="Title 1"/>
-          <p:cNvSpPr>
-            <a:spLocks noGrp="1"/>
-          </p:cNvSpPr>
-          <p:nvPr>
-            <p:ph type="title"/>
-          </p:nvPr>
-        </p:nvSpPr>
-        <p:spPr>
-          <a:xfrm>
-            <a:off x="413536" y="0"/>
-            <a:ext cx="8229600" cy="685800"/>
-          </a:xfrm>
-        </p:spPr>
-        <p:txBody>
-          <a:bodyPr>
-            <a:normAutofit/>
-          </a:bodyPr>
-          <a:lstStyle/>
-          <a:p>
-            <a:r>
-              <a:rPr lang="en-US" sz="3600" dirty="0" smtClean="0"/>
-              <a:t>PRU in Sitara Device</a:t>
-            </a:r>
-            <a:endParaRPr lang="en-US" sz="3600" dirty="0"/>
-          </a:p>
-        </p:txBody>
-      </p:sp>
-      <p:sp>
-        <p:nvSpPr>
-          <p:cNvPr id="5" name="Rectangle 4"/>
-          <p:cNvSpPr/>
-          <p:nvPr/>
-        </p:nvSpPr>
-        <p:spPr>
-          <a:xfrm>
-            <a:off x="3856810" y="971080"/>
-            <a:ext cx="3749185" cy="2573135"/>
-          </a:xfrm>
-          <a:prstGeom prst="rect">
-            <a:avLst/>
-          </a:prstGeom>
-          <a:solidFill>
-            <a:schemeClr val="bg1">
-              <a:lumMod val="95000"/>
-            </a:schemeClr>
-          </a:solidFill>
-          <a:ln w="9525">
-            <a:solidFill>
-              <a:schemeClr val="bg1">
-                <a:lumMod val="75000"/>
-              </a:schemeClr>
-            </a:solidFill>
-          </a:ln>
-        </p:spPr>
-        <p:style>
-          <a:lnRef idx="2">
-            <a:schemeClr val="accent1">
-              <a:shade val="50000"/>
-            </a:schemeClr>
-          </a:lnRef>
-          <a:fillRef idx="1">
-            <a:schemeClr val="accent1"/>
-          </a:fillRef>
-          <a:effectRef idx="0">
-            <a:schemeClr val="accent1"/>
-          </a:effectRef>
-          <a:fontRef idx="minor">
-            <a:schemeClr val="lt1"/>
-          </a:fontRef>
-        </p:style>
-        <p:txBody>
-          <a:bodyPr rtlCol="0" anchor="t"/>
-          <a:lstStyle/>
-          <a:p>
-            <a:pPr fontAlgn="base">
-              <a:spcBef>
-                <a:spcPct val="0"/>
-              </a:spcBef>
-              <a:spcAft>
-                <a:spcPct val="0"/>
-              </a:spcAft>
-            </a:pPr>
-            <a:r>
-              <a:rPr lang="en-US" sz="1400" b="1" dirty="0" smtClean="0">
-                <a:solidFill>
-                  <a:srgbClr val="000000">
-                    <a:lumMod val="95000"/>
-                    <a:lumOff val="5000"/>
-                  </a:srgbClr>
-                </a:solidFill>
-              </a:rPr>
-              <a:t>Programmable Real-Time Unit (PRU) </a:t>
-            </a:r>
-            <a:br>
-              <a:rPr lang="en-US" sz="1400" b="1" dirty="0" smtClean="0">
-                <a:solidFill>
-                  <a:srgbClr val="000000">
-                    <a:lumMod val="95000"/>
-                    <a:lumOff val="5000"/>
-                  </a:srgbClr>
-                </a:solidFill>
-              </a:rPr>
-            </a:br>
-            <a:r>
-              <a:rPr lang="en-US" sz="1400" b="1" dirty="0" smtClean="0">
-                <a:solidFill>
-                  <a:srgbClr val="000000">
-                    <a:lumMod val="95000"/>
-                    <a:lumOff val="5000"/>
-                  </a:srgbClr>
-                </a:solidFill>
-              </a:rPr>
-              <a:t>Subsystem</a:t>
-            </a:r>
-            <a:endParaRPr lang="en-US" sz="1400" b="1" dirty="0">
-              <a:solidFill>
-                <a:srgbClr val="000000">
-                  <a:lumMod val="95000"/>
-                  <a:lumOff val="5000"/>
-                </a:srgbClr>
-              </a:solidFill>
-            </a:endParaRPr>
-          </a:p>
-        </p:txBody>
-      </p:sp>
-      <p:sp>
-        <p:nvSpPr>
-          <p:cNvPr id="6" name="Rectangle 5"/>
-          <p:cNvSpPr>
-            <a:spLocks noChangeArrowheads="1"/>
-          </p:cNvSpPr>
-          <p:nvPr/>
-        </p:nvSpPr>
-        <p:spPr bwMode="auto">
-          <a:xfrm rot="16200000">
-            <a:off x="5779469" y="1142437"/>
-            <a:ext cx="211888" cy="3132278"/>
-          </a:xfrm>
-          <a:prstGeom prst="rect">
-            <a:avLst/>
-          </a:prstGeom>
-          <a:ln>
-            <a:headEnd/>
-            <a:tailEnd/>
-          </a:ln>
-        </p:spPr>
-        <p:style>
-          <a:lnRef idx="1">
-            <a:schemeClr val="dk1"/>
-          </a:lnRef>
-          <a:fillRef idx="2">
-            <a:schemeClr val="dk1"/>
-          </a:fillRef>
-          <a:effectRef idx="1">
-            <a:schemeClr val="dk1"/>
-          </a:effectRef>
-          <a:fontRef idx="minor">
-            <a:schemeClr val="dk1"/>
-          </a:fontRef>
-        </p:style>
-        <p:txBody>
-          <a:bodyPr vert="vert" lIns="66751" tIns="33376" rIns="66751" bIns="33376" anchor="ctr"/>
-          <a:lstStyle/>
-          <a:p>
-            <a:pPr algn="ctr" eaLnBrk="0" fontAlgn="base" hangingPunct="0">
-              <a:spcBef>
-                <a:spcPct val="0"/>
-              </a:spcBef>
-              <a:spcAft>
-                <a:spcPct val="0"/>
-              </a:spcAft>
-            </a:pPr>
-            <a:r>
-              <a:rPr lang="en-US" sz="1100" b="1" dirty="0">
-                <a:solidFill>
-                  <a:srgbClr val="000000"/>
-                </a:solidFill>
-                <a:ea typeface="MS Mincho"/>
-                <a:cs typeface="MS Mincho"/>
-              </a:rPr>
-              <a:t>Interconnect</a:t>
-            </a:r>
-          </a:p>
-        </p:txBody>
-      </p:sp>
-      <p:sp>
-        <p:nvSpPr>
-          <p:cNvPr id="10" name="Rectangle 9"/>
-          <p:cNvSpPr>
-            <a:spLocks noChangeArrowheads="1"/>
-          </p:cNvSpPr>
-          <p:nvPr/>
-        </p:nvSpPr>
-        <p:spPr bwMode="auto">
-          <a:xfrm>
-            <a:off x="4335182" y="3032580"/>
-            <a:ext cx="888880" cy="434825"/>
-          </a:xfrm>
-          <a:prstGeom prst="rect">
-            <a:avLst/>
-          </a:prstGeom>
-          <a:solidFill>
-            <a:srgbClr val="FF0000"/>
-          </a:solidFill>
-          <a:ln>
-            <a:noFill/>
-            <a:headEnd/>
-            <a:tailEnd/>
-          </a:ln>
-        </p:spPr>
-        <p:style>
-          <a:lnRef idx="1">
-            <a:schemeClr val="accent4"/>
-          </a:lnRef>
-          <a:fillRef idx="3">
-            <a:schemeClr val="accent4"/>
-          </a:fillRef>
-          <a:effectRef idx="2">
-            <a:schemeClr val="accent4"/>
-          </a:effectRef>
-          <a:fontRef idx="minor">
-            <a:schemeClr val="lt1"/>
-          </a:fontRef>
-        </p:style>
-        <p:txBody>
-          <a:bodyPr lIns="66751" tIns="33376" rIns="66751" bIns="33376" anchor="ctr"/>
-          <a:lstStyle/>
-          <a:p>
-            <a:pPr algn="ctr" eaLnBrk="0" fontAlgn="base" hangingPunct="0">
-              <a:spcBef>
-                <a:spcPct val="0"/>
-              </a:spcBef>
-              <a:spcAft>
-                <a:spcPct val="0"/>
-              </a:spcAft>
-            </a:pPr>
-            <a:r>
-              <a:rPr lang="en-US" altLang="ja-JP" sz="1100" b="1" dirty="0" smtClean="0">
-                <a:solidFill>
-                  <a:schemeClr val="bg1"/>
-                </a:solidFill>
-                <a:ea typeface="MS Mincho"/>
-                <a:cs typeface="MS Mincho"/>
-              </a:rPr>
-              <a:t>INTC</a:t>
-            </a:r>
-            <a:endParaRPr lang="en-US" altLang="ja-JP" sz="1100" b="1" dirty="0">
-              <a:solidFill>
-                <a:schemeClr val="bg1"/>
-              </a:solidFill>
-              <a:ea typeface="MS Mincho"/>
-              <a:cs typeface="MS Mincho"/>
-            </a:endParaRPr>
-          </a:p>
-        </p:txBody>
-      </p:sp>
-      <p:sp>
-        <p:nvSpPr>
-          <p:cNvPr id="17" name="Up-Down Arrow 16"/>
-          <p:cNvSpPr/>
-          <p:nvPr/>
-        </p:nvSpPr>
-        <p:spPr>
-          <a:xfrm rot="5400000">
-            <a:off x="7718552" y="1273127"/>
-            <a:ext cx="235746" cy="460860"/>
-          </a:xfrm>
-          <a:prstGeom prst="upDownArrow">
-            <a:avLst>
-              <a:gd name="adj1" fmla="val 40476"/>
-              <a:gd name="adj2" fmla="val 33333"/>
-            </a:avLst>
-          </a:prstGeom>
-          <a:ln/>
-        </p:spPr>
-        <p:style>
-          <a:lnRef idx="1">
-            <a:schemeClr val="dk1"/>
-          </a:lnRef>
-          <a:fillRef idx="2">
-            <a:schemeClr val="dk1"/>
-          </a:fillRef>
-          <a:effectRef idx="1">
-            <a:schemeClr val="dk1"/>
-          </a:effectRef>
-          <a:fontRef idx="minor">
-            <a:schemeClr val="dk1"/>
-          </a:fontRef>
-        </p:style>
-        <p:txBody>
-          <a:bodyPr rtlCol="0" anchor="ctr"/>
-          <a:lstStyle/>
-          <a:p>
-            <a:pPr algn="ctr" fontAlgn="base">
-              <a:spcBef>
-                <a:spcPct val="0"/>
-              </a:spcBef>
-              <a:spcAft>
-                <a:spcPct val="0"/>
-              </a:spcAft>
-            </a:pPr>
-            <a:endParaRPr lang="en-US" b="1" dirty="0">
-              <a:solidFill>
-                <a:srgbClr val="FFFFFF"/>
-              </a:solidFill>
-            </a:endParaRPr>
-          </a:p>
-        </p:txBody>
-      </p:sp>
-      <p:sp>
-        <p:nvSpPr>
-          <p:cNvPr id="20" name="Rectangle 19"/>
-          <p:cNvSpPr>
-            <a:spLocks noChangeArrowheads="1"/>
-          </p:cNvSpPr>
-          <p:nvPr/>
-        </p:nvSpPr>
-        <p:spPr bwMode="auto">
-          <a:xfrm>
-            <a:off x="6453022" y="3029749"/>
-            <a:ext cx="1037758" cy="437656"/>
-          </a:xfrm>
-          <a:prstGeom prst="rect">
-            <a:avLst/>
-          </a:prstGeom>
-          <a:solidFill>
-            <a:srgbClr val="FFC000"/>
-          </a:solidFill>
-          <a:ln>
-            <a:solidFill>
-              <a:srgbClr val="E8A835"/>
-            </a:solidFill>
-            <a:headEnd/>
-            <a:tailEnd/>
-          </a:ln>
-        </p:spPr>
-        <p:style>
-          <a:lnRef idx="1">
-            <a:schemeClr val="accent3"/>
-          </a:lnRef>
-          <a:fillRef idx="3">
-            <a:schemeClr val="accent3"/>
-          </a:fillRef>
-          <a:effectRef idx="2">
-            <a:schemeClr val="accent3"/>
-          </a:effectRef>
-          <a:fontRef idx="minor">
-            <a:schemeClr val="lt1"/>
-          </a:fontRef>
-        </p:style>
-        <p:txBody>
-          <a:bodyPr lIns="66751" tIns="33376" rIns="66751" bIns="33376" anchor="ctr"/>
-          <a:lstStyle/>
-          <a:p>
-            <a:pPr algn="ctr" eaLnBrk="0" fontAlgn="base" hangingPunct="0">
-              <a:spcBef>
-                <a:spcPct val="0"/>
-              </a:spcBef>
-              <a:spcAft>
-                <a:spcPct val="0"/>
-              </a:spcAft>
-            </a:pPr>
-            <a:r>
-              <a:rPr lang="en-US" altLang="ja-JP" sz="1100" b="1" dirty="0">
-                <a:solidFill>
-                  <a:srgbClr val="000000"/>
-                </a:solidFill>
-                <a:ea typeface="MS Mincho"/>
-                <a:cs typeface="MS Mincho"/>
-              </a:rPr>
-              <a:t>Peripherals</a:t>
-            </a:r>
-          </a:p>
-        </p:txBody>
-      </p:sp>
-      <p:sp>
-        <p:nvSpPr>
-          <p:cNvPr id="39" name="Rectangle 7"/>
-          <p:cNvSpPr>
-            <a:spLocks noChangeArrowheads="1"/>
-          </p:cNvSpPr>
-          <p:nvPr/>
-        </p:nvSpPr>
-        <p:spPr bwMode="auto">
-          <a:xfrm>
-            <a:off x="8105260" y="1316725"/>
-            <a:ext cx="729695" cy="419921"/>
-          </a:xfrm>
-          <a:prstGeom prst="rect">
-            <a:avLst/>
-          </a:prstGeom>
-          <a:solidFill>
-            <a:srgbClr val="FF6600"/>
-          </a:solidFill>
-          <a:ln>
-            <a:solidFill>
-              <a:srgbClr val="FF6600"/>
-            </a:solidFill>
-            <a:headEnd/>
-            <a:tailEnd/>
-          </a:ln>
-        </p:spPr>
-        <p:style>
-          <a:lnRef idx="1">
-            <a:schemeClr val="accent6"/>
-          </a:lnRef>
-          <a:fillRef idx="3">
-            <a:schemeClr val="accent6"/>
-          </a:fillRef>
-          <a:effectRef idx="2">
-            <a:schemeClr val="accent6"/>
-          </a:effectRef>
-          <a:fontRef idx="minor">
-            <a:schemeClr val="lt1"/>
-          </a:fontRef>
-        </p:style>
-        <p:txBody>
-          <a:bodyPr lIns="66751" tIns="33376" rIns="66751" bIns="33376" anchor="ctr"/>
-          <a:lstStyle/>
-          <a:p>
-            <a:pPr algn="ctr" eaLnBrk="0" fontAlgn="base" hangingPunct="0">
-              <a:spcBef>
-                <a:spcPct val="0"/>
-              </a:spcBef>
-              <a:spcAft>
-                <a:spcPct val="0"/>
-              </a:spcAft>
-            </a:pPr>
-            <a:r>
-              <a:rPr lang="en-US" altLang="ja-JP" sz="1100" b="1" dirty="0">
-                <a:solidFill>
-                  <a:srgbClr val="000000"/>
-                </a:solidFill>
-                <a:ea typeface="MS Mincho"/>
-                <a:cs typeface="MS Mincho"/>
-              </a:rPr>
-              <a:t>PRU0 I/O</a:t>
-            </a:r>
-          </a:p>
-        </p:txBody>
-      </p:sp>
-      <p:sp>
-        <p:nvSpPr>
-          <p:cNvPr id="49" name="Rectangle 48"/>
-          <p:cNvSpPr>
-            <a:spLocks noChangeArrowheads="1"/>
-          </p:cNvSpPr>
-          <p:nvPr/>
-        </p:nvSpPr>
-        <p:spPr bwMode="auto">
-          <a:xfrm>
-            <a:off x="5339277" y="1980585"/>
-            <a:ext cx="502920" cy="411480"/>
-          </a:xfrm>
-          <a:prstGeom prst="rect">
-            <a:avLst/>
-          </a:prstGeom>
-          <a:solidFill>
-            <a:srgbClr val="32B4CE"/>
-          </a:solidFill>
-          <a:ln>
-            <a:noFill/>
-            <a:headEnd/>
-            <a:tailEnd/>
-          </a:ln>
-        </p:spPr>
-        <p:style>
-          <a:lnRef idx="1">
-            <a:schemeClr val="accent2"/>
-          </a:lnRef>
-          <a:fillRef idx="3">
-            <a:schemeClr val="accent2"/>
-          </a:fillRef>
-          <a:effectRef idx="2">
-            <a:schemeClr val="accent2"/>
-          </a:effectRef>
-          <a:fontRef idx="minor">
-            <a:schemeClr val="lt1"/>
-          </a:fontRef>
-        </p:style>
-        <p:txBody>
-          <a:bodyPr lIns="66751" tIns="33376" rIns="66751" bIns="33376" anchor="ctr"/>
-          <a:lstStyle/>
-          <a:p>
-            <a:pPr algn="ctr" eaLnBrk="0" fontAlgn="base" hangingPunct="0">
-              <a:spcBef>
-                <a:spcPct val="0"/>
-              </a:spcBef>
-              <a:spcAft>
-                <a:spcPct val="0"/>
-              </a:spcAft>
-            </a:pPr>
-            <a:r>
-              <a:rPr lang="en-US" altLang="ja-JP" sz="1100" b="1" dirty="0">
-                <a:solidFill>
-                  <a:schemeClr val="bg1"/>
-                </a:solidFill>
-                <a:ea typeface="MS Mincho"/>
-                <a:cs typeface="MS Mincho"/>
-              </a:rPr>
-              <a:t>Inst.</a:t>
-            </a:r>
-            <a:br>
-              <a:rPr lang="en-US" altLang="ja-JP" sz="1100" b="1" dirty="0">
-                <a:solidFill>
-                  <a:schemeClr val="bg1"/>
-                </a:solidFill>
-                <a:ea typeface="MS Mincho"/>
-                <a:cs typeface="MS Mincho"/>
-              </a:rPr>
-            </a:br>
-            <a:r>
-              <a:rPr lang="en-US" altLang="ja-JP" sz="1100" b="1" dirty="0">
-                <a:solidFill>
-                  <a:schemeClr val="bg1"/>
-                </a:solidFill>
-                <a:ea typeface="MS Mincho"/>
-                <a:cs typeface="MS Mincho"/>
-              </a:rPr>
-              <a:t>RAM</a:t>
-            </a:r>
-          </a:p>
-        </p:txBody>
-      </p:sp>
-      <p:sp>
-        <p:nvSpPr>
-          <p:cNvPr id="50" name="Rectangle 49"/>
-          <p:cNvSpPr>
-            <a:spLocks noChangeArrowheads="1"/>
-          </p:cNvSpPr>
-          <p:nvPr/>
-        </p:nvSpPr>
-        <p:spPr bwMode="auto">
-          <a:xfrm>
-            <a:off x="4342699" y="1980585"/>
-            <a:ext cx="958173" cy="411480"/>
-          </a:xfrm>
-          <a:prstGeom prst="rect">
-            <a:avLst/>
-          </a:prstGeom>
-          <a:solidFill>
-            <a:srgbClr val="117788"/>
-          </a:solidFill>
-          <a:ln>
-            <a:noFill/>
-            <a:headEnd/>
-            <a:tailEnd/>
-          </a:ln>
-        </p:spPr>
-        <p:style>
-          <a:lnRef idx="1">
-            <a:schemeClr val="accent2"/>
-          </a:lnRef>
-          <a:fillRef idx="3">
-            <a:schemeClr val="accent2"/>
-          </a:fillRef>
-          <a:effectRef idx="2">
-            <a:schemeClr val="accent2"/>
-          </a:effectRef>
-          <a:fontRef idx="minor">
-            <a:schemeClr val="lt1"/>
-          </a:fontRef>
-        </p:style>
-        <p:txBody>
-          <a:bodyPr lIns="66751" tIns="33376" rIns="66751" bIns="33376" anchor="ctr"/>
-          <a:lstStyle/>
-          <a:p>
-            <a:pPr algn="ctr" eaLnBrk="0" fontAlgn="base" hangingPunct="0">
-              <a:spcBef>
-                <a:spcPct val="0"/>
-              </a:spcBef>
-              <a:spcAft>
-                <a:spcPct val="0"/>
-              </a:spcAft>
-            </a:pPr>
-            <a:r>
-              <a:rPr lang="en-US" altLang="ja-JP" sz="1100" b="1" dirty="0">
-                <a:solidFill>
-                  <a:schemeClr val="bg1"/>
-                </a:solidFill>
-                <a:ea typeface="MS Mincho"/>
-                <a:cs typeface="MS Mincho"/>
-              </a:rPr>
-              <a:t>Shared RAM</a:t>
-            </a:r>
-          </a:p>
-        </p:txBody>
-      </p:sp>
-      <p:sp>
-        <p:nvSpPr>
-          <p:cNvPr id="54" name="Line 8"/>
-          <p:cNvSpPr>
-            <a:spLocks noChangeShapeType="1"/>
-          </p:cNvSpPr>
-          <p:nvPr/>
-        </p:nvSpPr>
-        <p:spPr bwMode="auto">
-          <a:xfrm>
-            <a:off x="4808988" y="2381053"/>
-            <a:ext cx="0" cy="228600"/>
-          </a:xfrm>
-          <a:prstGeom prst="line">
-            <a:avLst/>
-          </a:prstGeom>
-          <a:noFill/>
-          <a:ln w="9525">
-            <a:solidFill>
-              <a:srgbClr val="000000"/>
-            </a:solidFill>
-            <a:round/>
-            <a:headEnd type="triangle" w="med" len="med"/>
-            <a:tailEnd type="triangle"/>
-          </a:ln>
-        </p:spPr>
-        <p:txBody>
-          <a:bodyPr/>
-          <a:lstStyle/>
-          <a:p>
-            <a:pPr fontAlgn="base">
-              <a:spcBef>
-                <a:spcPct val="0"/>
-              </a:spcBef>
-              <a:spcAft>
-                <a:spcPct val="0"/>
-              </a:spcAft>
-            </a:pPr>
-            <a:endParaRPr lang="en-US" b="1" dirty="0">
-              <a:solidFill>
-                <a:srgbClr val="000000"/>
-              </a:solidFill>
-            </a:endParaRPr>
-          </a:p>
-        </p:txBody>
-      </p:sp>
-      <p:sp>
-        <p:nvSpPr>
-          <p:cNvPr id="55" name="Line 8"/>
-          <p:cNvSpPr>
-            <a:spLocks noChangeShapeType="1"/>
-          </p:cNvSpPr>
-          <p:nvPr/>
-        </p:nvSpPr>
-        <p:spPr bwMode="auto">
-          <a:xfrm>
-            <a:off x="5598510" y="2376539"/>
-            <a:ext cx="0" cy="228600"/>
-          </a:xfrm>
-          <a:prstGeom prst="line">
-            <a:avLst/>
-          </a:prstGeom>
-          <a:noFill/>
-          <a:ln w="9525">
-            <a:solidFill>
-              <a:srgbClr val="000000"/>
-            </a:solidFill>
-            <a:round/>
-            <a:headEnd type="triangle" w="med" len="med"/>
-            <a:tailEnd type="triangle"/>
-          </a:ln>
-        </p:spPr>
-        <p:txBody>
-          <a:bodyPr/>
-          <a:lstStyle/>
-          <a:p>
-            <a:pPr fontAlgn="base">
-              <a:spcBef>
-                <a:spcPct val="0"/>
-              </a:spcBef>
-              <a:spcAft>
-                <a:spcPct val="0"/>
-              </a:spcAft>
-            </a:pPr>
-            <a:endParaRPr lang="en-US" b="1" dirty="0">
-              <a:solidFill>
-                <a:srgbClr val="000000"/>
-              </a:solidFill>
-            </a:endParaRPr>
-          </a:p>
-        </p:txBody>
-      </p:sp>
-      <p:sp>
-        <p:nvSpPr>
-          <p:cNvPr id="57" name="Line 8"/>
-          <p:cNvSpPr>
-            <a:spLocks noChangeShapeType="1"/>
-          </p:cNvSpPr>
-          <p:nvPr/>
-        </p:nvSpPr>
-        <p:spPr bwMode="auto">
-          <a:xfrm>
-            <a:off x="6958879" y="2803980"/>
-            <a:ext cx="0" cy="228600"/>
-          </a:xfrm>
-          <a:prstGeom prst="line">
-            <a:avLst/>
-          </a:prstGeom>
-          <a:noFill/>
-          <a:ln w="9525">
-            <a:solidFill>
-              <a:srgbClr val="000000"/>
-            </a:solidFill>
-            <a:round/>
-            <a:headEnd type="triangle" w="med" len="med"/>
-            <a:tailEnd type="triangle"/>
-          </a:ln>
-        </p:spPr>
-        <p:txBody>
-          <a:bodyPr/>
-          <a:lstStyle/>
-          <a:p>
-            <a:pPr fontAlgn="base">
-              <a:spcBef>
-                <a:spcPct val="0"/>
-              </a:spcBef>
-              <a:spcAft>
-                <a:spcPct val="0"/>
-              </a:spcAft>
-            </a:pPr>
-            <a:endParaRPr lang="en-US" b="1" dirty="0">
-              <a:solidFill>
-                <a:srgbClr val="000000"/>
-              </a:solidFill>
-            </a:endParaRPr>
-          </a:p>
-        </p:txBody>
-      </p:sp>
-      <p:sp>
-        <p:nvSpPr>
-          <p:cNvPr id="58" name="Line 8"/>
-          <p:cNvSpPr>
-            <a:spLocks noChangeShapeType="1"/>
-          </p:cNvSpPr>
-          <p:nvPr/>
-        </p:nvSpPr>
-        <p:spPr bwMode="auto">
-          <a:xfrm>
-            <a:off x="4768325" y="2801149"/>
-            <a:ext cx="0" cy="228600"/>
-          </a:xfrm>
-          <a:prstGeom prst="line">
-            <a:avLst/>
-          </a:prstGeom>
-          <a:noFill/>
-          <a:ln w="9525">
-            <a:solidFill>
-              <a:srgbClr val="000000"/>
-            </a:solidFill>
-            <a:round/>
-            <a:headEnd type="triangle" w="med" len="med"/>
-            <a:tailEnd type="triangle"/>
-          </a:ln>
-        </p:spPr>
-        <p:txBody>
-          <a:bodyPr/>
-          <a:lstStyle/>
-          <a:p>
-            <a:pPr fontAlgn="base">
-              <a:spcBef>
-                <a:spcPct val="0"/>
-              </a:spcBef>
-              <a:spcAft>
-                <a:spcPct val="0"/>
-              </a:spcAft>
-            </a:pPr>
-            <a:endParaRPr lang="en-US" b="1" dirty="0">
-              <a:solidFill>
-                <a:srgbClr val="000000"/>
-              </a:solidFill>
-            </a:endParaRPr>
-          </a:p>
-        </p:txBody>
-      </p:sp>
-      <p:sp>
-        <p:nvSpPr>
-          <p:cNvPr id="72" name="Up-Down Arrow 71"/>
-          <p:cNvSpPr/>
-          <p:nvPr/>
-        </p:nvSpPr>
-        <p:spPr>
-          <a:xfrm>
-            <a:off x="5780601" y="2814520"/>
-            <a:ext cx="211561" cy="1010102"/>
-          </a:xfrm>
-          <a:prstGeom prst="upDownArrow">
-            <a:avLst>
-              <a:gd name="adj1" fmla="val 40476"/>
-              <a:gd name="adj2" fmla="val 33333"/>
-            </a:avLst>
-          </a:prstGeom>
-          <a:ln/>
-        </p:spPr>
-        <p:style>
-          <a:lnRef idx="1">
-            <a:schemeClr val="dk1"/>
-          </a:lnRef>
-          <a:fillRef idx="2">
-            <a:schemeClr val="dk1"/>
-          </a:fillRef>
-          <a:effectRef idx="1">
-            <a:schemeClr val="dk1"/>
-          </a:effectRef>
-          <a:fontRef idx="minor">
-            <a:schemeClr val="dk1"/>
-          </a:fontRef>
-        </p:style>
-        <p:txBody>
-          <a:bodyPr rtlCol="0" anchor="ctr"/>
-          <a:lstStyle/>
-          <a:p>
-            <a:pPr algn="ctr" fontAlgn="base">
-              <a:spcBef>
-                <a:spcPct val="0"/>
-              </a:spcBef>
-              <a:spcAft>
-                <a:spcPct val="0"/>
-              </a:spcAft>
-            </a:pPr>
-            <a:endParaRPr lang="en-US" b="1" dirty="0">
-              <a:solidFill>
-                <a:srgbClr val="FFFFFF"/>
-              </a:solidFill>
-            </a:endParaRPr>
-          </a:p>
-        </p:txBody>
-      </p:sp>
-      <p:sp>
-        <p:nvSpPr>
-          <p:cNvPr id="41" name="Rectangle 40"/>
-          <p:cNvSpPr>
-            <a:spLocks noChangeArrowheads="1"/>
-          </p:cNvSpPr>
-          <p:nvPr/>
-        </p:nvSpPr>
-        <p:spPr bwMode="auto">
-          <a:xfrm>
-            <a:off x="5874115" y="1980585"/>
-            <a:ext cx="502920" cy="411480"/>
-          </a:xfrm>
-          <a:prstGeom prst="rect">
-            <a:avLst/>
-          </a:prstGeom>
-          <a:solidFill>
-            <a:srgbClr val="117788"/>
-          </a:solidFill>
-          <a:ln>
-            <a:noFill/>
-            <a:headEnd/>
-            <a:tailEnd/>
-          </a:ln>
-        </p:spPr>
-        <p:style>
-          <a:lnRef idx="1">
-            <a:schemeClr val="accent2"/>
-          </a:lnRef>
-          <a:fillRef idx="3">
-            <a:schemeClr val="accent2"/>
-          </a:fillRef>
-          <a:effectRef idx="2">
-            <a:schemeClr val="accent2"/>
-          </a:effectRef>
-          <a:fontRef idx="minor">
-            <a:schemeClr val="lt1"/>
-          </a:fontRef>
-        </p:style>
-        <p:txBody>
-          <a:bodyPr lIns="66751" tIns="33376" rIns="66751" bIns="33376" anchor="ctr"/>
-          <a:lstStyle/>
-          <a:p>
-            <a:pPr algn="ctr" eaLnBrk="0" fontAlgn="base" hangingPunct="0">
-              <a:spcBef>
-                <a:spcPct val="0"/>
-              </a:spcBef>
-              <a:spcAft>
-                <a:spcPct val="0"/>
-              </a:spcAft>
-            </a:pPr>
-            <a:r>
-              <a:rPr lang="en-US" altLang="ja-JP" sz="1100" b="1" dirty="0">
-                <a:solidFill>
-                  <a:schemeClr val="bg1"/>
-                </a:solidFill>
-                <a:ea typeface="MS Mincho"/>
-                <a:cs typeface="MS Mincho"/>
-              </a:rPr>
-              <a:t>DataRAM</a:t>
-            </a:r>
-          </a:p>
-        </p:txBody>
-      </p:sp>
-      <p:sp>
-        <p:nvSpPr>
-          <p:cNvPr id="43" name="Rectangle 42"/>
-          <p:cNvSpPr>
-            <a:spLocks noChangeArrowheads="1"/>
-          </p:cNvSpPr>
-          <p:nvPr/>
-        </p:nvSpPr>
-        <p:spPr bwMode="auto">
-          <a:xfrm>
-            <a:off x="6413794" y="1980585"/>
-            <a:ext cx="502920" cy="411480"/>
-          </a:xfrm>
-          <a:prstGeom prst="rect">
-            <a:avLst/>
-          </a:prstGeom>
-          <a:solidFill>
-            <a:srgbClr val="32B4CE"/>
-          </a:solidFill>
-          <a:ln>
-            <a:noFill/>
-            <a:headEnd/>
-            <a:tailEnd/>
-          </a:ln>
-        </p:spPr>
-        <p:style>
-          <a:lnRef idx="1">
-            <a:schemeClr val="accent2"/>
-          </a:lnRef>
-          <a:fillRef idx="3">
-            <a:schemeClr val="accent2"/>
-          </a:fillRef>
-          <a:effectRef idx="2">
-            <a:schemeClr val="accent2"/>
-          </a:effectRef>
-          <a:fontRef idx="minor">
-            <a:schemeClr val="lt1"/>
-          </a:fontRef>
-        </p:style>
-        <p:txBody>
-          <a:bodyPr lIns="66751" tIns="33376" rIns="66751" bIns="33376" anchor="ctr"/>
-          <a:lstStyle/>
-          <a:p>
-            <a:pPr algn="ctr" eaLnBrk="0" fontAlgn="base" hangingPunct="0">
-              <a:spcBef>
-                <a:spcPct val="0"/>
-              </a:spcBef>
-              <a:spcAft>
-                <a:spcPct val="0"/>
-              </a:spcAft>
-            </a:pPr>
-            <a:r>
-              <a:rPr lang="en-US" altLang="ja-JP" sz="1100" b="1" dirty="0">
-                <a:solidFill>
-                  <a:schemeClr val="bg1"/>
-                </a:solidFill>
-                <a:ea typeface="MS Mincho"/>
-                <a:cs typeface="MS Mincho"/>
-              </a:rPr>
-              <a:t>Inst.</a:t>
-            </a:r>
-            <a:br>
-              <a:rPr lang="en-US" altLang="ja-JP" sz="1100" b="1" dirty="0">
-                <a:solidFill>
-                  <a:schemeClr val="bg1"/>
-                </a:solidFill>
-                <a:ea typeface="MS Mincho"/>
-                <a:cs typeface="MS Mincho"/>
-              </a:rPr>
-            </a:br>
-            <a:r>
-              <a:rPr lang="en-US" altLang="ja-JP" sz="1100" b="1" dirty="0">
-                <a:solidFill>
-                  <a:schemeClr val="bg1"/>
-                </a:solidFill>
-                <a:ea typeface="MS Mincho"/>
-                <a:cs typeface="MS Mincho"/>
-              </a:rPr>
-              <a:t>RAM</a:t>
-            </a:r>
-          </a:p>
-        </p:txBody>
-      </p:sp>
-      <p:sp>
-        <p:nvSpPr>
-          <p:cNvPr id="44" name="Rectangle 43"/>
-          <p:cNvSpPr>
-            <a:spLocks noChangeArrowheads="1"/>
-          </p:cNvSpPr>
-          <p:nvPr/>
-        </p:nvSpPr>
-        <p:spPr bwMode="auto">
-          <a:xfrm>
-            <a:off x="6948632" y="1980585"/>
-            <a:ext cx="502920" cy="411480"/>
-          </a:xfrm>
-          <a:prstGeom prst="rect">
-            <a:avLst/>
-          </a:prstGeom>
-          <a:solidFill>
-            <a:srgbClr val="117788"/>
-          </a:solidFill>
-          <a:ln>
-            <a:noFill/>
-            <a:headEnd/>
-            <a:tailEnd/>
-          </a:ln>
-        </p:spPr>
-        <p:style>
-          <a:lnRef idx="1">
-            <a:schemeClr val="accent2"/>
-          </a:lnRef>
-          <a:fillRef idx="3">
-            <a:schemeClr val="accent2"/>
-          </a:fillRef>
-          <a:effectRef idx="2">
-            <a:schemeClr val="accent2"/>
-          </a:effectRef>
-          <a:fontRef idx="minor">
-            <a:schemeClr val="lt1"/>
-          </a:fontRef>
-        </p:style>
-        <p:txBody>
-          <a:bodyPr lIns="66751" tIns="33376" rIns="66751" bIns="33376" anchor="ctr"/>
-          <a:lstStyle/>
-          <a:p>
-            <a:pPr algn="ctr" eaLnBrk="0" fontAlgn="base" hangingPunct="0">
-              <a:spcBef>
-                <a:spcPct val="0"/>
-              </a:spcBef>
-              <a:spcAft>
-                <a:spcPct val="0"/>
-              </a:spcAft>
-            </a:pPr>
-            <a:r>
-              <a:rPr lang="en-US" altLang="ja-JP" sz="1100" b="1" dirty="0">
-                <a:solidFill>
-                  <a:schemeClr val="bg1"/>
-                </a:solidFill>
-                <a:ea typeface="MS Mincho"/>
-                <a:cs typeface="MS Mincho"/>
-              </a:rPr>
-              <a:t>DataRAM</a:t>
-            </a:r>
-          </a:p>
-        </p:txBody>
-      </p:sp>
-      <p:sp>
-        <p:nvSpPr>
-          <p:cNvPr id="45" name="Line 8"/>
-          <p:cNvSpPr>
-            <a:spLocks noChangeShapeType="1"/>
-          </p:cNvSpPr>
-          <p:nvPr/>
-        </p:nvSpPr>
-        <p:spPr bwMode="auto">
-          <a:xfrm>
-            <a:off x="6117389" y="2372202"/>
-            <a:ext cx="0" cy="228600"/>
-          </a:xfrm>
-          <a:prstGeom prst="line">
-            <a:avLst/>
-          </a:prstGeom>
-          <a:noFill/>
-          <a:ln w="9525">
-            <a:solidFill>
-              <a:srgbClr val="000000"/>
-            </a:solidFill>
-            <a:round/>
-            <a:headEnd type="triangle" w="med" len="med"/>
-            <a:tailEnd type="triangle"/>
-          </a:ln>
-        </p:spPr>
-        <p:txBody>
-          <a:bodyPr/>
-          <a:lstStyle/>
-          <a:p>
-            <a:pPr fontAlgn="base">
-              <a:spcBef>
-                <a:spcPct val="0"/>
-              </a:spcBef>
-              <a:spcAft>
-                <a:spcPct val="0"/>
-              </a:spcAft>
-            </a:pPr>
-            <a:endParaRPr lang="en-US" b="1" dirty="0">
-              <a:solidFill>
-                <a:srgbClr val="000000"/>
-              </a:solidFill>
-            </a:endParaRPr>
-          </a:p>
-        </p:txBody>
-      </p:sp>
-      <p:sp>
-        <p:nvSpPr>
-          <p:cNvPr id="51" name="Line 8"/>
-          <p:cNvSpPr>
-            <a:spLocks noChangeShapeType="1"/>
-          </p:cNvSpPr>
-          <p:nvPr/>
-        </p:nvSpPr>
-        <p:spPr bwMode="auto">
-          <a:xfrm>
-            <a:off x="6683452" y="2376539"/>
-            <a:ext cx="0" cy="228600"/>
-          </a:xfrm>
-          <a:prstGeom prst="line">
-            <a:avLst/>
-          </a:prstGeom>
-          <a:noFill/>
-          <a:ln w="9525">
-            <a:solidFill>
-              <a:srgbClr val="000000"/>
-            </a:solidFill>
-            <a:round/>
-            <a:headEnd type="triangle" w="med" len="med"/>
-            <a:tailEnd type="triangle"/>
-          </a:ln>
-        </p:spPr>
-        <p:txBody>
-          <a:bodyPr/>
-          <a:lstStyle/>
-          <a:p>
-            <a:pPr fontAlgn="base">
-              <a:spcBef>
-                <a:spcPct val="0"/>
-              </a:spcBef>
-              <a:spcAft>
-                <a:spcPct val="0"/>
-              </a:spcAft>
-            </a:pPr>
-            <a:endParaRPr lang="en-US" b="1" dirty="0">
-              <a:solidFill>
-                <a:srgbClr val="000000"/>
-              </a:solidFill>
-            </a:endParaRPr>
-          </a:p>
-        </p:txBody>
-      </p:sp>
-      <p:sp>
-        <p:nvSpPr>
-          <p:cNvPr id="52" name="Line 8"/>
-          <p:cNvSpPr>
-            <a:spLocks noChangeShapeType="1"/>
-          </p:cNvSpPr>
-          <p:nvPr/>
-        </p:nvSpPr>
-        <p:spPr bwMode="auto">
-          <a:xfrm>
-            <a:off x="7202331" y="2372202"/>
-            <a:ext cx="0" cy="228600"/>
-          </a:xfrm>
-          <a:prstGeom prst="line">
-            <a:avLst/>
-          </a:prstGeom>
-          <a:noFill/>
-          <a:ln w="9525">
-            <a:solidFill>
-              <a:srgbClr val="000000"/>
-            </a:solidFill>
-            <a:round/>
-            <a:headEnd type="triangle" w="med" len="med"/>
-            <a:tailEnd type="triangle"/>
-          </a:ln>
-        </p:spPr>
-        <p:txBody>
-          <a:bodyPr/>
-          <a:lstStyle/>
-          <a:p>
-            <a:pPr fontAlgn="base">
-              <a:spcBef>
-                <a:spcPct val="0"/>
-              </a:spcBef>
-              <a:spcAft>
-                <a:spcPct val="0"/>
-              </a:spcAft>
-            </a:pPr>
-            <a:endParaRPr lang="en-US" b="1" dirty="0">
-              <a:solidFill>
-                <a:srgbClr val="000000"/>
-              </a:solidFill>
-            </a:endParaRPr>
-          </a:p>
-        </p:txBody>
-      </p:sp>
-      <p:sp>
-        <p:nvSpPr>
-          <p:cNvPr id="53" name="Rectangle 7"/>
-          <p:cNvSpPr>
-            <a:spLocks noChangeArrowheads="1"/>
-          </p:cNvSpPr>
-          <p:nvPr/>
-        </p:nvSpPr>
-        <p:spPr bwMode="auto">
-          <a:xfrm>
-            <a:off x="8105260" y="1815990"/>
-            <a:ext cx="729695" cy="419921"/>
-          </a:xfrm>
-          <a:prstGeom prst="rect">
-            <a:avLst/>
-          </a:prstGeom>
-          <a:solidFill>
-            <a:srgbClr val="FF6600"/>
-          </a:solidFill>
-          <a:ln>
-            <a:solidFill>
-              <a:srgbClr val="FF6600"/>
-            </a:solidFill>
-            <a:headEnd/>
-            <a:tailEnd/>
-          </a:ln>
-        </p:spPr>
-        <p:style>
-          <a:lnRef idx="1">
-            <a:schemeClr val="accent6"/>
-          </a:lnRef>
-          <a:fillRef idx="3">
-            <a:schemeClr val="accent6"/>
-          </a:fillRef>
-          <a:effectRef idx="2">
-            <a:schemeClr val="accent6"/>
-          </a:effectRef>
-          <a:fontRef idx="minor">
-            <a:schemeClr val="lt1"/>
-          </a:fontRef>
-        </p:style>
-        <p:txBody>
-          <a:bodyPr lIns="66751" tIns="33376" rIns="66751" bIns="33376" anchor="ctr"/>
-          <a:lstStyle/>
-          <a:p>
-            <a:pPr algn="ctr" eaLnBrk="0" fontAlgn="base" hangingPunct="0">
-              <a:spcBef>
-                <a:spcPct val="0"/>
-              </a:spcBef>
-              <a:spcAft>
-                <a:spcPct val="0"/>
-              </a:spcAft>
-            </a:pPr>
-            <a:r>
-              <a:rPr lang="en-US" altLang="ja-JP" sz="1100" b="1" dirty="0">
-                <a:solidFill>
-                  <a:srgbClr val="000000"/>
-                </a:solidFill>
-                <a:ea typeface="MS Mincho"/>
-                <a:cs typeface="MS Mincho"/>
-              </a:rPr>
-              <a:t>PRU1 I/O</a:t>
-            </a:r>
-          </a:p>
-        </p:txBody>
-      </p:sp>
-      <p:sp>
-        <p:nvSpPr>
-          <p:cNvPr id="56" name="Up-Down Arrow 55"/>
-          <p:cNvSpPr/>
-          <p:nvPr/>
-        </p:nvSpPr>
-        <p:spPr>
-          <a:xfrm rot="5400000">
-            <a:off x="7718552" y="1777709"/>
-            <a:ext cx="235746" cy="460860"/>
-          </a:xfrm>
-          <a:prstGeom prst="upDownArrow">
-            <a:avLst>
-              <a:gd name="adj1" fmla="val 40476"/>
-              <a:gd name="adj2" fmla="val 33333"/>
-            </a:avLst>
-          </a:prstGeom>
-          <a:ln/>
-        </p:spPr>
-        <p:style>
-          <a:lnRef idx="1">
-            <a:schemeClr val="dk1"/>
-          </a:lnRef>
-          <a:fillRef idx="2">
-            <a:schemeClr val="dk1"/>
-          </a:fillRef>
-          <a:effectRef idx="1">
-            <a:schemeClr val="dk1"/>
-          </a:effectRef>
-          <a:fontRef idx="minor">
-            <a:schemeClr val="dk1"/>
-          </a:fontRef>
-        </p:style>
-        <p:txBody>
-          <a:bodyPr rtlCol="0" anchor="ctr"/>
-          <a:lstStyle/>
-          <a:p>
-            <a:pPr algn="ctr" fontAlgn="base">
-              <a:spcBef>
-                <a:spcPct val="0"/>
-              </a:spcBef>
-              <a:spcAft>
-                <a:spcPct val="0"/>
-              </a:spcAft>
-            </a:pPr>
-            <a:endParaRPr lang="en-US" b="1" dirty="0">
-              <a:solidFill>
-                <a:srgbClr val="FFFFFF"/>
-              </a:solidFill>
-            </a:endParaRPr>
-          </a:p>
-        </p:txBody>
-      </p:sp>
-      <p:sp>
-        <p:nvSpPr>
-          <p:cNvPr id="4" name="Rectangle 7"/>
-          <p:cNvSpPr>
-            <a:spLocks noChangeArrowheads="1"/>
-          </p:cNvSpPr>
-          <p:nvPr/>
-        </p:nvSpPr>
-        <p:spPr bwMode="auto">
-          <a:xfrm>
-            <a:off x="881710" y="4556159"/>
-            <a:ext cx="958173" cy="419921"/>
-          </a:xfrm>
-          <a:prstGeom prst="rect">
-            <a:avLst/>
-          </a:prstGeom>
-          <a:solidFill>
-            <a:srgbClr val="117788"/>
-          </a:solidFill>
-          <a:ln>
-            <a:noFill/>
-            <a:headEnd/>
-            <a:tailEnd/>
-          </a:ln>
-        </p:spPr>
-        <p:style>
-          <a:lnRef idx="1">
-            <a:schemeClr val="accent2"/>
-          </a:lnRef>
-          <a:fillRef idx="3">
-            <a:schemeClr val="accent2"/>
-          </a:fillRef>
-          <a:effectRef idx="2">
-            <a:schemeClr val="accent2"/>
-          </a:effectRef>
-          <a:fontRef idx="minor">
-            <a:schemeClr val="lt1"/>
-          </a:fontRef>
-        </p:style>
-        <p:txBody>
-          <a:bodyPr lIns="66751" tIns="33376" rIns="66751" bIns="33376" anchor="ctr"/>
-          <a:lstStyle/>
-          <a:p>
-            <a:pPr algn="ctr" eaLnBrk="0" fontAlgn="base" hangingPunct="0">
-              <a:spcBef>
-                <a:spcPct val="0"/>
-              </a:spcBef>
-              <a:spcAft>
-                <a:spcPct val="0"/>
-              </a:spcAft>
-            </a:pPr>
-            <a:r>
-              <a:rPr lang="en-US" altLang="ja-JP" sz="1100" b="1" dirty="0">
-                <a:solidFill>
-                  <a:schemeClr val="bg1"/>
-                </a:solidFill>
-                <a:ea typeface="MS Mincho"/>
-                <a:cs typeface="MS Mincho"/>
-              </a:rPr>
-              <a:t>Shared </a:t>
-            </a:r>
-          </a:p>
-          <a:p>
-            <a:pPr algn="ctr" eaLnBrk="0" fontAlgn="base" hangingPunct="0">
-              <a:spcBef>
-                <a:spcPct val="0"/>
-              </a:spcBef>
-              <a:spcAft>
-                <a:spcPct val="0"/>
-              </a:spcAft>
-            </a:pPr>
-            <a:r>
-              <a:rPr lang="en-US" altLang="ja-JP" sz="1100" b="1" dirty="0">
-                <a:solidFill>
-                  <a:schemeClr val="bg1"/>
-                </a:solidFill>
-                <a:ea typeface="MS Mincho"/>
-                <a:cs typeface="MS Mincho"/>
-              </a:rPr>
-              <a:t>Memory</a:t>
-            </a:r>
-          </a:p>
-        </p:txBody>
-      </p:sp>
-      <p:sp>
-        <p:nvSpPr>
-          <p:cNvPr id="7" name="Rectangle 7"/>
-          <p:cNvSpPr>
-            <a:spLocks noChangeArrowheads="1"/>
-          </p:cNvSpPr>
-          <p:nvPr/>
-        </p:nvSpPr>
-        <p:spPr bwMode="auto">
-          <a:xfrm>
-            <a:off x="3322796" y="4547677"/>
-            <a:ext cx="958173" cy="419921"/>
-          </a:xfrm>
-          <a:prstGeom prst="rect">
-            <a:avLst/>
-          </a:prstGeom>
-          <a:solidFill>
-            <a:srgbClr val="FFC000"/>
-          </a:solidFill>
-          <a:ln>
-            <a:solidFill>
-              <a:srgbClr val="E8A835"/>
-            </a:solidFill>
-            <a:headEnd/>
-            <a:tailEnd/>
-          </a:ln>
-        </p:spPr>
-        <p:style>
-          <a:lnRef idx="1">
-            <a:schemeClr val="accent3"/>
-          </a:lnRef>
-          <a:fillRef idx="3">
-            <a:schemeClr val="accent3"/>
-          </a:fillRef>
-          <a:effectRef idx="2">
-            <a:schemeClr val="accent3"/>
-          </a:effectRef>
-          <a:fontRef idx="minor">
-            <a:schemeClr val="lt1"/>
-          </a:fontRef>
-        </p:style>
-        <p:txBody>
-          <a:bodyPr lIns="66751" tIns="33376" rIns="66751" bIns="33376" anchor="ctr"/>
-          <a:lstStyle/>
-          <a:p>
-            <a:pPr algn="ctr" eaLnBrk="0" fontAlgn="base" hangingPunct="0">
-              <a:spcBef>
-                <a:spcPct val="0"/>
-              </a:spcBef>
-              <a:spcAft>
-                <a:spcPct val="0"/>
-              </a:spcAft>
-            </a:pPr>
-            <a:r>
-              <a:rPr lang="en-US" altLang="ja-JP" sz="1100" b="1" dirty="0" smtClean="0">
-                <a:solidFill>
-                  <a:srgbClr val="000000"/>
-                </a:solidFill>
-                <a:ea typeface="MS Mincho"/>
-                <a:cs typeface="MS Mincho"/>
-              </a:rPr>
-              <a:t>Peripherals</a:t>
-            </a:r>
-            <a:endParaRPr lang="en-US" altLang="ja-JP" sz="1100" b="1" dirty="0">
-              <a:solidFill>
-                <a:srgbClr val="000000"/>
-              </a:solidFill>
-              <a:ea typeface="MS Mincho"/>
-              <a:cs typeface="MS Mincho"/>
-            </a:endParaRPr>
-          </a:p>
-        </p:txBody>
-      </p:sp>
-      <p:sp>
-        <p:nvSpPr>
-          <p:cNvPr id="8" name="Rectangle 7"/>
-          <p:cNvSpPr>
-            <a:spLocks noChangeArrowheads="1"/>
-          </p:cNvSpPr>
-          <p:nvPr/>
-        </p:nvSpPr>
-        <p:spPr bwMode="auto">
-          <a:xfrm>
-            <a:off x="1380975" y="5810110"/>
-            <a:ext cx="958173" cy="419921"/>
-          </a:xfrm>
-          <a:prstGeom prst="rect">
-            <a:avLst/>
-          </a:prstGeom>
-          <a:solidFill>
-            <a:srgbClr val="FFC000"/>
-          </a:solidFill>
-          <a:ln>
-            <a:solidFill>
-              <a:srgbClr val="E8A835"/>
-            </a:solidFill>
-            <a:headEnd/>
-            <a:tailEnd/>
-          </a:ln>
-        </p:spPr>
-        <p:style>
-          <a:lnRef idx="1">
-            <a:schemeClr val="accent3"/>
-          </a:lnRef>
-          <a:fillRef idx="3">
-            <a:schemeClr val="accent3"/>
-          </a:fillRef>
-          <a:effectRef idx="2">
-            <a:schemeClr val="accent3"/>
-          </a:effectRef>
-          <a:fontRef idx="minor">
-            <a:schemeClr val="lt1"/>
-          </a:fontRef>
-        </p:style>
-        <p:txBody>
-          <a:bodyPr lIns="66751" tIns="33376" rIns="66751" bIns="33376" anchor="ctr"/>
-          <a:lstStyle/>
-          <a:p>
-            <a:pPr algn="ctr" eaLnBrk="0" fontAlgn="base" hangingPunct="0">
-              <a:spcBef>
-                <a:spcPct val="0"/>
-              </a:spcBef>
-              <a:spcAft>
-                <a:spcPct val="0"/>
-              </a:spcAft>
-            </a:pPr>
-            <a:r>
-              <a:rPr lang="en-US" altLang="ja-JP" sz="1100" b="1" dirty="0">
-                <a:solidFill>
-                  <a:srgbClr val="000000"/>
-                </a:solidFill>
-                <a:ea typeface="MS Mincho"/>
-                <a:cs typeface="MS Mincho"/>
-              </a:rPr>
-              <a:t>Peripherals</a:t>
-            </a:r>
-          </a:p>
-        </p:txBody>
-      </p:sp>
-      <p:sp>
-        <p:nvSpPr>
-          <p:cNvPr id="9" name="Rectangle 7"/>
-          <p:cNvSpPr>
-            <a:spLocks noChangeArrowheads="1"/>
-          </p:cNvSpPr>
-          <p:nvPr/>
-        </p:nvSpPr>
-        <p:spPr bwMode="auto">
-          <a:xfrm>
-            <a:off x="2846237" y="5812644"/>
-            <a:ext cx="721871" cy="419921"/>
-          </a:xfrm>
-          <a:prstGeom prst="rect">
-            <a:avLst/>
-          </a:prstGeom>
-          <a:solidFill>
-            <a:srgbClr val="FF6600"/>
-          </a:solidFill>
-          <a:ln>
-            <a:solidFill>
-              <a:srgbClr val="FF6600"/>
-            </a:solidFill>
-            <a:headEnd/>
-            <a:tailEnd/>
-          </a:ln>
-        </p:spPr>
-        <p:style>
-          <a:lnRef idx="1">
-            <a:schemeClr val="accent6"/>
-          </a:lnRef>
-          <a:fillRef idx="3">
-            <a:schemeClr val="accent6"/>
-          </a:fillRef>
-          <a:effectRef idx="2">
-            <a:schemeClr val="accent6"/>
-          </a:effectRef>
-          <a:fontRef idx="minor">
-            <a:schemeClr val="lt1"/>
-          </a:fontRef>
-        </p:style>
-        <p:txBody>
-          <a:bodyPr lIns="66751" tIns="33376" rIns="66751" bIns="33376" anchor="ctr"/>
-          <a:lstStyle/>
-          <a:p>
-            <a:pPr algn="ctr" eaLnBrk="0" fontAlgn="base" hangingPunct="0">
-              <a:spcBef>
-                <a:spcPct val="0"/>
-              </a:spcBef>
-              <a:spcAft>
-                <a:spcPct val="0"/>
-              </a:spcAft>
-            </a:pPr>
-            <a:r>
-              <a:rPr lang="en-US" altLang="ja-JP" sz="1100" b="1" dirty="0">
-                <a:solidFill>
-                  <a:srgbClr val="000000"/>
-                </a:solidFill>
-                <a:ea typeface="MS Mincho"/>
-                <a:cs typeface="MS Mincho"/>
-              </a:rPr>
-              <a:t>GP I/O</a:t>
-            </a:r>
-          </a:p>
-        </p:txBody>
-      </p:sp>
-      <p:sp>
-        <p:nvSpPr>
-          <p:cNvPr id="11" name="Rectangle 63"/>
-          <p:cNvSpPr>
-            <a:spLocks noChangeArrowheads="1"/>
-          </p:cNvSpPr>
-          <p:nvPr/>
-        </p:nvSpPr>
-        <p:spPr bwMode="auto">
-          <a:xfrm rot="16200000">
-            <a:off x="2436168" y="3110235"/>
-            <a:ext cx="357971" cy="4427298"/>
-          </a:xfrm>
-          <a:prstGeom prst="rect">
-            <a:avLst/>
-          </a:prstGeom>
-          <a:ln>
-            <a:headEnd/>
-            <a:tailEnd/>
-          </a:ln>
-        </p:spPr>
-        <p:style>
-          <a:lnRef idx="1">
-            <a:schemeClr val="dk1"/>
-          </a:lnRef>
-          <a:fillRef idx="2">
-            <a:schemeClr val="dk1"/>
-          </a:fillRef>
-          <a:effectRef idx="1">
-            <a:schemeClr val="dk1"/>
-          </a:effectRef>
-          <a:fontRef idx="minor">
-            <a:schemeClr val="dk1"/>
-          </a:fontRef>
-        </p:style>
-        <p:txBody>
-          <a:bodyPr vert="vert" lIns="66751" tIns="33376" rIns="66751" bIns="33376" anchor="ctr"/>
-          <a:lstStyle/>
-          <a:p>
-            <a:pPr algn="ctr" eaLnBrk="0" fontAlgn="base" hangingPunct="0">
-              <a:spcBef>
-                <a:spcPct val="0"/>
-              </a:spcBef>
-              <a:spcAft>
-                <a:spcPct val="0"/>
-              </a:spcAft>
-            </a:pPr>
-            <a:r>
-              <a:rPr lang="en-US" sz="1100" b="1" dirty="0" smtClean="0">
-                <a:solidFill>
-                  <a:srgbClr val="000000"/>
-                </a:solidFill>
-                <a:ea typeface="MS Mincho"/>
-                <a:cs typeface="MS Mincho"/>
-              </a:rPr>
-              <a:t>			L4 </a:t>
-            </a:r>
-            <a:r>
-              <a:rPr lang="en-US" sz="1100" b="1" dirty="0">
-                <a:solidFill>
-                  <a:srgbClr val="000000"/>
-                </a:solidFill>
-                <a:ea typeface="MS Mincho"/>
-                <a:cs typeface="MS Mincho"/>
-              </a:rPr>
-              <a:t>Interconnect</a:t>
-            </a:r>
-          </a:p>
-        </p:txBody>
-      </p:sp>
-      <p:sp>
-        <p:nvSpPr>
-          <p:cNvPr id="12" name="Up-Down Arrow 64"/>
-          <p:cNvSpPr/>
-          <p:nvPr/>
-        </p:nvSpPr>
-        <p:spPr>
-          <a:xfrm>
-            <a:off x="2504467" y="4236507"/>
-            <a:ext cx="218731" cy="908391"/>
-          </a:xfrm>
-          <a:prstGeom prst="upDownArrow">
-            <a:avLst>
-              <a:gd name="adj1" fmla="val 40476"/>
-              <a:gd name="adj2" fmla="val 33333"/>
-            </a:avLst>
-          </a:prstGeom>
-          <a:ln/>
-        </p:spPr>
-        <p:style>
-          <a:lnRef idx="1">
-            <a:schemeClr val="dk1"/>
-          </a:lnRef>
-          <a:fillRef idx="2">
-            <a:schemeClr val="dk1"/>
-          </a:fillRef>
-          <a:effectRef idx="1">
-            <a:schemeClr val="dk1"/>
-          </a:effectRef>
-          <a:fontRef idx="minor">
-            <a:schemeClr val="dk1"/>
-          </a:fontRef>
-        </p:style>
-        <p:txBody>
-          <a:bodyPr rtlCol="0" anchor="ctr"/>
-          <a:lstStyle/>
-          <a:p>
-            <a:pPr algn="ctr" fontAlgn="base">
-              <a:spcBef>
-                <a:spcPct val="0"/>
-              </a:spcBef>
-              <a:spcAft>
-                <a:spcPct val="0"/>
-              </a:spcAft>
-            </a:pPr>
-            <a:endParaRPr lang="en-US" b="1" dirty="0">
-              <a:solidFill>
-                <a:srgbClr val="FFFFFF"/>
-              </a:solidFill>
-            </a:endParaRPr>
-          </a:p>
-        </p:txBody>
-      </p:sp>
-      <p:sp>
-        <p:nvSpPr>
-          <p:cNvPr id="16" name="Up-Down Arrow 66"/>
-          <p:cNvSpPr/>
-          <p:nvPr/>
-        </p:nvSpPr>
-        <p:spPr>
-          <a:xfrm>
-            <a:off x="1255991" y="4230289"/>
-            <a:ext cx="211561" cy="312456"/>
-          </a:xfrm>
-          <a:prstGeom prst="upDownArrow">
-            <a:avLst>
-              <a:gd name="adj1" fmla="val 40476"/>
-              <a:gd name="adj2" fmla="val 33333"/>
-            </a:avLst>
-          </a:prstGeom>
-          <a:ln/>
-        </p:spPr>
-        <p:style>
-          <a:lnRef idx="1">
-            <a:schemeClr val="dk1"/>
-          </a:lnRef>
-          <a:fillRef idx="2">
-            <a:schemeClr val="dk1"/>
-          </a:fillRef>
-          <a:effectRef idx="1">
-            <a:schemeClr val="dk1"/>
-          </a:effectRef>
-          <a:fontRef idx="minor">
-            <a:schemeClr val="dk1"/>
-          </a:fontRef>
-        </p:style>
-        <p:txBody>
-          <a:bodyPr rtlCol="0" anchor="ctr"/>
-          <a:lstStyle/>
-          <a:p>
-            <a:pPr algn="ctr" fontAlgn="base">
-              <a:spcBef>
-                <a:spcPct val="0"/>
-              </a:spcBef>
-              <a:spcAft>
-                <a:spcPct val="0"/>
-              </a:spcAft>
-            </a:pPr>
-            <a:endParaRPr lang="en-US" b="1" dirty="0">
-              <a:solidFill>
-                <a:srgbClr val="FFFFFF"/>
-              </a:solidFill>
-            </a:endParaRPr>
-          </a:p>
-        </p:txBody>
-      </p:sp>
-      <p:sp>
-        <p:nvSpPr>
-          <p:cNvPr id="18" name="Up-Down Arrow 67"/>
-          <p:cNvSpPr/>
-          <p:nvPr/>
-        </p:nvSpPr>
-        <p:spPr>
-          <a:xfrm>
-            <a:off x="3696101" y="4230289"/>
-            <a:ext cx="211561" cy="312456"/>
-          </a:xfrm>
-          <a:prstGeom prst="upDownArrow">
-            <a:avLst>
-              <a:gd name="adj1" fmla="val 40476"/>
-              <a:gd name="adj2" fmla="val 33333"/>
-            </a:avLst>
-          </a:prstGeom>
-          <a:ln/>
-        </p:spPr>
-        <p:style>
-          <a:lnRef idx="1">
-            <a:schemeClr val="dk1"/>
-          </a:lnRef>
-          <a:fillRef idx="2">
-            <a:schemeClr val="dk1"/>
-          </a:fillRef>
-          <a:effectRef idx="1">
-            <a:schemeClr val="dk1"/>
-          </a:effectRef>
-          <a:fontRef idx="minor">
-            <a:schemeClr val="dk1"/>
-          </a:fontRef>
-        </p:style>
-        <p:txBody>
-          <a:bodyPr rtlCol="0" anchor="ctr"/>
-          <a:lstStyle/>
-          <a:p>
-            <a:pPr algn="ctr" fontAlgn="base">
-              <a:spcBef>
-                <a:spcPct val="0"/>
-              </a:spcBef>
-              <a:spcAft>
-                <a:spcPct val="0"/>
-              </a:spcAft>
-            </a:pPr>
-            <a:endParaRPr lang="en-US" b="1" dirty="0">
-              <a:solidFill>
-                <a:srgbClr val="FFFFFF"/>
-              </a:solidFill>
-            </a:endParaRPr>
-          </a:p>
-        </p:txBody>
-      </p:sp>
-      <p:sp>
-        <p:nvSpPr>
-          <p:cNvPr id="19" name="Up-Down Arrow 68"/>
-          <p:cNvSpPr/>
-          <p:nvPr/>
-        </p:nvSpPr>
-        <p:spPr>
-          <a:xfrm>
-            <a:off x="1781942" y="5502870"/>
-            <a:ext cx="211561" cy="312456"/>
-          </a:xfrm>
-          <a:prstGeom prst="upDownArrow">
-            <a:avLst>
-              <a:gd name="adj1" fmla="val 40476"/>
-              <a:gd name="adj2" fmla="val 33333"/>
-            </a:avLst>
-          </a:prstGeom>
-          <a:ln/>
-        </p:spPr>
-        <p:style>
-          <a:lnRef idx="1">
-            <a:schemeClr val="dk1"/>
-          </a:lnRef>
-          <a:fillRef idx="2">
-            <a:schemeClr val="dk1"/>
-          </a:fillRef>
-          <a:effectRef idx="1">
-            <a:schemeClr val="dk1"/>
-          </a:effectRef>
-          <a:fontRef idx="minor">
-            <a:schemeClr val="dk1"/>
-          </a:fontRef>
-        </p:style>
-        <p:txBody>
-          <a:bodyPr rtlCol="0" anchor="ctr"/>
-          <a:lstStyle/>
-          <a:p>
-            <a:pPr algn="ctr" fontAlgn="base">
-              <a:spcBef>
-                <a:spcPct val="0"/>
-              </a:spcBef>
-              <a:spcAft>
-                <a:spcPct val="0"/>
-              </a:spcAft>
-            </a:pPr>
-            <a:endParaRPr lang="en-US" b="1" dirty="0">
-              <a:solidFill>
-                <a:srgbClr val="FFFFFF"/>
-              </a:solidFill>
-            </a:endParaRPr>
-          </a:p>
-        </p:txBody>
-      </p:sp>
-      <p:sp>
-        <p:nvSpPr>
-          <p:cNvPr id="21" name="Up-Down Arrow 69"/>
-          <p:cNvSpPr/>
-          <p:nvPr/>
-        </p:nvSpPr>
-        <p:spPr>
-          <a:xfrm>
-            <a:off x="3087712" y="5508940"/>
-            <a:ext cx="211561" cy="312456"/>
-          </a:xfrm>
-          <a:prstGeom prst="upDownArrow">
-            <a:avLst>
-              <a:gd name="adj1" fmla="val 40476"/>
-              <a:gd name="adj2" fmla="val 33333"/>
-            </a:avLst>
-          </a:prstGeom>
-          <a:ln/>
-        </p:spPr>
-        <p:style>
-          <a:lnRef idx="1">
-            <a:schemeClr val="dk1"/>
-          </a:lnRef>
-          <a:fillRef idx="2">
-            <a:schemeClr val="dk1"/>
-          </a:fillRef>
-          <a:effectRef idx="1">
-            <a:schemeClr val="dk1"/>
-          </a:effectRef>
-          <a:fontRef idx="minor">
-            <a:schemeClr val="dk1"/>
-          </a:fontRef>
-        </p:style>
-        <p:txBody>
-          <a:bodyPr rtlCol="0" anchor="ctr"/>
-          <a:lstStyle/>
-          <a:p>
-            <a:pPr algn="ctr" fontAlgn="base">
-              <a:spcBef>
-                <a:spcPct val="0"/>
-              </a:spcBef>
-              <a:spcAft>
-                <a:spcPct val="0"/>
-              </a:spcAft>
-            </a:pPr>
-            <a:endParaRPr lang="en-US" b="1" dirty="0">
-              <a:solidFill>
-                <a:srgbClr val="FFFFFF"/>
-              </a:solidFill>
-            </a:endParaRPr>
-          </a:p>
-        </p:txBody>
-      </p:sp>
-      <p:sp>
-        <p:nvSpPr>
-          <p:cNvPr id="22" name="Rectangle 70"/>
-          <p:cNvSpPr/>
-          <p:nvPr/>
-        </p:nvSpPr>
-        <p:spPr>
-          <a:xfrm>
-            <a:off x="1494238" y="971080"/>
-            <a:ext cx="2232187" cy="2573135"/>
-          </a:xfrm>
-          <a:prstGeom prst="rect">
-            <a:avLst/>
-          </a:prstGeom>
-          <a:solidFill>
-            <a:schemeClr val="bg1">
-              <a:lumMod val="95000"/>
-            </a:schemeClr>
-          </a:solidFill>
-          <a:ln w="9525">
-            <a:solidFill>
-              <a:schemeClr val="bg1">
-                <a:lumMod val="75000"/>
-              </a:schemeClr>
-            </a:solidFill>
-          </a:ln>
-        </p:spPr>
-        <p:style>
-          <a:lnRef idx="2">
-            <a:schemeClr val="accent1">
-              <a:shade val="50000"/>
-            </a:schemeClr>
-          </a:lnRef>
-          <a:fillRef idx="1">
-            <a:schemeClr val="accent1"/>
-          </a:fillRef>
-          <a:effectRef idx="0">
-            <a:schemeClr val="accent1"/>
-          </a:effectRef>
-          <a:fontRef idx="minor">
-            <a:schemeClr val="lt1"/>
-          </a:fontRef>
-        </p:style>
-        <p:txBody>
-          <a:bodyPr rtlCol="0" anchor="t"/>
-          <a:lstStyle/>
-          <a:p>
-            <a:pPr fontAlgn="base">
-              <a:spcBef>
-                <a:spcPct val="0"/>
-              </a:spcBef>
-              <a:spcAft>
-                <a:spcPct val="0"/>
-              </a:spcAft>
-            </a:pPr>
-            <a:r>
-              <a:rPr lang="en-US" sz="1400" b="1" dirty="0">
-                <a:solidFill>
-                  <a:srgbClr val="000000">
-                    <a:lumMod val="95000"/>
-                    <a:lumOff val="5000"/>
-                  </a:srgbClr>
-                </a:solidFill>
-              </a:rPr>
-              <a:t>ARM Subsystem</a:t>
-            </a:r>
-          </a:p>
-        </p:txBody>
-      </p:sp>
-      <p:sp>
-        <p:nvSpPr>
-          <p:cNvPr id="23" name="Rectangle 7"/>
-          <p:cNvSpPr>
-            <a:spLocks noChangeArrowheads="1"/>
-          </p:cNvSpPr>
-          <p:nvPr/>
-        </p:nvSpPr>
-        <p:spPr bwMode="auto">
-          <a:xfrm>
-            <a:off x="1693583" y="1623965"/>
-            <a:ext cx="1905610" cy="502920"/>
-          </a:xfrm>
-          <a:prstGeom prst="rect">
-            <a:avLst/>
-          </a:prstGeom>
-          <a:solidFill>
-            <a:srgbClr val="006687"/>
-          </a:solidFill>
-          <a:ln>
-            <a:headEnd/>
-            <a:tailEnd/>
-          </a:ln>
-        </p:spPr>
-        <p:style>
-          <a:lnRef idx="1">
-            <a:schemeClr val="accent5"/>
-          </a:lnRef>
-          <a:fillRef idx="3">
-            <a:schemeClr val="accent5"/>
-          </a:fillRef>
-          <a:effectRef idx="2">
-            <a:schemeClr val="accent5"/>
-          </a:effectRef>
-          <a:fontRef idx="minor">
-            <a:schemeClr val="lt1"/>
-          </a:fontRef>
-        </p:style>
-        <p:txBody>
-          <a:bodyPr lIns="66751" tIns="33376" rIns="66751" bIns="33376" anchor="ctr"/>
-          <a:lstStyle/>
-          <a:p>
-            <a:pPr algn="ctr" eaLnBrk="0" fontAlgn="base" hangingPunct="0">
-              <a:spcBef>
-                <a:spcPct val="0"/>
-              </a:spcBef>
-              <a:spcAft>
-                <a:spcPct val="0"/>
-              </a:spcAft>
-            </a:pPr>
-            <a:r>
-              <a:rPr lang="en-US" altLang="ja-JP" sz="1600" b="1" dirty="0" smtClean="0">
-                <a:solidFill>
-                  <a:schemeClr val="bg1"/>
-                </a:solidFill>
-                <a:ea typeface="MS Mincho"/>
-                <a:cs typeface="MS Mincho"/>
-              </a:rPr>
-              <a:t>Cortex-A8</a:t>
-            </a:r>
-            <a:endParaRPr lang="en-US" altLang="ja-JP" sz="1600" b="1" dirty="0">
-              <a:solidFill>
-                <a:schemeClr val="bg1"/>
-              </a:solidFill>
-              <a:ea typeface="MS Mincho"/>
-              <a:cs typeface="MS Mincho"/>
-            </a:endParaRPr>
-          </a:p>
-        </p:txBody>
-      </p:sp>
-      <p:sp>
-        <p:nvSpPr>
-          <p:cNvPr id="24" name="Rectangle 79"/>
-          <p:cNvSpPr>
-            <a:spLocks noChangeArrowheads="1"/>
-          </p:cNvSpPr>
-          <p:nvPr/>
-        </p:nvSpPr>
-        <p:spPr bwMode="auto">
-          <a:xfrm>
-            <a:off x="1693583" y="2202574"/>
-            <a:ext cx="914400" cy="501193"/>
-          </a:xfrm>
-          <a:prstGeom prst="rect">
-            <a:avLst/>
-          </a:prstGeom>
-          <a:solidFill>
-            <a:srgbClr val="32B4CE"/>
-          </a:solidFill>
-          <a:ln>
-            <a:noFill/>
-            <a:headEnd/>
-            <a:tailEnd/>
-          </a:ln>
-        </p:spPr>
-        <p:style>
-          <a:lnRef idx="1">
-            <a:schemeClr val="accent2"/>
-          </a:lnRef>
-          <a:fillRef idx="3">
-            <a:schemeClr val="accent2"/>
-          </a:fillRef>
-          <a:effectRef idx="2">
-            <a:schemeClr val="accent2"/>
-          </a:effectRef>
-          <a:fontRef idx="minor">
-            <a:schemeClr val="lt1"/>
-          </a:fontRef>
-        </p:style>
-        <p:txBody>
-          <a:bodyPr lIns="66751" tIns="33376" rIns="66751" bIns="33376" anchor="ctr"/>
-          <a:lstStyle/>
-          <a:p>
-            <a:pPr algn="ctr" eaLnBrk="0" fontAlgn="base" hangingPunct="0">
-              <a:spcBef>
-                <a:spcPct val="0"/>
-              </a:spcBef>
-              <a:spcAft>
-                <a:spcPct val="0"/>
-              </a:spcAft>
-            </a:pPr>
-            <a:r>
-              <a:rPr lang="en-US" altLang="ja-JP" sz="1100" b="1" dirty="0" smtClean="0">
-                <a:solidFill>
-                  <a:schemeClr val="bg1"/>
-                </a:solidFill>
-                <a:ea typeface="MS Mincho"/>
-                <a:cs typeface="MS Mincho"/>
-              </a:rPr>
-              <a:t>L1 Instruction Cache</a:t>
-            </a:r>
-            <a:endParaRPr lang="en-US" altLang="ja-JP" sz="1100" b="1" dirty="0">
-              <a:solidFill>
-                <a:schemeClr val="bg1"/>
-              </a:solidFill>
-              <a:ea typeface="MS Mincho"/>
-              <a:cs typeface="MS Mincho"/>
-            </a:endParaRPr>
-          </a:p>
-        </p:txBody>
-      </p:sp>
-      <p:sp>
-        <p:nvSpPr>
-          <p:cNvPr id="25" name="Rectangle 80"/>
-          <p:cNvSpPr>
-            <a:spLocks noChangeArrowheads="1"/>
-          </p:cNvSpPr>
-          <p:nvPr/>
-        </p:nvSpPr>
-        <p:spPr bwMode="auto">
-          <a:xfrm>
-            <a:off x="2684793" y="2202573"/>
-            <a:ext cx="914400" cy="501193"/>
-          </a:xfrm>
-          <a:prstGeom prst="rect">
-            <a:avLst/>
-          </a:prstGeom>
-          <a:solidFill>
-            <a:srgbClr val="117788"/>
-          </a:solidFill>
-          <a:ln>
-            <a:noFill/>
-            <a:headEnd/>
-            <a:tailEnd/>
-          </a:ln>
-        </p:spPr>
-        <p:style>
-          <a:lnRef idx="1">
-            <a:schemeClr val="accent2"/>
-          </a:lnRef>
-          <a:fillRef idx="3">
-            <a:schemeClr val="accent2"/>
-          </a:fillRef>
-          <a:effectRef idx="2">
-            <a:schemeClr val="accent2"/>
-          </a:effectRef>
-          <a:fontRef idx="minor">
-            <a:schemeClr val="lt1"/>
-          </a:fontRef>
-        </p:style>
-        <p:txBody>
-          <a:bodyPr lIns="66751" tIns="33376" rIns="66751" bIns="33376" anchor="ctr"/>
-          <a:lstStyle/>
-          <a:p>
-            <a:pPr algn="ctr" eaLnBrk="0" fontAlgn="base" hangingPunct="0">
-              <a:spcBef>
-                <a:spcPct val="0"/>
-              </a:spcBef>
-              <a:spcAft>
-                <a:spcPct val="0"/>
-              </a:spcAft>
-            </a:pPr>
-            <a:r>
-              <a:rPr lang="en-US" altLang="ja-JP" sz="1100" b="1" dirty="0">
-                <a:solidFill>
-                  <a:schemeClr val="bg1"/>
-                </a:solidFill>
-                <a:ea typeface="MS Mincho"/>
-                <a:cs typeface="MS Mincho"/>
-              </a:rPr>
-              <a:t>L1 </a:t>
-            </a:r>
-            <a:r>
-              <a:rPr lang="en-US" altLang="ja-JP" sz="1100" b="1" dirty="0" smtClean="0">
-                <a:solidFill>
-                  <a:schemeClr val="bg1"/>
-                </a:solidFill>
-                <a:ea typeface="MS Mincho"/>
-                <a:cs typeface="MS Mincho"/>
-              </a:rPr>
-              <a:t/>
-            </a:r>
-            <a:br>
-              <a:rPr lang="en-US" altLang="ja-JP" sz="1100" b="1" dirty="0" smtClean="0">
-                <a:solidFill>
-                  <a:schemeClr val="bg1"/>
-                </a:solidFill>
-                <a:ea typeface="MS Mincho"/>
-                <a:cs typeface="MS Mincho"/>
-              </a:rPr>
-            </a:br>
-            <a:r>
-              <a:rPr lang="en-US" altLang="ja-JP" sz="1100" b="1" dirty="0" smtClean="0">
-                <a:solidFill>
-                  <a:schemeClr val="bg1"/>
-                </a:solidFill>
-                <a:ea typeface="MS Mincho"/>
-                <a:cs typeface="MS Mincho"/>
-              </a:rPr>
-              <a:t>Data </a:t>
-            </a:r>
-            <a:br>
-              <a:rPr lang="en-US" altLang="ja-JP" sz="1100" b="1" dirty="0" smtClean="0">
-                <a:solidFill>
-                  <a:schemeClr val="bg1"/>
-                </a:solidFill>
-                <a:ea typeface="MS Mincho"/>
-                <a:cs typeface="MS Mincho"/>
-              </a:rPr>
-            </a:br>
-            <a:r>
-              <a:rPr lang="en-US" altLang="ja-JP" sz="1100" b="1" dirty="0" smtClean="0">
-                <a:solidFill>
-                  <a:schemeClr val="bg1"/>
-                </a:solidFill>
-                <a:ea typeface="MS Mincho"/>
-                <a:cs typeface="MS Mincho"/>
-              </a:rPr>
-              <a:t>Cache</a:t>
-            </a:r>
-            <a:endParaRPr lang="en-US" altLang="ja-JP" sz="1100" b="1" dirty="0">
-              <a:solidFill>
-                <a:schemeClr val="bg1"/>
-              </a:solidFill>
-              <a:ea typeface="MS Mincho"/>
-              <a:cs typeface="MS Mincho"/>
-            </a:endParaRPr>
-          </a:p>
-        </p:txBody>
-      </p:sp>
-      <p:sp>
-        <p:nvSpPr>
-          <p:cNvPr id="26" name="Rectangle 81"/>
-          <p:cNvSpPr>
-            <a:spLocks noChangeArrowheads="1"/>
-          </p:cNvSpPr>
-          <p:nvPr/>
-        </p:nvSpPr>
-        <p:spPr bwMode="auto">
-          <a:xfrm>
-            <a:off x="1693583" y="2778648"/>
-            <a:ext cx="1905610" cy="502920"/>
-          </a:xfrm>
-          <a:prstGeom prst="rect">
-            <a:avLst/>
-          </a:prstGeom>
-          <a:solidFill>
-            <a:srgbClr val="117788"/>
-          </a:solidFill>
-          <a:ln>
-            <a:noFill/>
-            <a:headEnd/>
-            <a:tailEnd/>
-          </a:ln>
-        </p:spPr>
-        <p:style>
-          <a:lnRef idx="1">
-            <a:schemeClr val="accent2"/>
-          </a:lnRef>
-          <a:fillRef idx="3">
-            <a:schemeClr val="accent2"/>
-          </a:fillRef>
-          <a:effectRef idx="2">
-            <a:schemeClr val="accent2"/>
-          </a:effectRef>
-          <a:fontRef idx="minor">
-            <a:schemeClr val="lt1"/>
-          </a:fontRef>
-        </p:style>
-        <p:txBody>
-          <a:bodyPr lIns="66751" tIns="33376" rIns="66751" bIns="33376" anchor="ctr"/>
-          <a:lstStyle/>
-          <a:p>
-            <a:pPr algn="ctr" eaLnBrk="0" fontAlgn="base" hangingPunct="0">
-              <a:spcBef>
-                <a:spcPct val="0"/>
-              </a:spcBef>
-              <a:spcAft>
-                <a:spcPct val="0"/>
-              </a:spcAft>
-            </a:pPr>
-            <a:r>
-              <a:rPr lang="en-US" altLang="ja-JP" sz="1100" b="1" dirty="0">
-                <a:solidFill>
-                  <a:schemeClr val="bg1"/>
-                </a:solidFill>
-                <a:ea typeface="MS Mincho"/>
-                <a:cs typeface="MS Mincho"/>
-              </a:rPr>
-              <a:t>L2 Data Cache</a:t>
-            </a:r>
-          </a:p>
-        </p:txBody>
-      </p:sp>
-      <p:sp>
-        <p:nvSpPr>
-          <p:cNvPr id="13" name="Rectangle 12"/>
-          <p:cNvSpPr>
-            <a:spLocks noChangeArrowheads="1"/>
-          </p:cNvSpPr>
-          <p:nvPr/>
-        </p:nvSpPr>
-        <p:spPr bwMode="auto">
-          <a:xfrm>
-            <a:off x="5339277" y="1269469"/>
-            <a:ext cx="1037758" cy="661736"/>
-          </a:xfrm>
-          <a:prstGeom prst="rect">
-            <a:avLst/>
-          </a:prstGeom>
-          <a:solidFill>
-            <a:srgbClr val="006687"/>
-          </a:solidFill>
-          <a:ln>
-            <a:headEnd/>
-            <a:tailEnd/>
-          </a:ln>
-        </p:spPr>
-        <p:style>
-          <a:lnRef idx="1">
-            <a:schemeClr val="accent5"/>
-          </a:lnRef>
-          <a:fillRef idx="3">
-            <a:schemeClr val="accent5"/>
-          </a:fillRef>
-          <a:effectRef idx="2">
-            <a:schemeClr val="accent5"/>
-          </a:effectRef>
-          <a:fontRef idx="minor">
-            <a:schemeClr val="lt1"/>
-          </a:fontRef>
-        </p:style>
-        <p:txBody>
-          <a:bodyPr lIns="66751" tIns="33376" rIns="66751" bIns="33376" anchor="ctr"/>
-          <a:lstStyle/>
-          <a:p>
-            <a:pPr algn="ctr" eaLnBrk="0" fontAlgn="base" hangingPunct="0">
-              <a:spcBef>
-                <a:spcPct val="0"/>
-              </a:spcBef>
-              <a:spcAft>
-                <a:spcPct val="0"/>
-              </a:spcAft>
-            </a:pPr>
-            <a:endParaRPr lang="en-US" altLang="ja-JP" sz="1600" b="1" dirty="0">
-              <a:solidFill>
-                <a:schemeClr val="bg1"/>
-              </a:solidFill>
-              <a:ea typeface="MS Mincho"/>
-              <a:cs typeface="MS Mincho"/>
-            </a:endParaRPr>
-          </a:p>
-          <a:p>
-            <a:pPr algn="ctr" eaLnBrk="0" fontAlgn="base" hangingPunct="0">
-              <a:spcBef>
-                <a:spcPct val="0"/>
-              </a:spcBef>
-              <a:spcAft>
-                <a:spcPct val="0"/>
-              </a:spcAft>
-            </a:pPr>
-            <a:r>
-              <a:rPr lang="en-US" altLang="ja-JP" sz="1600" b="1" dirty="0">
-                <a:solidFill>
-                  <a:schemeClr val="bg1"/>
-                </a:solidFill>
-                <a:ea typeface="MS Mincho"/>
-                <a:cs typeface="MS Mincho"/>
-              </a:rPr>
-              <a:t>PRU0    </a:t>
-            </a:r>
-            <a:r>
-              <a:rPr lang="en-US" altLang="ja-JP" sz="1200" dirty="0">
-                <a:solidFill>
-                  <a:schemeClr val="bg1"/>
-                </a:solidFill>
-                <a:ea typeface="MS Mincho"/>
-                <a:cs typeface="MS Mincho"/>
-              </a:rPr>
-              <a:t>(200MHz)</a:t>
-            </a:r>
-            <a:endParaRPr lang="en-US" altLang="ja-JP" sz="1600" dirty="0">
-              <a:solidFill>
-                <a:schemeClr val="bg1"/>
-              </a:solidFill>
-              <a:ea typeface="MS Mincho"/>
-              <a:cs typeface="MS Mincho"/>
-            </a:endParaRPr>
-          </a:p>
-          <a:p>
-            <a:pPr algn="ctr" eaLnBrk="0" fontAlgn="base" hangingPunct="0">
-              <a:spcBef>
-                <a:spcPct val="0"/>
-              </a:spcBef>
-              <a:spcAft>
-                <a:spcPct val="0"/>
-              </a:spcAft>
-            </a:pPr>
-            <a:endParaRPr lang="en-US" sz="1600" b="1" dirty="0">
-              <a:solidFill>
-                <a:schemeClr val="bg1"/>
-              </a:solidFill>
-              <a:ea typeface="MS Mincho"/>
-              <a:cs typeface="MS Mincho"/>
-            </a:endParaRPr>
-          </a:p>
-        </p:txBody>
-      </p:sp>
-      <p:sp>
-        <p:nvSpPr>
-          <p:cNvPr id="38" name="Rectangle 37"/>
-          <p:cNvSpPr>
-            <a:spLocks noChangeArrowheads="1"/>
-          </p:cNvSpPr>
-          <p:nvPr/>
-        </p:nvSpPr>
-        <p:spPr bwMode="auto">
-          <a:xfrm>
-            <a:off x="6413794" y="1269469"/>
-            <a:ext cx="1037758" cy="661736"/>
-          </a:xfrm>
-          <a:prstGeom prst="rect">
-            <a:avLst/>
-          </a:prstGeom>
-          <a:solidFill>
-            <a:srgbClr val="006687"/>
-          </a:solidFill>
-          <a:ln>
-            <a:headEnd/>
-            <a:tailEnd/>
-          </a:ln>
-        </p:spPr>
-        <p:style>
-          <a:lnRef idx="1">
-            <a:schemeClr val="accent5"/>
-          </a:lnRef>
-          <a:fillRef idx="3">
-            <a:schemeClr val="accent5"/>
-          </a:fillRef>
-          <a:effectRef idx="2">
-            <a:schemeClr val="accent5"/>
-          </a:effectRef>
-          <a:fontRef idx="minor">
-            <a:schemeClr val="lt1"/>
-          </a:fontRef>
-        </p:style>
-        <p:txBody>
-          <a:bodyPr lIns="66751" tIns="33376" rIns="66751" bIns="33376" anchor="ctr"/>
-          <a:lstStyle/>
-          <a:p>
-            <a:pPr algn="ctr" eaLnBrk="0" fontAlgn="base" hangingPunct="0">
-              <a:spcBef>
-                <a:spcPct val="0"/>
-              </a:spcBef>
-              <a:spcAft>
-                <a:spcPct val="0"/>
-              </a:spcAft>
-            </a:pPr>
-            <a:endParaRPr lang="en-US" altLang="ja-JP" sz="1600" b="1" dirty="0">
-              <a:solidFill>
-                <a:schemeClr val="bg1"/>
-              </a:solidFill>
-              <a:ea typeface="MS Mincho"/>
-              <a:cs typeface="MS Mincho"/>
-            </a:endParaRPr>
-          </a:p>
-          <a:p>
-            <a:pPr algn="ctr" eaLnBrk="0" fontAlgn="base" hangingPunct="0">
-              <a:spcBef>
-                <a:spcPct val="0"/>
-              </a:spcBef>
-              <a:spcAft>
-                <a:spcPct val="0"/>
-              </a:spcAft>
-            </a:pPr>
-            <a:r>
-              <a:rPr lang="en-US" altLang="ja-JP" sz="1600" b="1" dirty="0">
-                <a:solidFill>
-                  <a:schemeClr val="bg1"/>
-                </a:solidFill>
-                <a:ea typeface="MS Mincho"/>
-                <a:cs typeface="MS Mincho"/>
-              </a:rPr>
-              <a:t>PRU1    </a:t>
-            </a:r>
-            <a:r>
-              <a:rPr lang="en-US" altLang="ja-JP" sz="1200" dirty="0">
-                <a:solidFill>
-                  <a:schemeClr val="bg1"/>
-                </a:solidFill>
-                <a:ea typeface="MS Mincho"/>
-                <a:cs typeface="MS Mincho"/>
-              </a:rPr>
-              <a:t>(200MHz)</a:t>
-            </a:r>
-          </a:p>
-          <a:p>
-            <a:pPr algn="ctr" eaLnBrk="0" fontAlgn="base" hangingPunct="0">
-              <a:spcBef>
-                <a:spcPct val="0"/>
-              </a:spcBef>
-              <a:spcAft>
-                <a:spcPct val="0"/>
-              </a:spcAft>
-            </a:pPr>
-            <a:endParaRPr lang="en-US" sz="1600" b="1" dirty="0">
-              <a:solidFill>
-                <a:schemeClr val="bg1"/>
-              </a:solidFill>
-              <a:ea typeface="MS Mincho"/>
-              <a:cs typeface="MS Mincho"/>
-            </a:endParaRPr>
-          </a:p>
-        </p:txBody>
-      </p:sp>
-      <p:sp>
-        <p:nvSpPr>
-          <p:cNvPr id="27" name="Up-Down Arrow 65"/>
-          <p:cNvSpPr/>
-          <p:nvPr/>
-        </p:nvSpPr>
-        <p:spPr>
-          <a:xfrm>
-            <a:off x="2506940" y="3466484"/>
-            <a:ext cx="211561" cy="339596"/>
-          </a:xfrm>
-          <a:prstGeom prst="upDownArrow">
-            <a:avLst>
-              <a:gd name="adj1" fmla="val 40476"/>
-              <a:gd name="adj2" fmla="val 33333"/>
-            </a:avLst>
-          </a:prstGeom>
-          <a:ln/>
-        </p:spPr>
-        <p:style>
-          <a:lnRef idx="1">
-            <a:schemeClr val="dk1"/>
-          </a:lnRef>
-          <a:fillRef idx="2">
-            <a:schemeClr val="dk1"/>
-          </a:fillRef>
-          <a:effectRef idx="1">
-            <a:schemeClr val="dk1"/>
-          </a:effectRef>
-          <a:fontRef idx="minor">
-            <a:schemeClr val="dk1"/>
-          </a:fontRef>
-        </p:style>
-        <p:txBody>
-          <a:bodyPr rtlCol="0" anchor="ctr"/>
-          <a:lstStyle/>
-          <a:p>
-            <a:pPr algn="ctr" fontAlgn="base">
-              <a:spcBef>
-                <a:spcPct val="0"/>
-              </a:spcBef>
-              <a:spcAft>
-                <a:spcPct val="0"/>
-              </a:spcAft>
-            </a:pPr>
-            <a:endParaRPr lang="en-US" b="1" dirty="0">
-              <a:solidFill>
-                <a:srgbClr val="FFFFFF"/>
-              </a:solidFill>
-            </a:endParaRPr>
-          </a:p>
-        </p:txBody>
-      </p:sp>
-      <p:sp>
-        <p:nvSpPr>
-          <p:cNvPr id="31" name="Rectangle 30"/>
-          <p:cNvSpPr/>
-          <p:nvPr/>
-        </p:nvSpPr>
-        <p:spPr>
-          <a:xfrm>
-            <a:off x="154387" y="3466484"/>
-            <a:ext cx="236287" cy="938091"/>
-          </a:xfrm>
-          <a:prstGeom prst="rect">
-            <a:avLst/>
-          </a:prstGeom>
-          <a:solidFill>
-            <a:schemeClr val="bg1"/>
-          </a:solidFill>
-          <a:ln>
-            <a:solidFill>
-              <a:schemeClr val="bg1"/>
-            </a:solidFill>
-          </a:ln>
-        </p:spPr>
-        <p:style>
-          <a:lnRef idx="2">
-            <a:schemeClr val="accent1">
-              <a:shade val="50000"/>
-            </a:schemeClr>
-          </a:lnRef>
-          <a:fillRef idx="1">
-            <a:schemeClr val="accent1"/>
-          </a:fillRef>
-          <a:effectRef idx="0">
-            <a:schemeClr val="accent1"/>
-          </a:effectRef>
-          <a:fontRef idx="minor">
-            <a:schemeClr val="lt1"/>
-          </a:fontRef>
-        </p:style>
-        <p:txBody>
-          <a:bodyPr rtlCol="0" anchor="ctr"/>
-          <a:lstStyle/>
-          <a:p>
-            <a:pPr algn="ctr"/>
-            <a:endParaRPr lang="en-US" dirty="0"/>
-          </a:p>
-        </p:txBody>
-      </p:sp>
-      <p:sp>
-        <p:nvSpPr>
-          <p:cNvPr id="29" name="Rectangle 82"/>
-          <p:cNvSpPr>
-            <a:spLocks noChangeArrowheads="1"/>
-          </p:cNvSpPr>
-          <p:nvPr/>
-        </p:nvSpPr>
-        <p:spPr bwMode="auto">
-          <a:xfrm rot="16200000">
-            <a:off x="2442186" y="1795074"/>
-            <a:ext cx="357971" cy="4415270"/>
-          </a:xfrm>
-          <a:prstGeom prst="rect">
-            <a:avLst/>
-          </a:prstGeom>
-          <a:ln>
-            <a:headEnd/>
-            <a:tailEnd/>
-          </a:ln>
-        </p:spPr>
-        <p:style>
-          <a:lnRef idx="1">
-            <a:schemeClr val="dk1"/>
-          </a:lnRef>
-          <a:fillRef idx="2">
-            <a:schemeClr val="dk1"/>
-          </a:fillRef>
-          <a:effectRef idx="1">
-            <a:schemeClr val="dk1"/>
-          </a:effectRef>
-          <a:fontRef idx="minor">
-            <a:schemeClr val="dk1"/>
-          </a:fontRef>
-        </p:style>
-        <p:txBody>
-          <a:bodyPr vert="vert" lIns="66751" tIns="33376" rIns="66751" bIns="33376" anchor="ctr"/>
-          <a:lstStyle/>
-          <a:p>
-            <a:pPr algn="ctr" eaLnBrk="0" fontAlgn="base" hangingPunct="0">
-              <a:spcBef>
-                <a:spcPct val="0"/>
-              </a:spcBef>
-              <a:spcAft>
-                <a:spcPct val="0"/>
-              </a:spcAft>
-            </a:pPr>
-            <a:r>
-              <a:rPr lang="en-US" sz="1100" b="1" dirty="0">
-                <a:solidFill>
-                  <a:srgbClr val="000000"/>
-                </a:solidFill>
-                <a:ea typeface="MS Mincho"/>
-                <a:cs typeface="MS Mincho"/>
-              </a:rPr>
-              <a:t>			L3 Interconnect</a:t>
-            </a:r>
-          </a:p>
-        </p:txBody>
-      </p:sp>
-      <p:sp>
-        <p:nvSpPr>
-          <p:cNvPr id="30" name="Rectangle 59"/>
-          <p:cNvSpPr>
-            <a:spLocks noChangeArrowheads="1"/>
-          </p:cNvSpPr>
-          <p:nvPr/>
-        </p:nvSpPr>
-        <p:spPr bwMode="auto">
-          <a:xfrm rot="16200000">
-            <a:off x="3830781" y="406479"/>
-            <a:ext cx="357971" cy="7192460"/>
-          </a:xfrm>
-          <a:prstGeom prst="rect">
-            <a:avLst/>
-          </a:prstGeom>
-          <a:ln>
-            <a:headEnd/>
-            <a:tailEnd/>
-          </a:ln>
-        </p:spPr>
-        <p:style>
-          <a:lnRef idx="1">
-            <a:schemeClr val="dk1"/>
-          </a:lnRef>
-          <a:fillRef idx="2">
-            <a:schemeClr val="dk1"/>
-          </a:fillRef>
-          <a:effectRef idx="1">
-            <a:schemeClr val="dk1"/>
-          </a:effectRef>
-          <a:fontRef idx="minor">
-            <a:schemeClr val="dk1"/>
-          </a:fontRef>
-        </p:style>
-        <p:txBody>
-          <a:bodyPr vert="vert" lIns="66751" tIns="33376" rIns="66751" bIns="33376" anchor="ctr"/>
-          <a:lstStyle/>
-          <a:p>
-            <a:pPr algn="ctr" eaLnBrk="0" fontAlgn="base" hangingPunct="0">
-              <a:spcBef>
-                <a:spcPct val="0"/>
-              </a:spcBef>
-              <a:spcAft>
-                <a:spcPct val="0"/>
-              </a:spcAft>
-            </a:pPr>
-            <a:r>
-              <a:rPr lang="en-US" sz="1100" b="1" dirty="0" smtClean="0">
-                <a:solidFill>
-                  <a:srgbClr val="000000"/>
-                </a:solidFill>
-                <a:ea typeface="MS Mincho"/>
-                <a:cs typeface="MS Mincho"/>
-              </a:rPr>
-              <a:t>L3 Interconnect</a:t>
-            </a:r>
-            <a:endParaRPr lang="en-US" sz="1100" b="1" dirty="0">
-              <a:solidFill>
-                <a:srgbClr val="000000"/>
-              </a:solidFill>
-            </a:endParaRPr>
-          </a:p>
-        </p:txBody>
-      </p:sp>
-    </p:spTree>
-    <p:extLst>
-      <p:ext uri="{BB962C8B-B14F-4D97-AF65-F5344CB8AC3E}">
-        <p14:creationId xmlns:p14="http://schemas.microsoft.com/office/powerpoint/2010/main" val="2988091051"/>
-      </p:ext>
-    </p:extLst>
-  </p:cSld>
-  <p:clrMapOvr>
-    <a:masterClrMapping/>
-  </p:clrMapOvr>
-  <p:timing>
-    <p:tnLst>
-      <p:par>
-        <p:cTn id="1" dur="indefinite" restart="never" nodeType="tmRoot"/>
-      </p:par>
-    </p:tnLst>
-  </p:timing>
-</p:sld>
-</file>
-
-<file path=ppt/slides/slide30.xml><?xml version="1.0" encoding="utf-8"?>
+<file path=ppt/slides/slide31.xml><?xml version="1.0" encoding="utf-8"?>
 <p:sld xmlns:a="http://schemas.openxmlformats.org/drawingml/2006/main" xmlns:r="http://schemas.openxmlformats.org/officeDocument/2006/relationships" xmlns:p="http://schemas.openxmlformats.org/presentationml/2006/main">
   <p:cSld>
     <p:spTree>
@@ -27411,7 +27477,7 @@
 </p:sld>
 </file>
 
-<file path=ppt/slides/slide31.xml><?xml version="1.0" encoding="utf-8"?>
+<file path=ppt/slides/slide32.xml><?xml version="1.0" encoding="utf-8"?>
 <p:sld xmlns:a="http://schemas.openxmlformats.org/drawingml/2006/main" xmlns:r="http://schemas.openxmlformats.org/officeDocument/2006/relationships" xmlns:p="http://schemas.openxmlformats.org/presentationml/2006/main">
   <p:cSld>
     <p:spTree>
@@ -27543,154 +27609,6 @@
     <p:extLst>
       <p:ext uri="{BB962C8B-B14F-4D97-AF65-F5344CB8AC3E}">
         <p14:creationId xmlns:p14="http://schemas.microsoft.com/office/powerpoint/2010/main" val="3454445800"/>
-      </p:ext>
-    </p:extLst>
-  </p:cSld>
-  <p:clrMapOvr>
-    <a:masterClrMapping/>
-  </p:clrMapOvr>
-  <p:timing>
-    <p:tnLst>
-      <p:par>
-        <p:cTn id="1" dur="indefinite" restart="never" nodeType="tmRoot"/>
-      </p:par>
-    </p:tnLst>
-  </p:timing>
-</p:sld>
-</file>
-
-<file path=ppt/slides/slide32.xml><?xml version="1.0" encoding="utf-8"?>
-<p:sld xmlns:a="http://schemas.openxmlformats.org/drawingml/2006/main" xmlns:r="http://schemas.openxmlformats.org/officeDocument/2006/relationships" xmlns:p="http://schemas.openxmlformats.org/presentationml/2006/main">
-  <p:cSld>
-    <p:spTree>
-      <p:nvGrpSpPr>
-        <p:cNvPr id="1" name=""/>
-        <p:cNvGrpSpPr/>
-        <p:nvPr/>
-      </p:nvGrpSpPr>
-      <p:grpSpPr>
-        <a:xfrm>
-          <a:off x="0" y="0"/>
-          <a:ext cx="0" cy="0"/>
-          <a:chOff x="0" y="0"/>
-          <a:chExt cx="0" cy="0"/>
-        </a:xfrm>
-      </p:grpSpPr>
-      <p:sp>
-        <p:nvSpPr>
-          <p:cNvPr id="6" name="TextBox 5"/>
-          <p:cNvSpPr txBox="1"/>
-          <p:nvPr/>
-        </p:nvSpPr>
-        <p:spPr>
-          <a:xfrm>
-            <a:off x="5105400" y="1295400"/>
-            <a:ext cx="4017521" cy="1692771"/>
-          </a:xfrm>
-          <a:prstGeom prst="rect">
-            <a:avLst/>
-          </a:prstGeom>
-          <a:noFill/>
-        </p:spPr>
-        <p:txBody>
-          <a:bodyPr wrap="square" rtlCol="0">
-            <a:spAutoFit/>
-          </a:bodyPr>
-          <a:lstStyle/>
-          <a:p>
-            <a:r>
-              <a:rPr lang="en-US" sz="3200" dirty="0" smtClean="0">
-                <a:solidFill>
-                  <a:srgbClr val="FF0000"/>
-                </a:solidFill>
-              </a:rPr>
-              <a:t>PRU Instruction Set</a:t>
-            </a:r>
-          </a:p>
-          <a:p>
-            <a:r>
-              <a:rPr lang="en-US" dirty="0" smtClean="0"/>
-              <a:t>Screen shot of </a:t>
-            </a:r>
-          </a:p>
-          <a:p>
-            <a:r>
-              <a:rPr lang="en-US" dirty="0">
-                <a:hlinkClick r:id="rId2"/>
-              </a:rPr>
-              <a:t>http://</a:t>
-            </a:r>
-            <a:r>
-              <a:rPr lang="en-US" dirty="0" smtClean="0">
-                <a:hlinkClick r:id="rId2"/>
-              </a:rPr>
-              <a:t>processors.wiki.ti.com/index.php/PRU_Assembly_Instructions</a:t>
-            </a:r>
-            <a:endParaRPr lang="en-US" dirty="0" smtClean="0"/>
-          </a:p>
-          <a:p>
-            <a:endParaRPr lang="en-US" dirty="0"/>
-          </a:p>
-        </p:txBody>
-      </p:sp>
-      <p:pic>
-        <p:nvPicPr>
-          <p:cNvPr id="4098" name="Picture 2"/>
-          <p:cNvPicPr>
-            <a:picLocks noChangeAspect="1" noChangeArrowheads="1"/>
-          </p:cNvPicPr>
-          <p:nvPr/>
-        </p:nvPicPr>
-        <p:blipFill>
-          <a:blip r:embed="rId3">
-            <a:extLst>
-              <a:ext uri="{28A0092B-C50C-407E-A947-70E740481C1C}">
-                <a14:useLocalDpi xmlns:a14="http://schemas.microsoft.com/office/drawing/2010/main" val="0"/>
-              </a:ext>
-            </a:extLst>
-          </a:blip>
-          <a:srcRect/>
-          <a:stretch>
-            <a:fillRect/>
-          </a:stretch>
-        </p:blipFill>
-        <p:spPr bwMode="auto">
-          <a:xfrm>
-            <a:off x="533400" y="680235"/>
-            <a:ext cx="4210050" cy="5448300"/>
-          </a:xfrm>
-          <a:prstGeom prst="rect">
-            <a:avLst/>
-          </a:prstGeom>
-          <a:noFill/>
-          <a:ln>
-            <a:noFill/>
-          </a:ln>
-          <a:extLst>
-            <a:ext uri="{909E8E84-426E-40DD-AFC4-6F175D3DCCD1}">
-              <a14:hiddenFill xmlns:a14="http://schemas.microsoft.com/office/drawing/2010/main">
-                <a:solidFill>
-                  <a:schemeClr val="accent1"/>
-                </a:solidFill>
-              </a14:hiddenFill>
-            </a:ext>
-            <a:ext uri="{91240B29-F687-4F45-9708-019B960494DF}">
-              <a14:hiddenLine xmlns:a14="http://schemas.microsoft.com/office/drawing/2010/main" w="9525">
-                <a:solidFill>
-                  <a:schemeClr val="tx1"/>
-                </a:solidFill>
-                <a:miter lim="800000"/>
-                <a:headEnd/>
-                <a:tailEnd/>
-              </a14:hiddenLine>
-            </a:ext>
-          </a:extLst>
-        </p:spPr>
-      </p:pic>
-    </p:spTree>
-    <p:extLst>
-      <p:ext uri="{BB962C8B-B14F-4D97-AF65-F5344CB8AC3E}">
-        <p14:creationId xmlns:p14="http://schemas.microsoft.com/office/powerpoint/2010/main" val="1647854367"/>
       </p:ext>
     </p:extLst>
   </p:cSld>
@@ -27783,7 +27701,7 @@
       </p:sp>
       <p:pic>
         <p:nvPicPr>
-          <p:cNvPr id="5122" name="Picture 2"/>
+          <p:cNvPr id="4098" name="Picture 2"/>
           <p:cNvPicPr>
             <a:picLocks noChangeAspect="1" noChangeArrowheads="1"/>
           </p:cNvPicPr>
@@ -27804,8 +27722,8 @@
         </p:blipFill>
         <p:spPr bwMode="auto">
           <a:xfrm>
-            <a:off x="685800" y="790843"/>
-            <a:ext cx="4276725" cy="5305425"/>
+            <a:off x="533400" y="680235"/>
+            <a:ext cx="4210050" cy="5448300"/>
           </a:xfrm>
           <a:prstGeom prst="rect">
             <a:avLst/>
@@ -27838,7 +27756,7 @@
     </p:spTree>
     <p:extLst>
       <p:ext uri="{BB962C8B-B14F-4D97-AF65-F5344CB8AC3E}">
-        <p14:creationId xmlns:p14="http://schemas.microsoft.com/office/powerpoint/2010/main" val="2446253830"/>
+        <p14:creationId xmlns:p14="http://schemas.microsoft.com/office/powerpoint/2010/main" val="1647854367"/>
       </p:ext>
     </p:extLst>
   </p:cSld>
@@ -27880,6 +27798,238 @@
         </p:nvSpPr>
         <p:spPr>
           <a:xfrm>
+            <a:off x="5105400" y="1295400"/>
+            <a:ext cx="4017521" cy="1692771"/>
+          </a:xfrm>
+          <a:prstGeom prst="rect">
+            <a:avLst/>
+          </a:prstGeom>
+          <a:noFill/>
+        </p:spPr>
+        <p:txBody>
+          <a:bodyPr wrap="square" rtlCol="0">
+            <a:spAutoFit/>
+          </a:bodyPr>
+          <a:lstStyle/>
+          <a:p>
+            <a:r>
+              <a:rPr lang="en-US" sz="3200" dirty="0" smtClean="0">
+                <a:solidFill>
+                  <a:srgbClr val="FF0000"/>
+                </a:solidFill>
+              </a:rPr>
+              <a:t>PRU Instruction Set</a:t>
+            </a:r>
+          </a:p>
+          <a:p>
+            <a:r>
+              <a:rPr lang="en-US" dirty="0" smtClean="0"/>
+              <a:t>Screen shot of </a:t>
+            </a:r>
+          </a:p>
+          <a:p>
+            <a:r>
+              <a:rPr lang="en-US" dirty="0">
+                <a:hlinkClick r:id="rId2"/>
+              </a:rPr>
+              <a:t>http://</a:t>
+            </a:r>
+            <a:r>
+              <a:rPr lang="en-US" dirty="0" smtClean="0">
+                <a:hlinkClick r:id="rId2"/>
+              </a:rPr>
+              <a:t>processors.wiki.ti.com/index.php/PRU_Assembly_Instructions</a:t>
+            </a:r>
+            <a:endParaRPr lang="en-US" dirty="0" smtClean="0"/>
+          </a:p>
+          <a:p>
+            <a:endParaRPr lang="en-US" dirty="0"/>
+          </a:p>
+        </p:txBody>
+      </p:sp>
+      <p:pic>
+        <p:nvPicPr>
+          <p:cNvPr id="5122" name="Picture 2"/>
+          <p:cNvPicPr>
+            <a:picLocks noChangeAspect="1" noChangeArrowheads="1"/>
+          </p:cNvPicPr>
+          <p:nvPr/>
+        </p:nvPicPr>
+        <p:blipFill>
+          <a:blip r:embed="rId3">
+            <a:extLst>
+              <a:ext uri="{28A0092B-C50C-407E-A947-70E740481C1C}">
+                <a14:useLocalDpi xmlns:a14="http://schemas.microsoft.com/office/drawing/2010/main" val="0"/>
+              </a:ext>
+            </a:extLst>
+          </a:blip>
+          <a:srcRect/>
+          <a:stretch>
+            <a:fillRect/>
+          </a:stretch>
+        </p:blipFill>
+        <p:spPr bwMode="auto">
+          <a:xfrm>
+            <a:off x="685800" y="790843"/>
+            <a:ext cx="4276725" cy="5305425"/>
+          </a:xfrm>
+          <a:prstGeom prst="rect">
+            <a:avLst/>
+          </a:prstGeom>
+          <a:noFill/>
+          <a:ln>
+            <a:noFill/>
+          </a:ln>
+          <a:extLst>
+            <a:ext uri="{909E8E84-426E-40DD-AFC4-6F175D3DCCD1}">
+              <a14:hiddenFill xmlns:a14="http://schemas.microsoft.com/office/drawing/2010/main">
+                <a:solidFill>
+                  <a:schemeClr val="accent1"/>
+                </a:solidFill>
+              </a14:hiddenFill>
+            </a:ext>
+            <a:ext uri="{91240B29-F687-4F45-9708-019B960494DF}">
+              <a14:hiddenLine xmlns:a14="http://schemas.microsoft.com/office/drawing/2010/main" w="9525">
+                <a:solidFill>
+                  <a:schemeClr val="tx1"/>
+                </a:solidFill>
+                <a:miter lim="800000"/>
+                <a:headEnd/>
+                <a:tailEnd/>
+              </a14:hiddenLine>
+            </a:ext>
+          </a:extLst>
+        </p:spPr>
+      </p:pic>
+    </p:spTree>
+    <p:extLst>
+      <p:ext uri="{BB962C8B-B14F-4D97-AF65-F5344CB8AC3E}">
+        <p14:creationId xmlns:p14="http://schemas.microsoft.com/office/powerpoint/2010/main" val="2446253830"/>
+      </p:ext>
+    </p:extLst>
+  </p:cSld>
+  <p:clrMapOvr>
+    <a:masterClrMapping/>
+  </p:clrMapOvr>
+  <p:timing>
+    <p:tnLst>
+      <p:par>
+        <p:cTn id="1" dur="indefinite" restart="never" nodeType="tmRoot"/>
+      </p:par>
+    </p:tnLst>
+  </p:timing>
+</p:sld>
+</file>
+
+<file path=ppt/slides/slide35.xml><?xml version="1.0" encoding="utf-8"?>
+<p:sld xmlns:a="http://schemas.openxmlformats.org/drawingml/2006/main" xmlns:r="http://schemas.openxmlformats.org/officeDocument/2006/relationships" xmlns:p="http://schemas.openxmlformats.org/presentationml/2006/main">
+  <p:cSld>
+    <p:spTree>
+      <p:nvGrpSpPr>
+        <p:cNvPr id="1" name=""/>
+        <p:cNvGrpSpPr/>
+        <p:nvPr/>
+      </p:nvGrpSpPr>
+      <p:grpSpPr>
+        <a:xfrm>
+          <a:off x="0" y="0"/>
+          <a:ext cx="0" cy="0"/>
+          <a:chOff x="0" y="0"/>
+          <a:chExt cx="0" cy="0"/>
+        </a:xfrm>
+      </p:grpSpPr>
+      <p:pic>
+        <p:nvPicPr>
+          <p:cNvPr id="2050" name="Picture 2"/>
+          <p:cNvPicPr>
+            <a:picLocks noChangeAspect="1" noChangeArrowheads="1"/>
+          </p:cNvPicPr>
+          <p:nvPr/>
+        </p:nvPicPr>
+        <p:blipFill>
+          <a:blip r:embed="rId2">
+            <a:extLst>
+              <a:ext uri="{28A0092B-C50C-407E-A947-70E740481C1C}">
+                <a14:useLocalDpi xmlns:a14="http://schemas.microsoft.com/office/drawing/2010/main" val="0"/>
+              </a:ext>
+            </a:extLst>
+          </a:blip>
+          <a:srcRect/>
+          <a:stretch>
+            <a:fillRect/>
+          </a:stretch>
+        </p:blipFill>
+        <p:spPr bwMode="auto">
+          <a:xfrm>
+            <a:off x="-34636" y="533400"/>
+            <a:ext cx="8715375" cy="5507997"/>
+          </a:xfrm>
+          <a:prstGeom prst="rect">
+            <a:avLst/>
+          </a:prstGeom>
+          <a:noFill/>
+          <a:ln>
+            <a:noFill/>
+          </a:ln>
+          <a:extLst>
+            <a:ext uri="{909E8E84-426E-40DD-AFC4-6F175D3DCCD1}">
+              <a14:hiddenFill xmlns:a14="http://schemas.microsoft.com/office/drawing/2010/main">
+                <a:solidFill>
+                  <a:schemeClr val="accent1"/>
+                </a:solidFill>
+              </a14:hiddenFill>
+            </a:ext>
+            <a:ext uri="{91240B29-F687-4F45-9708-019B960494DF}">
+              <a14:hiddenLine xmlns:a14="http://schemas.microsoft.com/office/drawing/2010/main" w="9525">
+                <a:solidFill>
+                  <a:schemeClr val="tx1"/>
+                </a:solidFill>
+                <a:miter lim="800000"/>
+                <a:headEnd/>
+                <a:tailEnd/>
+              </a14:hiddenLine>
+            </a:ext>
+          </a:extLst>
+        </p:spPr>
+      </p:pic>
+    </p:spTree>
+    <p:extLst>
+      <p:ext uri="{BB962C8B-B14F-4D97-AF65-F5344CB8AC3E}">
+        <p14:creationId xmlns:p14="http://schemas.microsoft.com/office/powerpoint/2010/main" val="250662009"/>
+      </p:ext>
+    </p:extLst>
+  </p:cSld>
+  <p:clrMapOvr>
+    <a:masterClrMapping/>
+  </p:clrMapOvr>
+</p:sld>
+</file>
+
+<file path=ppt/slides/slide36.xml><?xml version="1.0" encoding="utf-8"?>
+<p:sld xmlns:a="http://schemas.openxmlformats.org/drawingml/2006/main" xmlns:r="http://schemas.openxmlformats.org/officeDocument/2006/relationships" xmlns:p="http://schemas.openxmlformats.org/presentationml/2006/main">
+  <p:cSld>
+    <p:spTree>
+      <p:nvGrpSpPr>
+        <p:cNvPr id="1" name=""/>
+        <p:cNvGrpSpPr/>
+        <p:nvPr/>
+      </p:nvGrpSpPr>
+      <p:grpSpPr>
+        <a:xfrm>
+          <a:off x="0" y="0"/>
+          <a:ext cx="0" cy="0"/>
+          <a:chOff x="0" y="0"/>
+          <a:chExt cx="0" cy="0"/>
+        </a:xfrm>
+      </p:grpSpPr>
+      <p:sp>
+        <p:nvSpPr>
+          <p:cNvPr id="6" name="TextBox 5"/>
+          <p:cNvSpPr txBox="1"/>
+          <p:nvPr/>
+        </p:nvSpPr>
+        <p:spPr>
+          <a:xfrm>
             <a:off x="457200" y="304800"/>
             <a:ext cx="8513321" cy="1354217"/>
           </a:xfrm>
@@ -27995,315 +28145,6 @@
 </p:sld>
 </file>
 
-<file path=ppt/slides/slide35.xml><?xml version="1.0" encoding="utf-8"?>
-<p:sld xmlns:a="http://schemas.openxmlformats.org/drawingml/2006/main" xmlns:r="http://schemas.openxmlformats.org/officeDocument/2006/relationships" xmlns:p="http://schemas.openxmlformats.org/presentationml/2006/main">
-  <p:cSld>
-    <p:spTree>
-      <p:nvGrpSpPr>
-        <p:cNvPr id="1" name=""/>
-        <p:cNvGrpSpPr/>
-        <p:nvPr/>
-      </p:nvGrpSpPr>
-      <p:grpSpPr>
-        <a:xfrm>
-          <a:off x="0" y="0"/>
-          <a:ext cx="0" cy="0"/>
-          <a:chOff x="0" y="0"/>
-          <a:chExt cx="0" cy="0"/>
-        </a:xfrm>
-      </p:grpSpPr>
-      <p:sp>
-        <p:nvSpPr>
-          <p:cNvPr id="2" name="Title 1"/>
-          <p:cNvSpPr>
-            <a:spLocks noGrp="1"/>
-          </p:cNvSpPr>
-          <p:nvPr>
-            <p:ph type="ctrTitle"/>
-          </p:nvPr>
-        </p:nvSpPr>
-        <p:spPr>
-          <a:xfrm>
-            <a:off x="838200" y="304800"/>
-            <a:ext cx="6955855" cy="800100"/>
-          </a:xfrm>
-        </p:spPr>
-        <p:txBody>
-          <a:bodyPr>
-            <a:normAutofit/>
-          </a:bodyPr>
-          <a:lstStyle/>
-          <a:p>
-            <a:r>
-              <a:rPr lang="en-US" dirty="0" smtClean="0"/>
-              <a:t>Building PRU executables</a:t>
-            </a:r>
-            <a:endParaRPr lang="en-US" dirty="0"/>
-          </a:p>
-        </p:txBody>
-      </p:sp>
-      <p:sp>
-        <p:nvSpPr>
-          <p:cNvPr id="4" name="TextBox 3"/>
-          <p:cNvSpPr txBox="1"/>
-          <p:nvPr/>
-        </p:nvSpPr>
-        <p:spPr>
-          <a:xfrm>
-            <a:off x="685800" y="2057400"/>
-            <a:ext cx="7848600" cy="2246769"/>
-          </a:xfrm>
-          <a:prstGeom prst="rect">
-            <a:avLst/>
-          </a:prstGeom>
-          <a:noFill/>
-        </p:spPr>
-        <p:txBody>
-          <a:bodyPr wrap="square" rtlCol="0">
-            <a:spAutoFit/>
-          </a:bodyPr>
-          <a:lstStyle/>
-          <a:p>
-            <a:pPr marL="457200" indent="-457200">
-              <a:buFont typeface="Arial" panose="020B0604020202020204" pitchFamily="34" charset="0"/>
-              <a:buChar char="•"/>
-            </a:pPr>
-            <a:r>
-              <a:rPr lang="en-US" sz="2800" dirty="0" smtClean="0"/>
-              <a:t>PSAM</a:t>
-            </a:r>
-          </a:p>
-          <a:p>
-            <a:pPr marL="457200" indent="-457200">
-              <a:buFont typeface="Arial" panose="020B0604020202020204" pitchFamily="34" charset="0"/>
-              <a:buChar char="•"/>
-            </a:pPr>
-            <a:r>
-              <a:rPr lang="en-US" sz="2800" dirty="0" smtClean="0"/>
-              <a:t>Code generation Tools</a:t>
-            </a:r>
-          </a:p>
-          <a:p>
-            <a:pPr marL="914400" lvl="1" indent="-457200">
-              <a:buFont typeface="Arial" panose="020B0604020202020204" pitchFamily="34" charset="0"/>
-              <a:buChar char="•"/>
-            </a:pPr>
-            <a:r>
-              <a:rPr lang="en-US" sz="2800" dirty="0" smtClean="0"/>
-              <a:t>Assembler</a:t>
-            </a:r>
-          </a:p>
-          <a:p>
-            <a:pPr marL="914400" lvl="1" indent="-457200">
-              <a:buFont typeface="Arial" panose="020B0604020202020204" pitchFamily="34" charset="0"/>
-              <a:buChar char="•"/>
-            </a:pPr>
-            <a:r>
-              <a:rPr lang="en-US" sz="2800" dirty="0" smtClean="0"/>
-              <a:t>C compiler</a:t>
-            </a:r>
-          </a:p>
-          <a:p>
-            <a:pPr marL="457200" indent="-457200">
-              <a:buFont typeface="Arial" panose="020B0604020202020204" pitchFamily="34" charset="0"/>
-              <a:buChar char="•"/>
-            </a:pPr>
-            <a:endParaRPr lang="en-US" sz="2800" dirty="0"/>
-          </a:p>
-        </p:txBody>
-      </p:sp>
-    </p:spTree>
-    <p:extLst>
-      <p:ext uri="{BB962C8B-B14F-4D97-AF65-F5344CB8AC3E}">
-        <p14:creationId xmlns:p14="http://schemas.microsoft.com/office/powerpoint/2010/main" val="2344904357"/>
-      </p:ext>
-    </p:extLst>
-  </p:cSld>
-  <p:clrMapOvr>
-    <a:masterClrMapping/>
-  </p:clrMapOvr>
-  <p:timing>
-    <p:tnLst>
-      <p:par>
-        <p:cTn id="1" dur="indefinite" restart="never" nodeType="tmRoot"/>
-      </p:par>
-    </p:tnLst>
-  </p:timing>
-</p:sld>
-</file>
-
-<file path=ppt/slides/slide36.xml><?xml version="1.0" encoding="utf-8"?>
-<p:sld xmlns:a="http://schemas.openxmlformats.org/drawingml/2006/main" xmlns:r="http://schemas.openxmlformats.org/officeDocument/2006/relationships" xmlns:p="http://schemas.openxmlformats.org/presentationml/2006/main">
-  <p:cSld>
-    <p:spTree>
-      <p:nvGrpSpPr>
-        <p:cNvPr id="1" name=""/>
-        <p:cNvGrpSpPr/>
-        <p:nvPr/>
-      </p:nvGrpSpPr>
-      <p:grpSpPr>
-        <a:xfrm>
-          <a:off x="0" y="0"/>
-          <a:ext cx="0" cy="0"/>
-          <a:chOff x="0" y="0"/>
-          <a:chExt cx="0" cy="0"/>
-        </a:xfrm>
-      </p:grpSpPr>
-      <p:sp>
-        <p:nvSpPr>
-          <p:cNvPr id="2" name="Title 1"/>
-          <p:cNvSpPr>
-            <a:spLocks noGrp="1"/>
-          </p:cNvSpPr>
-          <p:nvPr>
-            <p:ph type="ctrTitle"/>
-          </p:nvPr>
-        </p:nvSpPr>
-        <p:spPr>
-          <a:xfrm>
-            <a:off x="838200" y="304800"/>
-            <a:ext cx="6955855" cy="800100"/>
-          </a:xfrm>
-        </p:spPr>
-        <p:txBody>
-          <a:bodyPr>
-            <a:normAutofit/>
-          </a:bodyPr>
-          <a:lstStyle/>
-          <a:p>
-            <a:r>
-              <a:rPr lang="en-US" dirty="0" smtClean="0"/>
-              <a:t>What is PASM</a:t>
-            </a:r>
-            <a:endParaRPr lang="en-US" dirty="0"/>
-          </a:p>
-        </p:txBody>
-      </p:sp>
-      <p:sp>
-        <p:nvSpPr>
-          <p:cNvPr id="4" name="TextBox 3"/>
-          <p:cNvSpPr txBox="1"/>
-          <p:nvPr/>
-        </p:nvSpPr>
-        <p:spPr>
-          <a:xfrm>
-            <a:off x="685800" y="2057400"/>
-            <a:ext cx="7848600" cy="3231654"/>
-          </a:xfrm>
-          <a:prstGeom prst="rect">
-            <a:avLst/>
-          </a:prstGeom>
-          <a:noFill/>
-        </p:spPr>
-        <p:txBody>
-          <a:bodyPr wrap="square" rtlCol="0">
-            <a:spAutoFit/>
-          </a:bodyPr>
-          <a:lstStyle/>
-          <a:p>
-            <a:pPr marL="457200" indent="-457200">
-              <a:buFont typeface="Arial" panose="020B0604020202020204" pitchFamily="34" charset="0"/>
-              <a:buChar char="•"/>
-            </a:pPr>
-            <a:r>
-              <a:rPr lang="en-US" sz="2800" dirty="0"/>
-              <a:t>PASM is a command line driven assembler </a:t>
-            </a:r>
-            <a:endParaRPr lang="en-US" sz="2800" dirty="0" smtClean="0"/>
-          </a:p>
-          <a:p>
-            <a:pPr marL="457200" indent="-457200">
-              <a:buFont typeface="Arial" panose="020B0604020202020204" pitchFamily="34" charset="0"/>
-              <a:buChar char="•"/>
-            </a:pPr>
-            <a:r>
-              <a:rPr lang="en-US" sz="2800" dirty="0" smtClean="0"/>
-              <a:t>It </a:t>
-            </a:r>
-            <a:r>
-              <a:rPr lang="en-US" sz="2800" dirty="0"/>
-              <a:t>is designed to build single executable images using a flexible source code syntax and a variety of output options. </a:t>
-            </a:r>
-            <a:endParaRPr lang="en-US" sz="2800" dirty="0" smtClean="0"/>
-          </a:p>
-          <a:p>
-            <a:pPr marL="457200" indent="-457200">
-              <a:buFont typeface="Arial" panose="020B0604020202020204" pitchFamily="34" charset="0"/>
-              <a:buChar char="•"/>
-            </a:pPr>
-            <a:r>
-              <a:rPr lang="en-US" sz="2800" dirty="0" smtClean="0"/>
-              <a:t>PASM </a:t>
-            </a:r>
-            <a:r>
-              <a:rPr lang="en-US" sz="2800" dirty="0"/>
-              <a:t>is available for Windows and </a:t>
-            </a:r>
-            <a:r>
-              <a:rPr lang="en-US" sz="2800" dirty="0" smtClean="0"/>
-              <a:t>Linux</a:t>
-            </a:r>
-          </a:p>
-          <a:p>
-            <a:pPr marL="457200" indent="-457200">
-              <a:buFont typeface="Arial" panose="020B0604020202020204" pitchFamily="34" charset="0"/>
-              <a:buChar char="•"/>
-            </a:pPr>
-            <a:r>
-              <a:rPr lang="en-US" sz="2800" dirty="0" smtClean="0"/>
-              <a:t>PASM User Guide and Information</a:t>
-            </a:r>
-          </a:p>
-          <a:p>
-            <a:r>
-              <a:rPr lang="en-US" sz="2000" dirty="0" smtClean="0">
-                <a:hlinkClick r:id="rId2"/>
-              </a:rPr>
-              <a:t>http</a:t>
-            </a:r>
-            <a:r>
-              <a:rPr lang="en-US" sz="2000" dirty="0">
-                <a:hlinkClick r:id="rId2"/>
-              </a:rPr>
-              <a:t>://</a:t>
-            </a:r>
-            <a:r>
-              <a:rPr lang="en-US" sz="2000" dirty="0" smtClean="0">
-                <a:hlinkClick r:id="rId2"/>
-              </a:rPr>
-              <a:t>processors.wiki.ti.com/index.php/PASM_Tool</a:t>
-            </a:r>
-            <a:endParaRPr lang="en-US" sz="2000" dirty="0" smtClean="0"/>
-          </a:p>
-          <a:p>
-            <a:r>
-              <a:rPr lang="en-US" sz="1600" dirty="0" smtClean="0"/>
-              <a:t> </a:t>
-            </a:r>
-            <a:endParaRPr lang="en-US" sz="1600" dirty="0"/>
-          </a:p>
-        </p:txBody>
-      </p:sp>
-    </p:spTree>
-    <p:extLst>
-      <p:ext uri="{BB962C8B-B14F-4D97-AF65-F5344CB8AC3E}">
-        <p14:creationId xmlns:p14="http://schemas.microsoft.com/office/powerpoint/2010/main" val="841631086"/>
-      </p:ext>
-    </p:extLst>
-  </p:cSld>
-  <p:clrMapOvr>
-    <a:masterClrMapping/>
-  </p:clrMapOvr>
-  <p:timing>
-    <p:tnLst>
-      <p:par>
-        <p:cTn id="1" dur="indefinite" restart="never" nodeType="tmRoot"/>
-      </p:par>
-    </p:tnLst>
-  </p:timing>
-</p:sld>
-</file>
-
 <file path=ppt/slides/slide37.xml><?xml version="1.0" encoding="utf-8"?>
 <p:sld xmlns:a="http://schemas.openxmlformats.org/drawingml/2006/main" xmlns:r="http://schemas.openxmlformats.org/officeDocument/2006/relationships" xmlns:p="http://schemas.openxmlformats.org/presentationml/2006/main">
   <p:cSld>
@@ -28321,124 +28162,70 @@
           <a:chExt cx="0" cy="0"/>
         </a:xfrm>
       </p:grpSpPr>
-      <p:sp>
-        <p:nvSpPr>
-          <p:cNvPr id="2" name="Title 1"/>
-          <p:cNvSpPr>
-            <a:spLocks noGrp="1"/>
-          </p:cNvSpPr>
-          <p:nvPr>
-            <p:ph type="ctrTitle"/>
-          </p:nvPr>
-        </p:nvSpPr>
-        <p:spPr>
+      <p:pic>
+        <p:nvPicPr>
+          <p:cNvPr id="3074" name="Picture 2"/>
+          <p:cNvPicPr>
+            <a:picLocks noChangeAspect="1" noChangeArrowheads="1"/>
+          </p:cNvPicPr>
+          <p:nvPr/>
+        </p:nvPicPr>
+        <p:blipFill>
+          <a:blip r:embed="rId2">
+            <a:extLst>
+              <a:ext uri="{28A0092B-C50C-407E-A947-70E740481C1C}">
+                <a14:useLocalDpi xmlns:a14="http://schemas.microsoft.com/office/drawing/2010/main" val="0"/>
+              </a:ext>
+            </a:extLst>
+          </a:blip>
+          <a:srcRect/>
+          <a:stretch>
+            <a:fillRect/>
+          </a:stretch>
+        </p:blipFill>
+        <p:spPr bwMode="auto">
           <a:xfrm>
-            <a:off x="838200" y="304800"/>
-            <a:ext cx="6955855" cy="800100"/>
-          </a:xfrm>
-        </p:spPr>
-        <p:txBody>
-          <a:bodyPr>
-            <a:normAutofit/>
-          </a:bodyPr>
-          <a:lstStyle/>
-          <a:p>
-            <a:r>
-              <a:rPr lang="en-US" sz="3600" dirty="0" smtClean="0"/>
-              <a:t>TI Code Generation Tools (CGT)</a:t>
-            </a:r>
-            <a:endParaRPr lang="en-US" sz="3600" dirty="0"/>
-          </a:p>
-        </p:txBody>
-      </p:sp>
-      <p:sp>
-        <p:nvSpPr>
-          <p:cNvPr id="4" name="TextBox 3"/>
-          <p:cNvSpPr txBox="1"/>
-          <p:nvPr/>
-        </p:nvSpPr>
-        <p:spPr>
-          <a:xfrm>
-            <a:off x="708917" y="1066800"/>
-            <a:ext cx="7848600" cy="2062103"/>
+            <a:off x="228600" y="1143000"/>
+            <a:ext cx="8348850" cy="4699778"/>
           </a:xfrm>
           <a:prstGeom prst="rect">
             <a:avLst/>
           </a:prstGeom>
           <a:noFill/>
+          <a:ln>
+            <a:noFill/>
+          </a:ln>
+          <a:extLst>
+            <a:ext uri="{909E8E84-426E-40DD-AFC4-6F175D3DCCD1}">
+              <a14:hiddenFill xmlns:a14="http://schemas.microsoft.com/office/drawing/2010/main">
+                <a:solidFill>
+                  <a:schemeClr val="accent1"/>
+                </a:solidFill>
+              </a14:hiddenFill>
+            </a:ext>
+            <a:ext uri="{91240B29-F687-4F45-9708-019B960494DF}">
+              <a14:hiddenLine xmlns:a14="http://schemas.microsoft.com/office/drawing/2010/main" w="9525">
+                <a:solidFill>
+                  <a:schemeClr val="tx1"/>
+                </a:solidFill>
+                <a:miter lim="800000"/>
+                <a:headEnd/>
+                <a:tailEnd/>
+              </a14:hiddenLine>
+            </a:ext>
+          </a:extLst>
         </p:spPr>
-        <p:txBody>
-          <a:bodyPr wrap="square" rtlCol="0">
-            <a:spAutoFit/>
-          </a:bodyPr>
-          <a:lstStyle/>
-          <a:p>
-            <a:pPr marL="457200" indent="-457200">
-              <a:buFont typeface="Arial" panose="020B0604020202020204" pitchFamily="34" charset="0"/>
-              <a:buChar char="•"/>
-            </a:pPr>
-            <a:r>
-              <a:rPr lang="en-US" sz="2800" dirty="0" smtClean="0"/>
-              <a:t>Standard tools for many TI’s processors</a:t>
-            </a:r>
-          </a:p>
-          <a:p>
-            <a:pPr marL="457200" indent="-457200">
-              <a:buFont typeface="Arial" panose="020B0604020202020204" pitchFamily="34" charset="0"/>
-              <a:buChar char="•"/>
-            </a:pPr>
-            <a:r>
-              <a:rPr lang="en-US" sz="2800" dirty="0" smtClean="0"/>
-              <a:t>Can be used from CCS or command line</a:t>
-            </a:r>
-          </a:p>
-          <a:p>
-            <a:pPr marL="457200" indent="-457200">
-              <a:buFont typeface="Arial" panose="020B0604020202020204" pitchFamily="34" charset="0"/>
-              <a:buChar char="•"/>
-            </a:pPr>
-            <a:r>
-              <a:rPr lang="en-US" sz="2800" dirty="0" smtClean="0"/>
-              <a:t>C compiler, assembler, linker</a:t>
-            </a:r>
-          </a:p>
-          <a:p>
-            <a:pPr marL="457200" indent="-457200">
-              <a:buFont typeface="Arial" panose="020B0604020202020204" pitchFamily="34" charset="0"/>
-              <a:buChar char="•"/>
-            </a:pPr>
-            <a:r>
-              <a:rPr lang="en-US" sz="2800" dirty="0" smtClean="0"/>
-              <a:t>All development is done from IDE (CCS)</a:t>
-            </a:r>
-            <a:endParaRPr lang="en-US" sz="2000" dirty="0" smtClean="0"/>
-          </a:p>
-          <a:p>
-            <a:r>
-              <a:rPr lang="en-US" sz="1600" dirty="0" smtClean="0"/>
-              <a:t> </a:t>
-            </a:r>
-            <a:endParaRPr lang="en-US" sz="1600" dirty="0"/>
-          </a:p>
-        </p:txBody>
-      </p:sp>
+      </p:pic>
     </p:spTree>
     <p:extLst>
       <p:ext uri="{BB962C8B-B14F-4D97-AF65-F5344CB8AC3E}">
-        <p14:creationId xmlns:p14="http://schemas.microsoft.com/office/powerpoint/2010/main" val="1825496434"/>
+        <p14:creationId xmlns:p14="http://schemas.microsoft.com/office/powerpoint/2010/main" val="1721151133"/>
       </p:ext>
     </p:extLst>
   </p:cSld>
   <p:clrMapOvr>
     <a:masterClrMapping/>
   </p:clrMapOvr>
-  <p:timing>
-    <p:tnLst>
-      <p:par>
-        <p:cTn id="1" dur="indefinite" restart="never" nodeType="tmRoot"/>
-      </p:par>
-    </p:tnLst>
-  </p:timing>
 </p:sld>
 </file>
 
@@ -28482,71 +28269,87 @@
           <a:lstStyle/>
           <a:p>
             <a:r>
-              <a:rPr lang="en-US" sz="3600" dirty="0" smtClean="0"/>
-              <a:t>TI Code Generation Tools (CGT)</a:t>
-            </a:r>
-            <a:endParaRPr lang="en-US" sz="3600" dirty="0"/>
+              <a:rPr lang="en-US" dirty="0" smtClean="0"/>
+              <a:t>Building PRU executables</a:t>
+            </a:r>
+            <a:endParaRPr lang="en-US" dirty="0"/>
           </a:p>
         </p:txBody>
       </p:sp>
-      <p:pic>
-        <p:nvPicPr>
-          <p:cNvPr id="1027" name="Picture 3"/>
-          <p:cNvPicPr>
-            <a:picLocks noChangeAspect="1" noChangeArrowheads="1"/>
-          </p:cNvPicPr>
+      <p:sp>
+        <p:nvSpPr>
+          <p:cNvPr id="4" name="TextBox 3"/>
+          <p:cNvSpPr txBox="1"/>
           <p:nvPr/>
-        </p:nvPicPr>
-        <p:blipFill>
-          <a:blip r:embed="rId3">
-            <a:extLst>
-              <a:ext uri="{28A0092B-C50C-407E-A947-70E740481C1C}">
-                <a14:useLocalDpi xmlns:a14="http://schemas.microsoft.com/office/drawing/2010/main" val="0"/>
-              </a:ext>
-            </a:extLst>
-          </a:blip>
-          <a:srcRect/>
-          <a:stretch>
-            <a:fillRect/>
-          </a:stretch>
-        </p:blipFill>
-        <p:spPr bwMode="auto">
+        </p:nvSpPr>
+        <p:spPr>
           <a:xfrm>
-            <a:off x="1676400" y="1066800"/>
-            <a:ext cx="5175911" cy="5219700"/>
+            <a:off x="685800" y="2057400"/>
+            <a:ext cx="7848600" cy="2246769"/>
           </a:xfrm>
           <a:prstGeom prst="rect">
             <a:avLst/>
           </a:prstGeom>
           <a:noFill/>
-          <a:ln>
-            <a:noFill/>
-          </a:ln>
-          <a:extLst>
-            <a:ext uri="{909E8E84-426E-40DD-AFC4-6F175D3DCCD1}">
-              <a14:hiddenFill xmlns:a14="http://schemas.microsoft.com/office/drawing/2010/main">
-                <a:solidFill>
-                  <a:schemeClr val="accent1"/>
-                </a:solidFill>
-              </a14:hiddenFill>
-            </a:ext>
-            <a:ext uri="{91240B29-F687-4F45-9708-019B960494DF}">
-              <a14:hiddenLine xmlns:a14="http://schemas.microsoft.com/office/drawing/2010/main" w="9525">
-                <a:solidFill>
-                  <a:schemeClr val="tx1"/>
-                </a:solidFill>
-                <a:miter lim="800000"/>
-                <a:headEnd/>
-                <a:tailEnd/>
-              </a14:hiddenLine>
-            </a:ext>
-          </a:extLst>
         </p:spPr>
-      </p:pic>
+        <p:txBody>
+          <a:bodyPr wrap="square" rtlCol="0">
+            <a:spAutoFit/>
+          </a:bodyPr>
+          <a:lstStyle/>
+          <a:p>
+            <a:pPr marL="457200" indent="-457200">
+              <a:buFont typeface="Arial" panose="020B0604020202020204" pitchFamily="34" charset="0"/>
+              <a:buChar char="•"/>
+            </a:pPr>
+            <a:r>
+              <a:rPr lang="en-US" sz="2800" dirty="0" smtClean="0"/>
+              <a:t>PSAM</a:t>
+            </a:r>
+          </a:p>
+          <a:p>
+            <a:pPr marL="457200" indent="-457200">
+              <a:buFont typeface="Arial" panose="020B0604020202020204" pitchFamily="34" charset="0"/>
+              <a:buChar char="•"/>
+            </a:pPr>
+            <a:r>
+              <a:rPr lang="en-US" sz="2800" dirty="0" smtClean="0"/>
+              <a:t>Code generation Tools</a:t>
+            </a:r>
+          </a:p>
+          <a:p>
+            <a:pPr marL="914400" lvl="1" indent="-457200">
+              <a:buFont typeface="Arial" panose="020B0604020202020204" pitchFamily="34" charset="0"/>
+              <a:buChar char="•"/>
+            </a:pPr>
+            <a:r>
+              <a:rPr lang="en-US" sz="2800" dirty="0" smtClean="0"/>
+              <a:t>Assembler</a:t>
+            </a:r>
+          </a:p>
+          <a:p>
+            <a:pPr marL="914400" lvl="1" indent="-457200">
+              <a:buFont typeface="Arial" panose="020B0604020202020204" pitchFamily="34" charset="0"/>
+              <a:buChar char="•"/>
+            </a:pPr>
+            <a:r>
+              <a:rPr lang="en-US" sz="2800" dirty="0" smtClean="0"/>
+              <a:t>C compiler</a:t>
+            </a:r>
+          </a:p>
+          <a:p>
+            <a:pPr marL="457200" indent="-457200">
+              <a:buFont typeface="Arial" panose="020B0604020202020204" pitchFamily="34" charset="0"/>
+              <a:buChar char="•"/>
+            </a:pPr>
+            <a:endParaRPr lang="en-US" sz="2800" dirty="0"/>
+          </a:p>
+        </p:txBody>
+      </p:sp>
     </p:spTree>
     <p:extLst>
       <p:ext uri="{BB962C8B-B14F-4D97-AF65-F5344CB8AC3E}">
-        <p14:creationId xmlns:p14="http://schemas.microsoft.com/office/powerpoint/2010/main" val="1415486182"/>
+        <p14:creationId xmlns:p14="http://schemas.microsoft.com/office/powerpoint/2010/main" val="2344904357"/>
       </p:ext>
     </p:extLst>
   </p:cSld>
@@ -28603,71 +28406,122 @@
           <a:lstStyle/>
           <a:p>
             <a:r>
-              <a:rPr lang="en-US" sz="3600" dirty="0" smtClean="0"/>
-              <a:t>TI Code Generation Tools (CGT)</a:t>
-            </a:r>
-            <a:endParaRPr lang="en-US" sz="3600" dirty="0"/>
+              <a:rPr lang="en-US" dirty="0" smtClean="0"/>
+              <a:t>What is PASM</a:t>
+            </a:r>
+            <a:endParaRPr lang="en-US" dirty="0"/>
           </a:p>
         </p:txBody>
       </p:sp>
-      <p:pic>
-        <p:nvPicPr>
-          <p:cNvPr id="2050" name="Picture 2"/>
-          <p:cNvPicPr>
-            <a:picLocks noChangeAspect="1" noChangeArrowheads="1"/>
-          </p:cNvPicPr>
+      <p:sp>
+        <p:nvSpPr>
+          <p:cNvPr id="4" name="TextBox 3"/>
+          <p:cNvSpPr txBox="1"/>
           <p:nvPr/>
-        </p:nvPicPr>
-        <p:blipFill>
-          <a:blip r:embed="rId3">
-            <a:extLst>
-              <a:ext uri="{28A0092B-C50C-407E-A947-70E740481C1C}">
-                <a14:useLocalDpi xmlns:a14="http://schemas.microsoft.com/office/drawing/2010/main" val="0"/>
-              </a:ext>
-            </a:extLst>
-          </a:blip>
-          <a:srcRect/>
-          <a:stretch>
-            <a:fillRect/>
-          </a:stretch>
-        </p:blipFill>
-        <p:spPr bwMode="auto">
+        </p:nvSpPr>
+        <p:spPr>
           <a:xfrm>
-            <a:off x="914400" y="1066800"/>
-            <a:ext cx="7248525" cy="5292027"/>
+            <a:off x="685800" y="2057400"/>
+            <a:ext cx="7848600" cy="3231654"/>
           </a:xfrm>
           <a:prstGeom prst="rect">
             <a:avLst/>
           </a:prstGeom>
           <a:noFill/>
-          <a:ln>
-            <a:noFill/>
-          </a:ln>
-          <a:extLst>
-            <a:ext uri="{909E8E84-426E-40DD-AFC4-6F175D3DCCD1}">
-              <a14:hiddenFill xmlns:a14="http://schemas.microsoft.com/office/drawing/2010/main">
-                <a:solidFill>
-                  <a:schemeClr val="accent1"/>
-                </a:solidFill>
-              </a14:hiddenFill>
-            </a:ext>
-            <a:ext uri="{91240B29-F687-4F45-9708-019B960494DF}">
-              <a14:hiddenLine xmlns:a14="http://schemas.microsoft.com/office/drawing/2010/main" w="9525">
-                <a:solidFill>
-                  <a:schemeClr val="tx1"/>
-                </a:solidFill>
-                <a:miter lim="800000"/>
-                <a:headEnd/>
-                <a:tailEnd/>
-              </a14:hiddenLine>
-            </a:ext>
-          </a:extLst>
         </p:spPr>
-      </p:pic>
+        <p:txBody>
+          <a:bodyPr wrap="square" rtlCol="0">
+            <a:spAutoFit/>
+          </a:bodyPr>
+          <a:lstStyle/>
+          <a:p>
+            <a:pPr marL="457200" indent="-457200">
+              <a:buFont typeface="Arial" panose="020B0604020202020204" pitchFamily="34" charset="0"/>
+              <a:buChar char="•"/>
+            </a:pPr>
+            <a:r>
+              <a:rPr lang="en-US" sz="2800" dirty="0"/>
+              <a:t>PASM is a command line driven assembler </a:t>
+            </a:r>
+            <a:endParaRPr lang="en-US" sz="2800" dirty="0" smtClean="0"/>
+          </a:p>
+          <a:p>
+            <a:pPr marL="457200" indent="-457200">
+              <a:buFont typeface="Arial" panose="020B0604020202020204" pitchFamily="34" charset="0"/>
+              <a:buChar char="•"/>
+            </a:pPr>
+            <a:r>
+              <a:rPr lang="en-US" sz="2800" dirty="0" smtClean="0"/>
+              <a:t>It </a:t>
+            </a:r>
+            <a:r>
+              <a:rPr lang="en-US" sz="2800" dirty="0"/>
+              <a:t>is designed to build single executable images using a flexible source code syntax and a variety of output options. </a:t>
+            </a:r>
+            <a:endParaRPr lang="en-US" sz="2800" dirty="0" smtClean="0"/>
+          </a:p>
+          <a:p>
+            <a:pPr marL="457200" indent="-457200">
+              <a:buFont typeface="Arial" panose="020B0604020202020204" pitchFamily="34" charset="0"/>
+              <a:buChar char="•"/>
+            </a:pPr>
+            <a:r>
+              <a:rPr lang="en-US" sz="2800" dirty="0" smtClean="0"/>
+              <a:t>PASM </a:t>
+            </a:r>
+            <a:r>
+              <a:rPr lang="en-US" sz="2800" dirty="0"/>
+              <a:t>is available for Windows and </a:t>
+            </a:r>
+            <a:r>
+              <a:rPr lang="en-US" sz="2800" dirty="0" smtClean="0"/>
+              <a:t>Linux</a:t>
+            </a:r>
+          </a:p>
+          <a:p>
+            <a:pPr marL="457200" indent="-457200">
+              <a:buFont typeface="Arial" panose="020B0604020202020204" pitchFamily="34" charset="0"/>
+              <a:buChar char="•"/>
+            </a:pPr>
+            <a:r>
+              <a:rPr lang="en-US" sz="2800" dirty="0" smtClean="0"/>
+              <a:t>PASM User Guide and Information</a:t>
+            </a:r>
+          </a:p>
+          <a:p>
+            <a:r>
+              <a:rPr lang="en-US" sz="2000" dirty="0" smtClean="0">
+                <a:hlinkClick r:id="rId2"/>
+              </a:rPr>
+              <a:t>http</a:t>
+            </a:r>
+            <a:r>
+              <a:rPr lang="en-US" sz="2000" dirty="0">
+                <a:hlinkClick r:id="rId2"/>
+              </a:rPr>
+              <a:t>://</a:t>
+            </a:r>
+            <a:r>
+              <a:rPr lang="en-US" sz="2000" dirty="0" smtClean="0">
+                <a:hlinkClick r:id="rId2"/>
+              </a:rPr>
+              <a:t>processors.wiki.ti.com/index.php/PASM_Tool</a:t>
+            </a:r>
+            <a:endParaRPr lang="en-US" sz="2000" dirty="0" smtClean="0"/>
+          </a:p>
+          <a:p>
+            <a:r>
+              <a:rPr lang="en-US" sz="1600" dirty="0" smtClean="0"/>
+              <a:t> </a:t>
+            </a:r>
+            <a:endParaRPr lang="en-US" sz="1600" dirty="0"/>
+          </a:p>
+        </p:txBody>
+      </p:sp>
     </p:spTree>
     <p:extLst>
       <p:ext uri="{BB962C8B-B14F-4D97-AF65-F5344CB8AC3E}">
-        <p14:creationId xmlns:p14="http://schemas.microsoft.com/office/powerpoint/2010/main" val="3454957120"/>
+        <p14:creationId xmlns:p14="http://schemas.microsoft.com/office/powerpoint/2010/main" val="841631086"/>
       </p:ext>
     </p:extLst>
   </p:cSld>
@@ -28794,367 +28648,109 @@
       </p:grpSpPr>
       <p:sp>
         <p:nvSpPr>
-          <p:cNvPr id="8" name="Rectangle 7"/>
-          <p:cNvSpPr/>
-          <p:nvPr/>
-        </p:nvSpPr>
-        <p:spPr>
-          <a:xfrm>
-            <a:off x="550609" y="5036726"/>
-            <a:ext cx="7924800" cy="1042219"/>
-          </a:xfrm>
-          <a:prstGeom prst="rect">
-            <a:avLst/>
-          </a:prstGeom>
-          <a:solidFill>
-            <a:srgbClr val="FFFF00"/>
-          </a:solidFill>
-          <a:ln>
-            <a:noFill/>
-          </a:ln>
-        </p:spPr>
-        <p:style>
-          <a:lnRef idx="2">
-            <a:schemeClr val="accent1">
-              <a:shade val="50000"/>
-            </a:schemeClr>
-          </a:lnRef>
-          <a:fillRef idx="1">
-            <a:schemeClr val="accent1"/>
-          </a:fillRef>
-          <a:effectRef idx="0">
-            <a:schemeClr val="accent1"/>
-          </a:effectRef>
-          <a:fontRef idx="minor">
-            <a:schemeClr val="lt1"/>
-          </a:fontRef>
-        </p:style>
-        <p:txBody>
-          <a:bodyPr rtlCol="0" anchor="ctr"/>
-          <a:lstStyle/>
-          <a:p>
-            <a:pPr algn="ctr" fontAlgn="base">
-              <a:spcBef>
-                <a:spcPct val="0"/>
-              </a:spcBef>
-              <a:spcAft>
-                <a:spcPct val="0"/>
-              </a:spcAft>
-            </a:pPr>
-            <a:endParaRPr lang="en-US">
-              <a:solidFill>
-                <a:srgbClr val="FFFFFF"/>
-              </a:solidFill>
-            </a:endParaRPr>
-          </a:p>
-        </p:txBody>
-      </p:sp>
-      <p:sp>
-        <p:nvSpPr>
           <p:cNvPr id="2" name="Title 1"/>
           <p:cNvSpPr>
             <a:spLocks noGrp="1"/>
           </p:cNvSpPr>
           <p:nvPr>
-            <p:ph type="title"/>
+            <p:ph type="ctrTitle"/>
           </p:nvPr>
         </p:nvSpPr>
-        <p:spPr/>
+        <p:spPr>
+          <a:xfrm>
+            <a:off x="838200" y="304800"/>
+            <a:ext cx="6955855" cy="800100"/>
+          </a:xfrm>
+        </p:spPr>
         <p:txBody>
-          <a:bodyPr/>
+          <a:bodyPr>
+            <a:normAutofit/>
+          </a:bodyPr>
           <a:lstStyle/>
           <a:p>
             <a:r>
-              <a:rPr lang="fr-FR" dirty="0" smtClean="0"/>
-              <a:t>TI PRU CGT Assembler vs PASM</a:t>
-            </a:r>
-            <a:endParaRPr lang="en-US" dirty="0"/>
+              <a:rPr lang="en-US" sz="3600" dirty="0" smtClean="0"/>
+              <a:t>TI Code Generation Tools (CGT)</a:t>
+            </a:r>
+            <a:endParaRPr lang="en-US" sz="3600" dirty="0"/>
           </a:p>
         </p:txBody>
       </p:sp>
       <p:sp>
         <p:nvSpPr>
-          <p:cNvPr id="3" name="Content Placeholder 2"/>
-          <p:cNvSpPr>
-            <a:spLocks noGrp="1"/>
-          </p:cNvSpPr>
-          <p:nvPr>
-            <p:ph idx="1"/>
-          </p:nvPr>
+          <p:cNvPr id="4" name="TextBox 3"/>
+          <p:cNvSpPr txBox="1"/>
+          <p:nvPr/>
         </p:nvSpPr>
         <p:spPr>
           <a:xfrm>
-            <a:off x="279146" y="954059"/>
-            <a:ext cx="8467725" cy="5189120"/>
+            <a:off x="708917" y="1066800"/>
+            <a:ext cx="7848600" cy="2062103"/>
           </a:xfrm>
+          <a:prstGeom prst="rect">
+            <a:avLst/>
+          </a:prstGeom>
+          <a:noFill/>
         </p:spPr>
         <p:txBody>
-          <a:bodyPr>
-            <a:normAutofit fontScale="92500"/>
+          <a:bodyPr wrap="square" rtlCol="0">
+            <a:spAutoFit/>
           </a:bodyPr>
           <a:lstStyle/>
           <a:p>
-            <a:pPr marL="336550" indent="-342900">
+            <a:pPr marL="457200" indent="-457200">
               <a:buFont typeface="Arial" panose="020B0604020202020204" pitchFamily="34" charset="0"/>
               <a:buChar char="•"/>
             </a:pPr>
             <a:r>
-              <a:rPr lang="en-US" b="1" dirty="0" smtClean="0">
-                <a:solidFill>
-                  <a:srgbClr val="FF0000"/>
-                </a:solidFill>
-              </a:rPr>
-              <a:t>Advantages </a:t>
-            </a:r>
-            <a:r>
-              <a:rPr lang="en-US" b="1" dirty="0">
-                <a:solidFill>
-                  <a:srgbClr val="FF0000"/>
-                </a:solidFill>
-              </a:rPr>
-              <a:t>of using TI PRU Assembler over PASM</a:t>
-            </a:r>
-          </a:p>
-          <a:p>
-            <a:pPr marL="695325" lvl="1" indent="-285750">
-              <a:spcBef>
-                <a:spcPct val="15000"/>
-              </a:spcBef>
+              <a:rPr lang="en-US" sz="2800" dirty="0" smtClean="0"/>
+              <a:t>Standard tools for many TI’s processors</a:t>
+            </a:r>
+          </a:p>
+          <a:p>
+            <a:pPr marL="457200" indent="-457200">
               <a:buFont typeface="Arial" panose="020B0604020202020204" pitchFamily="34" charset="0"/>
               <a:buChar char="•"/>
             </a:pPr>
             <a:r>
-              <a:rPr lang="en-US" sz="1400" b="1" dirty="0">
-                <a:solidFill>
-                  <a:srgbClr val="000000"/>
-                </a:solidFill>
-              </a:rPr>
-              <a:t>The biggest advantage is that the TI PRU linker produces ELF files that enable source-level debugging within CCS.  No more debugging in disassembly window!!</a:t>
-            </a:r>
-          </a:p>
-          <a:p>
-            <a:pPr marL="695325" lvl="1" indent="-285750">
-              <a:spcBef>
-                <a:spcPct val="15000"/>
-              </a:spcBef>
+              <a:rPr lang="en-US" sz="2800" dirty="0" smtClean="0"/>
+              <a:t>Can be used from CCS or command line</a:t>
+            </a:r>
+          </a:p>
+          <a:p>
+            <a:pPr marL="457200" indent="-457200">
               <a:buFont typeface="Arial" panose="020B0604020202020204" pitchFamily="34" charset="0"/>
               <a:buChar char="•"/>
             </a:pPr>
             <a:r>
-              <a:rPr lang="en-US" sz="1400" b="1" dirty="0">
-                <a:solidFill>
-                  <a:srgbClr val="000000"/>
-                </a:solidFill>
-              </a:rPr>
-              <a:t>The TI PRU assembler uses the same shell as other TI compilers.  Customers only need to learn one set of conventions, directives, etc.</a:t>
-            </a:r>
-          </a:p>
-          <a:p>
-            <a:pPr marL="695325" lvl="1" indent="-285750">
-              <a:spcBef>
-                <a:spcPct val="15000"/>
-              </a:spcBef>
+              <a:rPr lang="en-US" sz="2800" dirty="0" smtClean="0"/>
+              <a:t>C compiler, assembler, linker</a:t>
+            </a:r>
+          </a:p>
+          <a:p>
+            <a:pPr marL="457200" indent="-457200">
               <a:buFont typeface="Arial" panose="020B0604020202020204" pitchFamily="34" charset="0"/>
               <a:buChar char="•"/>
             </a:pPr>
             <a:r>
-              <a:rPr lang="en-US" sz="1400" b="1" dirty="0">
-                <a:solidFill>
-                  <a:srgbClr val="000000"/>
-                </a:solidFill>
-              </a:rPr>
-              <a:t>TI PRU assembler will be maintained in the future, while PASM will not be updated anymore. </a:t>
-            </a:r>
-          </a:p>
-          <a:p>
-            <a:pPr marL="695325" lvl="1" indent="-285750">
-              <a:spcBef>
-                <a:spcPct val="15000"/>
-              </a:spcBef>
-              <a:buFont typeface="Arial" panose="020B0604020202020204" pitchFamily="34" charset="0"/>
-              <a:buChar char="•"/>
-            </a:pPr>
-            <a:r>
-              <a:rPr lang="en-US" sz="1400" b="1" dirty="0">
-                <a:solidFill>
-                  <a:srgbClr val="000000"/>
-                </a:solidFill>
-              </a:rPr>
-              <a:t>The TI PRU assembler uses the </a:t>
-            </a:r>
-            <a:r>
-              <a:rPr lang="en-US" sz="1400" b="1" dirty="0" smtClean="0">
-                <a:solidFill>
-                  <a:srgbClr val="000000"/>
-                </a:solidFill>
-              </a:rPr>
-              <a:t>powerful </a:t>
-            </a:r>
-            <a:r>
-              <a:rPr lang="en-US" sz="1400" b="1" dirty="0">
-                <a:solidFill>
-                  <a:srgbClr val="000000"/>
-                </a:solidFill>
-              </a:rPr>
-              <a:t>TI linker which allows more flexibility then PASM and facilitates linking PRU programs with host CPU image for runtime loading and symbol sharing.</a:t>
-            </a:r>
-          </a:p>
-          <a:p>
-            <a:pPr lvl="2">
-              <a:spcBef>
-                <a:spcPct val="15000"/>
-              </a:spcBef>
-              <a:buFont typeface="Arial" panose="020B0604020202020204" pitchFamily="34" charset="0"/>
-              <a:buChar char="•"/>
-            </a:pPr>
-            <a:endParaRPr lang="en-US" sz="1400" b="1" dirty="0">
-              <a:solidFill>
-                <a:srgbClr val="000000"/>
-              </a:solidFill>
-            </a:endParaRPr>
-          </a:p>
-          <a:p>
-            <a:pPr marL="336550" indent="-342900">
-              <a:buFont typeface="Arial" panose="020B0604020202020204" pitchFamily="34" charset="0"/>
-              <a:buChar char="•"/>
-            </a:pPr>
-            <a:r>
-              <a:rPr lang="en-US" b="1" dirty="0">
-                <a:solidFill>
-                  <a:srgbClr val="FF0000"/>
-                </a:solidFill>
-              </a:rPr>
-              <a:t>Disadvantages </a:t>
-            </a:r>
-            <a:r>
-              <a:rPr lang="en-US" b="1" dirty="0" smtClean="0">
-                <a:solidFill>
-                  <a:srgbClr val="FF0000"/>
-                </a:solidFill>
-              </a:rPr>
-              <a:t>of </a:t>
-            </a:r>
-            <a:r>
-              <a:rPr lang="en-US" b="1" dirty="0">
-                <a:solidFill>
-                  <a:srgbClr val="FF0000"/>
-                </a:solidFill>
-              </a:rPr>
-              <a:t>using TI PRU Assembler over PASM</a:t>
-            </a:r>
-          </a:p>
-          <a:p>
-            <a:pPr marL="695325" lvl="1" indent="-285750">
-              <a:spcBef>
-                <a:spcPct val="15000"/>
-              </a:spcBef>
-              <a:buFont typeface="Arial" panose="020B0604020202020204" pitchFamily="34" charset="0"/>
-              <a:buChar char="•"/>
-            </a:pPr>
-            <a:r>
-              <a:rPr lang="en-US" sz="1400" b="1" dirty="0">
-                <a:solidFill>
-                  <a:srgbClr val="000000"/>
-                </a:solidFill>
-              </a:rPr>
-              <a:t>Have to learn new directives if already used to PASM</a:t>
-            </a:r>
-          </a:p>
-          <a:p>
-            <a:pPr marL="695325" lvl="1" indent="-285750">
-              <a:spcBef>
-                <a:spcPct val="15000"/>
-              </a:spcBef>
-              <a:buFont typeface="Arial" panose="020B0604020202020204" pitchFamily="34" charset="0"/>
-              <a:buChar char="•"/>
-            </a:pPr>
-            <a:r>
-              <a:rPr lang="en-US" sz="1400" b="1" dirty="0">
-                <a:solidFill>
-                  <a:srgbClr val="000000"/>
-                </a:solidFill>
-              </a:rPr>
-              <a:t>TI PRU assembler requires more command line options and a linker command file</a:t>
-            </a:r>
-            <a:r>
-              <a:rPr lang="en-US" sz="1400" b="1" dirty="0" smtClean="0">
-                <a:solidFill>
-                  <a:srgbClr val="000000"/>
-                </a:solidFill>
-              </a:rPr>
-              <a:t>.</a:t>
-            </a:r>
-          </a:p>
-          <a:p>
-            <a:pPr marL="695325" lvl="1" indent="-285750">
-              <a:spcBef>
-                <a:spcPct val="15000"/>
-              </a:spcBef>
-              <a:buFont typeface="Arial" panose="020B0604020202020204" pitchFamily="34" charset="0"/>
-              <a:buChar char="•"/>
-            </a:pPr>
-            <a:r>
-              <a:rPr lang="en-US" sz="1400" b="1" dirty="0" smtClean="0">
-                <a:solidFill>
-                  <a:srgbClr val="000000"/>
-                </a:solidFill>
-              </a:rPr>
-              <a:t>Some porting effort required for reusing legacy PASM projects.</a:t>
-            </a:r>
-            <a:endParaRPr lang="en-US" sz="1400" b="1" dirty="0">
-              <a:solidFill>
-                <a:srgbClr val="000000"/>
-              </a:solidFill>
-            </a:endParaRPr>
-          </a:p>
-          <a:p>
-            <a:pPr marL="854075" lvl="2" indent="-165100">
-              <a:spcBef>
-                <a:spcPct val="15000"/>
-              </a:spcBef>
-              <a:buFontTx/>
-              <a:buChar char="•"/>
-            </a:pPr>
-            <a:endParaRPr lang="en-US" sz="1400" b="1" dirty="0">
-              <a:solidFill>
-                <a:srgbClr val="000000"/>
-              </a:solidFill>
-            </a:endParaRPr>
-          </a:p>
-          <a:p>
-            <a:pPr marL="341312" lvl="1" indent="0">
-              <a:buSzTx/>
-              <a:buNone/>
-            </a:pPr>
-            <a:r>
-              <a:rPr lang="en-US" sz="1800" dirty="0">
-                <a:solidFill>
-                  <a:srgbClr val="000000"/>
-                </a:solidFill>
-              </a:rPr>
-              <a:t>There are some differences in the instructions and directives supported TI PRU Assembler versus PASM.  Theses are listed in the TI PRU Compiler package release notes which is located at the root of the install folder.</a:t>
-            </a:r>
-          </a:p>
-          <a:p>
-            <a:pPr marL="854075" lvl="2" indent="-165100">
-              <a:spcBef>
-                <a:spcPct val="15000"/>
-              </a:spcBef>
-              <a:buFontTx/>
-              <a:buChar char="•"/>
-            </a:pPr>
-            <a:endParaRPr lang="en-US" sz="1600" b="1" dirty="0">
-              <a:solidFill>
-                <a:srgbClr val="000000"/>
-              </a:solidFill>
-            </a:endParaRPr>
+              <a:rPr lang="en-US" sz="2800" dirty="0" smtClean="0"/>
+              <a:t>All development is done from IDE (CCS)</a:t>
+            </a:r>
+            <a:endParaRPr lang="en-US" sz="2000" dirty="0" smtClean="0"/>
+          </a:p>
+          <a:p>
+            <a:r>
+              <a:rPr lang="en-US" sz="1600" dirty="0" smtClean="0"/>
+              <a:t> </a:t>
+            </a:r>
+            <a:endParaRPr lang="en-US" sz="1600" dirty="0"/>
           </a:p>
         </p:txBody>
       </p:sp>
     </p:spTree>
     <p:extLst>
       <p:ext uri="{BB962C8B-B14F-4D97-AF65-F5344CB8AC3E}">
-        <p14:creationId xmlns:p14="http://schemas.microsoft.com/office/powerpoint/2010/main" val="859814791"/>
+        <p14:creationId xmlns:p14="http://schemas.microsoft.com/office/powerpoint/2010/main" val="1825496434"/>
       </p:ext>
     </p:extLst>
   </p:cSld>
@@ -29195,117 +28791,87 @@
             <a:spLocks noGrp="1"/>
           </p:cNvSpPr>
           <p:nvPr>
-            <p:ph type="title"/>
+            <p:ph type="ctrTitle"/>
           </p:nvPr>
         </p:nvSpPr>
-        <p:spPr/>
+        <p:spPr>
+          <a:xfrm>
+            <a:off x="838200" y="304800"/>
+            <a:ext cx="6955855" cy="800100"/>
+          </a:xfrm>
+        </p:spPr>
         <p:txBody>
-          <a:bodyPr/>
+          <a:bodyPr>
+            <a:normAutofit/>
+          </a:bodyPr>
           <a:lstStyle/>
           <a:p>
             <a:r>
-              <a:rPr lang="en-US" dirty="0" smtClean="0"/>
-              <a:t>C Compiler</a:t>
-            </a:r>
-            <a:endParaRPr lang="en-US" dirty="0"/>
+              <a:rPr lang="en-US" sz="3600" dirty="0" smtClean="0"/>
+              <a:t>TI Code Generation Tools (CGT)</a:t>
+            </a:r>
+            <a:endParaRPr lang="en-US" sz="3600" dirty="0"/>
           </a:p>
         </p:txBody>
       </p:sp>
-      <p:sp>
-        <p:nvSpPr>
-          <p:cNvPr id="3" name="Content Placeholder 2"/>
-          <p:cNvSpPr>
-            <a:spLocks noGrp="1"/>
-          </p:cNvSpPr>
-          <p:nvPr>
-            <p:ph idx="1"/>
-          </p:nvPr>
-        </p:nvSpPr>
-        <p:spPr/>
-        <p:txBody>
-          <a:bodyPr>
-            <a:normAutofit fontScale="92500" lnSpcReduction="10000"/>
-          </a:bodyPr>
-          <a:lstStyle/>
-          <a:p>
-            <a:r>
-              <a:rPr lang="en-US" dirty="0" smtClean="0"/>
-              <a:t>Developed and maintained by TI CGT team</a:t>
-            </a:r>
-          </a:p>
-          <a:p>
-            <a:pPr lvl="1"/>
-            <a:r>
-              <a:rPr lang="en-US" dirty="0" smtClean="0"/>
-              <a:t>Remains very similar to other TI compilers</a:t>
-            </a:r>
-          </a:p>
-          <a:p>
-            <a:r>
-              <a:rPr lang="en-US" dirty="0" smtClean="0"/>
-              <a:t>Full support of C/C++</a:t>
-            </a:r>
-          </a:p>
-          <a:p>
-            <a:pPr marL="227013" lvl="1" indent="-227013">
-              <a:spcBef>
-                <a:spcPts val="800"/>
-              </a:spcBef>
-              <a:buFontTx/>
-              <a:buChar char="•"/>
-            </a:pPr>
-            <a:r>
-              <a:rPr lang="en-US" sz="2000" dirty="0"/>
-              <a:t>Adds PRU-specific functionality</a:t>
-            </a:r>
-          </a:p>
-          <a:p>
-            <a:pPr lvl="1"/>
-            <a:r>
-              <a:rPr lang="en-US" dirty="0" smtClean="0"/>
-              <a:t>Can take advantage of PRU architectural features automatically</a:t>
-            </a:r>
-          </a:p>
-          <a:p>
-            <a:pPr lvl="1"/>
-            <a:r>
-              <a:rPr lang="en-US" dirty="0"/>
-              <a:t>Contains several </a:t>
-            </a:r>
-            <a:r>
-              <a:rPr lang="en-US" dirty="0" smtClean="0"/>
-              <a:t>intrinsic</a:t>
-            </a:r>
-            <a:endParaRPr lang="en-US" dirty="0" smtClean="0"/>
-          </a:p>
-          <a:p>
-            <a:pPr lvl="2"/>
-            <a:r>
-              <a:rPr lang="en-US" dirty="0" smtClean="0"/>
-              <a:t>List can be found in Compiler documentation</a:t>
-            </a:r>
-          </a:p>
-          <a:p>
-            <a:r>
-              <a:rPr lang="en-US" dirty="0" smtClean="0"/>
-              <a:t>Full instruction-set Assembler for hand-tuned routines </a:t>
-            </a:r>
-          </a:p>
-          <a:p>
-            <a:endParaRPr lang="en-US" dirty="0"/>
-          </a:p>
-          <a:p>
-            <a:endParaRPr lang="en-US" dirty="0" smtClean="0"/>
-          </a:p>
-          <a:p>
-            <a:endParaRPr lang="en-US" dirty="0"/>
-          </a:p>
-        </p:txBody>
-      </p:sp>
+      <p:pic>
+        <p:nvPicPr>
+          <p:cNvPr id="1027" name="Picture 3"/>
+          <p:cNvPicPr>
+            <a:picLocks noChangeAspect="1" noChangeArrowheads="1"/>
+          </p:cNvPicPr>
+          <p:nvPr/>
+        </p:nvPicPr>
+        <p:blipFill>
+          <a:blip r:embed="rId3">
+            <a:extLst>
+              <a:ext uri="{28A0092B-C50C-407E-A947-70E740481C1C}">
+                <a14:useLocalDpi xmlns:a14="http://schemas.microsoft.com/office/drawing/2010/main" val="0"/>
+              </a:ext>
+            </a:extLst>
+          </a:blip>
+          <a:srcRect/>
+          <a:stretch>
+            <a:fillRect/>
+          </a:stretch>
+        </p:blipFill>
+        <p:spPr bwMode="auto">
+          <a:xfrm>
+            <a:off x="1676400" y="1066800"/>
+            <a:ext cx="5175911" cy="5219700"/>
+          </a:xfrm>
+          <a:prstGeom prst="rect">
+            <a:avLst/>
+          </a:prstGeom>
+          <a:noFill/>
+          <a:ln>
+            <a:noFill/>
+          </a:ln>
+          <a:extLst>
+            <a:ext uri="{909E8E84-426E-40DD-AFC4-6F175D3DCCD1}">
+              <a14:hiddenFill xmlns:a14="http://schemas.microsoft.com/office/drawing/2010/main">
+                <a:solidFill>
+                  <a:schemeClr val="accent1"/>
+                </a:solidFill>
+              </a14:hiddenFill>
+            </a:ext>
+            <a:ext uri="{91240B29-F687-4F45-9708-019B960494DF}">
+              <a14:hiddenLine xmlns:a14="http://schemas.microsoft.com/office/drawing/2010/main" w="9525">
+                <a:solidFill>
+                  <a:schemeClr val="tx1"/>
+                </a:solidFill>
+                <a:miter lim="800000"/>
+                <a:headEnd/>
+                <a:tailEnd/>
+              </a14:hiddenLine>
+            </a:ext>
+          </a:extLst>
+        </p:spPr>
+      </p:pic>
     </p:spTree>
     <p:extLst>
       <p:ext uri="{BB962C8B-B14F-4D97-AF65-F5344CB8AC3E}">
-        <p14:creationId xmlns:p14="http://schemas.microsoft.com/office/powerpoint/2010/main" val="2948680240"/>
+        <p14:creationId xmlns:p14="http://schemas.microsoft.com/office/powerpoint/2010/main" val="1415486182"/>
       </p:ext>
     </p:extLst>
   </p:cSld>
@@ -29346,163 +28912,87 @@
             <a:spLocks noGrp="1"/>
           </p:cNvSpPr>
           <p:nvPr>
-            <p:ph type="title"/>
+            <p:ph type="ctrTitle"/>
           </p:nvPr>
         </p:nvSpPr>
-        <p:spPr/>
+        <p:spPr>
+          <a:xfrm>
+            <a:off x="838200" y="304800"/>
+            <a:ext cx="6955855" cy="800100"/>
+          </a:xfrm>
+        </p:spPr>
         <p:txBody>
-          <a:bodyPr/>
+          <a:bodyPr>
+            <a:normAutofit/>
+          </a:bodyPr>
           <a:lstStyle/>
           <a:p>
             <a:r>
-              <a:rPr lang="en-US" dirty="0" smtClean="0"/>
-              <a:t>TI PRU CGT Assembly </a:t>
-            </a:r>
-            <a:r>
-              <a:rPr lang="en-US" dirty="0" err="1" smtClean="0"/>
-              <a:t>vs</a:t>
-            </a:r>
-            <a:r>
-              <a:rPr lang="en-US" dirty="0" smtClean="0"/>
-              <a:t> C</a:t>
-            </a:r>
-            <a:endParaRPr lang="en-US" dirty="0"/>
+              <a:rPr lang="en-US" sz="3600" dirty="0" smtClean="0"/>
+              <a:t>TI Code Generation Tools (CGT)</a:t>
+            </a:r>
+            <a:endParaRPr lang="en-US" sz="3600" dirty="0"/>
           </a:p>
         </p:txBody>
       </p:sp>
-      <p:sp>
-        <p:nvSpPr>
-          <p:cNvPr id="3" name="Content Placeholder 2"/>
-          <p:cNvSpPr>
-            <a:spLocks noGrp="1"/>
-          </p:cNvSpPr>
-          <p:nvPr>
-            <p:ph idx="1"/>
-          </p:nvPr>
-        </p:nvSpPr>
-        <p:spPr/>
-        <p:txBody>
-          <a:bodyPr>
-            <a:normAutofit fontScale="77500" lnSpcReduction="20000"/>
-          </a:bodyPr>
-          <a:lstStyle/>
-          <a:p>
-            <a:r>
-              <a:rPr lang="en-US" dirty="0" smtClean="0">
-                <a:solidFill>
-                  <a:srgbClr val="FF0000"/>
-                </a:solidFill>
-              </a:rPr>
-              <a:t>Advantages of coding in Assembly over C</a:t>
-            </a:r>
-          </a:p>
-          <a:p>
-            <a:pPr lvl="1"/>
-            <a:r>
-              <a:rPr lang="en-US" dirty="0" smtClean="0"/>
-              <a:t>Code can be tweaked to save every last cycle and byte of RAM</a:t>
-            </a:r>
-          </a:p>
-          <a:p>
-            <a:pPr lvl="1"/>
-            <a:r>
-              <a:rPr lang="en-US" dirty="0" smtClean="0"/>
-              <a:t>No need to rely on the compiler to make code deterministic</a:t>
-            </a:r>
-          </a:p>
-          <a:p>
-            <a:pPr lvl="1"/>
-            <a:r>
-              <a:rPr lang="en-US" dirty="0" smtClean="0"/>
-              <a:t>Easily make use of scratchpad</a:t>
-            </a:r>
-          </a:p>
-          <a:p>
-            <a:pPr marL="341312" lvl="1" indent="0">
-              <a:buNone/>
-            </a:pPr>
-            <a:endParaRPr lang="en-US" dirty="0" smtClean="0"/>
-          </a:p>
-          <a:p>
-            <a:r>
-              <a:rPr lang="en-US" dirty="0" smtClean="0">
-                <a:solidFill>
-                  <a:srgbClr val="FF0000"/>
-                </a:solidFill>
-              </a:rPr>
-              <a:t>Advantages of </a:t>
-            </a:r>
-            <a:r>
-              <a:rPr lang="en-US" dirty="0">
-                <a:solidFill>
-                  <a:srgbClr val="FF0000"/>
-                </a:solidFill>
-              </a:rPr>
-              <a:t>coding in </a:t>
-            </a:r>
-            <a:r>
-              <a:rPr lang="en-US" dirty="0" smtClean="0">
-                <a:solidFill>
-                  <a:srgbClr val="FF0000"/>
-                </a:solidFill>
-              </a:rPr>
-              <a:t>C over Assembly</a:t>
-            </a:r>
-            <a:endParaRPr lang="en-US" dirty="0">
-              <a:solidFill>
-                <a:srgbClr val="FF0000"/>
-              </a:solidFill>
-            </a:endParaRPr>
-          </a:p>
-          <a:p>
-            <a:pPr lvl="1"/>
-            <a:r>
-              <a:rPr lang="en-US" dirty="0"/>
-              <a:t>More code </a:t>
-            </a:r>
-            <a:r>
-              <a:rPr lang="en-US" dirty="0" smtClean="0"/>
-              <a:t>reusability</a:t>
-            </a:r>
-          </a:p>
-          <a:p>
-            <a:pPr lvl="1"/>
-            <a:r>
-              <a:rPr lang="en-US" dirty="0" smtClean="0"/>
-              <a:t>Can directly leverage kernel headers for interaction with kernel drivers</a:t>
-            </a:r>
-          </a:p>
-          <a:p>
-            <a:pPr lvl="1"/>
-            <a:r>
-              <a:rPr lang="en-US" dirty="0" smtClean="0"/>
-              <a:t>Optimizer is extremely intelligent at optimizing routines</a:t>
-            </a:r>
-          </a:p>
-          <a:p>
-            <a:pPr lvl="2"/>
-            <a:r>
-              <a:rPr lang="en-US" dirty="0" smtClean="0"/>
-              <a:t>“Accelerating” math via MAC unit, implementing LOOP instruction, etc.</a:t>
-            </a:r>
-          </a:p>
-          <a:p>
-            <a:pPr lvl="1"/>
-            <a:r>
-              <a:rPr lang="en-US" dirty="0" smtClean="0"/>
-              <a:t>Not mutually exclusive - inline Assembly can be easily added to a C project</a:t>
-            </a:r>
-          </a:p>
-          <a:p>
-            <a:pPr lvl="1"/>
-            <a:endParaRPr lang="en-US" dirty="0"/>
-          </a:p>
-        </p:txBody>
-      </p:sp>
+      <p:pic>
+        <p:nvPicPr>
+          <p:cNvPr id="2050" name="Picture 2"/>
+          <p:cNvPicPr>
+            <a:picLocks noChangeAspect="1" noChangeArrowheads="1"/>
+          </p:cNvPicPr>
+          <p:nvPr/>
+        </p:nvPicPr>
+        <p:blipFill>
+          <a:blip r:embed="rId3">
+            <a:extLst>
+              <a:ext uri="{28A0092B-C50C-407E-A947-70E740481C1C}">
+                <a14:useLocalDpi xmlns:a14="http://schemas.microsoft.com/office/drawing/2010/main" val="0"/>
+              </a:ext>
+            </a:extLst>
+          </a:blip>
+          <a:srcRect/>
+          <a:stretch>
+            <a:fillRect/>
+          </a:stretch>
+        </p:blipFill>
+        <p:spPr bwMode="auto">
+          <a:xfrm>
+            <a:off x="914400" y="1066800"/>
+            <a:ext cx="7248525" cy="5292027"/>
+          </a:xfrm>
+          <a:prstGeom prst="rect">
+            <a:avLst/>
+          </a:prstGeom>
+          <a:noFill/>
+          <a:ln>
+            <a:noFill/>
+          </a:ln>
+          <a:extLst>
+            <a:ext uri="{909E8E84-426E-40DD-AFC4-6F175D3DCCD1}">
+              <a14:hiddenFill xmlns:a14="http://schemas.microsoft.com/office/drawing/2010/main">
+                <a:solidFill>
+                  <a:schemeClr val="accent1"/>
+                </a:solidFill>
+              </a14:hiddenFill>
+            </a:ext>
+            <a:ext uri="{91240B29-F687-4F45-9708-019B960494DF}">
+              <a14:hiddenLine xmlns:a14="http://schemas.microsoft.com/office/drawing/2010/main" w="9525">
+                <a:solidFill>
+                  <a:schemeClr val="tx1"/>
+                </a:solidFill>
+                <a:miter lim="800000"/>
+                <a:headEnd/>
+                <a:tailEnd/>
+              </a14:hiddenLine>
+            </a:ext>
+          </a:extLst>
+        </p:spPr>
+      </p:pic>
     </p:spTree>
     <p:extLst>
       <p:ext uri="{BB962C8B-B14F-4D97-AF65-F5344CB8AC3E}">
-        <p14:creationId xmlns:p14="http://schemas.microsoft.com/office/powerpoint/2010/main" val="3922463235"/>
+        <p14:creationId xmlns:p14="http://schemas.microsoft.com/office/powerpoint/2010/main" val="3454957120"/>
       </p:ext>
     </p:extLst>
   </p:cSld>
@@ -29538,6 +29028,63 @@
       </p:grpSpPr>
       <p:sp>
         <p:nvSpPr>
+          <p:cNvPr id="8" name="Rectangle 7"/>
+          <p:cNvSpPr/>
+          <p:nvPr/>
+        </p:nvSpPr>
+        <p:spPr>
+          <a:xfrm>
+            <a:off x="550609" y="5036726"/>
+            <a:ext cx="7924800" cy="1042219"/>
+          </a:xfrm>
+          <a:prstGeom prst="rect">
+            <a:avLst/>
+          </a:prstGeom>
+          <a:solidFill>
+            <a:srgbClr val="FFFF00"/>
+          </a:solidFill>
+          <a:ln>
+            <a:noFill/>
+          </a:ln>
+        </p:spPr>
+        <p:style>
+          <a:lnRef idx="2">
+            <a:schemeClr val="accent1">
+              <a:shade val="50000"/>
+            </a:schemeClr>
+          </a:lnRef>
+          <a:fillRef idx="1">
+            <a:schemeClr val="accent1"/>
+          </a:fillRef>
+          <a:effectRef idx="0">
+            <a:schemeClr val="accent1"/>
+          </a:effectRef>
+          <a:fontRef idx="minor">
+            <a:schemeClr val="lt1"/>
+          </a:fontRef>
+        </p:style>
+        <p:txBody>
+          <a:bodyPr rtlCol="0" anchor="ctr"/>
+          <a:lstStyle/>
+          <a:p>
+            <a:pPr algn="ctr" fontAlgn="base">
+              <a:spcBef>
+                <a:spcPct val="0"/>
+              </a:spcBef>
+              <a:spcAft>
+                <a:spcPct val="0"/>
+              </a:spcAft>
+            </a:pPr>
+            <a:endParaRPr lang="en-US">
+              <a:solidFill>
+                <a:srgbClr val="FFFFFF"/>
+              </a:solidFill>
+            </a:endParaRPr>
+          </a:p>
+        </p:txBody>
+      </p:sp>
+      <p:sp>
+        <p:nvSpPr>
           <p:cNvPr id="2" name="Title 1"/>
           <p:cNvSpPr>
             <a:spLocks noGrp="1"/>
@@ -29552,8 +29099,8 @@
           <a:lstStyle/>
           <a:p>
             <a:r>
-              <a:rPr lang="en-US" dirty="0" smtClean="0"/>
-              <a:t>Coding Considerations</a:t>
+              <a:rPr lang="fr-FR" dirty="0" smtClean="0"/>
+              <a:t>TI PRU CGT Assembler vs PASM</a:t>
             </a:r>
             <a:endParaRPr lang="en-US" dirty="0"/>
           </a:p>
@@ -29569,59 +29116,279 @@
             <p:ph idx="1"/>
           </p:nvPr>
         </p:nvSpPr>
-        <p:spPr/>
+        <p:spPr>
+          <a:xfrm>
+            <a:off x="279146" y="954059"/>
+            <a:ext cx="8467725" cy="5189120"/>
+          </a:xfrm>
+        </p:spPr>
         <p:txBody>
-          <a:bodyPr/>
+          <a:bodyPr>
+            <a:normAutofit fontScale="92500"/>
+          </a:bodyPr>
           <a:lstStyle/>
           <a:p>
-            <a:r>
-              <a:rPr lang="en-US" dirty="0" smtClean="0"/>
-              <a:t>There are some “tricks” we have to use to get the compiler to perform some operations</a:t>
-            </a:r>
-          </a:p>
-          <a:p>
-            <a:pPr lvl="1"/>
-            <a:r>
-              <a:rPr lang="en-US" dirty="0" smtClean="0"/>
-              <a:t>Variables have to be “mapped” to Constant Table entries</a:t>
-            </a:r>
-          </a:p>
-          <a:p>
-            <a:pPr lvl="1"/>
-            <a:r>
-              <a:rPr lang="en-US" dirty="0" smtClean="0"/>
-              <a:t>The compiler will automatically use the MAC unit if the --</a:t>
-            </a:r>
-            <a:r>
-              <a:rPr lang="en-US" dirty="0" err="1" smtClean="0"/>
-              <a:t>hardware_mac</a:t>
-            </a:r>
-            <a:r>
-              <a:rPr lang="en-US" dirty="0" smtClean="0"/>
-              <a:t> switch is passed to it</a:t>
-            </a:r>
-          </a:p>
-          <a:p>
-            <a:pPr lvl="1"/>
-            <a:r>
-              <a:rPr lang="en-US" dirty="0" smtClean="0"/>
-              <a:t>Optimization can be tricky; be sure to mark variables that can change via outside forces (e.g., host, other PRU core) as volatile</a:t>
-            </a:r>
-          </a:p>
-          <a:p>
-            <a:pPr lvl="1"/>
-            <a:endParaRPr lang="en-US" dirty="0"/>
-          </a:p>
-          <a:p>
-            <a:pPr lvl="1"/>
-            <a:endParaRPr lang="en-US" dirty="0" smtClean="0"/>
+            <a:pPr marL="336550" indent="-342900">
+              <a:buFont typeface="Arial" panose="020B0604020202020204" pitchFamily="34" charset="0"/>
+              <a:buChar char="•"/>
+            </a:pPr>
+            <a:r>
+              <a:rPr lang="en-US" b="1" dirty="0" smtClean="0">
+                <a:solidFill>
+                  <a:srgbClr val="FF0000"/>
+                </a:solidFill>
+              </a:rPr>
+              <a:t>Advantages </a:t>
+            </a:r>
+            <a:r>
+              <a:rPr lang="en-US" b="1" dirty="0">
+                <a:solidFill>
+                  <a:srgbClr val="FF0000"/>
+                </a:solidFill>
+              </a:rPr>
+              <a:t>of using TI PRU Assembler over PASM</a:t>
+            </a:r>
+          </a:p>
+          <a:p>
+            <a:pPr marL="695325" lvl="1" indent="-285750">
+              <a:spcBef>
+                <a:spcPct val="15000"/>
+              </a:spcBef>
+              <a:buFont typeface="Arial" panose="020B0604020202020204" pitchFamily="34" charset="0"/>
+              <a:buChar char="•"/>
+            </a:pPr>
+            <a:r>
+              <a:rPr lang="en-US" sz="1400" b="1" dirty="0">
+                <a:solidFill>
+                  <a:srgbClr val="000000"/>
+                </a:solidFill>
+              </a:rPr>
+              <a:t>The biggest advantage is that the TI PRU linker produces ELF files that enable source-level debugging within CCS.  No more debugging in disassembly window!!</a:t>
+            </a:r>
+          </a:p>
+          <a:p>
+            <a:pPr marL="695325" lvl="1" indent="-285750">
+              <a:spcBef>
+                <a:spcPct val="15000"/>
+              </a:spcBef>
+              <a:buFont typeface="Arial" panose="020B0604020202020204" pitchFamily="34" charset="0"/>
+              <a:buChar char="•"/>
+            </a:pPr>
+            <a:r>
+              <a:rPr lang="en-US" sz="1400" b="1" dirty="0">
+                <a:solidFill>
+                  <a:srgbClr val="000000"/>
+                </a:solidFill>
+              </a:rPr>
+              <a:t>The TI PRU assembler uses the same shell as other TI compilers.  Customers only need to learn one set of conventions, directives, etc.</a:t>
+            </a:r>
+          </a:p>
+          <a:p>
+            <a:pPr marL="695325" lvl="1" indent="-285750">
+              <a:spcBef>
+                <a:spcPct val="15000"/>
+              </a:spcBef>
+              <a:buFont typeface="Arial" panose="020B0604020202020204" pitchFamily="34" charset="0"/>
+              <a:buChar char="•"/>
+            </a:pPr>
+            <a:r>
+              <a:rPr lang="en-US" sz="1400" b="1" dirty="0">
+                <a:solidFill>
+                  <a:srgbClr val="000000"/>
+                </a:solidFill>
+              </a:rPr>
+              <a:t>TI PRU assembler will be maintained in the future, while PASM will not be updated anymore. </a:t>
+            </a:r>
+          </a:p>
+          <a:p>
+            <a:pPr marL="695325" lvl="1" indent="-285750">
+              <a:spcBef>
+                <a:spcPct val="15000"/>
+              </a:spcBef>
+              <a:buFont typeface="Arial" panose="020B0604020202020204" pitchFamily="34" charset="0"/>
+              <a:buChar char="•"/>
+            </a:pPr>
+            <a:r>
+              <a:rPr lang="en-US" sz="1400" b="1" dirty="0">
+                <a:solidFill>
+                  <a:srgbClr val="000000"/>
+                </a:solidFill>
+              </a:rPr>
+              <a:t>The TI PRU assembler uses the </a:t>
+            </a:r>
+            <a:r>
+              <a:rPr lang="en-US" sz="1400" b="1" dirty="0" smtClean="0">
+                <a:solidFill>
+                  <a:srgbClr val="000000"/>
+                </a:solidFill>
+              </a:rPr>
+              <a:t>powerful </a:t>
+            </a:r>
+            <a:r>
+              <a:rPr lang="en-US" sz="1400" b="1" dirty="0">
+                <a:solidFill>
+                  <a:srgbClr val="000000"/>
+                </a:solidFill>
+              </a:rPr>
+              <a:t>TI linker which allows more flexibility then PASM and facilitates linking PRU programs with host CPU image for runtime loading and symbol sharing.</a:t>
+            </a:r>
+          </a:p>
+          <a:p>
+            <a:pPr lvl="2">
+              <a:spcBef>
+                <a:spcPct val="15000"/>
+              </a:spcBef>
+              <a:buFont typeface="Arial" panose="020B0604020202020204" pitchFamily="34" charset="0"/>
+              <a:buChar char="•"/>
+            </a:pPr>
+            <a:endParaRPr lang="en-US" sz="1400" b="1" dirty="0">
+              <a:solidFill>
+                <a:srgbClr val="000000"/>
+              </a:solidFill>
+            </a:endParaRPr>
+          </a:p>
+          <a:p>
+            <a:pPr marL="336550" indent="-342900">
+              <a:buFont typeface="Arial" panose="020B0604020202020204" pitchFamily="34" charset="0"/>
+              <a:buChar char="•"/>
+            </a:pPr>
+            <a:r>
+              <a:rPr lang="en-US" b="1" dirty="0">
+                <a:solidFill>
+                  <a:srgbClr val="FF0000"/>
+                </a:solidFill>
+              </a:rPr>
+              <a:t>Disadvantages </a:t>
+            </a:r>
+            <a:r>
+              <a:rPr lang="en-US" b="1" dirty="0" smtClean="0">
+                <a:solidFill>
+                  <a:srgbClr val="FF0000"/>
+                </a:solidFill>
+              </a:rPr>
+              <a:t>of </a:t>
+            </a:r>
+            <a:r>
+              <a:rPr lang="en-US" b="1" dirty="0">
+                <a:solidFill>
+                  <a:srgbClr val="FF0000"/>
+                </a:solidFill>
+              </a:rPr>
+              <a:t>using TI PRU Assembler over PASM</a:t>
+            </a:r>
+          </a:p>
+          <a:p>
+            <a:pPr marL="695325" lvl="1" indent="-285750">
+              <a:spcBef>
+                <a:spcPct val="15000"/>
+              </a:spcBef>
+              <a:buFont typeface="Arial" panose="020B0604020202020204" pitchFamily="34" charset="0"/>
+              <a:buChar char="•"/>
+            </a:pPr>
+            <a:r>
+              <a:rPr lang="en-US" sz="1400" b="1" dirty="0">
+                <a:solidFill>
+                  <a:srgbClr val="000000"/>
+                </a:solidFill>
+              </a:rPr>
+              <a:t>Have to learn new directives if already used to PASM</a:t>
+            </a:r>
+          </a:p>
+          <a:p>
+            <a:pPr marL="695325" lvl="1" indent="-285750">
+              <a:spcBef>
+                <a:spcPct val="15000"/>
+              </a:spcBef>
+              <a:buFont typeface="Arial" panose="020B0604020202020204" pitchFamily="34" charset="0"/>
+              <a:buChar char="•"/>
+            </a:pPr>
+            <a:r>
+              <a:rPr lang="en-US" sz="1400" b="1" dirty="0">
+                <a:solidFill>
+                  <a:srgbClr val="000000"/>
+                </a:solidFill>
+              </a:rPr>
+              <a:t>TI PRU assembler requires more command line options and a linker command file</a:t>
+            </a:r>
+            <a:r>
+              <a:rPr lang="en-US" sz="1400" b="1" dirty="0" smtClean="0">
+                <a:solidFill>
+                  <a:srgbClr val="000000"/>
+                </a:solidFill>
+              </a:rPr>
+              <a:t>.</a:t>
+            </a:r>
+          </a:p>
+          <a:p>
+            <a:pPr marL="695325" lvl="1" indent="-285750">
+              <a:spcBef>
+                <a:spcPct val="15000"/>
+              </a:spcBef>
+              <a:buFont typeface="Arial" panose="020B0604020202020204" pitchFamily="34" charset="0"/>
+              <a:buChar char="•"/>
+            </a:pPr>
+            <a:r>
+              <a:rPr lang="en-US" sz="1400" b="1" dirty="0" smtClean="0">
+                <a:solidFill>
+                  <a:srgbClr val="000000"/>
+                </a:solidFill>
+              </a:rPr>
+              <a:t>Some porting effort required for reusing legacy PASM projects.</a:t>
+            </a:r>
+            <a:endParaRPr lang="en-US" sz="1400" b="1" dirty="0">
+              <a:solidFill>
+                <a:srgbClr val="000000"/>
+              </a:solidFill>
+            </a:endParaRPr>
+          </a:p>
+          <a:p>
+            <a:pPr marL="854075" lvl="2" indent="-165100">
+              <a:spcBef>
+                <a:spcPct val="15000"/>
+              </a:spcBef>
+              <a:buFontTx/>
+              <a:buChar char="•"/>
+            </a:pPr>
+            <a:endParaRPr lang="en-US" sz="1400" b="1" dirty="0">
+              <a:solidFill>
+                <a:srgbClr val="000000"/>
+              </a:solidFill>
+            </a:endParaRPr>
+          </a:p>
+          <a:p>
+            <a:pPr marL="341312" lvl="1" indent="0">
+              <a:buSzTx/>
+              <a:buNone/>
+            </a:pPr>
+            <a:r>
+              <a:rPr lang="en-US" sz="1800" dirty="0">
+                <a:solidFill>
+                  <a:srgbClr val="000000"/>
+                </a:solidFill>
+              </a:rPr>
+              <a:t>There are some differences in the instructions and directives supported TI PRU Assembler versus PASM.  Theses are listed in the TI PRU Compiler package release notes which is located at the root of the install folder.</a:t>
+            </a:r>
+          </a:p>
+          <a:p>
+            <a:pPr marL="854075" lvl="2" indent="-165100">
+              <a:spcBef>
+                <a:spcPct val="15000"/>
+              </a:spcBef>
+              <a:buFontTx/>
+              <a:buChar char="•"/>
+            </a:pPr>
+            <a:endParaRPr lang="en-US" sz="1600" b="1" dirty="0">
+              <a:solidFill>
+                <a:srgbClr val="000000"/>
+              </a:solidFill>
+            </a:endParaRPr>
           </a:p>
         </p:txBody>
       </p:sp>
     </p:spTree>
     <p:extLst>
       <p:ext uri="{BB962C8B-B14F-4D97-AF65-F5344CB8AC3E}">
-        <p14:creationId xmlns:p14="http://schemas.microsoft.com/office/powerpoint/2010/main" val="1901287150"/>
+        <p14:creationId xmlns:p14="http://schemas.microsoft.com/office/powerpoint/2010/main" val="859814791"/>
       </p:ext>
     </p:extLst>
   </p:cSld>
@@ -29672,7 +29439,7 @@
           <a:p>
             <a:r>
               <a:rPr lang="en-US" dirty="0" smtClean="0"/>
-              <a:t>Coding Considerations</a:t>
+              <a:t>C Compiler</a:t>
             </a:r>
             <a:endParaRPr lang="en-US" dirty="0"/>
           </a:p>
@@ -29690,49 +29457,88 @@
         </p:nvSpPr>
         <p:spPr/>
         <p:txBody>
-          <a:bodyPr/>
+          <a:bodyPr>
+            <a:normAutofit fontScale="92500" lnSpcReduction="10000"/>
+          </a:bodyPr>
           <a:lstStyle/>
           <a:p>
             <a:r>
               <a:rPr lang="en-US" dirty="0" smtClean="0"/>
-              <a:t>There are also some limitations</a:t>
+              <a:t>Developed and maintained by TI CGT team</a:t>
             </a:r>
           </a:p>
           <a:p>
             <a:pPr lvl="1"/>
             <a:r>
+              <a:rPr lang="en-US" dirty="0" smtClean="0"/>
+              <a:t>Remains very similar to other TI compilers</a:t>
+            </a:r>
+          </a:p>
+          <a:p>
+            <a:r>
+              <a:rPr lang="en-US" dirty="0" smtClean="0"/>
+              <a:t>Full support of C/C++</a:t>
+            </a:r>
+          </a:p>
+          <a:p>
+            <a:pPr marL="227013" lvl="1" indent="-227013">
+              <a:spcBef>
+                <a:spcPts val="800"/>
+              </a:spcBef>
+              <a:buFontTx/>
+              <a:buChar char="•"/>
+            </a:pPr>
+            <a:r>
+              <a:rPr lang="en-US" sz="2000" dirty="0"/>
+              <a:t>Adds PRU-specific functionality</a:t>
+            </a:r>
+          </a:p>
+          <a:p>
+            <a:pPr lvl="1"/>
+            <a:r>
+              <a:rPr lang="en-US" dirty="0" smtClean="0"/>
+              <a:t>Can take advantage of PRU architectural features automatically</a:t>
+            </a:r>
+          </a:p>
+          <a:p>
+            <a:pPr lvl="1"/>
+            <a:r>
               <a:rPr lang="en-US" dirty="0"/>
-              <a:t>The C environment does not know that the final eight CT registers have a variable offset, and thus that feature cannot be easily utilized</a:t>
-            </a:r>
-          </a:p>
-          <a:p>
-            <a:pPr lvl="1"/>
+              <a:t>Contains several </a:t>
+            </a:r>
             <a:r>
               <a:rPr lang="en-US" dirty="0" smtClean="0"/>
-              <a:t>The compiler does not currently use the scratchpad for register state saving</a:t>
+              <a:t>intrinsic</a:t>
             </a:r>
           </a:p>
           <a:p>
             <a:pPr lvl="2"/>
             <a:r>
               <a:rPr lang="en-US" dirty="0" smtClean="0"/>
-              <a:t>This support is tentatively planned for a future CGT release</a:t>
-            </a:r>
-          </a:p>
-          <a:p>
-            <a:pPr lvl="1"/>
+              <a:t>List can be found in Compiler documentation</a:t>
+            </a:r>
+          </a:p>
+          <a:p>
+            <a:r>
+              <a:rPr lang="en-US" dirty="0" smtClean="0"/>
+              <a:t>Full instruction-set Assembler for hand-tuned routines </a:t>
+            </a:r>
+          </a:p>
+          <a:p>
+            <a:endParaRPr lang="en-US" dirty="0"/>
+          </a:p>
+          <a:p>
             <a:endParaRPr lang="en-US" dirty="0" smtClean="0"/>
           </a:p>
           <a:p>
-            <a:pPr lvl="1"/>
-            <a:endParaRPr lang="en-US" dirty="0" smtClean="0"/>
+            <a:endParaRPr lang="en-US" dirty="0"/>
           </a:p>
         </p:txBody>
       </p:sp>
     </p:spTree>
     <p:extLst>
       <p:ext uri="{BB962C8B-B14F-4D97-AF65-F5344CB8AC3E}">
-        <p14:creationId xmlns:p14="http://schemas.microsoft.com/office/powerpoint/2010/main" val="94073413"/>
+        <p14:creationId xmlns:p14="http://schemas.microsoft.com/office/powerpoint/2010/main" val="2948680240"/>
       </p:ext>
     </p:extLst>
   </p:cSld>
@@ -29776,6 +29582,433 @@
             <p:ph type="title"/>
           </p:nvPr>
         </p:nvSpPr>
+        <p:spPr/>
+        <p:txBody>
+          <a:bodyPr/>
+          <a:lstStyle/>
+          <a:p>
+            <a:r>
+              <a:rPr lang="en-US" dirty="0" smtClean="0"/>
+              <a:t>TI PRU CGT Assembly </a:t>
+            </a:r>
+            <a:r>
+              <a:rPr lang="en-US" dirty="0" err="1" smtClean="0"/>
+              <a:t>vs</a:t>
+            </a:r>
+            <a:r>
+              <a:rPr lang="en-US" dirty="0" smtClean="0"/>
+              <a:t> C</a:t>
+            </a:r>
+            <a:endParaRPr lang="en-US" dirty="0"/>
+          </a:p>
+        </p:txBody>
+      </p:sp>
+      <p:sp>
+        <p:nvSpPr>
+          <p:cNvPr id="3" name="Content Placeholder 2"/>
+          <p:cNvSpPr>
+            <a:spLocks noGrp="1"/>
+          </p:cNvSpPr>
+          <p:nvPr>
+            <p:ph idx="1"/>
+          </p:nvPr>
+        </p:nvSpPr>
+        <p:spPr/>
+        <p:txBody>
+          <a:bodyPr>
+            <a:normAutofit fontScale="77500" lnSpcReduction="20000"/>
+          </a:bodyPr>
+          <a:lstStyle/>
+          <a:p>
+            <a:r>
+              <a:rPr lang="en-US" dirty="0" smtClean="0">
+                <a:solidFill>
+                  <a:srgbClr val="FF0000"/>
+                </a:solidFill>
+              </a:rPr>
+              <a:t>Advantages of coding in Assembly over C</a:t>
+            </a:r>
+          </a:p>
+          <a:p>
+            <a:pPr lvl="1"/>
+            <a:r>
+              <a:rPr lang="en-US" dirty="0" smtClean="0"/>
+              <a:t>Code can be tweaked to save every last cycle and byte of RAM</a:t>
+            </a:r>
+          </a:p>
+          <a:p>
+            <a:pPr lvl="1"/>
+            <a:r>
+              <a:rPr lang="en-US" dirty="0" smtClean="0"/>
+              <a:t>No need to rely on the compiler to make code deterministic</a:t>
+            </a:r>
+          </a:p>
+          <a:p>
+            <a:pPr lvl="1"/>
+            <a:r>
+              <a:rPr lang="en-US" dirty="0" smtClean="0"/>
+              <a:t>Easily make use of scratchpad</a:t>
+            </a:r>
+          </a:p>
+          <a:p>
+            <a:pPr marL="341312" lvl="1" indent="0">
+              <a:buNone/>
+            </a:pPr>
+            <a:endParaRPr lang="en-US" dirty="0" smtClean="0"/>
+          </a:p>
+          <a:p>
+            <a:r>
+              <a:rPr lang="en-US" dirty="0" smtClean="0">
+                <a:solidFill>
+                  <a:srgbClr val="FF0000"/>
+                </a:solidFill>
+              </a:rPr>
+              <a:t>Advantages of </a:t>
+            </a:r>
+            <a:r>
+              <a:rPr lang="en-US" dirty="0">
+                <a:solidFill>
+                  <a:srgbClr val="FF0000"/>
+                </a:solidFill>
+              </a:rPr>
+              <a:t>coding in </a:t>
+            </a:r>
+            <a:r>
+              <a:rPr lang="en-US" dirty="0" smtClean="0">
+                <a:solidFill>
+                  <a:srgbClr val="FF0000"/>
+                </a:solidFill>
+              </a:rPr>
+              <a:t>C over Assembly</a:t>
+            </a:r>
+            <a:endParaRPr lang="en-US" dirty="0">
+              <a:solidFill>
+                <a:srgbClr val="FF0000"/>
+              </a:solidFill>
+            </a:endParaRPr>
+          </a:p>
+          <a:p>
+            <a:pPr lvl="1"/>
+            <a:r>
+              <a:rPr lang="en-US" dirty="0"/>
+              <a:t>More code </a:t>
+            </a:r>
+            <a:r>
+              <a:rPr lang="en-US" dirty="0" smtClean="0"/>
+              <a:t>reusability</a:t>
+            </a:r>
+          </a:p>
+          <a:p>
+            <a:pPr lvl="1"/>
+            <a:r>
+              <a:rPr lang="en-US" dirty="0" smtClean="0"/>
+              <a:t>Can directly leverage kernel headers for interaction with kernel drivers</a:t>
+            </a:r>
+          </a:p>
+          <a:p>
+            <a:pPr lvl="1"/>
+            <a:r>
+              <a:rPr lang="en-US" dirty="0" smtClean="0"/>
+              <a:t>Optimizer is extremely intelligent at optimizing routines</a:t>
+            </a:r>
+          </a:p>
+          <a:p>
+            <a:pPr lvl="2"/>
+            <a:r>
+              <a:rPr lang="en-US" dirty="0" smtClean="0"/>
+              <a:t>“Accelerating” math via MAC unit, implementing LOOP instruction, etc.</a:t>
+            </a:r>
+          </a:p>
+          <a:p>
+            <a:pPr lvl="1"/>
+            <a:r>
+              <a:rPr lang="en-US" dirty="0" smtClean="0"/>
+              <a:t>Not mutually exclusive - inline Assembly can be easily added to a C project</a:t>
+            </a:r>
+          </a:p>
+          <a:p>
+            <a:pPr lvl="1"/>
+            <a:endParaRPr lang="en-US" dirty="0"/>
+          </a:p>
+        </p:txBody>
+      </p:sp>
+    </p:spTree>
+    <p:extLst>
+      <p:ext uri="{BB962C8B-B14F-4D97-AF65-F5344CB8AC3E}">
+        <p14:creationId xmlns:p14="http://schemas.microsoft.com/office/powerpoint/2010/main" val="3922463235"/>
+      </p:ext>
+    </p:extLst>
+  </p:cSld>
+  <p:clrMapOvr>
+    <a:masterClrMapping/>
+  </p:clrMapOvr>
+  <p:timing>
+    <p:tnLst>
+      <p:par>
+        <p:cTn id="1" dur="indefinite" restart="never" nodeType="tmRoot"/>
+      </p:par>
+    </p:tnLst>
+  </p:timing>
+</p:sld>
+</file>
+
+<file path=ppt/slides/slide46.xml><?xml version="1.0" encoding="utf-8"?>
+<p:sld xmlns:a="http://schemas.openxmlformats.org/drawingml/2006/main" xmlns:r="http://schemas.openxmlformats.org/officeDocument/2006/relationships" xmlns:p="http://schemas.openxmlformats.org/presentationml/2006/main">
+  <p:cSld>
+    <p:spTree>
+      <p:nvGrpSpPr>
+        <p:cNvPr id="1" name=""/>
+        <p:cNvGrpSpPr/>
+        <p:nvPr/>
+      </p:nvGrpSpPr>
+      <p:grpSpPr>
+        <a:xfrm>
+          <a:off x="0" y="0"/>
+          <a:ext cx="0" cy="0"/>
+          <a:chOff x="0" y="0"/>
+          <a:chExt cx="0" cy="0"/>
+        </a:xfrm>
+      </p:grpSpPr>
+      <p:sp>
+        <p:nvSpPr>
+          <p:cNvPr id="2" name="Title 1"/>
+          <p:cNvSpPr>
+            <a:spLocks noGrp="1"/>
+          </p:cNvSpPr>
+          <p:nvPr>
+            <p:ph type="title"/>
+          </p:nvPr>
+        </p:nvSpPr>
+        <p:spPr/>
+        <p:txBody>
+          <a:bodyPr/>
+          <a:lstStyle/>
+          <a:p>
+            <a:r>
+              <a:rPr lang="en-US" dirty="0" smtClean="0"/>
+              <a:t>Coding Considerations</a:t>
+            </a:r>
+            <a:endParaRPr lang="en-US" dirty="0"/>
+          </a:p>
+        </p:txBody>
+      </p:sp>
+      <p:sp>
+        <p:nvSpPr>
+          <p:cNvPr id="3" name="Content Placeholder 2"/>
+          <p:cNvSpPr>
+            <a:spLocks noGrp="1"/>
+          </p:cNvSpPr>
+          <p:nvPr>
+            <p:ph idx="1"/>
+          </p:nvPr>
+        </p:nvSpPr>
+        <p:spPr/>
+        <p:txBody>
+          <a:bodyPr/>
+          <a:lstStyle/>
+          <a:p>
+            <a:r>
+              <a:rPr lang="en-US" dirty="0" smtClean="0"/>
+              <a:t>There are some “tricks” we have to use to get the compiler to perform some operations</a:t>
+            </a:r>
+          </a:p>
+          <a:p>
+            <a:pPr lvl="1"/>
+            <a:r>
+              <a:rPr lang="en-US" dirty="0" smtClean="0"/>
+              <a:t>Variables have to be “mapped” to Constant Table entries</a:t>
+            </a:r>
+          </a:p>
+          <a:p>
+            <a:pPr lvl="1"/>
+            <a:r>
+              <a:rPr lang="en-US" dirty="0" smtClean="0"/>
+              <a:t>The compiler will automatically use the MAC unit if the --</a:t>
+            </a:r>
+            <a:r>
+              <a:rPr lang="en-US" dirty="0" err="1" smtClean="0"/>
+              <a:t>hardware_mac</a:t>
+            </a:r>
+            <a:r>
+              <a:rPr lang="en-US" dirty="0" smtClean="0"/>
+              <a:t> switch is passed to it</a:t>
+            </a:r>
+          </a:p>
+          <a:p>
+            <a:pPr lvl="1"/>
+            <a:r>
+              <a:rPr lang="en-US" dirty="0" smtClean="0"/>
+              <a:t>Optimization can be tricky; be sure to mark variables that can change via outside forces (e.g., host, other PRU core) as volatile</a:t>
+            </a:r>
+          </a:p>
+          <a:p>
+            <a:pPr lvl="1"/>
+            <a:endParaRPr lang="en-US" dirty="0"/>
+          </a:p>
+          <a:p>
+            <a:pPr lvl="1"/>
+            <a:endParaRPr lang="en-US" dirty="0" smtClean="0"/>
+          </a:p>
+        </p:txBody>
+      </p:sp>
+    </p:spTree>
+    <p:extLst>
+      <p:ext uri="{BB962C8B-B14F-4D97-AF65-F5344CB8AC3E}">
+        <p14:creationId xmlns:p14="http://schemas.microsoft.com/office/powerpoint/2010/main" val="1901287150"/>
+      </p:ext>
+    </p:extLst>
+  </p:cSld>
+  <p:clrMapOvr>
+    <a:masterClrMapping/>
+  </p:clrMapOvr>
+  <p:timing>
+    <p:tnLst>
+      <p:par>
+        <p:cTn id="1" dur="indefinite" restart="never" nodeType="tmRoot"/>
+      </p:par>
+    </p:tnLst>
+  </p:timing>
+</p:sld>
+</file>
+
+<file path=ppt/slides/slide47.xml><?xml version="1.0" encoding="utf-8"?>
+<p:sld xmlns:a="http://schemas.openxmlformats.org/drawingml/2006/main" xmlns:r="http://schemas.openxmlformats.org/officeDocument/2006/relationships" xmlns:p="http://schemas.openxmlformats.org/presentationml/2006/main">
+  <p:cSld>
+    <p:spTree>
+      <p:nvGrpSpPr>
+        <p:cNvPr id="1" name=""/>
+        <p:cNvGrpSpPr/>
+        <p:nvPr/>
+      </p:nvGrpSpPr>
+      <p:grpSpPr>
+        <a:xfrm>
+          <a:off x="0" y="0"/>
+          <a:ext cx="0" cy="0"/>
+          <a:chOff x="0" y="0"/>
+          <a:chExt cx="0" cy="0"/>
+        </a:xfrm>
+      </p:grpSpPr>
+      <p:sp>
+        <p:nvSpPr>
+          <p:cNvPr id="2" name="Title 1"/>
+          <p:cNvSpPr>
+            <a:spLocks noGrp="1"/>
+          </p:cNvSpPr>
+          <p:nvPr>
+            <p:ph type="title"/>
+          </p:nvPr>
+        </p:nvSpPr>
+        <p:spPr/>
+        <p:txBody>
+          <a:bodyPr/>
+          <a:lstStyle/>
+          <a:p>
+            <a:r>
+              <a:rPr lang="en-US" dirty="0" smtClean="0"/>
+              <a:t>Coding Considerations</a:t>
+            </a:r>
+            <a:endParaRPr lang="en-US" dirty="0"/>
+          </a:p>
+        </p:txBody>
+      </p:sp>
+      <p:sp>
+        <p:nvSpPr>
+          <p:cNvPr id="3" name="Content Placeholder 2"/>
+          <p:cNvSpPr>
+            <a:spLocks noGrp="1"/>
+          </p:cNvSpPr>
+          <p:nvPr>
+            <p:ph idx="1"/>
+          </p:nvPr>
+        </p:nvSpPr>
+        <p:spPr/>
+        <p:txBody>
+          <a:bodyPr/>
+          <a:lstStyle/>
+          <a:p>
+            <a:r>
+              <a:rPr lang="en-US" dirty="0" smtClean="0"/>
+              <a:t>There are also some limitations</a:t>
+            </a:r>
+          </a:p>
+          <a:p>
+            <a:pPr lvl="1"/>
+            <a:r>
+              <a:rPr lang="en-US" dirty="0"/>
+              <a:t>The C environment does not know that the final eight CT registers have a variable offset, and thus that feature cannot be easily utilized</a:t>
+            </a:r>
+          </a:p>
+          <a:p>
+            <a:pPr lvl="1"/>
+            <a:r>
+              <a:rPr lang="en-US" dirty="0" smtClean="0"/>
+              <a:t>The compiler does not currently use the scratchpad for register state saving</a:t>
+            </a:r>
+          </a:p>
+          <a:p>
+            <a:pPr lvl="2"/>
+            <a:r>
+              <a:rPr lang="en-US" dirty="0" smtClean="0"/>
+              <a:t>This support is tentatively planned for a future CGT release</a:t>
+            </a:r>
+          </a:p>
+          <a:p>
+            <a:pPr lvl="1"/>
+            <a:endParaRPr lang="en-US" dirty="0" smtClean="0"/>
+          </a:p>
+          <a:p>
+            <a:pPr lvl="1"/>
+            <a:endParaRPr lang="en-US" dirty="0" smtClean="0"/>
+          </a:p>
+        </p:txBody>
+      </p:sp>
+    </p:spTree>
+    <p:extLst>
+      <p:ext uri="{BB962C8B-B14F-4D97-AF65-F5344CB8AC3E}">
+        <p14:creationId xmlns:p14="http://schemas.microsoft.com/office/powerpoint/2010/main" val="94073413"/>
+      </p:ext>
+    </p:extLst>
+  </p:cSld>
+  <p:clrMapOvr>
+    <a:masterClrMapping/>
+  </p:clrMapOvr>
+  <p:timing>
+    <p:tnLst>
+      <p:par>
+        <p:cTn id="1" dur="indefinite" restart="never" nodeType="tmRoot"/>
+      </p:par>
+    </p:tnLst>
+  </p:timing>
+</p:sld>
+</file>
+
+<file path=ppt/slides/slide48.xml><?xml version="1.0" encoding="utf-8"?>
+<p:sld xmlns:a="http://schemas.openxmlformats.org/drawingml/2006/main" xmlns:r="http://schemas.openxmlformats.org/officeDocument/2006/relationships" xmlns:p="http://schemas.openxmlformats.org/presentationml/2006/main">
+  <p:cSld>
+    <p:spTree>
+      <p:nvGrpSpPr>
+        <p:cNvPr id="1" name=""/>
+        <p:cNvGrpSpPr/>
+        <p:nvPr/>
+      </p:nvGrpSpPr>
+      <p:grpSpPr>
+        <a:xfrm>
+          <a:off x="0" y="0"/>
+          <a:ext cx="0" cy="0"/>
+          <a:chOff x="0" y="0"/>
+          <a:chExt cx="0" cy="0"/>
+        </a:xfrm>
+      </p:grpSpPr>
+      <p:sp>
+        <p:nvSpPr>
+          <p:cNvPr id="2" name="Title 1"/>
+          <p:cNvSpPr>
+            <a:spLocks noGrp="1"/>
+          </p:cNvSpPr>
+          <p:nvPr>
+            <p:ph type="title"/>
+          </p:nvPr>
+        </p:nvSpPr>
         <p:spPr>
           <a:xfrm>
             <a:off x="457200" y="274638"/>
@@ -30295,7 +30528,7 @@
 </p:sld>
 </file>
 
-<file path=ppt/slides/slide46.xml><?xml version="1.0" encoding="utf-8"?>
+<file path=ppt/slides/slide49.xml><?xml version="1.0" encoding="utf-8"?>
 <p:sld xmlns:a="http://schemas.openxmlformats.org/drawingml/2006/main" xmlns:r="http://schemas.openxmlformats.org/officeDocument/2006/relationships" xmlns:p="http://schemas.openxmlformats.org/presentationml/2006/main">
   <p:cSld>
     <p:spTree>
@@ -30431,7 +30664,7 @@
                 </a:solidFill>
               </a:rPr>
               <a:pPr/>
-              <a:t>46</a:t>
+              <a:t>49</a:t>
             </a:fld>
             <a:endParaRPr lang="en-US">
               <a:solidFill>
@@ -31298,7 +31531,191 @@
 </p:sld>
 </file>
 
-<file path=ppt/slides/slide47.xml><?xml version="1.0" encoding="utf-8"?>
+<file path=ppt/slides/slide5.xml><?xml version="1.0" encoding="utf-8"?>
+<p:sld xmlns:a="http://schemas.openxmlformats.org/drawingml/2006/main" xmlns:r="http://schemas.openxmlformats.org/officeDocument/2006/relationships" xmlns:p="http://schemas.openxmlformats.org/presentationml/2006/main">
+  <p:cSld>
+    <p:spTree>
+      <p:nvGrpSpPr>
+        <p:cNvPr id="1" name=""/>
+        <p:cNvGrpSpPr/>
+        <p:nvPr/>
+      </p:nvGrpSpPr>
+      <p:grpSpPr>
+        <a:xfrm>
+          <a:off x="0" y="0"/>
+          <a:ext cx="0" cy="0"/>
+          <a:chOff x="0" y="0"/>
+          <a:chExt cx="0" cy="0"/>
+        </a:xfrm>
+      </p:grpSpPr>
+      <p:sp>
+        <p:nvSpPr>
+          <p:cNvPr id="12291" name="Rectangle 2"/>
+          <p:cNvSpPr>
+            <a:spLocks noGrp="1" noChangeArrowheads="1"/>
+          </p:cNvSpPr>
+          <p:nvPr>
+            <p:ph type="title"/>
+          </p:nvPr>
+        </p:nvSpPr>
+        <p:spPr>
+          <a:xfrm>
+            <a:off x="404461" y="228600"/>
+            <a:ext cx="8229600" cy="1143000"/>
+          </a:xfrm>
+        </p:spPr>
+        <p:txBody>
+          <a:bodyPr/>
+          <a:lstStyle/>
+          <a:p>
+            <a:pPr eaLnBrk="1" hangingPunct="1"/>
+            <a:r>
+              <a:rPr lang="en-US" sz="2800" dirty="0" smtClean="0"/>
+              <a:t>Programmable Real-Time Unit (PRU) Subsystem</a:t>
+            </a:r>
+          </a:p>
+        </p:txBody>
+      </p:sp>
+      <p:sp>
+        <p:nvSpPr>
+          <p:cNvPr id="12292" name="Rectangle 3"/>
+          <p:cNvSpPr>
+            <a:spLocks noGrp="1" noChangeArrowheads="1"/>
+          </p:cNvSpPr>
+          <p:nvPr>
+            <p:ph idx="1"/>
+          </p:nvPr>
+        </p:nvSpPr>
+        <p:spPr>
+          <a:xfrm>
+            <a:off x="228600" y="1447800"/>
+            <a:ext cx="7696200" cy="1066800"/>
+          </a:xfrm>
+        </p:spPr>
+        <p:txBody>
+          <a:bodyPr>
+            <a:normAutofit/>
+          </a:bodyPr>
+          <a:lstStyle/>
+          <a:p>
+            <a:pPr marL="0" indent="0">
+              <a:lnSpc>
+                <a:spcPct val="110000"/>
+              </a:lnSpc>
+              <a:buNone/>
+            </a:pPr>
+            <a:r>
+              <a:rPr lang="en-US" sz="2000" dirty="0" smtClean="0"/>
+              <a:t>Reference Guide </a:t>
+            </a:r>
+          </a:p>
+          <a:p>
+            <a:pPr marL="0" indent="0">
+              <a:lnSpc>
+                <a:spcPct val="110000"/>
+              </a:lnSpc>
+              <a:buNone/>
+            </a:pPr>
+            <a:r>
+              <a:rPr lang="en-US" sz="2000" dirty="0">
+                <a:hlinkClick r:id="rId3"/>
+              </a:rPr>
+              <a:t>http://</a:t>
+            </a:r>
+            <a:r>
+              <a:rPr lang="en-US" sz="2000" dirty="0" smtClean="0">
+                <a:hlinkClick r:id="rId3"/>
+              </a:rPr>
+              <a:t>mythopoeic.org/BBB-PRU/am335xPruReferenceGuide.pdf</a:t>
+            </a:r>
+            <a:endParaRPr lang="en-US" sz="2000" dirty="0" smtClean="0"/>
+          </a:p>
+          <a:p>
+            <a:pPr marL="0" indent="0">
+              <a:lnSpc>
+                <a:spcPct val="110000"/>
+              </a:lnSpc>
+              <a:buNone/>
+            </a:pPr>
+            <a:endParaRPr lang="en-US" sz="2000" dirty="0" smtClean="0"/>
+          </a:p>
+        </p:txBody>
+      </p:sp>
+      <p:pic>
+        <p:nvPicPr>
+          <p:cNvPr id="8194" name="Picture 2"/>
+          <p:cNvPicPr>
+            <a:picLocks noChangeAspect="1" noChangeArrowheads="1"/>
+          </p:cNvPicPr>
+          <p:nvPr/>
+        </p:nvPicPr>
+        <p:blipFill>
+          <a:blip r:embed="rId4">
+            <a:extLst>
+              <a:ext uri="{28A0092B-C50C-407E-A947-70E740481C1C}">
+                <a14:useLocalDpi xmlns:a14="http://schemas.microsoft.com/office/drawing/2010/main" val="0"/>
+              </a:ext>
+            </a:extLst>
+          </a:blip>
+          <a:srcRect/>
+          <a:stretch>
+            <a:fillRect/>
+          </a:stretch>
+        </p:blipFill>
+        <p:spPr bwMode="auto">
+          <a:xfrm>
+            <a:off x="2362200" y="2505635"/>
+            <a:ext cx="3771900" cy="3886200"/>
+          </a:xfrm>
+          <a:prstGeom prst="rect">
+            <a:avLst/>
+          </a:prstGeom>
+          <a:noFill/>
+          <a:ln>
+            <a:noFill/>
+          </a:ln>
+          <a:extLst>
+            <a:ext uri="{909E8E84-426E-40DD-AFC4-6F175D3DCCD1}">
+              <a14:hiddenFill xmlns:a14="http://schemas.microsoft.com/office/drawing/2010/main">
+                <a:solidFill>
+                  <a:schemeClr val="accent1"/>
+                </a:solidFill>
+              </a14:hiddenFill>
+            </a:ext>
+            <a:ext uri="{91240B29-F687-4F45-9708-019B960494DF}">
+              <a14:hiddenLine xmlns:a14="http://schemas.microsoft.com/office/drawing/2010/main" w="9525">
+                <a:solidFill>
+                  <a:schemeClr val="tx1"/>
+                </a:solidFill>
+                <a:miter lim="800000"/>
+                <a:headEnd/>
+                <a:tailEnd/>
+              </a14:hiddenLine>
+            </a:ext>
+          </a:extLst>
+        </p:spPr>
+      </p:pic>
+    </p:spTree>
+    <p:extLst>
+      <p:ext uri="{BB962C8B-B14F-4D97-AF65-F5344CB8AC3E}">
+        <p14:creationId xmlns:p14="http://schemas.microsoft.com/office/powerpoint/2010/main" val="3416499389"/>
+      </p:ext>
+    </p:extLst>
+  </p:cSld>
+  <p:clrMapOvr>
+    <a:masterClrMapping/>
+  </p:clrMapOvr>
+  <p:timing>
+    <p:tnLst>
+      <p:par>
+        <p:cTn id="1" dur="indefinite" restart="never" nodeType="tmRoot"/>
+      </p:par>
+    </p:tnLst>
+  </p:timing>
+</p:sld>
+</file>
+
+<file path=ppt/slides/slide50.xml><?xml version="1.0" encoding="utf-8"?>
 <p:sld xmlns:a="http://schemas.openxmlformats.org/drawingml/2006/main" xmlns:r="http://schemas.openxmlformats.org/officeDocument/2006/relationships" xmlns:p="http://schemas.openxmlformats.org/presentationml/2006/main">
   <p:cSld>
     <p:spTree>
@@ -31358,7 +31775,98 @@
 </p:sld>
 </file>
 
-<file path=ppt/slides/slide48.xml><?xml version="1.0" encoding="utf-8"?>
+<file path=ppt/slides/slide51.xml><?xml version="1.0" encoding="utf-8"?>
+<p:sld xmlns:a="http://schemas.openxmlformats.org/drawingml/2006/main" xmlns:r="http://schemas.openxmlformats.org/officeDocument/2006/relationships" xmlns:p="http://schemas.openxmlformats.org/presentationml/2006/main">
+  <p:cSld>
+    <p:spTree>
+      <p:nvGrpSpPr>
+        <p:cNvPr id="1" name=""/>
+        <p:cNvGrpSpPr/>
+        <p:nvPr/>
+      </p:nvGrpSpPr>
+      <p:grpSpPr>
+        <a:xfrm>
+          <a:off x="0" y="0"/>
+          <a:ext cx="0" cy="0"/>
+          <a:chOff x="0" y="0"/>
+          <a:chExt cx="0" cy="0"/>
+        </a:xfrm>
+      </p:grpSpPr>
+      <p:pic>
+        <p:nvPicPr>
+          <p:cNvPr id="4098" name="Picture 2"/>
+          <p:cNvPicPr>
+            <a:picLocks noChangeAspect="1" noChangeArrowheads="1"/>
+          </p:cNvPicPr>
+          <p:nvPr/>
+        </p:nvPicPr>
+        <p:blipFill>
+          <a:blip r:embed="rId2">
+            <a:extLst>
+              <a:ext uri="{28A0092B-C50C-407E-A947-70E740481C1C}">
+                <a14:useLocalDpi xmlns:a14="http://schemas.microsoft.com/office/drawing/2010/main" val="0"/>
+              </a:ext>
+            </a:extLst>
+          </a:blip>
+          <a:srcRect/>
+          <a:stretch>
+            <a:fillRect/>
+          </a:stretch>
+        </p:blipFill>
+        <p:spPr bwMode="auto">
+          <a:xfrm>
+            <a:off x="838200" y="1437155"/>
+            <a:ext cx="7746682" cy="4223064"/>
+          </a:xfrm>
+          <a:prstGeom prst="rect">
+            <a:avLst/>
+          </a:prstGeom>
+          <a:noFill/>
+          <a:ln>
+            <a:noFill/>
+          </a:ln>
+          <a:extLst>
+            <a:ext uri="{909E8E84-426E-40DD-AFC4-6F175D3DCCD1}">
+              <a14:hiddenFill xmlns:a14="http://schemas.microsoft.com/office/drawing/2010/main">
+                <a:solidFill>
+                  <a:schemeClr val="accent1"/>
+                </a:solidFill>
+              </a14:hiddenFill>
+            </a:ext>
+            <a:ext uri="{91240B29-F687-4F45-9708-019B960494DF}">
+              <a14:hiddenLine xmlns:a14="http://schemas.microsoft.com/office/drawing/2010/main" w="9525">
+                <a:solidFill>
+                  <a:schemeClr val="tx1"/>
+                </a:solidFill>
+                <a:miter lim="800000"/>
+                <a:headEnd/>
+                <a:tailEnd/>
+              </a14:hiddenLine>
+            </a:ext>
+          </a:extLst>
+        </p:spPr>
+      </p:pic>
+    </p:spTree>
+    <p:extLst>
+      <p:ext uri="{BB962C8B-B14F-4D97-AF65-F5344CB8AC3E}">
+        <p14:creationId xmlns:p14="http://schemas.microsoft.com/office/powerpoint/2010/main" val="2009107630"/>
+      </p:ext>
+    </p:extLst>
+  </p:cSld>
+  <p:clrMapOvr>
+    <a:masterClrMapping/>
+  </p:clrMapOvr>
+  <p:timing>
+    <p:tnLst>
+      <p:par>
+        <p:cTn id="1" dur="indefinite" restart="never" nodeType="tmRoot"/>
+      </p:par>
+    </p:tnLst>
+  </p:timing>
+</p:sld>
+</file>
+
+<file path=ppt/slides/slide52.xml><?xml version="1.0" encoding="utf-8"?>
 <p:sld xmlns:a="http://schemas.openxmlformats.org/drawingml/2006/main" xmlns:r="http://schemas.openxmlformats.org/officeDocument/2006/relationships" xmlns:p="http://schemas.openxmlformats.org/presentationml/2006/main">
   <p:cSld>
     <p:spTree>
@@ -31536,7 +32044,7 @@
             <a:fld id="{F718CCF6-AB5C-4215-8E70-43EE447E6836}" type="slidenum">
               <a:rPr lang="en-US" smtClean="0"/>
               <a:pPr eaLnBrk="1" hangingPunct="1"/>
-              <a:t>48</a:t>
+              <a:t>52</a:t>
             </a:fld>
             <a:endParaRPr lang="en-US" smtClean="0"/>
           </a:p>
@@ -33332,7 +33840,7 @@
 </p:sld>
 </file>
 
-<file path=ppt/slides/slide49.xml><?xml version="1.0" encoding="utf-8"?>
+<file path=ppt/slides/slide53.xml><?xml version="1.0" encoding="utf-8"?>
 <p:sld xmlns:a="http://schemas.openxmlformats.org/drawingml/2006/main" xmlns:r="http://schemas.openxmlformats.org/officeDocument/2006/relationships" xmlns:p="http://schemas.openxmlformats.org/presentationml/2006/main">
   <p:cSld>
     <p:spTree>
@@ -33442,7 +33950,6 @@
               <a:rPr lang="en-US" sz="2000" dirty="0" smtClean="0"/>
               <a:t>/board-support/linux-3.12.10-ti2013.12.01/Documentation/remoteproc.txt</a:t>
             </a:r>
-            <a:endParaRPr lang="en-US" sz="2000" dirty="0" smtClean="0"/>
           </a:p>
           <a:p>
             <a:endParaRPr lang="en-US" dirty="0"/>
@@ -33729,191 +34236,7 @@
 </p:sld>
 </file>
 
-<file path=ppt/slides/slide5.xml><?xml version="1.0" encoding="utf-8"?>
-<p:sld xmlns:a="http://schemas.openxmlformats.org/drawingml/2006/main" xmlns:r="http://schemas.openxmlformats.org/officeDocument/2006/relationships" xmlns:p="http://schemas.openxmlformats.org/presentationml/2006/main">
-  <p:cSld>
-    <p:spTree>
-      <p:nvGrpSpPr>
-        <p:cNvPr id="1" name=""/>
-        <p:cNvGrpSpPr/>
-        <p:nvPr/>
-      </p:nvGrpSpPr>
-      <p:grpSpPr>
-        <a:xfrm>
-          <a:off x="0" y="0"/>
-          <a:ext cx="0" cy="0"/>
-          <a:chOff x="0" y="0"/>
-          <a:chExt cx="0" cy="0"/>
-        </a:xfrm>
-      </p:grpSpPr>
-      <p:sp>
-        <p:nvSpPr>
-          <p:cNvPr id="12291" name="Rectangle 2"/>
-          <p:cNvSpPr>
-            <a:spLocks noGrp="1" noChangeArrowheads="1"/>
-          </p:cNvSpPr>
-          <p:nvPr>
-            <p:ph type="title"/>
-          </p:nvPr>
-        </p:nvSpPr>
-        <p:spPr>
-          <a:xfrm>
-            <a:off x="404461" y="228600"/>
-            <a:ext cx="8229600" cy="1143000"/>
-          </a:xfrm>
-        </p:spPr>
-        <p:txBody>
-          <a:bodyPr/>
-          <a:lstStyle/>
-          <a:p>
-            <a:pPr eaLnBrk="1" hangingPunct="1"/>
-            <a:r>
-              <a:rPr lang="en-US" sz="2800" dirty="0" smtClean="0"/>
-              <a:t>Programmable Real-Time Unit (PRU) Subsystem</a:t>
-            </a:r>
-          </a:p>
-        </p:txBody>
-      </p:sp>
-      <p:sp>
-        <p:nvSpPr>
-          <p:cNvPr id="12292" name="Rectangle 3"/>
-          <p:cNvSpPr>
-            <a:spLocks noGrp="1" noChangeArrowheads="1"/>
-          </p:cNvSpPr>
-          <p:nvPr>
-            <p:ph idx="1"/>
-          </p:nvPr>
-        </p:nvSpPr>
-        <p:spPr>
-          <a:xfrm>
-            <a:off x="228600" y="1447800"/>
-            <a:ext cx="7696200" cy="1066800"/>
-          </a:xfrm>
-        </p:spPr>
-        <p:txBody>
-          <a:bodyPr>
-            <a:normAutofit/>
-          </a:bodyPr>
-          <a:lstStyle/>
-          <a:p>
-            <a:pPr marL="0" indent="0">
-              <a:lnSpc>
-                <a:spcPct val="110000"/>
-              </a:lnSpc>
-              <a:buNone/>
-            </a:pPr>
-            <a:r>
-              <a:rPr lang="en-US" sz="2000" dirty="0" smtClean="0"/>
-              <a:t>Reference Guide </a:t>
-            </a:r>
-          </a:p>
-          <a:p>
-            <a:pPr marL="0" indent="0">
-              <a:lnSpc>
-                <a:spcPct val="110000"/>
-              </a:lnSpc>
-              <a:buNone/>
-            </a:pPr>
-            <a:r>
-              <a:rPr lang="en-US" sz="2000" dirty="0">
-                <a:hlinkClick r:id="rId3"/>
-              </a:rPr>
-              <a:t>http://</a:t>
-            </a:r>
-            <a:r>
-              <a:rPr lang="en-US" sz="2000" dirty="0" smtClean="0">
-                <a:hlinkClick r:id="rId3"/>
-              </a:rPr>
-              <a:t>mythopoeic.org/BBB-PRU/am335xPruReferenceGuide.pdf</a:t>
-            </a:r>
-            <a:endParaRPr lang="en-US" sz="2000" dirty="0" smtClean="0"/>
-          </a:p>
-          <a:p>
-            <a:pPr marL="0" indent="0">
-              <a:lnSpc>
-                <a:spcPct val="110000"/>
-              </a:lnSpc>
-              <a:buNone/>
-            </a:pPr>
-            <a:endParaRPr lang="en-US" sz="2000" dirty="0" smtClean="0"/>
-          </a:p>
-        </p:txBody>
-      </p:sp>
-      <p:pic>
-        <p:nvPicPr>
-          <p:cNvPr id="8194" name="Picture 2"/>
-          <p:cNvPicPr>
-            <a:picLocks noChangeAspect="1" noChangeArrowheads="1"/>
-          </p:cNvPicPr>
-          <p:nvPr/>
-        </p:nvPicPr>
-        <p:blipFill>
-          <a:blip r:embed="rId4">
-            <a:extLst>
-              <a:ext uri="{28A0092B-C50C-407E-A947-70E740481C1C}">
-                <a14:useLocalDpi xmlns:a14="http://schemas.microsoft.com/office/drawing/2010/main" val="0"/>
-              </a:ext>
-            </a:extLst>
-          </a:blip>
-          <a:srcRect/>
-          <a:stretch>
-            <a:fillRect/>
-          </a:stretch>
-        </p:blipFill>
-        <p:spPr bwMode="auto">
-          <a:xfrm>
-            <a:off x="2362200" y="2505635"/>
-            <a:ext cx="3771900" cy="3886200"/>
-          </a:xfrm>
-          <a:prstGeom prst="rect">
-            <a:avLst/>
-          </a:prstGeom>
-          <a:noFill/>
-          <a:ln>
-            <a:noFill/>
-          </a:ln>
-          <a:extLst>
-            <a:ext uri="{909E8E84-426E-40DD-AFC4-6F175D3DCCD1}">
-              <a14:hiddenFill xmlns:a14="http://schemas.microsoft.com/office/drawing/2010/main">
-                <a:solidFill>
-                  <a:schemeClr val="accent1"/>
-                </a:solidFill>
-              </a14:hiddenFill>
-            </a:ext>
-            <a:ext uri="{91240B29-F687-4F45-9708-019B960494DF}">
-              <a14:hiddenLine xmlns:a14="http://schemas.microsoft.com/office/drawing/2010/main" w="9525">
-                <a:solidFill>
-                  <a:schemeClr val="tx1"/>
-                </a:solidFill>
-                <a:miter lim="800000"/>
-                <a:headEnd/>
-                <a:tailEnd/>
-              </a14:hiddenLine>
-            </a:ext>
-          </a:extLst>
-        </p:spPr>
-      </p:pic>
-    </p:spTree>
-    <p:extLst>
-      <p:ext uri="{BB962C8B-B14F-4D97-AF65-F5344CB8AC3E}">
-        <p14:creationId xmlns:p14="http://schemas.microsoft.com/office/powerpoint/2010/main" val="3416499389"/>
-      </p:ext>
-    </p:extLst>
-  </p:cSld>
-  <p:clrMapOvr>
-    <a:masterClrMapping/>
-  </p:clrMapOvr>
-  <p:timing>
-    <p:tnLst>
-      <p:par>
-        <p:cTn id="1" dur="indefinite" restart="never" nodeType="tmRoot"/>
-      </p:par>
-    </p:tnLst>
-  </p:timing>
-</p:sld>
-</file>
-
-<file path=ppt/slides/slide50.xml><?xml version="1.0" encoding="utf-8"?>
+<file path=ppt/slides/slide54.xml><?xml version="1.0" encoding="utf-8"?>
 <p:sld xmlns:a="http://schemas.openxmlformats.org/drawingml/2006/main" xmlns:r="http://schemas.openxmlformats.org/officeDocument/2006/relationships" xmlns:p="http://schemas.openxmlformats.org/presentationml/2006/main">
   <p:cSld>
     <p:spTree>
@@ -33986,11 +34309,7 @@
             </a:r>
             <a:r>
               <a:rPr lang="en-US" sz="2000" dirty="0" smtClean="0"/>
-              <a:t>pmsg </a:t>
-            </a:r>
-            <a:r>
-              <a:rPr lang="en-US" sz="2000" dirty="0" smtClean="0"/>
-              <a:t>is a Linux framework designed to allow for message passing between the kernel and a remote processor</a:t>
+              <a:t>pmsg is a Linux framework designed to allow for message passing between the kernel and a remote processor</a:t>
             </a:r>
           </a:p>
           <a:p>
@@ -34278,7 +34597,7 @@
 </p:sld>
 </file>
 
-<file path=ppt/slides/slide51.xml><?xml version="1.0" encoding="utf-8"?>
+<file path=ppt/slides/slide55.xml><?xml version="1.0" encoding="utf-8"?>
 <p:sld xmlns:a="http://schemas.openxmlformats.org/drawingml/2006/main" xmlns:r="http://schemas.openxmlformats.org/officeDocument/2006/relationships" xmlns:p="http://schemas.openxmlformats.org/presentationml/2006/main">
   <p:cSld>
     <p:spTree>
@@ -34486,7 +34805,7 @@
 </p:sld>
 </file>
 
-<file path=ppt/slides/slide52.xml><?xml version="1.0" encoding="utf-8"?>
+<file path=ppt/slides/slide56.xml><?xml version="1.0" encoding="utf-8"?>
 <p:sld xmlns:a="http://schemas.openxmlformats.org/drawingml/2006/main" xmlns:r="http://schemas.openxmlformats.org/officeDocument/2006/relationships" xmlns:p="http://schemas.openxmlformats.org/presentationml/2006/main">
   <p:cSld>
     <p:spTree>
@@ -34689,7 +35008,7 @@
 </p:sld>
 </file>
 
-<file path=ppt/slides/slide53.xml><?xml version="1.0" encoding="utf-8"?>
+<file path=ppt/slides/slide57.xml><?xml version="1.0" encoding="utf-8"?>
 <p:sld xmlns:a="http://schemas.openxmlformats.org/drawingml/2006/main" xmlns:r="http://schemas.openxmlformats.org/officeDocument/2006/relationships" xmlns:p="http://schemas.openxmlformats.org/presentationml/2006/main">
   <p:cSld>
     <p:spTree>
@@ -35149,11 +35468,7 @@
             </a:pPr>
             <a:r>
               <a:rPr lang="en-US" sz="1800" dirty="0" smtClean="0"/>
-              <a:t>Interrupt </a:t>
-            </a:r>
-            <a:r>
-              <a:rPr lang="en-US" sz="1800" dirty="0" smtClean="0"/>
-              <a:t>Controller for </a:t>
+              <a:t>Interrupt Controller for </a:t>
             </a:r>
             <a:br>
               <a:rPr lang="en-US" sz="1800" dirty="0" smtClean="0"/>
@@ -38031,15 +38346,7 @@
           <a:p>
             <a:r>
               <a:rPr lang="en-US" dirty="0" smtClean="0"/>
-              <a:t>In between there Is scratch pad memory </a:t>
-            </a:r>
-            <a:r>
-              <a:rPr lang="en-US" dirty="0" smtClean="0"/>
-              <a:t>  </a:t>
-            </a:r>
-            <a:r>
-              <a:rPr lang="en-US" dirty="0" smtClean="0"/>
-              <a:t>(3 banks, 30 32-bit registers)</a:t>
+              <a:t>In between there Is scratch pad memory   (3 banks, 30 32-bit registers)</a:t>
             </a:r>
           </a:p>
           <a:p>

--- a/preliminary/Working/presentations/Sitara/PRU in Sitara Device.pptx
+++ b/preliminary/Working/presentations/Sitara/PRU in Sitara Device.pptx
@@ -5,7 +5,7 @@
     <p:sldMasterId id="2147483648" r:id="rId1"/>
   </p:sldMasterIdLst>
   <p:notesMasterIdLst>
-    <p:notesMasterId r:id="rId59"/>
+    <p:notesMasterId r:id="rId60"/>
   </p:notesMasterIdLst>
   <p:sldIdLst>
     <p:sldId id="336" r:id="rId2"/>
@@ -50,11 +50,11 @@
     <p:sldId id="313" r:id="rId41"/>
     <p:sldId id="314" r:id="rId42"/>
     <p:sldId id="315" r:id="rId43"/>
-    <p:sldId id="311" r:id="rId44"/>
-    <p:sldId id="303" r:id="rId45"/>
-    <p:sldId id="305" r:id="rId46"/>
-    <p:sldId id="306" r:id="rId47"/>
-    <p:sldId id="307" r:id="rId48"/>
+    <p:sldId id="340" r:id="rId44"/>
+    <p:sldId id="341" r:id="rId45"/>
+    <p:sldId id="342" r:id="rId46"/>
+    <p:sldId id="305" r:id="rId47"/>
+    <p:sldId id="343" r:id="rId48"/>
     <p:sldId id="309" r:id="rId49"/>
     <p:sldId id="310" r:id="rId50"/>
     <p:sldId id="282" r:id="rId51"/>
@@ -65,9 +65,10 @@
     <p:sldId id="286" r:id="rId56"/>
     <p:sldId id="287" r:id="rId57"/>
     <p:sldId id="322" r:id="rId58"/>
+    <p:sldId id="344" r:id="rId59"/>
   </p:sldIdLst>
   <p:sldSz cx="9144000" cy="6858000" type="screen4x3"/>
-  <p:notesSz cx="6858000" cy="9144000"/>
+  <p:notesSz cx="7023100" cy="9309100"/>
   <p:defaultTextStyle>
     <a:defPPr>
       <a:defRPr lang="en-US"/>
@@ -201,14 +202,14 @@
         <p:spPr>
           <a:xfrm>
             <a:off x="0" y="0"/>
-            <a:ext cx="2971800" cy="457200"/>
+            <a:ext cx="3043343" cy="465455"/>
           </a:xfrm>
           <a:prstGeom prst="rect">
             <a:avLst/>
           </a:prstGeom>
         </p:spPr>
         <p:txBody>
-          <a:bodyPr vert="horz" lIns="91440" tIns="45720" rIns="91440" bIns="45720" rtlCol="0"/>
+          <a:bodyPr vert="horz" lIns="93324" tIns="46662" rIns="93324" bIns="46662" rtlCol="0"/>
           <a:lstStyle>
             <a:lvl1pPr algn="l">
               <a:defRPr sz="1200"/>
@@ -231,15 +232,15 @@
         </p:nvSpPr>
         <p:spPr>
           <a:xfrm>
-            <a:off x="3884613" y="0"/>
-            <a:ext cx="2971800" cy="457200"/>
+            <a:off x="3978132" y="0"/>
+            <a:ext cx="3043343" cy="465455"/>
           </a:xfrm>
           <a:prstGeom prst="rect">
             <a:avLst/>
           </a:prstGeom>
         </p:spPr>
         <p:txBody>
-          <a:bodyPr vert="horz" lIns="91440" tIns="45720" rIns="91440" bIns="45720" rtlCol="0"/>
+          <a:bodyPr vert="horz" lIns="93324" tIns="46662" rIns="93324" bIns="46662" rtlCol="0"/>
           <a:lstStyle>
             <a:lvl1pPr algn="r">
               <a:defRPr sz="1200"/>
@@ -248,7 +249,7 @@
           <a:p>
             <a:fld id="{8175A721-DFAB-4E45-89A8-776EFE3A7B3A}" type="datetimeFigureOut">
               <a:rPr lang="en-US" smtClean="0"/>
-              <a:t>11/6/2014</a:t>
+              <a:t>11/7/2014</a:t>
             </a:fld>
             <a:endParaRPr lang="en-US" dirty="0"/>
           </a:p>
@@ -266,8 +267,8 @@
         </p:nvSpPr>
         <p:spPr>
           <a:xfrm>
-            <a:off x="1143000" y="685800"/>
-            <a:ext cx="4572000" cy="3429000"/>
+            <a:off x="1184275" y="698500"/>
+            <a:ext cx="4654550" cy="3490913"/>
           </a:xfrm>
           <a:prstGeom prst="rect">
             <a:avLst/>
@@ -280,7 +281,7 @@
           </a:ln>
         </p:spPr>
         <p:txBody>
-          <a:bodyPr vert="horz" lIns="91440" tIns="45720" rIns="91440" bIns="45720" rtlCol="0" anchor="ctr"/>
+          <a:bodyPr vert="horz" lIns="93324" tIns="46662" rIns="93324" bIns="46662" rtlCol="0" anchor="ctr"/>
           <a:lstStyle/>
           <a:p>
             <a:endParaRPr lang="en-US" dirty="0"/>
@@ -299,15 +300,15 @@
         </p:nvSpPr>
         <p:spPr>
           <a:xfrm>
-            <a:off x="685800" y="4343400"/>
-            <a:ext cx="5486400" cy="4114800"/>
+            <a:off x="702310" y="4421823"/>
+            <a:ext cx="5618480" cy="4189095"/>
           </a:xfrm>
           <a:prstGeom prst="rect">
             <a:avLst/>
           </a:prstGeom>
         </p:spPr>
         <p:txBody>
-          <a:bodyPr vert="horz" lIns="91440" tIns="45720" rIns="91440" bIns="45720" rtlCol="0"/>
+          <a:bodyPr vert="horz" lIns="93324" tIns="46662" rIns="93324" bIns="46662" rtlCol="0"/>
           <a:lstStyle/>
           <a:p>
             <a:pPr lvl="0"/>
@@ -359,15 +360,15 @@
         </p:nvSpPr>
         <p:spPr>
           <a:xfrm>
-            <a:off x="0" y="8685213"/>
-            <a:ext cx="2971800" cy="457200"/>
+            <a:off x="0" y="8842029"/>
+            <a:ext cx="3043343" cy="465455"/>
           </a:xfrm>
           <a:prstGeom prst="rect">
             <a:avLst/>
           </a:prstGeom>
         </p:spPr>
         <p:txBody>
-          <a:bodyPr vert="horz" lIns="91440" tIns="45720" rIns="91440" bIns="45720" rtlCol="0" anchor="b"/>
+          <a:bodyPr vert="horz" lIns="93324" tIns="46662" rIns="93324" bIns="46662" rtlCol="0" anchor="b"/>
           <a:lstStyle>
             <a:lvl1pPr algn="l">
               <a:defRPr sz="1200"/>
@@ -390,15 +391,15 @@
         </p:nvSpPr>
         <p:spPr>
           <a:xfrm>
-            <a:off x="3884613" y="8685213"/>
-            <a:ext cx="2971800" cy="457200"/>
+            <a:off x="3978132" y="8842029"/>
+            <a:ext cx="3043343" cy="465455"/>
           </a:xfrm>
           <a:prstGeom prst="rect">
             <a:avLst/>
           </a:prstGeom>
         </p:spPr>
         <p:txBody>
-          <a:bodyPr vert="horz" lIns="91440" tIns="45720" rIns="91440" bIns="45720" rtlCol="0" anchor="b"/>
+          <a:bodyPr vert="horz" lIns="93324" tIns="46662" rIns="93324" bIns="46662" rtlCol="0" anchor="b"/>
           <a:lstStyle>
             <a:lvl1pPr algn="r">
               <a:defRPr sz="1200"/>
@@ -560,10 +561,6 @@
           <a:bodyPr/>
           <a:lstStyle/>
           <a:p>
-            <a:pPr marL="0" indent="0">
-              <a:buFontTx/>
-              <a:buNone/>
-            </a:pPr>
             <a:r>
               <a:rPr lang="en-US" dirty="0" smtClean="0"/>
               <a:t>- ARM</a:t>
@@ -574,10 +571,6 @@
             </a:r>
           </a:p>
           <a:p>
-            <a:pPr marL="0" indent="0">
-              <a:buFontTx/>
-              <a:buNone/>
-            </a:pPr>
             <a:r>
               <a:rPr lang="en-US" dirty="0" smtClean="0"/>
               <a:t>- High Performance != Real</a:t>
@@ -607,7 +600,7 @@
           <a:p>
             <a:fld id="{A4701F91-29EB-40D2-B9D7-8C42FB260373}" type="datetime1">
               <a:rPr lang="en-US" smtClean="0"/>
-              <a:t>11/6/2014</a:t>
+              <a:t>11/7/2014</a:t>
             </a:fld>
             <a:endParaRPr lang="en-US" dirty="0"/>
           </a:p>
@@ -721,29 +714,13 @@
           </a:p>
           <a:p>
             <a:r>
-              <a:rPr lang="en-US" sz="1200" kern="1200" dirty="0" smtClean="0">
-                <a:solidFill>
-                  <a:schemeClr val="tx1"/>
-                </a:solidFill>
-                <a:effectLst/>
-                <a:latin typeface="+mn-lt"/>
-                <a:ea typeface="+mn-ea"/>
-                <a:cs typeface="+mn-cs"/>
-              </a:rPr>
+              <a:rPr lang="en-US" dirty="0"/>
               <a:t>The industrial ethernet peripheral (IEP) is intended to do the hardware work required for industrial ethernet</a:t>
             </a:r>
           </a:p>
           <a:p>
             <a:r>
-              <a:rPr lang="en-US" sz="1200" kern="1200" dirty="0" smtClean="0">
-                <a:solidFill>
-                  <a:schemeClr val="tx1"/>
-                </a:solidFill>
-                <a:effectLst/>
-                <a:latin typeface="+mn-lt"/>
-                <a:ea typeface="+mn-ea"/>
-                <a:cs typeface="+mn-cs"/>
-              </a:rPr>
+              <a:rPr lang="en-US" dirty="0"/>
               <a:t>functions. The IEP module features an industrial ethernet timer with eight compare events</a:t>
             </a:r>
           </a:p>
@@ -853,7 +830,7 @@
           <a:p>
             <a:fld id="{51E15663-ABC3-4907-8BC5-ADC9FA984BB7}" type="datetime1">
               <a:rPr lang="en-US" smtClean="0"/>
-              <a:t>11/6/2014</a:t>
+              <a:t>11/7/2014</a:t>
             </a:fld>
             <a:endParaRPr lang="en-US" dirty="0"/>
           </a:p>
@@ -923,8 +900,8 @@
         </p:nvSpPr>
         <p:spPr bwMode="auto">
           <a:xfrm>
-            <a:off x="3885903" y="8687405"/>
-            <a:ext cx="2972097" cy="456595"/>
+            <a:off x="3979453" y="8844261"/>
+            <a:ext cx="3043647" cy="464839"/>
           </a:xfrm>
           <a:prstGeom prst="rect">
             <a:avLst/>
@@ -954,7 +931,7 @@
           </a:extLst>
         </p:spPr>
         <p:txBody>
-          <a:bodyPr lIns="91177" tIns="45589" rIns="91177" bIns="45589" anchor="b"/>
+          <a:bodyPr lIns="93055" tIns="46528" rIns="93055" bIns="46528" anchor="b"/>
           <a:lstStyle>
             <a:lvl1pPr defTabSz="963613" eaLnBrk="0" hangingPunct="0">
               <a:defRPr>
@@ -1078,8 +1055,8 @@
         </p:nvSpPr>
         <p:spPr bwMode="auto">
           <a:xfrm>
-            <a:off x="3884414" y="8685894"/>
-            <a:ext cx="2972098" cy="456595"/>
+            <a:off x="3977927" y="8842723"/>
+            <a:ext cx="3043649" cy="464839"/>
           </a:xfrm>
           <a:prstGeom prst="rect">
             <a:avLst/>
@@ -1109,7 +1086,7 @@
           </a:extLst>
         </p:spPr>
         <p:txBody>
-          <a:bodyPr lIns="91427" tIns="45714" rIns="91427" bIns="45714" anchor="b"/>
+          <a:bodyPr lIns="93310" tIns="46656" rIns="93310" bIns="46656" anchor="b"/>
           <a:lstStyle>
             <a:lvl1pPr defTabSz="966788" eaLnBrk="0" hangingPunct="0">
               <a:defRPr>
@@ -1235,8 +1212,8 @@
         </p:nvSpPr>
         <p:spPr>
           <a:xfrm>
-            <a:off x="1144588" y="687388"/>
-            <a:ext cx="4568825" cy="3427412"/>
+            <a:off x="1185863" y="700088"/>
+            <a:ext cx="4651375" cy="3489325"/>
           </a:xfrm>
           <a:ln/>
         </p:spPr>
@@ -1253,13 +1230,13 @@
         </p:nvSpPr>
         <p:spPr>
           <a:xfrm>
-            <a:off x="916781" y="4342191"/>
-            <a:ext cx="5024438" cy="4113893"/>
+            <a:off x="938852" y="4420592"/>
+            <a:ext cx="5145397" cy="4188172"/>
           </a:xfrm>
           <a:noFill/>
         </p:spPr>
         <p:txBody>
-          <a:bodyPr lIns="91427" tIns="45714" rIns="91427" bIns="45714"/>
+          <a:bodyPr lIns="93310" tIns="46656" rIns="93310" bIns="46656"/>
           <a:lstStyle/>
           <a:p>
             <a:pPr eaLnBrk="1" hangingPunct="1">
@@ -1954,73 +1931,25 @@
           </a:p>
           <a:p>
             <a:r>
-              <a:rPr lang="en-US" sz="1200" b="1" kern="1200" dirty="0" smtClean="0">
-                <a:solidFill>
-                  <a:schemeClr val="tx1"/>
-                </a:solidFill>
-                <a:effectLst/>
-                <a:latin typeface="+mn-lt"/>
-                <a:ea typeface="+mn-ea"/>
-                <a:cs typeface="+mn-cs"/>
-              </a:rPr>
+              <a:rPr lang="en-US" b="1" dirty="0"/>
               <a:t>The PRU enhanced GPIO are much faster as the PRU does access the pin directly.</a:t>
             </a:r>
             <a:br>
-              <a:rPr lang="en-US" sz="1200" b="1" kern="1200" dirty="0" smtClean="0">
-                <a:solidFill>
-                  <a:schemeClr val="tx1"/>
-                </a:solidFill>
-                <a:effectLst/>
-                <a:latin typeface="+mn-lt"/>
-                <a:ea typeface="+mn-ea"/>
-                <a:cs typeface="+mn-cs"/>
-              </a:rPr>
+              <a:rPr lang="en-US" b="1" dirty="0"/>
             </a:br>
             <a:r>
-              <a:rPr lang="en-US" sz="1200" b="1" kern="1200" dirty="0" smtClean="0">
-                <a:solidFill>
-                  <a:schemeClr val="tx1"/>
-                </a:solidFill>
-                <a:effectLst/>
-                <a:latin typeface="+mn-lt"/>
-                <a:ea typeface="+mn-ea"/>
-                <a:cs typeface="+mn-cs"/>
-              </a:rPr>
+              <a:rPr lang="en-US" b="1" dirty="0"/>
               <a:t>We physically use the same physical pins but used a different pinmux option.</a:t>
             </a:r>
             <a:br>
-              <a:rPr lang="en-US" sz="1200" b="1" kern="1200" dirty="0" smtClean="0">
-                <a:solidFill>
-                  <a:schemeClr val="tx1"/>
-                </a:solidFill>
-                <a:effectLst/>
-                <a:latin typeface="+mn-lt"/>
-                <a:ea typeface="+mn-ea"/>
-                <a:cs typeface="+mn-cs"/>
-              </a:rPr>
+              <a:rPr lang="en-US" b="1" dirty="0"/>
             </a:br>
             <a:r>
-              <a:rPr lang="en-US" sz="1200" b="1" kern="1200" dirty="0" smtClean="0">
-                <a:solidFill>
-                  <a:schemeClr val="tx1"/>
-                </a:solidFill>
-                <a:effectLst/>
-                <a:latin typeface="+mn-lt"/>
-                <a:ea typeface="+mn-ea"/>
-                <a:cs typeface="+mn-cs"/>
-              </a:rPr>
+              <a:rPr lang="en-US" b="1" dirty="0"/>
               <a:t>The below picture show the differences between the two setup:</a:t>
             </a:r>
             <a:br>
-              <a:rPr lang="en-US" sz="1200" b="1" kern="1200" dirty="0" smtClean="0">
-                <a:solidFill>
-                  <a:schemeClr val="tx1"/>
-                </a:solidFill>
-                <a:effectLst/>
-                <a:latin typeface="+mn-lt"/>
-                <a:ea typeface="+mn-ea"/>
-                <a:cs typeface="+mn-cs"/>
-              </a:rPr>
+              <a:rPr lang="en-US" b="1" dirty="0"/>
             </a:br>
             <a:endParaRPr lang="en-US" dirty="0" smtClean="0"/>
           </a:p>
@@ -2050,7 +1979,7 @@
           <a:p>
             <a:fld id="{A2E0F6EB-8074-47DC-B3A3-4A9DB8A85AA3}" type="datetime1">
               <a:rPr lang="en-US" smtClean="0"/>
-              <a:t>11/6/2014</a:t>
+              <a:t>11/7/2014</a:t>
             </a:fld>
             <a:endParaRPr lang="en-US" dirty="0"/>
           </a:p>
@@ -2158,7 +2087,7 @@
           <a:p>
             <a:fld id="{12E0C451-B760-44FC-ABFA-E0ADABCAE2A2}" type="datetime1">
               <a:rPr lang="en-US" smtClean="0"/>
-              <a:t>11/6/2014</a:t>
+              <a:t>11/7/2014</a:t>
             </a:fld>
             <a:endParaRPr lang="en-US" dirty="0"/>
           </a:p>
@@ -2246,30 +2175,15 @@
           <a:lstStyle/>
           <a:p>
             <a:r>
-              <a:rPr lang="en-US" sz="1200" kern="1200" dirty="0" smtClean="0">
-                <a:solidFill>
-                  <a:schemeClr val="tx1"/>
-                </a:solidFill>
-                <a:latin typeface="+mn-lt"/>
-                <a:ea typeface="+mn-ea"/>
-                <a:cs typeface="+mn-cs"/>
-              </a:rPr>
+              <a:rPr lang="en-US" dirty="0"/>
               <a:t>/* Clear SYSCFG[STANDBY_INIT] to enable OCP master port */</a:t>
             </a:r>
           </a:p>
           <a:p>
             <a:r>
-              <a:rPr lang="en-US" sz="1200" kern="1200" dirty="0" smtClean="0">
-                <a:solidFill>
-                  <a:schemeClr val="tx1"/>
-                </a:solidFill>
-                <a:latin typeface="+mn-lt"/>
-                <a:ea typeface="+mn-ea"/>
-                <a:cs typeface="+mn-cs"/>
-              </a:rPr>
+              <a:rPr lang="en-US" dirty="0"/>
               <a:t>CT_CFG.SYSCFG_bit.STANDBY_INIT = 0;</a:t>
             </a:r>
-            <a:endParaRPr lang="en-US" dirty="0"/>
           </a:p>
         </p:txBody>
       </p:sp>
@@ -2390,7 +2304,7 @@
           <a:p>
             <a:fld id="{44180B62-1E4E-4603-B1AA-ED4D2BC6A1E5}" type="datetime1">
               <a:rPr lang="en-US" smtClean="0"/>
-              <a:t>11/6/2014</a:t>
+              <a:t>11/7/2014</a:t>
             </a:fld>
             <a:endParaRPr lang="en-US" dirty="0"/>
           </a:p>
@@ -2706,7 +2620,7 @@
           <a:bodyPr/>
           <a:lstStyle/>
           <a:p>
-            <a:pPr marL="171450" indent="-171450">
+            <a:pPr marL="174982" indent="-174982">
               <a:buFontTx/>
               <a:buChar char="-"/>
             </a:pPr>
@@ -2716,7 +2630,7 @@
             </a:r>
           </a:p>
           <a:p>
-            <a:pPr marL="171450" indent="-171450">
+            <a:pPr marL="174982" indent="-174982">
               <a:buFontTx/>
               <a:buChar char="-"/>
             </a:pPr>
@@ -2731,10 +2645,6 @@
             <a:endParaRPr lang="en-US" dirty="0" smtClean="0"/>
           </a:p>
           <a:p>
-            <a:pPr marL="0" indent="0">
-              <a:buFontTx/>
-              <a:buNone/>
-            </a:pPr>
             <a:r>
               <a:rPr lang="en-US" dirty="0" smtClean="0"/>
               <a:t>-  </a:t>
@@ -2746,7 +2656,7 @@
             <a:endParaRPr lang="en-US" dirty="0" smtClean="0"/>
           </a:p>
           <a:p>
-            <a:pPr marL="171450" indent="-171450">
+            <a:pPr marL="174982" indent="-174982">
               <a:buFontTx/>
               <a:buChar char="-"/>
             </a:pPr>
@@ -2771,7 +2681,7 @@
           <a:p>
             <a:fld id="{A4701F91-29EB-40D2-B9D7-8C42FB260373}" type="datetime1">
               <a:rPr lang="en-US" smtClean="0"/>
-              <a:t>11/6/2014</a:t>
+              <a:t>11/7/2014</a:t>
             </a:fld>
             <a:endParaRPr lang="en-US" dirty="0"/>
           </a:p>
@@ -2807,6 +2717,90 @@
         <p14:creationId xmlns:p14="http://schemas.microsoft.com/office/powerpoint/2010/main" val="128245134"/>
       </p:ext>
     </p:extLst>
+  </p:cSld>
+  <p:clrMapOvr>
+    <a:masterClrMapping/>
+  </p:clrMapOvr>
+</p:notes>
+</file>
+
+<file path=ppt/notesSlides/notesSlide20.xml><?xml version="1.0" encoding="utf-8"?>
+<p:notes xmlns:a="http://schemas.openxmlformats.org/drawingml/2006/main" xmlns:r="http://schemas.openxmlformats.org/officeDocument/2006/relationships" xmlns:p="http://schemas.openxmlformats.org/presentationml/2006/main">
+  <p:cSld>
+    <p:spTree>
+      <p:nvGrpSpPr>
+        <p:cNvPr id="1" name=""/>
+        <p:cNvGrpSpPr/>
+        <p:nvPr/>
+      </p:nvGrpSpPr>
+      <p:grpSpPr>
+        <a:xfrm>
+          <a:off x="0" y="0"/>
+          <a:ext cx="0" cy="0"/>
+          <a:chOff x="0" y="0"/>
+          <a:chExt cx="0" cy="0"/>
+        </a:xfrm>
+      </p:grpSpPr>
+      <p:sp>
+        <p:nvSpPr>
+          <p:cNvPr id="7" name="Rectangle 7"/>
+          <p:cNvSpPr>
+            <a:spLocks noGrp="1" noChangeArrowheads="1"/>
+          </p:cNvSpPr>
+          <p:nvPr>
+            <p:ph type="sldNum" sz="quarter" idx="5"/>
+          </p:nvPr>
+        </p:nvSpPr>
+        <p:spPr>
+          <a:ln/>
+        </p:spPr>
+        <p:txBody>
+          <a:bodyPr/>
+          <a:lstStyle/>
+          <a:p>
+            <a:fld id="{59EAE9B4-13B3-4257-B5DB-68F933689ECC}" type="slidenum">
+              <a:rPr lang="en-US"/>
+              <a:pPr/>
+              <a:t>58</a:t>
+            </a:fld>
+            <a:endParaRPr lang="en-US" dirty="0"/>
+          </a:p>
+        </p:txBody>
+      </p:sp>
+      <p:sp>
+        <p:nvSpPr>
+          <p:cNvPr id="80898" name="Rectangle 2"/>
+          <p:cNvSpPr>
+            <a:spLocks noGrp="1" noRot="1" noChangeAspect="1" noChangeArrowheads="1" noTextEdit="1"/>
+          </p:cNvSpPr>
+          <p:nvPr>
+            <p:ph type="sldImg"/>
+          </p:nvPr>
+        </p:nvSpPr>
+        <p:spPr>
+          <a:ln/>
+        </p:spPr>
+      </p:sp>
+      <p:sp>
+        <p:nvSpPr>
+          <p:cNvPr id="80899" name="Rectangle 3"/>
+          <p:cNvSpPr>
+            <a:spLocks noGrp="1" noChangeArrowheads="1"/>
+          </p:cNvSpPr>
+          <p:nvPr>
+            <p:ph type="body" idx="1"/>
+          </p:nvPr>
+        </p:nvSpPr>
+        <p:spPr/>
+        <p:txBody>
+          <a:bodyPr/>
+          <a:lstStyle/>
+          <a:p>
+            <a:endParaRPr lang="en-US" dirty="0"/>
+          </a:p>
+        </p:txBody>
+      </p:sp>
+    </p:spTree>
   </p:cSld>
   <p:clrMapOvr>
     <a:masterClrMapping/>
@@ -2902,7 +2896,7 @@
               </a:lnSpc>
             </a:pPr>
             <a:r>
-              <a:rPr lang="en-US" sz="1600" dirty="0" smtClean="0"/>
+              <a:rPr lang="en-US" sz="1600" dirty="0"/>
               <a:t>AM335x:</a:t>
             </a:r>
           </a:p>
@@ -2913,7 +2907,7 @@
               </a:lnSpc>
             </a:pPr>
             <a:r>
-              <a:rPr lang="en-US" sz="1600" dirty="0" smtClean="0"/>
+              <a:rPr lang="en-US" sz="1600" dirty="0"/>
               <a:t>- 8K Byte instruction RAM   (2K instructions) per core</a:t>
             </a:r>
           </a:p>
@@ -2924,7 +2918,7 @@
               </a:lnSpc>
             </a:pPr>
             <a:r>
-              <a:rPr lang="en-US" sz="1600" dirty="0" smtClean="0"/>
+              <a:rPr lang="en-US" sz="1600" dirty="0"/>
               <a:t>- 8K Bytes data RAM per core</a:t>
             </a:r>
           </a:p>
@@ -2935,7 +2929,7 @@
               </a:lnSpc>
             </a:pPr>
             <a:r>
-              <a:rPr lang="en-US" sz="1600" dirty="0" smtClean="0"/>
+              <a:rPr lang="en-US" sz="1600" dirty="0"/>
               <a:t>- 12K Bytes shared RAM</a:t>
             </a:r>
           </a:p>
@@ -3238,7 +3232,7 @@
               </a:lnSpc>
             </a:pPr>
             <a:r>
-              <a:rPr lang="en-US" sz="1600" dirty="0" smtClean="0"/>
+              <a:rPr lang="en-US" sz="1600" dirty="0"/>
               <a:t>AM335x:</a:t>
             </a:r>
           </a:p>
@@ -3249,7 +3243,7 @@
               </a:lnSpc>
             </a:pPr>
             <a:r>
-              <a:rPr lang="en-US" sz="1600" dirty="0" smtClean="0"/>
+              <a:rPr lang="en-US" sz="1600" dirty="0"/>
               <a:t>- 8K Byte instruction RAM   (2K instructions) per core</a:t>
             </a:r>
           </a:p>
@@ -3260,7 +3254,7 @@
               </a:lnSpc>
             </a:pPr>
             <a:r>
-              <a:rPr lang="en-US" sz="1600" dirty="0" smtClean="0"/>
+              <a:rPr lang="en-US" sz="1600" dirty="0"/>
               <a:t>- 8K Bytes data RAM per core</a:t>
             </a:r>
           </a:p>
@@ -3271,7 +3265,7 @@
               </a:lnSpc>
             </a:pPr>
             <a:r>
-              <a:rPr lang="en-US" sz="1600" dirty="0" smtClean="0"/>
+              <a:rPr lang="en-US" sz="1600" dirty="0"/>
               <a:t>- 12K Bytes shared RAM</a:t>
             </a:r>
           </a:p>
@@ -4094,7 +4088,7 @@
           <a:p>
             <a:fld id="{7B8A4E2A-EC1C-49F2-86AD-0AF2DCEAA54C}" type="datetimeFigureOut">
               <a:rPr lang="en-US" smtClean="0"/>
-              <a:t>11/6/2014</a:t>
+              <a:t>11/7/2014</a:t>
             </a:fld>
             <a:endParaRPr lang="en-US" dirty="0"/>
           </a:p>
@@ -4264,7 +4258,7 @@
           <a:p>
             <a:fld id="{7B8A4E2A-EC1C-49F2-86AD-0AF2DCEAA54C}" type="datetimeFigureOut">
               <a:rPr lang="en-US" smtClean="0"/>
-              <a:t>11/6/2014</a:t>
+              <a:t>11/7/2014</a:t>
             </a:fld>
             <a:endParaRPr lang="en-US" dirty="0"/>
           </a:p>
@@ -4444,7 +4438,7 @@
           <a:p>
             <a:fld id="{7B8A4E2A-EC1C-49F2-86AD-0AF2DCEAA54C}" type="datetimeFigureOut">
               <a:rPr lang="en-US" smtClean="0"/>
-              <a:t>11/6/2014</a:t>
+              <a:t>11/7/2014</a:t>
             </a:fld>
             <a:endParaRPr lang="en-US" dirty="0"/>
           </a:p>
@@ -4614,7 +4608,7 @@
           <a:p>
             <a:fld id="{7B8A4E2A-EC1C-49F2-86AD-0AF2DCEAA54C}" type="datetimeFigureOut">
               <a:rPr lang="en-US" smtClean="0"/>
-              <a:t>11/6/2014</a:t>
+              <a:t>11/7/2014</a:t>
             </a:fld>
             <a:endParaRPr lang="en-US" dirty="0"/>
           </a:p>
@@ -4860,7 +4854,7 @@
           <a:p>
             <a:fld id="{7B8A4E2A-EC1C-49F2-86AD-0AF2DCEAA54C}" type="datetimeFigureOut">
               <a:rPr lang="en-US" smtClean="0"/>
-              <a:t>11/6/2014</a:t>
+              <a:t>11/7/2014</a:t>
             </a:fld>
             <a:endParaRPr lang="en-US" dirty="0"/>
           </a:p>
@@ -5148,7 +5142,7 @@
           <a:p>
             <a:fld id="{7B8A4E2A-EC1C-49F2-86AD-0AF2DCEAA54C}" type="datetimeFigureOut">
               <a:rPr lang="en-US" smtClean="0"/>
-              <a:t>11/6/2014</a:t>
+              <a:t>11/7/2014</a:t>
             </a:fld>
             <a:endParaRPr lang="en-US" dirty="0"/>
           </a:p>
@@ -5570,7 +5564,7 @@
           <a:p>
             <a:fld id="{7B8A4E2A-EC1C-49F2-86AD-0AF2DCEAA54C}" type="datetimeFigureOut">
               <a:rPr lang="en-US" smtClean="0"/>
-              <a:t>11/6/2014</a:t>
+              <a:t>11/7/2014</a:t>
             </a:fld>
             <a:endParaRPr lang="en-US" dirty="0"/>
           </a:p>
@@ -5688,7 +5682,7 @@
           <a:p>
             <a:fld id="{7B8A4E2A-EC1C-49F2-86AD-0AF2DCEAA54C}" type="datetimeFigureOut">
               <a:rPr lang="en-US" smtClean="0"/>
-              <a:t>11/6/2014</a:t>
+              <a:t>11/7/2014</a:t>
             </a:fld>
             <a:endParaRPr lang="en-US" dirty="0"/>
           </a:p>
@@ -5783,7 +5777,7 @@
           <a:p>
             <a:fld id="{7B8A4E2A-EC1C-49F2-86AD-0AF2DCEAA54C}" type="datetimeFigureOut">
               <a:rPr lang="en-US" smtClean="0"/>
-              <a:t>11/6/2014</a:t>
+              <a:t>11/7/2014</a:t>
             </a:fld>
             <a:endParaRPr lang="en-US" dirty="0"/>
           </a:p>
@@ -6060,7 +6054,7 @@
           <a:p>
             <a:fld id="{7B8A4E2A-EC1C-49F2-86AD-0AF2DCEAA54C}" type="datetimeFigureOut">
               <a:rPr lang="en-US" smtClean="0"/>
-              <a:t>11/6/2014</a:t>
+              <a:t>11/7/2014</a:t>
             </a:fld>
             <a:endParaRPr lang="en-US" dirty="0"/>
           </a:p>
@@ -6313,7 +6307,7 @@
           <a:p>
             <a:fld id="{7B8A4E2A-EC1C-49F2-86AD-0AF2DCEAA54C}" type="datetimeFigureOut">
               <a:rPr lang="en-US" smtClean="0"/>
-              <a:t>11/6/2014</a:t>
+              <a:t>11/7/2014</a:t>
             </a:fld>
             <a:endParaRPr lang="en-US" dirty="0"/>
           </a:p>
@@ -6526,7 +6520,7 @@
           <a:p>
             <a:fld id="{7B8A4E2A-EC1C-49F2-86AD-0AF2DCEAA54C}" type="datetimeFigureOut">
               <a:rPr lang="en-US" smtClean="0"/>
-              <a:t>11/6/2014</a:t>
+              <a:t>11/7/2014</a:t>
             </a:fld>
             <a:endParaRPr lang="en-US" dirty="0"/>
           </a:p>
@@ -6921,7 +6915,6 @@
               <a:rPr lang="en-US" dirty="0" smtClean="0"/>
               <a:t>PRU Overview</a:t>
             </a:r>
-            <a:endParaRPr lang="en-US" dirty="0" smtClean="0"/>
           </a:p>
         </p:txBody>
       </p:sp>
@@ -7087,11 +7080,11 @@
   <p:clrMapOvr>
     <a:masterClrMapping/>
   </p:clrMapOvr>
-  <mc:AlternateContent xmlns:mc="http://schemas.openxmlformats.org/markup-compatibility/2006">
-    <mc:Choice xmlns:p14="http://schemas.microsoft.com/office/powerpoint/2010/main" Requires="p14">
+  <mc:AlternateContent xmlns:mc="http://schemas.openxmlformats.org/markup-compatibility/2006" xmlns:p14="http://schemas.microsoft.com/office/powerpoint/2010/main">
+    <mc:Choice Requires="p14">
       <p:transition spd="slow" p14:dur="2000"/>
     </mc:Choice>
-    <mc:Fallback>
+    <mc:Fallback xmlns="">
       <p:transition spd="slow"/>
     </mc:Fallback>
   </mc:AlternateContent>
@@ -7666,7 +7659,7 @@
 </file>
 
 <file path=ppt/slides/slide15.xml><?xml version="1.0" encoding="utf-8"?>
-<p:sld xmlns:a="http://schemas.openxmlformats.org/drawingml/2006/main" xmlns:r="http://schemas.openxmlformats.org/officeDocument/2006/relationships" xmlns:p="http://schemas.openxmlformats.org/presentationml/2006/main" show="0">
+<p:sld xmlns:a="http://schemas.openxmlformats.org/drawingml/2006/main" xmlns:r="http://schemas.openxmlformats.org/officeDocument/2006/relationships" xmlns:p="http://schemas.openxmlformats.org/presentationml/2006/main">
   <p:cSld>
     <p:spTree>
       <p:nvGrpSpPr>
@@ -15704,15 +15697,7 @@
           <a:p>
             <a:r>
               <a:rPr lang="en-US" dirty="0" smtClean="0"/>
-              <a:t>Each PRU sees his </a:t>
-            </a:r>
-            <a:r>
-              <a:rPr lang="en-US" dirty="0" smtClean="0"/>
-              <a:t>RAM </a:t>
-            </a:r>
-            <a:r>
-              <a:rPr lang="en-US" dirty="0" smtClean="0"/>
-              <a:t>at 0x000 0000 and the other one at 0x0000 2000</a:t>
+              <a:t>Each PRU sees his RAM at 0x000 0000 and the other one at 0x0000 2000</a:t>
             </a:r>
             <a:endParaRPr lang="en-US" dirty="0"/>
           </a:p>
@@ -22986,7 +22971,7 @@
         <p:spPr bwMode="auto">
           <a:xfrm>
             <a:off x="4050083" y="4451350"/>
-            <a:ext cx="4763717" cy="1695849"/>
+            <a:ext cx="4763717" cy="1692771"/>
           </a:xfrm>
           <a:prstGeom prst="rect">
             <a:avLst/>
@@ -23153,23 +23138,20 @@
               <a:t>Easily adapt to changing standards or </a:t>
             </a:r>
             <a:r>
-              <a:rPr lang="en-US" sz="1200" b="1" dirty="0">
+              <a:rPr lang="en-US" sz="1200" b="1" dirty="0" smtClean="0">
                 <a:solidFill>
                   <a:srgbClr val="DE0000"/>
                 </a:solidFill>
                 <a:latin typeface="Arial"/>
               </a:rPr>
-              <a:t>create own </a:t>
-            </a:r>
-            <a:r>
-              <a:rPr lang="en-US" sz="1200" dirty="0">
-                <a:solidFill>
-                  <a:srgbClr val="000000"/>
-                </a:solidFill>
-                <a:latin typeface="Arial"/>
-              </a:rPr>
-              <a:t>(requires PRU expertise or 3P help)</a:t>
-            </a:r>
+              <a:t>create</a:t>
+            </a:r>
+            <a:endParaRPr lang="en-US" sz="1200" dirty="0">
+              <a:solidFill>
+                <a:srgbClr val="000000"/>
+              </a:solidFill>
+              <a:latin typeface="Arial"/>
+            </a:endParaRPr>
           </a:p>
           <a:p>
             <a:pPr marL="114300" lvl="1" indent="-114300" defTabSz="622300">
@@ -23189,7 +23171,25 @@
                 </a:solidFill>
                 <a:latin typeface="Arial"/>
               </a:rPr>
-              <a:t>Scalable solution for HMI, PLC and I/O </a:t>
+              <a:t>Scalable solution for </a:t>
+            </a:r>
+            <a:r>
+              <a:rPr lang="en-US" sz="1200" dirty="0" smtClean="0">
+                <a:solidFill>
+                  <a:srgbClr val="000000"/>
+                </a:solidFill>
+                <a:latin typeface="Arial"/>
+              </a:rPr>
+              <a:t>Human Machine Interface,  Programmable Logic Control </a:t>
+            </a:r>
+            <a:r>
+              <a:rPr lang="en-US" sz="1200" dirty="0">
+                <a:solidFill>
+                  <a:srgbClr val="000000"/>
+                </a:solidFill>
+                <a:latin typeface="Arial"/>
+              </a:rPr>
+              <a:t>and I/O </a:t>
             </a:r>
             <a:r>
               <a:rPr lang="en-US" sz="1200" dirty="0" smtClean="0">
@@ -23949,11 +23949,11 @@
   <p:clrMapOvr>
     <a:masterClrMapping/>
   </p:clrMapOvr>
-  <mc:AlternateContent xmlns:mc="http://schemas.openxmlformats.org/markup-compatibility/2006">
-    <mc:Choice xmlns:p14="http://schemas.microsoft.com/office/powerpoint/2010/main" Requires="p14">
+  <mc:AlternateContent xmlns:mc="http://schemas.openxmlformats.org/markup-compatibility/2006" xmlns:p14="http://schemas.microsoft.com/office/powerpoint/2010/main">
+    <mc:Choice Requires="p14">
       <p:transition spd="slow" p14:dur="2000"/>
     </mc:Choice>
-    <mc:Fallback>
+    <mc:Fallback xmlns="">
       <p:transition spd="slow"/>
     </mc:Fallback>
   </mc:AlternateContent>
@@ -24166,11 +24166,6 @@
               </a:rPr>
               <a:t>Bit-Byte Support</a:t>
             </a:r>
-            <a:endParaRPr lang="en-US" sz="3200" dirty="0" smtClean="0">
-              <a:solidFill>
-                <a:srgbClr val="FF0000"/>
-              </a:solidFill>
-            </a:endParaRPr>
           </a:p>
           <a:p>
             <a:pPr algn="ctr"/>
@@ -24201,7 +24196,7 @@
         </p:blipFill>
         <p:spPr bwMode="auto">
           <a:xfrm>
-            <a:off x="180255" y="3048000"/>
+            <a:off x="145619" y="3048000"/>
             <a:ext cx="8677275" cy="2943225"/>
           </a:xfrm>
           <a:prstGeom prst="rect">
@@ -24420,7 +24415,7 @@
 </file>
 
 <file path=ppt/slides/slide39.xml><?xml version="1.0" encoding="utf-8"?>
-<p:sld xmlns:a="http://schemas.openxmlformats.org/drawingml/2006/main" xmlns:r="http://schemas.openxmlformats.org/officeDocument/2006/relationships" xmlns:p="http://schemas.openxmlformats.org/presentationml/2006/main">
+<p:sld xmlns:a="http://schemas.openxmlformats.org/drawingml/2006/main" xmlns:r="http://schemas.openxmlformats.org/officeDocument/2006/relationships" xmlns:p="http://schemas.openxmlformats.org/presentationml/2006/main" show="0">
   <p:cSld>
     <p:spTree>
       <p:nvGrpSpPr>
@@ -24581,6 +24576,14 @@
   <p:clrMapOvr>
     <a:masterClrMapping/>
   </p:clrMapOvr>
+  <mc:AlternateContent xmlns:mc="http://schemas.openxmlformats.org/markup-compatibility/2006" xmlns:p14="http://schemas.microsoft.com/office/powerpoint/2010/main">
+    <mc:Choice Requires="p14">
+      <p:transition spd="slow" p14:dur="2000"/>
+    </mc:Choice>
+    <mc:Fallback xmlns="">
+      <p:transition spd="slow"/>
+    </mc:Fallback>
+  </mc:AlternateContent>
   <p:timing>
     <p:tnLst>
       <p:par>
@@ -27493,7 +27496,7 @@
             </a:pPr>
             <a:r>
               <a:rPr lang="en-US" sz="2800" dirty="0" smtClean="0"/>
-              <a:t>All development is done from IDE (CCS)</a:t>
+              <a:t>All development can be done from IDE (CCS)</a:t>
             </a:r>
             <a:endParaRPr lang="en-US" sz="2000" dirty="0" smtClean="0"/>
           </a:p>
@@ -27787,63 +27790,6 @@
       </p:grpSpPr>
       <p:sp>
         <p:nvSpPr>
-          <p:cNvPr id="8" name="Rectangle 7"/>
-          <p:cNvSpPr/>
-          <p:nvPr/>
-        </p:nvSpPr>
-        <p:spPr>
-          <a:xfrm>
-            <a:off x="550609" y="5036726"/>
-            <a:ext cx="7924800" cy="1042219"/>
-          </a:xfrm>
-          <a:prstGeom prst="rect">
-            <a:avLst/>
-          </a:prstGeom>
-          <a:solidFill>
-            <a:srgbClr val="FFFF00"/>
-          </a:solidFill>
-          <a:ln>
-            <a:noFill/>
-          </a:ln>
-        </p:spPr>
-        <p:style>
-          <a:lnRef idx="2">
-            <a:schemeClr val="accent1">
-              <a:shade val="50000"/>
-            </a:schemeClr>
-          </a:lnRef>
-          <a:fillRef idx="1">
-            <a:schemeClr val="accent1"/>
-          </a:fillRef>
-          <a:effectRef idx="0">
-            <a:schemeClr val="accent1"/>
-          </a:effectRef>
-          <a:fontRef idx="minor">
-            <a:schemeClr val="lt1"/>
-          </a:fontRef>
-        </p:style>
-        <p:txBody>
-          <a:bodyPr rtlCol="0" anchor="ctr"/>
-          <a:lstStyle/>
-          <a:p>
-            <a:pPr algn="ctr" fontAlgn="base">
-              <a:spcBef>
-                <a:spcPct val="0"/>
-              </a:spcBef>
-              <a:spcAft>
-                <a:spcPct val="0"/>
-              </a:spcAft>
-            </a:pPr>
-            <a:endParaRPr lang="en-US" dirty="0">
-              <a:solidFill>
-                <a:srgbClr val="FFFFFF"/>
-              </a:solidFill>
-            </a:endParaRPr>
-          </a:p>
-        </p:txBody>
-      </p:sp>
-      <p:sp>
-        <p:nvSpPr>
           <p:cNvPr id="2" name="Title 1"/>
           <p:cNvSpPr>
             <a:spLocks noGrp="1"/>
@@ -27852,16 +27798,23 @@
             <p:ph type="title"/>
           </p:nvPr>
         </p:nvSpPr>
-        <p:spPr/>
+        <p:spPr>
+          <a:xfrm>
+            <a:off x="457200" y="274638"/>
+            <a:ext cx="8229600" cy="868362"/>
+          </a:xfrm>
+        </p:spPr>
         <p:txBody>
-          <a:bodyPr/>
+          <a:bodyPr>
+            <a:normAutofit/>
+          </a:bodyPr>
           <a:lstStyle/>
           <a:p>
             <a:r>
-              <a:rPr lang="fr-FR" dirty="0" smtClean="0"/>
-              <a:t>TI PRU CGT Assembler vs PASM</a:t>
-            </a:r>
-            <a:endParaRPr lang="en-US" dirty="0"/>
+              <a:rPr lang="en-US" sz="3600" dirty="0" smtClean="0"/>
+              <a:t>C Compiler</a:t>
+            </a:r>
+            <a:endParaRPr lang="en-US" sz="3600" dirty="0"/>
           </a:p>
         </p:txBody>
       </p:sp>
@@ -27875,279 +27828,91 @@
             <p:ph idx="1"/>
           </p:nvPr>
         </p:nvSpPr>
-        <p:spPr>
-          <a:xfrm>
-            <a:off x="279146" y="954059"/>
-            <a:ext cx="8467725" cy="5189120"/>
-          </a:xfrm>
-        </p:spPr>
+        <p:spPr/>
         <p:txBody>
           <a:bodyPr>
-            <a:normAutofit fontScale="92500"/>
+            <a:normAutofit/>
           </a:bodyPr>
           <a:lstStyle/>
           <a:p>
-            <a:pPr marL="336550" indent="-342900">
-              <a:buFont typeface="Arial" panose="020B0604020202020204" pitchFamily="34" charset="0"/>
-              <a:buChar char="•"/>
-            </a:pPr>
-            <a:r>
-              <a:rPr lang="en-US" b="1" dirty="0" smtClean="0">
-                <a:solidFill>
-                  <a:srgbClr val="FF0000"/>
-                </a:solidFill>
-              </a:rPr>
-              <a:t>Advantages </a:t>
-            </a:r>
-            <a:r>
-              <a:rPr lang="en-US" b="1" dirty="0">
-                <a:solidFill>
-                  <a:srgbClr val="FF0000"/>
-                </a:solidFill>
-              </a:rPr>
-              <a:t>of using TI PRU Assembler over PASM</a:t>
-            </a:r>
-          </a:p>
-          <a:p>
-            <a:pPr marL="695325" lvl="1" indent="-285750">
+            <a:r>
+              <a:rPr lang="en-US" sz="2600" dirty="0" smtClean="0"/>
+              <a:t>Developed and maintained by TI CGT </a:t>
+            </a:r>
+            <a:r>
+              <a:rPr lang="en-US" dirty="0" smtClean="0"/>
+              <a:t>team</a:t>
+            </a:r>
+          </a:p>
+          <a:p>
+            <a:pPr lvl="1"/>
+            <a:r>
+              <a:rPr lang="en-US" dirty="0" smtClean="0"/>
+              <a:t>Remains very similar to other TI compilers</a:t>
+            </a:r>
+          </a:p>
+          <a:p>
+            <a:r>
+              <a:rPr lang="en-US" sz="2600" dirty="0" smtClean="0"/>
+              <a:t>Full support of C/C++</a:t>
+            </a:r>
+          </a:p>
+          <a:p>
+            <a:pPr marL="227013" lvl="1" indent="-227013">
               <a:spcBef>
-                <a:spcPct val="15000"/>
-              </a:spcBef>
-              <a:buFont typeface="Arial" panose="020B0604020202020204" pitchFamily="34" charset="0"/>
-              <a:buChar char="•"/>
-            </a:pPr>
-            <a:r>
-              <a:rPr lang="en-US" sz="1400" b="1" dirty="0">
-                <a:solidFill>
-                  <a:srgbClr val="000000"/>
-                </a:solidFill>
-              </a:rPr>
-              <a:t>The biggest advantage is that the TI PRU linker produces ELF files that enable source-level debugging within CCS.  No more debugging in disassembly window!!</a:t>
-            </a:r>
-          </a:p>
-          <a:p>
-            <a:pPr marL="695325" lvl="1" indent="-285750">
-              <a:spcBef>
-                <a:spcPct val="15000"/>
-              </a:spcBef>
-              <a:buFont typeface="Arial" panose="020B0604020202020204" pitchFamily="34" charset="0"/>
-              <a:buChar char="•"/>
-            </a:pPr>
-            <a:r>
-              <a:rPr lang="en-US" sz="1400" b="1" dirty="0">
-                <a:solidFill>
-                  <a:srgbClr val="000000"/>
-                </a:solidFill>
-              </a:rPr>
-              <a:t>The TI PRU assembler uses the same shell as other TI compilers.  Customers only need to learn one set of conventions, directives, etc.</a:t>
-            </a:r>
-          </a:p>
-          <a:p>
-            <a:pPr marL="695325" lvl="1" indent="-285750">
-              <a:spcBef>
-                <a:spcPct val="15000"/>
-              </a:spcBef>
-              <a:buFont typeface="Arial" panose="020B0604020202020204" pitchFamily="34" charset="0"/>
-              <a:buChar char="•"/>
-            </a:pPr>
-            <a:r>
-              <a:rPr lang="en-US" sz="1400" b="1" dirty="0">
-                <a:solidFill>
-                  <a:srgbClr val="000000"/>
-                </a:solidFill>
-              </a:rPr>
-              <a:t>TI PRU assembler will be maintained in the future, while PASM will not be updated anymore. </a:t>
-            </a:r>
-          </a:p>
-          <a:p>
-            <a:pPr marL="695325" lvl="1" indent="-285750">
-              <a:spcBef>
-                <a:spcPct val="15000"/>
-              </a:spcBef>
-              <a:buFont typeface="Arial" panose="020B0604020202020204" pitchFamily="34" charset="0"/>
-              <a:buChar char="•"/>
-            </a:pPr>
-            <a:r>
-              <a:rPr lang="en-US" sz="1400" b="1" dirty="0">
-                <a:solidFill>
-                  <a:srgbClr val="000000"/>
-                </a:solidFill>
-              </a:rPr>
-              <a:t>The TI PRU assembler uses the </a:t>
-            </a:r>
-            <a:r>
-              <a:rPr lang="en-US" sz="1400" b="1" dirty="0" smtClean="0">
-                <a:solidFill>
-                  <a:srgbClr val="000000"/>
-                </a:solidFill>
-              </a:rPr>
-              <a:t>powerful </a:t>
-            </a:r>
-            <a:r>
-              <a:rPr lang="en-US" sz="1400" b="1" dirty="0">
-                <a:solidFill>
-                  <a:srgbClr val="000000"/>
-                </a:solidFill>
-              </a:rPr>
-              <a:t>TI linker which allows more flexibility then PASM and facilitates linking PRU programs with host CPU image for runtime loading and symbol sharing.</a:t>
-            </a:r>
-          </a:p>
-          <a:p>
-            <a:pPr lvl="2">
-              <a:spcBef>
-                <a:spcPct val="15000"/>
-              </a:spcBef>
-              <a:buFont typeface="Arial" panose="020B0604020202020204" pitchFamily="34" charset="0"/>
-              <a:buChar char="•"/>
-            </a:pPr>
-            <a:endParaRPr lang="en-US" sz="1400" b="1" dirty="0">
-              <a:solidFill>
-                <a:srgbClr val="000000"/>
-              </a:solidFill>
-            </a:endParaRPr>
-          </a:p>
-          <a:p>
-            <a:pPr marL="336550" indent="-342900">
-              <a:buFont typeface="Arial" panose="020B0604020202020204" pitchFamily="34" charset="0"/>
-              <a:buChar char="•"/>
-            </a:pPr>
-            <a:r>
-              <a:rPr lang="en-US" b="1" dirty="0">
-                <a:solidFill>
-                  <a:srgbClr val="FF0000"/>
-                </a:solidFill>
-              </a:rPr>
-              <a:t>Disadvantages </a:t>
-            </a:r>
-            <a:r>
-              <a:rPr lang="en-US" b="1" dirty="0" smtClean="0">
-                <a:solidFill>
-                  <a:srgbClr val="FF0000"/>
-                </a:solidFill>
-              </a:rPr>
-              <a:t>of </a:t>
-            </a:r>
-            <a:r>
-              <a:rPr lang="en-US" b="1" dirty="0">
-                <a:solidFill>
-                  <a:srgbClr val="FF0000"/>
-                </a:solidFill>
-              </a:rPr>
-              <a:t>using TI PRU Assembler over PASM</a:t>
-            </a:r>
-          </a:p>
-          <a:p>
-            <a:pPr marL="695325" lvl="1" indent="-285750">
-              <a:spcBef>
-                <a:spcPct val="15000"/>
-              </a:spcBef>
-              <a:buFont typeface="Arial" panose="020B0604020202020204" pitchFamily="34" charset="0"/>
-              <a:buChar char="•"/>
-            </a:pPr>
-            <a:r>
-              <a:rPr lang="en-US" sz="1400" b="1" dirty="0">
-                <a:solidFill>
-                  <a:srgbClr val="000000"/>
-                </a:solidFill>
-              </a:rPr>
-              <a:t>Have to learn new directives if already used to PASM</a:t>
-            </a:r>
-          </a:p>
-          <a:p>
-            <a:pPr marL="695325" lvl="1" indent="-285750">
-              <a:spcBef>
-                <a:spcPct val="15000"/>
-              </a:spcBef>
-              <a:buFont typeface="Arial" panose="020B0604020202020204" pitchFamily="34" charset="0"/>
-              <a:buChar char="•"/>
-            </a:pPr>
-            <a:r>
-              <a:rPr lang="en-US" sz="1400" b="1" dirty="0">
-                <a:solidFill>
-                  <a:srgbClr val="000000"/>
-                </a:solidFill>
-              </a:rPr>
-              <a:t>TI PRU assembler requires more command line options and a linker command file</a:t>
-            </a:r>
-            <a:r>
-              <a:rPr lang="en-US" sz="1400" b="1" dirty="0" smtClean="0">
-                <a:solidFill>
-                  <a:srgbClr val="000000"/>
-                </a:solidFill>
-              </a:rPr>
-              <a:t>.</a:t>
-            </a:r>
-          </a:p>
-          <a:p>
-            <a:pPr marL="695325" lvl="1" indent="-285750">
-              <a:spcBef>
-                <a:spcPct val="15000"/>
-              </a:spcBef>
-              <a:buFont typeface="Arial" panose="020B0604020202020204" pitchFamily="34" charset="0"/>
-              <a:buChar char="•"/>
-            </a:pPr>
-            <a:r>
-              <a:rPr lang="en-US" sz="1400" b="1" dirty="0" smtClean="0">
-                <a:solidFill>
-                  <a:srgbClr val="000000"/>
-                </a:solidFill>
-              </a:rPr>
-              <a:t>Some porting effort required for reusing legacy PASM projects.</a:t>
-            </a:r>
-            <a:endParaRPr lang="en-US" sz="1400" b="1" dirty="0">
-              <a:solidFill>
-                <a:srgbClr val="000000"/>
-              </a:solidFill>
-            </a:endParaRPr>
-          </a:p>
-          <a:p>
-            <a:pPr marL="854075" lvl="2" indent="-165100">
-              <a:spcBef>
-                <a:spcPct val="15000"/>
+                <a:spcPts val="800"/>
               </a:spcBef>
               <a:buFontTx/>
               <a:buChar char="•"/>
             </a:pPr>
-            <a:endParaRPr lang="en-US" sz="1400" b="1" dirty="0">
-              <a:solidFill>
-                <a:srgbClr val="000000"/>
-              </a:solidFill>
-            </a:endParaRPr>
-          </a:p>
-          <a:p>
-            <a:pPr marL="341312" lvl="1" indent="0">
-              <a:buSzTx/>
+            <a:r>
+              <a:rPr lang="en-US" sz="2000" dirty="0"/>
+              <a:t>Adds PRU-specific functionality</a:t>
+            </a:r>
+          </a:p>
+          <a:p>
+            <a:pPr lvl="1"/>
+            <a:r>
+              <a:rPr lang="en-US" sz="2600" dirty="0" smtClean="0"/>
+              <a:t>Can take advantage of PRU architectural features automatically</a:t>
+            </a:r>
+          </a:p>
+          <a:p>
+            <a:pPr lvl="1"/>
+            <a:r>
+              <a:rPr lang="en-US" dirty="0"/>
+              <a:t>Contains several </a:t>
+            </a:r>
+            <a:r>
+              <a:rPr lang="en-US" dirty="0" smtClean="0"/>
+              <a:t>intrinsic</a:t>
+            </a:r>
+          </a:p>
+          <a:p>
+            <a:pPr lvl="2"/>
+            <a:r>
+              <a:rPr lang="en-US" dirty="0" smtClean="0"/>
+              <a:t>List can be found in Compiler documentation</a:t>
+            </a:r>
+          </a:p>
+          <a:p>
+            <a:r>
+              <a:rPr lang="en-US" sz="2600" dirty="0" smtClean="0"/>
+              <a:t>Full instruction-set Assembler for hand-tuned routines </a:t>
+            </a:r>
+          </a:p>
+          <a:p>
+            <a:pPr marL="0" indent="0">
               <a:buNone/>
             </a:pPr>
-            <a:r>
-              <a:rPr lang="en-US" sz="1800" dirty="0">
-                <a:solidFill>
-                  <a:srgbClr val="000000"/>
-                </a:solidFill>
-              </a:rPr>
-              <a:t>There are some differences in the instructions and directives supported TI PRU Assembler versus PASM.  Theses are listed in the TI PRU Compiler package release notes which is located at the root of the install folder.</a:t>
-            </a:r>
-          </a:p>
-          <a:p>
-            <a:pPr marL="854075" lvl="2" indent="-165100">
-              <a:spcBef>
-                <a:spcPct val="15000"/>
-              </a:spcBef>
-              <a:buFontTx/>
-              <a:buChar char="•"/>
-            </a:pPr>
-            <a:endParaRPr lang="en-US" sz="1600" b="1" dirty="0">
-              <a:solidFill>
-                <a:srgbClr val="000000"/>
-              </a:solidFill>
-            </a:endParaRPr>
+            <a:endParaRPr lang="en-US" dirty="0" smtClean="0"/>
           </a:p>
         </p:txBody>
       </p:sp>
     </p:spTree>
     <p:extLst>
       <p:ext uri="{BB962C8B-B14F-4D97-AF65-F5344CB8AC3E}">
-        <p14:creationId xmlns:p14="http://schemas.microsoft.com/office/powerpoint/2010/main" val="859814791"/>
+        <p14:creationId xmlns:p14="http://schemas.microsoft.com/office/powerpoint/2010/main" val="2110903211"/>
       </p:ext>
     </p:extLst>
   </p:cSld>
@@ -28198,7 +27963,7 @@
           <a:p>
             <a:r>
               <a:rPr lang="en-US" dirty="0" smtClean="0"/>
-              <a:t>C Compiler</a:t>
+              <a:t>Coding Considerations</a:t>
             </a:r>
             <a:endParaRPr lang="en-US" dirty="0"/>
           </a:p>
@@ -28216,94 +27981,63 @@
         </p:nvSpPr>
         <p:spPr/>
         <p:txBody>
-          <a:bodyPr>
-            <a:normAutofit fontScale="92500" lnSpcReduction="10000"/>
-          </a:bodyPr>
+          <a:bodyPr/>
           <a:lstStyle/>
           <a:p>
             <a:r>
               <a:rPr lang="en-US" dirty="0" smtClean="0"/>
-              <a:t>Developed and maintained by TI CGT team</a:t>
+              <a:t>There are some “tricks” we have to use to get the compiler to perform some operations</a:t>
             </a:r>
           </a:p>
           <a:p>
             <a:pPr lvl="1"/>
             <a:r>
               <a:rPr lang="en-US" dirty="0" smtClean="0"/>
-              <a:t>Remains very similar to other TI compilers</a:t>
-            </a:r>
-          </a:p>
-          <a:p>
+              <a:t>Variables have to be “mapped” to Constant Table entries</a:t>
+            </a:r>
+          </a:p>
+          <a:p>
+            <a:pPr lvl="1"/>
             <a:r>
               <a:rPr lang="en-US" dirty="0" smtClean="0"/>
-              <a:t>Full support of C/C++</a:t>
-            </a:r>
-          </a:p>
-          <a:p>
-            <a:pPr marL="227013" lvl="1" indent="-227013">
-              <a:spcBef>
-                <a:spcPts val="800"/>
-              </a:spcBef>
-              <a:buFontTx/>
-              <a:buChar char="•"/>
-            </a:pPr>
-            <a:r>
-              <a:rPr lang="en-US" sz="2000" dirty="0"/>
-              <a:t>Adds PRU-specific functionality</a:t>
+              <a:t>The compiler will automatically use the MAC unit if the --hardware_mac switch is passed to it</a:t>
             </a:r>
           </a:p>
           <a:p>
             <a:pPr lvl="1"/>
             <a:r>
               <a:rPr lang="en-US" dirty="0" smtClean="0"/>
-              <a:t>Can take advantage of PRU architectural features automatically</a:t>
+              <a:t>Optimization can be tricky; be sure to mark variables that can change via outside forces (e.g., host, other PRU core) as volatile</a:t>
             </a:r>
           </a:p>
           <a:p>
             <a:pPr lvl="1"/>
-            <a:r>
-              <a:rPr lang="en-US" dirty="0"/>
-              <a:t>Contains several </a:t>
-            </a:r>
-            <a:r>
-              <a:rPr lang="en-US" dirty="0" smtClean="0"/>
-              <a:t>intrinsic</a:t>
-            </a:r>
-          </a:p>
-          <a:p>
-            <a:pPr lvl="2"/>
-            <a:r>
-              <a:rPr lang="en-US" dirty="0" smtClean="0"/>
-              <a:t>List can be found in Compiler documentation</a:t>
-            </a:r>
-          </a:p>
-          <a:p>
-            <a:r>
-              <a:rPr lang="en-US" dirty="0" smtClean="0"/>
-              <a:t>Full instruction-set Assembler for hand-tuned routines </a:t>
-            </a:r>
-          </a:p>
-          <a:p>
             <a:endParaRPr lang="en-US" dirty="0"/>
           </a:p>
           <a:p>
+            <a:pPr lvl="1"/>
             <a:endParaRPr lang="en-US" dirty="0" smtClean="0"/>
-          </a:p>
-          <a:p>
-            <a:endParaRPr lang="en-US" dirty="0"/>
           </a:p>
         </p:txBody>
       </p:sp>
     </p:spTree>
     <p:extLst>
       <p:ext uri="{BB962C8B-B14F-4D97-AF65-F5344CB8AC3E}">
-        <p14:creationId xmlns:p14="http://schemas.microsoft.com/office/powerpoint/2010/main" val="2948680240"/>
+        <p14:creationId xmlns:p14="http://schemas.microsoft.com/office/powerpoint/2010/main" val="3634942926"/>
       </p:ext>
     </p:extLst>
   </p:cSld>
   <p:clrMapOvr>
     <a:masterClrMapping/>
   </p:clrMapOvr>
+  <mc:AlternateContent xmlns:mc="http://schemas.openxmlformats.org/markup-compatibility/2006" xmlns:p14="http://schemas.microsoft.com/office/powerpoint/2010/main">
+    <mc:Choice Requires="p14">
+      <p:transition spd="slow" p14:dur="2000"/>
+    </mc:Choice>
+    <mc:Fallback xmlns="">
+      <p:transition spd="slow"/>
+    </mc:Fallback>
+  </mc:AlternateContent>
   <p:timing>
     <p:tnLst>
       <p:par>
@@ -28348,7 +28082,7 @@
           <a:p>
             <a:r>
               <a:rPr lang="en-US" dirty="0" smtClean="0"/>
-              <a:t>TI PRU CGT Assembly vs C</a:t>
+              <a:t>Coding Considerations</a:t>
             </a:r>
             <a:endParaRPr lang="en-US" dirty="0"/>
           </a:p>
@@ -28366,138 +28100,63 @@
         </p:nvSpPr>
         <p:spPr/>
         <p:txBody>
-          <a:bodyPr>
-            <a:normAutofit fontScale="77500" lnSpcReduction="20000"/>
-          </a:bodyPr>
+          <a:bodyPr/>
           <a:lstStyle/>
           <a:p>
             <a:r>
-              <a:rPr lang="en-US" dirty="0" smtClean="0">
-                <a:solidFill>
-                  <a:srgbClr val="FF0000"/>
-                </a:solidFill>
-              </a:rPr>
-              <a:t>Advantages of coding in Assembly over C</a:t>
+              <a:rPr lang="en-US" dirty="0" smtClean="0"/>
+              <a:t>There are also some limitations</a:t>
             </a:r>
           </a:p>
           <a:p>
             <a:pPr lvl="1"/>
             <a:r>
+              <a:rPr lang="en-US" dirty="0"/>
+              <a:t>The C environment does not know that the final eight CT registers have a variable offset, and thus that feature cannot be easily utilized</a:t>
+            </a:r>
+          </a:p>
+          <a:p>
+            <a:pPr lvl="1"/>
+            <a:r>
               <a:rPr lang="en-US" dirty="0" smtClean="0"/>
-              <a:t>Code can be tweaked to save every last cycle and byte of RAM</a:t>
+              <a:t>The compiler does not currently use the scratchpad for register state saving</a:t>
+            </a:r>
+          </a:p>
+          <a:p>
+            <a:pPr lvl="2"/>
+            <a:r>
+              <a:rPr lang="en-US" dirty="0" smtClean="0"/>
+              <a:t>This support is tentatively planned for a future CGT release</a:t>
             </a:r>
           </a:p>
           <a:p>
             <a:pPr lvl="1"/>
-            <a:r>
-              <a:rPr lang="en-US" dirty="0" smtClean="0"/>
-              <a:t>No need to rely on the compiler to make code </a:t>
-            </a:r>
-            <a:r>
-              <a:rPr lang="en-US" dirty="0" smtClean="0"/>
-              <a:t>efficient</a:t>
-            </a:r>
             <a:endParaRPr lang="en-US" dirty="0" smtClean="0"/>
           </a:p>
           <a:p>
             <a:pPr lvl="1"/>
-            <a:r>
-              <a:rPr lang="en-US" dirty="0" smtClean="0"/>
-              <a:t>Easily make use of scratchpad</a:t>
-            </a:r>
-          </a:p>
-          <a:p>
-            <a:pPr marL="341312" lvl="1" indent="0">
-              <a:buNone/>
-            </a:pPr>
             <a:endParaRPr lang="en-US" dirty="0" smtClean="0"/>
-          </a:p>
-          <a:p>
-            <a:r>
-              <a:rPr lang="en-US" dirty="0" smtClean="0">
-                <a:solidFill>
-                  <a:srgbClr val="FF0000"/>
-                </a:solidFill>
-              </a:rPr>
-              <a:t>Advantages of </a:t>
-            </a:r>
-            <a:r>
-              <a:rPr lang="en-US" dirty="0">
-                <a:solidFill>
-                  <a:srgbClr val="FF0000"/>
-                </a:solidFill>
-              </a:rPr>
-              <a:t>coding in </a:t>
-            </a:r>
-            <a:r>
-              <a:rPr lang="en-US" dirty="0" smtClean="0">
-                <a:solidFill>
-                  <a:srgbClr val="FF0000"/>
-                </a:solidFill>
-              </a:rPr>
-              <a:t>C over Assembly</a:t>
-            </a:r>
-            <a:endParaRPr lang="en-US" dirty="0">
-              <a:solidFill>
-                <a:srgbClr val="FF0000"/>
-              </a:solidFill>
-            </a:endParaRPr>
-          </a:p>
-          <a:p>
-            <a:pPr lvl="1"/>
-            <a:r>
-              <a:rPr lang="en-US" dirty="0"/>
-              <a:t>More code </a:t>
-            </a:r>
-            <a:r>
-              <a:rPr lang="en-US" dirty="0" smtClean="0"/>
-              <a:t>reusability</a:t>
-            </a:r>
-          </a:p>
-          <a:p>
-            <a:pPr lvl="1"/>
-            <a:r>
-              <a:rPr lang="en-US" dirty="0" smtClean="0"/>
-              <a:t>Can directly leverage kernel headers for interaction with kernel drivers</a:t>
-            </a:r>
-          </a:p>
-          <a:p>
-            <a:pPr lvl="1"/>
-            <a:r>
-              <a:rPr lang="en-US" dirty="0" smtClean="0"/>
-              <a:t>Optimizer is extremely intelligent at optimizing routines</a:t>
-            </a:r>
-          </a:p>
-          <a:p>
-            <a:pPr lvl="2"/>
-            <a:r>
-              <a:rPr lang="en-US" dirty="0" smtClean="0"/>
-              <a:t>“Accelerating” math via MAC unit, implementing LOOP instruction, etc.</a:t>
-            </a:r>
-          </a:p>
-          <a:p>
-            <a:pPr lvl="1"/>
-            <a:r>
-              <a:rPr lang="en-US" dirty="0" smtClean="0"/>
-              <a:t>Not mutually exclusive - inline Assembly can be easily added to a C project</a:t>
-            </a:r>
-          </a:p>
-          <a:p>
-            <a:pPr lvl="1"/>
-            <a:endParaRPr lang="en-US" dirty="0"/>
           </a:p>
         </p:txBody>
       </p:sp>
     </p:spTree>
     <p:extLst>
       <p:ext uri="{BB962C8B-B14F-4D97-AF65-F5344CB8AC3E}">
-        <p14:creationId xmlns:p14="http://schemas.microsoft.com/office/powerpoint/2010/main" val="3922463235"/>
+        <p14:creationId xmlns:p14="http://schemas.microsoft.com/office/powerpoint/2010/main" val="3194774550"/>
       </p:ext>
     </p:extLst>
   </p:cSld>
   <p:clrMapOvr>
     <a:masterClrMapping/>
   </p:clrMapOvr>
+  <mc:AlternateContent xmlns:mc="http://schemas.openxmlformats.org/markup-compatibility/2006" xmlns:p14="http://schemas.microsoft.com/office/powerpoint/2010/main">
+    <mc:Choice Requires="p14">
+      <p:transition spd="slow" p14:dur="2000"/>
+    </mc:Choice>
+    <mc:Fallback xmlns="">
+      <p:transition spd="slow"/>
+    </mc:Fallback>
+  </mc:AlternateContent>
   <p:timing>
     <p:tnLst>
       <p:par>
@@ -28509,7 +28168,7 @@
 </file>
 
 <file path=ppt/slides/slide46.xml><?xml version="1.0" encoding="utf-8"?>
-<p:sld xmlns:a="http://schemas.openxmlformats.org/drawingml/2006/main" xmlns:r="http://schemas.openxmlformats.org/officeDocument/2006/relationships" xmlns:p="http://schemas.openxmlformats.org/presentationml/2006/main" show="0">
+<p:sld xmlns:a="http://schemas.openxmlformats.org/drawingml/2006/main" xmlns:r="http://schemas.openxmlformats.org/officeDocument/2006/relationships" xmlns:p="http://schemas.openxmlformats.org/presentationml/2006/main">
   <p:cSld>
     <p:spTree>
       <p:nvGrpSpPr>
@@ -28537,14 +28196,16 @@
         </p:nvSpPr>
         <p:spPr/>
         <p:txBody>
-          <a:bodyPr/>
+          <a:bodyPr>
+            <a:normAutofit/>
+          </a:bodyPr>
           <a:lstStyle/>
           <a:p>
             <a:r>
-              <a:rPr lang="en-US" dirty="0" smtClean="0"/>
-              <a:t>Coding Considerations</a:t>
-            </a:r>
-            <a:endParaRPr lang="en-US" dirty="0"/>
+              <a:rPr lang="en-US" sz="3600" dirty="0" smtClean="0"/>
+              <a:t>CGT C programming and CGT Assembly</a:t>
+            </a:r>
+            <a:endParaRPr lang="en-US" sz="3600" dirty="0"/>
           </a:p>
         </p:txBody>
       </p:sp>
@@ -28560,63 +28221,133 @@
         </p:nvSpPr>
         <p:spPr/>
         <p:txBody>
-          <a:bodyPr/>
+          <a:bodyPr>
+            <a:normAutofit fontScale="77500" lnSpcReduction="20000"/>
+          </a:bodyPr>
           <a:lstStyle/>
           <a:p>
             <a:r>
+              <a:rPr lang="en-US" dirty="0" smtClean="0">
+                <a:solidFill>
+                  <a:srgbClr val="FF0000"/>
+                </a:solidFill>
+              </a:rPr>
+              <a:t>Advantages of coding in Assembly over C</a:t>
+            </a:r>
+          </a:p>
+          <a:p>
+            <a:pPr lvl="1"/>
+            <a:r>
               <a:rPr lang="en-US" dirty="0" smtClean="0"/>
-              <a:t>There are some “tricks” we have to use to get the compiler to perform some operations</a:t>
+              <a:t>Code can be tweaked to save every last cycle and byte of RAM</a:t>
             </a:r>
           </a:p>
           <a:p>
             <a:pPr lvl="1"/>
             <a:r>
               <a:rPr lang="en-US" dirty="0" smtClean="0"/>
-              <a:t>Variables have to be “mapped” to Constant Table entries</a:t>
+              <a:t>No need to rely on the compiler to make code efficient</a:t>
             </a:r>
           </a:p>
           <a:p>
             <a:pPr lvl="1"/>
             <a:r>
               <a:rPr lang="en-US" dirty="0" smtClean="0"/>
-              <a:t>The compiler will automatically use the MAC unit if the --hardware_mac switch is passed to it</a:t>
-            </a:r>
+              <a:t>Easily make use of scratchpad</a:t>
+            </a:r>
+          </a:p>
+          <a:p>
+            <a:pPr marL="341312" lvl="1" indent="0">
+              <a:buNone/>
+            </a:pPr>
+            <a:endParaRPr lang="en-US" dirty="0" smtClean="0"/>
+          </a:p>
+          <a:p>
+            <a:r>
+              <a:rPr lang="en-US" dirty="0" smtClean="0">
+                <a:solidFill>
+                  <a:srgbClr val="FF0000"/>
+                </a:solidFill>
+              </a:rPr>
+              <a:t>Advantages of </a:t>
+            </a:r>
+            <a:r>
+              <a:rPr lang="en-US" dirty="0">
+                <a:solidFill>
+                  <a:srgbClr val="FF0000"/>
+                </a:solidFill>
+              </a:rPr>
+              <a:t>coding in </a:t>
+            </a:r>
+            <a:r>
+              <a:rPr lang="en-US" dirty="0" smtClean="0">
+                <a:solidFill>
+                  <a:srgbClr val="FF0000"/>
+                </a:solidFill>
+              </a:rPr>
+              <a:t>C over Assembly</a:t>
+            </a:r>
+            <a:endParaRPr lang="en-US" dirty="0">
+              <a:solidFill>
+                <a:srgbClr val="FF0000"/>
+              </a:solidFill>
+            </a:endParaRPr>
           </a:p>
           <a:p>
             <a:pPr lvl="1"/>
             <a:r>
+              <a:rPr lang="en-US" dirty="0"/>
+              <a:t>More code </a:t>
+            </a:r>
+            <a:r>
               <a:rPr lang="en-US" dirty="0" smtClean="0"/>
-              <a:t>Optimization can be tricky; be sure to mark variables that can change via outside forces (e.g., host, other PRU core) as volatile</a:t>
+              <a:t>reusability</a:t>
+            </a:r>
+          </a:p>
+          <a:p>
+            <a:pPr lvl="1"/>
+            <a:r>
+              <a:rPr lang="en-US" dirty="0" smtClean="0"/>
+              <a:t>Can directly leverage kernel headers for interaction with kernel drivers</a:t>
+            </a:r>
+          </a:p>
+          <a:p>
+            <a:pPr lvl="1"/>
+            <a:r>
+              <a:rPr lang="en-US" dirty="0" smtClean="0"/>
+              <a:t>Optimizer is extremely intelligent at optimizing routines</a:t>
+            </a:r>
+          </a:p>
+          <a:p>
+            <a:pPr lvl="2"/>
+            <a:r>
+              <a:rPr lang="en-US" dirty="0" smtClean="0"/>
+              <a:t>“Accelerating” math via MAC unit, implementing LOOP instruction, etc.</a:t>
+            </a:r>
+          </a:p>
+          <a:p>
+            <a:pPr lvl="1"/>
+            <a:r>
+              <a:rPr lang="en-US" dirty="0" smtClean="0"/>
+              <a:t>Not mutually exclusive - inline Assembly can be easily added to a C project</a:t>
             </a:r>
           </a:p>
           <a:p>
             <a:pPr lvl="1"/>
             <a:endParaRPr lang="en-US" dirty="0"/>
-          </a:p>
-          <a:p>
-            <a:pPr lvl="1"/>
-            <a:endParaRPr lang="en-US" dirty="0" smtClean="0"/>
           </a:p>
         </p:txBody>
       </p:sp>
     </p:spTree>
     <p:extLst>
       <p:ext uri="{BB962C8B-B14F-4D97-AF65-F5344CB8AC3E}">
-        <p14:creationId xmlns:p14="http://schemas.microsoft.com/office/powerpoint/2010/main" val="1901287150"/>
+        <p14:creationId xmlns:p14="http://schemas.microsoft.com/office/powerpoint/2010/main" val="3922463235"/>
       </p:ext>
     </p:extLst>
   </p:cSld>
   <p:clrMapOvr>
     <a:masterClrMapping/>
   </p:clrMapOvr>
-  <mc:AlternateContent xmlns:mc="http://schemas.openxmlformats.org/markup-compatibility/2006">
-    <mc:Choice xmlns:p14="http://schemas.microsoft.com/office/powerpoint/2010/main" Requires="p14">
-      <p:transition spd="slow" p14:dur="2000"/>
-    </mc:Choice>
-    <mc:Fallback>
-      <p:transition spd="slow"/>
-    </mc:Fallback>
-  </mc:AlternateContent>
   <p:timing>
     <p:tnLst>
       <p:par>
@@ -28646,6 +28377,63 @@
       </p:grpSpPr>
       <p:sp>
         <p:nvSpPr>
+          <p:cNvPr id="8" name="Rectangle 7"/>
+          <p:cNvSpPr/>
+          <p:nvPr/>
+        </p:nvSpPr>
+        <p:spPr>
+          <a:xfrm>
+            <a:off x="550609" y="5036726"/>
+            <a:ext cx="7924800" cy="1042219"/>
+          </a:xfrm>
+          <a:prstGeom prst="rect">
+            <a:avLst/>
+          </a:prstGeom>
+          <a:solidFill>
+            <a:srgbClr val="FFFF00"/>
+          </a:solidFill>
+          <a:ln>
+            <a:noFill/>
+          </a:ln>
+        </p:spPr>
+        <p:style>
+          <a:lnRef idx="2">
+            <a:schemeClr val="accent1">
+              <a:shade val="50000"/>
+            </a:schemeClr>
+          </a:lnRef>
+          <a:fillRef idx="1">
+            <a:schemeClr val="accent1"/>
+          </a:fillRef>
+          <a:effectRef idx="0">
+            <a:schemeClr val="accent1"/>
+          </a:effectRef>
+          <a:fontRef idx="minor">
+            <a:schemeClr val="lt1"/>
+          </a:fontRef>
+        </p:style>
+        <p:txBody>
+          <a:bodyPr rtlCol="0" anchor="ctr"/>
+          <a:lstStyle/>
+          <a:p>
+            <a:pPr algn="ctr" fontAlgn="base">
+              <a:spcBef>
+                <a:spcPct val="0"/>
+              </a:spcBef>
+              <a:spcAft>
+                <a:spcPct val="0"/>
+              </a:spcAft>
+            </a:pPr>
+            <a:endParaRPr lang="en-US" dirty="0">
+              <a:solidFill>
+                <a:srgbClr val="FFFFFF"/>
+              </a:solidFill>
+            </a:endParaRPr>
+          </a:p>
+        </p:txBody>
+      </p:sp>
+      <p:sp>
+        <p:nvSpPr>
           <p:cNvPr id="2" name="Title 1"/>
           <p:cNvSpPr>
             <a:spLocks noGrp="1"/>
@@ -28654,16 +28442,23 @@
             <p:ph type="title"/>
           </p:nvPr>
         </p:nvSpPr>
-        <p:spPr/>
+        <p:spPr>
+          <a:xfrm>
+            <a:off x="457200" y="274638"/>
+            <a:ext cx="8229600" cy="639762"/>
+          </a:xfrm>
+        </p:spPr>
         <p:txBody>
-          <a:bodyPr/>
+          <a:bodyPr>
+            <a:normAutofit fontScale="90000"/>
+          </a:bodyPr>
           <a:lstStyle/>
           <a:p>
             <a:r>
-              <a:rPr lang="en-US" dirty="0" smtClean="0"/>
-              <a:t>Coding Considerations</a:t>
-            </a:r>
-            <a:endParaRPr lang="en-US" dirty="0"/>
+              <a:rPr lang="fr-FR" sz="3600" dirty="0" smtClean="0"/>
+              <a:t>TI PRU CGT Assembler vs PASM</a:t>
+            </a:r>
+            <a:endParaRPr lang="en-US" sz="3600" dirty="0"/>
           </a:p>
         </p:txBody>
       </p:sp>
@@ -28677,62 +28472,306 @@
             <p:ph idx="1"/>
           </p:nvPr>
         </p:nvSpPr>
-        <p:spPr/>
+        <p:spPr>
+          <a:xfrm>
+            <a:off x="279146" y="954059"/>
+            <a:ext cx="8467725" cy="5189120"/>
+          </a:xfrm>
+        </p:spPr>
         <p:txBody>
-          <a:bodyPr/>
+          <a:bodyPr>
+            <a:normAutofit lnSpcReduction="10000"/>
+          </a:bodyPr>
           <a:lstStyle/>
           <a:p>
-            <a:r>
-              <a:rPr lang="en-US" dirty="0" smtClean="0"/>
-              <a:t>There are also some limitations</a:t>
-            </a:r>
-          </a:p>
-          <a:p>
-            <a:pPr lvl="1"/>
-            <a:r>
-              <a:rPr lang="en-US" dirty="0"/>
-              <a:t>The C environment does not know that the final eight CT registers have a variable offset, and thus that feature cannot be easily utilized</a:t>
-            </a:r>
-          </a:p>
-          <a:p>
-            <a:pPr lvl="1"/>
-            <a:r>
-              <a:rPr lang="en-US" dirty="0" smtClean="0"/>
-              <a:t>The compiler does not currently use the scratchpad for register state saving</a:t>
-            </a:r>
-          </a:p>
-          <a:p>
-            <a:pPr lvl="2"/>
-            <a:r>
-              <a:rPr lang="en-US" dirty="0" smtClean="0"/>
-              <a:t>This support is tentatively planned for a future CGT release</a:t>
-            </a:r>
-          </a:p>
-          <a:p>
-            <a:pPr lvl="1"/>
-            <a:endParaRPr lang="en-US" dirty="0" smtClean="0"/>
-          </a:p>
-          <a:p>
-            <a:pPr lvl="1"/>
-            <a:endParaRPr lang="en-US" dirty="0" smtClean="0"/>
+            <a:pPr marL="336550" indent="-342900">
+              <a:buFont typeface="Arial" panose="020B0604020202020204" pitchFamily="34" charset="0"/>
+              <a:buChar char="•"/>
+            </a:pPr>
+            <a:r>
+              <a:rPr lang="en-US" sz="2600" b="1" dirty="0" smtClean="0">
+                <a:solidFill>
+                  <a:srgbClr val="FF0000"/>
+                </a:solidFill>
+              </a:rPr>
+              <a:t>Advantages </a:t>
+            </a:r>
+            <a:r>
+              <a:rPr lang="en-US" sz="2600" b="1" dirty="0">
+                <a:solidFill>
+                  <a:srgbClr val="FF0000"/>
+                </a:solidFill>
+              </a:rPr>
+              <a:t>of using TI PRU </a:t>
+            </a:r>
+            <a:r>
+              <a:rPr lang="en-US" sz="2600" b="1" dirty="0" smtClean="0">
+                <a:solidFill>
+                  <a:srgbClr val="FF0000"/>
+                </a:solidFill>
+              </a:rPr>
+              <a:t>CGT Assembler </a:t>
+            </a:r>
+            <a:r>
+              <a:rPr lang="en-US" sz="2600" b="1" dirty="0">
+                <a:solidFill>
+                  <a:srgbClr val="FF0000"/>
+                </a:solidFill>
+              </a:rPr>
+              <a:t>over PASM</a:t>
+            </a:r>
+          </a:p>
+          <a:p>
+            <a:pPr marL="695325" lvl="1" indent="-285750">
+              <a:spcBef>
+                <a:spcPct val="15000"/>
+              </a:spcBef>
+              <a:buFont typeface="Arial" panose="020B0604020202020204" pitchFamily="34" charset="0"/>
+              <a:buChar char="•"/>
+            </a:pPr>
+            <a:r>
+              <a:rPr lang="en-US" sz="1600" b="1" dirty="0">
+                <a:solidFill>
+                  <a:srgbClr val="000000"/>
+                </a:solidFill>
+              </a:rPr>
+              <a:t>The biggest advantage is that the TI PRU linker produces ELF files that enable source-level debugging within CCS.  No more debugging in disassembly window!!</a:t>
+            </a:r>
+          </a:p>
+          <a:p>
+            <a:pPr marL="695325" lvl="1" indent="-285750">
+              <a:spcBef>
+                <a:spcPct val="15000"/>
+              </a:spcBef>
+              <a:buFont typeface="Arial" panose="020B0604020202020204" pitchFamily="34" charset="0"/>
+              <a:buChar char="•"/>
+            </a:pPr>
+            <a:r>
+              <a:rPr lang="en-US" sz="1600" b="1" dirty="0">
+                <a:solidFill>
+                  <a:srgbClr val="000000"/>
+                </a:solidFill>
+              </a:rPr>
+              <a:t>The TI PRU assembler uses the same shell as other TI compilers.  Customers only need to learn one set of conventions, directives, etc.</a:t>
+            </a:r>
+          </a:p>
+          <a:p>
+            <a:pPr marL="695325" lvl="1" indent="-285750">
+              <a:spcBef>
+                <a:spcPct val="15000"/>
+              </a:spcBef>
+              <a:buFont typeface="Arial" panose="020B0604020202020204" pitchFamily="34" charset="0"/>
+              <a:buChar char="•"/>
+            </a:pPr>
+            <a:r>
+              <a:rPr lang="en-US" sz="1600" b="1" dirty="0">
+                <a:solidFill>
+                  <a:srgbClr val="000000"/>
+                </a:solidFill>
+              </a:rPr>
+              <a:t>TI PRU assembler will be maintained in the future, while PASM will not be updated anymore. </a:t>
+            </a:r>
+          </a:p>
+          <a:p>
+            <a:pPr marL="695325" lvl="1" indent="-285750">
+              <a:spcBef>
+                <a:spcPct val="15000"/>
+              </a:spcBef>
+              <a:buFont typeface="Arial" panose="020B0604020202020204" pitchFamily="34" charset="0"/>
+              <a:buChar char="•"/>
+            </a:pPr>
+            <a:r>
+              <a:rPr lang="en-US" sz="1600" b="1" dirty="0">
+                <a:solidFill>
+                  <a:srgbClr val="000000"/>
+                </a:solidFill>
+              </a:rPr>
+              <a:t>The TI PRU assembler uses the </a:t>
+            </a:r>
+            <a:r>
+              <a:rPr lang="en-US" sz="1600" b="1" dirty="0" smtClean="0">
+                <a:solidFill>
+                  <a:srgbClr val="000000"/>
+                </a:solidFill>
+              </a:rPr>
+              <a:t>powerful </a:t>
+            </a:r>
+            <a:r>
+              <a:rPr lang="en-US" sz="1600" b="1" dirty="0">
+                <a:solidFill>
+                  <a:srgbClr val="000000"/>
+                </a:solidFill>
+              </a:rPr>
+              <a:t>TI linker which allows more flexibility then PASM and facilitates linking PRU programs with host CPU image for runtime loading and symbol sharing.</a:t>
+            </a:r>
+          </a:p>
+          <a:p>
+            <a:pPr lvl="2">
+              <a:spcBef>
+                <a:spcPct val="15000"/>
+              </a:spcBef>
+              <a:buFont typeface="Arial" panose="020B0604020202020204" pitchFamily="34" charset="0"/>
+              <a:buChar char="•"/>
+            </a:pPr>
+            <a:endParaRPr lang="en-US" sz="1600" b="1" dirty="0">
+              <a:solidFill>
+                <a:srgbClr val="000000"/>
+              </a:solidFill>
+            </a:endParaRPr>
+          </a:p>
+          <a:p>
+            <a:pPr marL="336550" indent="-342900">
+              <a:buFont typeface="Arial" panose="020B0604020202020204" pitchFamily="34" charset="0"/>
+              <a:buChar char="•"/>
+            </a:pPr>
+            <a:r>
+              <a:rPr lang="en-US" sz="2400" b="1" dirty="0">
+                <a:solidFill>
+                  <a:srgbClr val="FF0000"/>
+                </a:solidFill>
+              </a:rPr>
+              <a:t>Disadvantages </a:t>
+            </a:r>
+            <a:r>
+              <a:rPr lang="en-US" sz="2400" b="1" dirty="0" smtClean="0">
+                <a:solidFill>
+                  <a:srgbClr val="FF0000"/>
+                </a:solidFill>
+              </a:rPr>
+              <a:t>of </a:t>
+            </a:r>
+            <a:r>
+              <a:rPr lang="en-US" sz="2400" b="1" dirty="0">
+                <a:solidFill>
+                  <a:srgbClr val="FF0000"/>
+                </a:solidFill>
+              </a:rPr>
+              <a:t>using TI PRU Assembler over PASM</a:t>
+            </a:r>
+          </a:p>
+          <a:p>
+            <a:pPr marL="695325" lvl="1" indent="-285750">
+              <a:spcBef>
+                <a:spcPct val="15000"/>
+              </a:spcBef>
+              <a:buFont typeface="Arial" panose="020B0604020202020204" pitchFamily="34" charset="0"/>
+              <a:buChar char="•"/>
+            </a:pPr>
+            <a:r>
+              <a:rPr lang="en-US" sz="1600" b="1" dirty="0">
+                <a:solidFill>
+                  <a:srgbClr val="000000"/>
+                </a:solidFill>
+              </a:rPr>
+              <a:t>Have to learn new directives if already used to PASM</a:t>
+            </a:r>
+          </a:p>
+          <a:p>
+            <a:pPr marL="695325" lvl="1" indent="-285750">
+              <a:spcBef>
+                <a:spcPct val="15000"/>
+              </a:spcBef>
+              <a:buFont typeface="Arial" panose="020B0604020202020204" pitchFamily="34" charset="0"/>
+              <a:buChar char="•"/>
+            </a:pPr>
+            <a:r>
+              <a:rPr lang="en-US" sz="1600" b="1" dirty="0">
+                <a:solidFill>
+                  <a:srgbClr val="000000"/>
+                </a:solidFill>
+              </a:rPr>
+              <a:t>TI PRU assembler requires more command line options and a linker command file</a:t>
+            </a:r>
+            <a:r>
+              <a:rPr lang="en-US" sz="1600" b="1" dirty="0" smtClean="0">
+                <a:solidFill>
+                  <a:srgbClr val="000000"/>
+                </a:solidFill>
+              </a:rPr>
+              <a:t>.</a:t>
+            </a:r>
+          </a:p>
+          <a:p>
+            <a:pPr marL="695325" lvl="1" indent="-285750">
+              <a:spcBef>
+                <a:spcPct val="15000"/>
+              </a:spcBef>
+              <a:buFont typeface="Arial" panose="020B0604020202020204" pitchFamily="34" charset="0"/>
+              <a:buChar char="•"/>
+            </a:pPr>
+            <a:r>
+              <a:rPr lang="en-US" sz="1600" b="1" dirty="0" smtClean="0">
+                <a:solidFill>
+                  <a:srgbClr val="000000"/>
+                </a:solidFill>
+              </a:rPr>
+              <a:t>Some porting effort required for reusing legacy PASM projects.</a:t>
+            </a:r>
+            <a:endParaRPr lang="en-US" sz="1600" b="1" dirty="0">
+              <a:solidFill>
+                <a:srgbClr val="000000"/>
+              </a:solidFill>
+            </a:endParaRPr>
+          </a:p>
+          <a:p>
+            <a:pPr marL="854075" lvl="2" indent="-165100">
+              <a:spcBef>
+                <a:spcPct val="15000"/>
+              </a:spcBef>
+              <a:buFontTx/>
+              <a:buChar char="•"/>
+            </a:pPr>
+            <a:endParaRPr lang="en-US" sz="1400" b="1" dirty="0">
+              <a:solidFill>
+                <a:srgbClr val="000000"/>
+              </a:solidFill>
+            </a:endParaRPr>
+          </a:p>
+          <a:p>
+            <a:pPr marL="341312" lvl="1" indent="0">
+              <a:buSzTx/>
+              <a:buNone/>
+            </a:pPr>
+            <a:r>
+              <a:rPr lang="en-US" sz="1800" dirty="0">
+                <a:solidFill>
+                  <a:srgbClr val="000000"/>
+                </a:solidFill>
+              </a:rPr>
+              <a:t>There are some differences in the instructions and directives supported TI PRU Assembler versus PASM.  Theses are listed in the TI PRU Compiler package release notes which is located at the root of the install folder.</a:t>
+            </a:r>
+          </a:p>
+          <a:p>
+            <a:pPr marL="854075" lvl="2" indent="-165100">
+              <a:spcBef>
+                <a:spcPct val="15000"/>
+              </a:spcBef>
+              <a:buFontTx/>
+              <a:buChar char="•"/>
+            </a:pPr>
+            <a:endParaRPr lang="en-US" sz="1600" b="1" dirty="0">
+              <a:solidFill>
+                <a:srgbClr val="000000"/>
+              </a:solidFill>
+            </a:endParaRPr>
           </a:p>
         </p:txBody>
       </p:sp>
     </p:spTree>
     <p:extLst>
       <p:ext uri="{BB962C8B-B14F-4D97-AF65-F5344CB8AC3E}">
-        <p14:creationId xmlns:p14="http://schemas.microsoft.com/office/powerpoint/2010/main" val="94073413"/>
+        <p14:creationId xmlns:p14="http://schemas.microsoft.com/office/powerpoint/2010/main" val="3926777420"/>
       </p:ext>
     </p:extLst>
   </p:cSld>
   <p:clrMapOvr>
     <a:masterClrMapping/>
   </p:clrMapOvr>
-  <mc:AlternateContent xmlns:mc="http://schemas.openxmlformats.org/markup-compatibility/2006">
-    <mc:Choice xmlns:p14="http://schemas.microsoft.com/office/powerpoint/2010/main" Requires="p14">
+  <mc:AlternateContent xmlns:mc="http://schemas.openxmlformats.org/markup-compatibility/2006" xmlns:p14="http://schemas.microsoft.com/office/powerpoint/2010/main">
+    <mc:Choice Requires="p14">
       <p:transition spd="slow" p14:dur="2000"/>
     </mc:Choice>
-    <mc:Fallback>
+    <mc:Fallback xmlns="">
       <p:transition spd="slow"/>
     </mc:Fallback>
   </mc:AlternateContent>
@@ -28840,7 +28879,7 @@
           <a:p>
             <a:r>
               <a:rPr lang="en-US" sz="2000" dirty="0" smtClean="0"/>
-              <a:t>Developed to allow a user to program at the register-level or at a bit-field level</a:t>
+              <a:t>Allow user to program at the register-level or at a bit-field level</a:t>
             </a:r>
           </a:p>
           <a:p>
@@ -30471,11 +30510,11 @@
   <p:clrMapOvr>
     <a:masterClrMapping/>
   </p:clrMapOvr>
-  <mc:AlternateContent xmlns:mc="http://schemas.openxmlformats.org/markup-compatibility/2006">
-    <mc:Choice xmlns:p14="http://schemas.microsoft.com/office/powerpoint/2010/main" Requires="p14">
+  <mc:AlternateContent xmlns:mc="http://schemas.openxmlformats.org/markup-compatibility/2006" xmlns:p14="http://schemas.microsoft.com/office/powerpoint/2010/main">
+    <mc:Choice Requires="p14">
       <p:transition spd="slow" p14:dur="2000"/>
     </mc:Choice>
-    <mc:Fallback>
+    <mc:Fallback xmlns="">
       <p:transition spd="slow"/>
     </mc:Fallback>
   </mc:AlternateContent>
@@ -33171,14 +33210,14 @@
             <a:pPr lvl="1"/>
             <a:r>
               <a:rPr lang="en-US" sz="2400" dirty="0" smtClean="0"/>
-              <a:t>We will use it to communicate with our virtio device (vdev)</a:t>
+              <a:t>We will use it to communicate with virtio device (vdev)</a:t>
             </a:r>
           </a:p>
           <a:p>
             <a:pPr lvl="2"/>
             <a:r>
               <a:rPr lang="en-US" dirty="0" smtClean="0"/>
-              <a:t>There are several ‘standard’ vdevs, but we only use virtio_ring</a:t>
+              <a:t>There are several ‘standard’ vdevs, but only virtio_ring is used by TI software</a:t>
             </a:r>
           </a:p>
           <a:p>
@@ -33676,6 +33715,149 @@
       </p:par>
     </p:tnLst>
   </p:timing>
+</p:sld>
+</file>
+
+<file path=ppt/slides/slide58.xml><?xml version="1.0" encoding="utf-8"?>
+<p:sld xmlns:a="http://schemas.openxmlformats.org/drawingml/2006/main" xmlns:r="http://schemas.openxmlformats.org/officeDocument/2006/relationships" xmlns:p="http://schemas.openxmlformats.org/presentationml/2006/main">
+  <p:cSld>
+    <p:spTree>
+      <p:nvGrpSpPr>
+        <p:cNvPr id="1" name=""/>
+        <p:cNvGrpSpPr/>
+        <p:nvPr/>
+      </p:nvGrpSpPr>
+      <p:grpSpPr>
+        <a:xfrm>
+          <a:off x="0" y="0"/>
+          <a:ext cx="0" cy="0"/>
+          <a:chOff x="0" y="0"/>
+          <a:chExt cx="0" cy="0"/>
+        </a:xfrm>
+      </p:grpSpPr>
+      <p:sp>
+        <p:nvSpPr>
+          <p:cNvPr id="79874" name="Rectangle 2"/>
+          <p:cNvSpPr>
+            <a:spLocks noGrp="1" noChangeArrowheads="1"/>
+          </p:cNvSpPr>
+          <p:nvPr>
+            <p:ph type="title"/>
+          </p:nvPr>
+        </p:nvSpPr>
+        <p:spPr/>
+        <p:txBody>
+          <a:bodyPr/>
+          <a:lstStyle/>
+          <a:p>
+            <a:r>
+              <a:rPr lang="en-US" dirty="0" smtClean="0"/>
+              <a:t>For More Information</a:t>
+            </a:r>
+            <a:endParaRPr lang="en-US" dirty="0"/>
+          </a:p>
+        </p:txBody>
+      </p:sp>
+      <p:sp>
+        <p:nvSpPr>
+          <p:cNvPr id="79875" name="Rectangle 3"/>
+          <p:cNvSpPr>
+            <a:spLocks noGrp="1" noChangeArrowheads="1"/>
+          </p:cNvSpPr>
+          <p:nvPr>
+            <p:ph type="body" idx="1"/>
+          </p:nvPr>
+        </p:nvSpPr>
+        <p:spPr>
+          <a:xfrm>
+            <a:off x="609600" y="1219200"/>
+            <a:ext cx="7924800" cy="4876800"/>
+          </a:xfrm>
+        </p:spPr>
+        <p:txBody>
+          <a:bodyPr/>
+          <a:lstStyle/>
+          <a:p>
+            <a:endParaRPr lang="en-US" sz="2400" dirty="0" smtClean="0"/>
+          </a:p>
+          <a:p>
+            <a:r>
+              <a:rPr lang="en-US" sz="2400" dirty="0">
+                <a:solidFill>
+                  <a:srgbClr val="FF0000"/>
+                </a:solidFill>
+                <a:hlinkClick r:id="rId3"/>
+              </a:rPr>
+              <a:t>http://</a:t>
+            </a:r>
+            <a:r>
+              <a:rPr lang="en-US" sz="2400" dirty="0" smtClean="0">
+                <a:solidFill>
+                  <a:srgbClr val="FF0000"/>
+                </a:solidFill>
+                <a:hlinkClick r:id="rId3"/>
+              </a:rPr>
+              <a:t>processors.wiki.ti.com/index.php/Sitara_Linux_SDK_Getting_Started_Guide</a:t>
+            </a:r>
+            <a:endParaRPr lang="en-US" sz="2400" dirty="0" smtClean="0">
+              <a:solidFill>
+                <a:srgbClr val="FF0000"/>
+              </a:solidFill>
+            </a:endParaRPr>
+          </a:p>
+          <a:p>
+            <a:r>
+              <a:rPr lang="en-US" sz="2400" dirty="0">
+                <a:hlinkClick r:id="rId4"/>
+              </a:rPr>
+              <a:t>http</a:t>
+            </a:r>
+            <a:r>
+              <a:rPr lang="en-US" sz="2400">
+                <a:hlinkClick r:id="rId4"/>
+              </a:rPr>
+              <a:t>://</a:t>
+            </a:r>
+            <a:r>
+              <a:rPr lang="en-US" sz="2400" smtClean="0">
+                <a:hlinkClick r:id="rId4"/>
+              </a:rPr>
+              <a:t>www.ti.com/lsds/ti/arm/sitara_arm_cortex_a_processor/arm_cortex_a9_core/am437x_arm_cortex_a9/tools_software.page</a:t>
+            </a:r>
+            <a:endParaRPr lang="en-US" sz="2400" dirty="0"/>
+          </a:p>
+          <a:p>
+            <a:r>
+              <a:rPr lang="en-US" sz="2400" dirty="0" smtClean="0"/>
+              <a:t>For </a:t>
+            </a:r>
+            <a:r>
+              <a:rPr lang="en-US" sz="2400" dirty="0" smtClean="0"/>
+              <a:t>questions regarding topics covered in this training, visit the support forums at the </a:t>
+            </a:r>
+            <a:r>
+              <a:rPr lang="en-US" sz="2400" dirty="0" smtClean="0">
+                <a:hlinkClick r:id="rId5"/>
+              </a:rPr>
+              <a:t>TI E2E Community</a:t>
+            </a:r>
+            <a:r>
+              <a:rPr lang="en-US" sz="2400" dirty="0" smtClean="0"/>
+              <a:t> website.</a:t>
+            </a:r>
+          </a:p>
+        </p:txBody>
+      </p:sp>
+    </p:spTree>
+    <p:extLst>
+      <p:ext uri="{BB962C8B-B14F-4D97-AF65-F5344CB8AC3E}">
+        <p14:creationId xmlns:p14="http://schemas.microsoft.com/office/powerpoint/2010/main" val="7972151"/>
+      </p:ext>
+    </p:extLst>
+  </p:cSld>
+  <p:clrMapOvr>
+    <a:masterClrMapping/>
+  </p:clrMapOvr>
 </p:sld>
 </file>
 
@@ -36868,11 +37050,7 @@
           <a:p>
             <a:r>
               <a:rPr lang="en-US" dirty="0" smtClean="0"/>
-              <a:t>2 </a:t>
-            </a:r>
-            <a:r>
-              <a:rPr lang="en-US" dirty="0" smtClean="0"/>
-              <a:t>PRUs, each had private memory</a:t>
+              <a:t>2 PRUs, each had private memory</a:t>
             </a:r>
           </a:p>
           <a:p>
@@ -39443,7 +39621,7 @@
 </file>
 
 <file path=ppt/slides/slide9.xml><?xml version="1.0" encoding="utf-8"?>
-<p:sld xmlns:a="http://schemas.openxmlformats.org/drawingml/2006/main" xmlns:r="http://schemas.openxmlformats.org/officeDocument/2006/relationships" xmlns:p="http://schemas.openxmlformats.org/presentationml/2006/main">
+<p:sld xmlns:a="http://schemas.openxmlformats.org/drawingml/2006/main" xmlns:r="http://schemas.openxmlformats.org/officeDocument/2006/relationships" xmlns:p="http://schemas.openxmlformats.org/presentationml/2006/main" show="0">
   <p:cSld>
     <p:spTree>
       <p:nvGrpSpPr>
@@ -39548,6 +39726,14 @@
   <p:clrMapOvr>
     <a:masterClrMapping/>
   </p:clrMapOvr>
+  <mc:AlternateContent xmlns:mc="http://schemas.openxmlformats.org/markup-compatibility/2006" xmlns:p14="http://schemas.microsoft.com/office/powerpoint/2010/main">
+    <mc:Choice Requires="p14">
+      <p:transition spd="slow" p14:dur="2000"/>
+    </mc:Choice>
+    <mc:Fallback xmlns="">
+      <p:transition spd="slow"/>
+    </mc:Fallback>
+  </mc:AlternateContent>
   <p:timing>
     <p:tnLst>
       <p:par>

--- a/preliminary/Working/presentations/Sitara/PRU in Sitara Device.pptx
+++ b/preliminary/Working/presentations/Sitara/PRU in Sitara Device.pptx
@@ -65,7 +65,7 @@
     <p:sldId id="286" r:id="rId56"/>
     <p:sldId id="287" r:id="rId57"/>
     <p:sldId id="322" r:id="rId58"/>
-    <p:sldId id="344" r:id="rId59"/>
+    <p:sldId id="345" r:id="rId59"/>
   </p:sldIdLst>
   <p:sldSz cx="9144000" cy="6858000" type="screen4x3"/>
   <p:notesSz cx="7023100" cy="9309100"/>
@@ -249,7 +249,7 @@
           <a:p>
             <a:fld id="{8175A721-DFAB-4E45-89A8-776EFE3A7B3A}" type="datetimeFigureOut">
               <a:rPr lang="en-US" smtClean="0"/>
-              <a:t>11/7/2014</a:t>
+              <a:t>11/10/2014</a:t>
             </a:fld>
             <a:endParaRPr lang="en-US" dirty="0"/>
           </a:p>
@@ -600,7 +600,7 @@
           <a:p>
             <a:fld id="{A4701F91-29EB-40D2-B9D7-8C42FB260373}" type="datetime1">
               <a:rPr lang="en-US" smtClean="0"/>
-              <a:t>11/7/2014</a:t>
+              <a:t>11/10/2014</a:t>
             </a:fld>
             <a:endParaRPr lang="en-US" dirty="0"/>
           </a:p>
@@ -830,7 +830,7 @@
           <a:p>
             <a:fld id="{51E15663-ABC3-4907-8BC5-ADC9FA984BB7}" type="datetime1">
               <a:rPr lang="en-US" smtClean="0"/>
-              <a:t>11/7/2014</a:t>
+              <a:t>11/10/2014</a:t>
             </a:fld>
             <a:endParaRPr lang="en-US" dirty="0"/>
           </a:p>
@@ -1979,7 +1979,7 @@
           <a:p>
             <a:fld id="{A2E0F6EB-8074-47DC-B3A3-4A9DB8A85AA3}" type="datetime1">
               <a:rPr lang="en-US" smtClean="0"/>
-              <a:t>11/7/2014</a:t>
+              <a:t>11/10/2014</a:t>
             </a:fld>
             <a:endParaRPr lang="en-US" dirty="0"/>
           </a:p>
@@ -2087,7 +2087,7 @@
           <a:p>
             <a:fld id="{12E0C451-B760-44FC-ABFA-E0ADABCAE2A2}" type="datetime1">
               <a:rPr lang="en-US" smtClean="0"/>
-              <a:t>11/7/2014</a:t>
+              <a:t>11/10/2014</a:t>
             </a:fld>
             <a:endParaRPr lang="en-US" dirty="0"/>
           </a:p>
@@ -2304,7 +2304,7 @@
           <a:p>
             <a:fld id="{44180B62-1E4E-4603-B1AA-ED4D2BC6A1E5}" type="datetime1">
               <a:rPr lang="en-US" smtClean="0"/>
-              <a:t>11/7/2014</a:t>
+              <a:t>11/10/2014</a:t>
             </a:fld>
             <a:endParaRPr lang="en-US" dirty="0"/>
           </a:p>
@@ -2681,7 +2681,7 @@
           <a:p>
             <a:fld id="{A4701F91-29EB-40D2-B9D7-8C42FB260373}" type="datetime1">
               <a:rPr lang="en-US" smtClean="0"/>
-              <a:t>11/7/2014</a:t>
+              <a:t>11/10/2014</a:t>
             </a:fld>
             <a:endParaRPr lang="en-US" dirty="0"/>
           </a:p>
@@ -2717,90 +2717,6 @@
         <p14:creationId xmlns:p14="http://schemas.microsoft.com/office/powerpoint/2010/main" val="128245134"/>
       </p:ext>
     </p:extLst>
-  </p:cSld>
-  <p:clrMapOvr>
-    <a:masterClrMapping/>
-  </p:clrMapOvr>
-</p:notes>
-</file>
-
-<file path=ppt/notesSlides/notesSlide20.xml><?xml version="1.0" encoding="utf-8"?>
-<p:notes xmlns:a="http://schemas.openxmlformats.org/drawingml/2006/main" xmlns:r="http://schemas.openxmlformats.org/officeDocument/2006/relationships" xmlns:p="http://schemas.openxmlformats.org/presentationml/2006/main">
-  <p:cSld>
-    <p:spTree>
-      <p:nvGrpSpPr>
-        <p:cNvPr id="1" name=""/>
-        <p:cNvGrpSpPr/>
-        <p:nvPr/>
-      </p:nvGrpSpPr>
-      <p:grpSpPr>
-        <a:xfrm>
-          <a:off x="0" y="0"/>
-          <a:ext cx="0" cy="0"/>
-          <a:chOff x="0" y="0"/>
-          <a:chExt cx="0" cy="0"/>
-        </a:xfrm>
-      </p:grpSpPr>
-      <p:sp>
-        <p:nvSpPr>
-          <p:cNvPr id="7" name="Rectangle 7"/>
-          <p:cNvSpPr>
-            <a:spLocks noGrp="1" noChangeArrowheads="1"/>
-          </p:cNvSpPr>
-          <p:nvPr>
-            <p:ph type="sldNum" sz="quarter" idx="5"/>
-          </p:nvPr>
-        </p:nvSpPr>
-        <p:spPr>
-          <a:ln/>
-        </p:spPr>
-        <p:txBody>
-          <a:bodyPr/>
-          <a:lstStyle/>
-          <a:p>
-            <a:fld id="{59EAE9B4-13B3-4257-B5DB-68F933689ECC}" type="slidenum">
-              <a:rPr lang="en-US"/>
-              <a:pPr/>
-              <a:t>58</a:t>
-            </a:fld>
-            <a:endParaRPr lang="en-US" dirty="0"/>
-          </a:p>
-        </p:txBody>
-      </p:sp>
-      <p:sp>
-        <p:nvSpPr>
-          <p:cNvPr id="80898" name="Rectangle 2"/>
-          <p:cNvSpPr>
-            <a:spLocks noGrp="1" noRot="1" noChangeAspect="1" noChangeArrowheads="1" noTextEdit="1"/>
-          </p:cNvSpPr>
-          <p:nvPr>
-            <p:ph type="sldImg"/>
-          </p:nvPr>
-        </p:nvSpPr>
-        <p:spPr>
-          <a:ln/>
-        </p:spPr>
-      </p:sp>
-      <p:sp>
-        <p:nvSpPr>
-          <p:cNvPr id="80899" name="Rectangle 3"/>
-          <p:cNvSpPr>
-            <a:spLocks noGrp="1" noChangeArrowheads="1"/>
-          </p:cNvSpPr>
-          <p:nvPr>
-            <p:ph type="body" idx="1"/>
-          </p:nvPr>
-        </p:nvSpPr>
-        <p:spPr/>
-        <p:txBody>
-          <a:bodyPr/>
-          <a:lstStyle/>
-          <a:p>
-            <a:endParaRPr lang="en-US" dirty="0"/>
-          </a:p>
-        </p:txBody>
-      </p:sp>
-    </p:spTree>
   </p:cSld>
   <p:clrMapOvr>
     <a:masterClrMapping/>
@@ -4088,7 +4004,7 @@
           <a:p>
             <a:fld id="{7B8A4E2A-EC1C-49F2-86AD-0AF2DCEAA54C}" type="datetimeFigureOut">
               <a:rPr lang="en-US" smtClean="0"/>
-              <a:t>11/7/2014</a:t>
+              <a:t>11/10/2014</a:t>
             </a:fld>
             <a:endParaRPr lang="en-US" dirty="0"/>
           </a:p>
@@ -4258,7 +4174,7 @@
           <a:p>
             <a:fld id="{7B8A4E2A-EC1C-49F2-86AD-0AF2DCEAA54C}" type="datetimeFigureOut">
               <a:rPr lang="en-US" smtClean="0"/>
-              <a:t>11/7/2014</a:t>
+              <a:t>11/10/2014</a:t>
             </a:fld>
             <a:endParaRPr lang="en-US" dirty="0"/>
           </a:p>
@@ -4438,7 +4354,7 @@
           <a:p>
             <a:fld id="{7B8A4E2A-EC1C-49F2-86AD-0AF2DCEAA54C}" type="datetimeFigureOut">
               <a:rPr lang="en-US" smtClean="0"/>
-              <a:t>11/7/2014</a:t>
+              <a:t>11/10/2014</a:t>
             </a:fld>
             <a:endParaRPr lang="en-US" dirty="0"/>
           </a:p>
@@ -4608,7 +4524,7 @@
           <a:p>
             <a:fld id="{7B8A4E2A-EC1C-49F2-86AD-0AF2DCEAA54C}" type="datetimeFigureOut">
               <a:rPr lang="en-US" smtClean="0"/>
-              <a:t>11/7/2014</a:t>
+              <a:t>11/10/2014</a:t>
             </a:fld>
             <a:endParaRPr lang="en-US" dirty="0"/>
           </a:p>
@@ -4854,7 +4770,7 @@
           <a:p>
             <a:fld id="{7B8A4E2A-EC1C-49F2-86AD-0AF2DCEAA54C}" type="datetimeFigureOut">
               <a:rPr lang="en-US" smtClean="0"/>
-              <a:t>11/7/2014</a:t>
+              <a:t>11/10/2014</a:t>
             </a:fld>
             <a:endParaRPr lang="en-US" dirty="0"/>
           </a:p>
@@ -5142,7 +5058,7 @@
           <a:p>
             <a:fld id="{7B8A4E2A-EC1C-49F2-86AD-0AF2DCEAA54C}" type="datetimeFigureOut">
               <a:rPr lang="en-US" smtClean="0"/>
-              <a:t>11/7/2014</a:t>
+              <a:t>11/10/2014</a:t>
             </a:fld>
             <a:endParaRPr lang="en-US" dirty="0"/>
           </a:p>
@@ -5564,7 +5480,7 @@
           <a:p>
             <a:fld id="{7B8A4E2A-EC1C-49F2-86AD-0AF2DCEAA54C}" type="datetimeFigureOut">
               <a:rPr lang="en-US" smtClean="0"/>
-              <a:t>11/7/2014</a:t>
+              <a:t>11/10/2014</a:t>
             </a:fld>
             <a:endParaRPr lang="en-US" dirty="0"/>
           </a:p>
@@ -5682,7 +5598,7 @@
           <a:p>
             <a:fld id="{7B8A4E2A-EC1C-49F2-86AD-0AF2DCEAA54C}" type="datetimeFigureOut">
               <a:rPr lang="en-US" smtClean="0"/>
-              <a:t>11/7/2014</a:t>
+              <a:t>11/10/2014</a:t>
             </a:fld>
             <a:endParaRPr lang="en-US" dirty="0"/>
           </a:p>
@@ -5777,7 +5693,7 @@
           <a:p>
             <a:fld id="{7B8A4E2A-EC1C-49F2-86AD-0AF2DCEAA54C}" type="datetimeFigureOut">
               <a:rPr lang="en-US" smtClean="0"/>
-              <a:t>11/7/2014</a:t>
+              <a:t>11/10/2014</a:t>
             </a:fld>
             <a:endParaRPr lang="en-US" dirty="0"/>
           </a:p>
@@ -6054,7 +5970,7 @@
           <a:p>
             <a:fld id="{7B8A4E2A-EC1C-49F2-86AD-0AF2DCEAA54C}" type="datetimeFigureOut">
               <a:rPr lang="en-US" smtClean="0"/>
-              <a:t>11/7/2014</a:t>
+              <a:t>11/10/2014</a:t>
             </a:fld>
             <a:endParaRPr lang="en-US" dirty="0"/>
           </a:p>
@@ -6307,7 +6223,7 @@
           <a:p>
             <a:fld id="{7B8A4E2A-EC1C-49F2-86AD-0AF2DCEAA54C}" type="datetimeFigureOut">
               <a:rPr lang="en-US" smtClean="0"/>
-              <a:t>11/7/2014</a:t>
+              <a:t>11/10/2014</a:t>
             </a:fld>
             <a:endParaRPr lang="en-US" dirty="0"/>
           </a:p>
@@ -6520,7 +6436,7 @@
           <a:p>
             <a:fld id="{7B8A4E2A-EC1C-49F2-86AD-0AF2DCEAA54C}" type="datetimeFigureOut">
               <a:rPr lang="en-US" smtClean="0"/>
-              <a:t>11/7/2014</a:t>
+              <a:t>11/10/2014</a:t>
             </a:fld>
             <a:endParaRPr lang="en-US" dirty="0"/>
           </a:p>
@@ -33737,127 +33653,263 @@
       </p:grpSpPr>
       <p:sp>
         <p:nvSpPr>
-          <p:cNvPr id="79874" name="Rectangle 2"/>
+          <p:cNvPr id="2" name="Title 1"/>
           <p:cNvSpPr>
-            <a:spLocks noGrp="1" noChangeArrowheads="1"/>
+            <a:spLocks noGrp="1"/>
           </p:cNvSpPr>
           <p:nvPr>
-            <p:ph type="title"/>
-          </p:nvPr>
-        </p:nvSpPr>
-        <p:spPr/>
-        <p:txBody>
-          <a:bodyPr/>
-          <a:lstStyle/>
-          <a:p>
-            <a:r>
-              <a:rPr lang="en-US" dirty="0" smtClean="0"/>
-              <a:t>For More Information</a:t>
-            </a:r>
-            <a:endParaRPr lang="en-US" dirty="0"/>
-          </a:p>
-        </p:txBody>
-      </p:sp>
-      <p:sp>
-        <p:nvSpPr>
-          <p:cNvPr id="79875" name="Rectangle 3"/>
-          <p:cNvSpPr>
-            <a:spLocks noGrp="1" noChangeArrowheads="1"/>
-          </p:cNvSpPr>
-          <p:nvPr>
-            <p:ph type="body" idx="1"/>
+            <p:ph type="ctrTitle"/>
           </p:nvPr>
         </p:nvSpPr>
         <p:spPr>
           <a:xfrm>
-            <a:off x="609600" y="1219200"/>
-            <a:ext cx="7924800" cy="4876800"/>
+            <a:off x="2133600" y="381000"/>
+            <a:ext cx="5219700" cy="1470025"/>
           </a:xfrm>
         </p:spPr>
         <p:txBody>
           <a:bodyPr/>
           <a:lstStyle/>
           <a:p>
-            <a:endParaRPr lang="en-US" sz="2400" dirty="0" smtClean="0"/>
-          </a:p>
-          <a:p>
-            <a:r>
-              <a:rPr lang="en-US" sz="2400" dirty="0">
-                <a:solidFill>
-                  <a:srgbClr val="FF0000"/>
+            <a:r>
+              <a:rPr lang="en-US" dirty="0" smtClean="0"/>
+              <a:t>Thank you!</a:t>
+            </a:r>
+            <a:endParaRPr lang="en-US" dirty="0"/>
+          </a:p>
+        </p:txBody>
+      </p:sp>
+      <p:sp>
+        <p:nvSpPr>
+          <p:cNvPr id="3" name="Subtitle 2"/>
+          <p:cNvSpPr>
+            <a:spLocks noGrp="1"/>
+          </p:cNvSpPr>
+          <p:nvPr>
+            <p:ph type="subTitle" idx="1"/>
+          </p:nvPr>
+        </p:nvSpPr>
+        <p:spPr>
+          <a:xfrm>
+            <a:off x="381000" y="1524000"/>
+            <a:ext cx="8458200" cy="5334000"/>
+          </a:xfrm>
+        </p:spPr>
+        <p:txBody>
+          <a:bodyPr>
+            <a:normAutofit lnSpcReduction="10000"/>
+          </a:bodyPr>
+          <a:lstStyle/>
+          <a:p>
+            <a:pPr algn="l">
+              <a:spcBef>
+                <a:spcPts val="0"/>
+              </a:spcBef>
+            </a:pPr>
+            <a:r>
+              <a:rPr lang="en-US" b="0" dirty="0" smtClean="0"/>
+              <a:t>For more information about the PRU, visit: </a:t>
+            </a:r>
+          </a:p>
+          <a:p>
+            <a:pPr algn="l"/>
+            <a:endParaRPr lang="en-US" sz="400" b="0" dirty="0" smtClean="0"/>
+          </a:p>
+          <a:p>
+            <a:pPr algn="l">
+              <a:spcBef>
+                <a:spcPts val="1200"/>
+              </a:spcBef>
+            </a:pPr>
+            <a:r>
+              <a:rPr lang="en-US" dirty="0" smtClean="0"/>
+              <a:t>     </a:t>
+            </a:r>
+            <a:r>
+              <a:rPr lang="en-US" dirty="0" smtClean="0"/>
+              <a:t>Complete on-line training</a:t>
+            </a:r>
+            <a:r>
+              <a:rPr lang="en-US" dirty="0" smtClean="0"/>
+              <a:t> (boot Camp)</a:t>
+            </a:r>
+            <a:r>
+              <a:rPr lang="en-US" b="0" dirty="0" smtClean="0"/>
+              <a:t> </a:t>
+            </a:r>
+            <a:r>
+              <a:rPr lang="en-US" b="0" dirty="0" smtClean="0"/>
+              <a:t>– </a:t>
+            </a:r>
+            <a:endParaRPr lang="en-US" b="0" dirty="0" smtClean="0"/>
+          </a:p>
+          <a:p>
+            <a:pPr algn="l">
+              <a:spcBef>
+                <a:spcPts val="1200"/>
+              </a:spcBef>
+            </a:pPr>
+            <a:r>
+              <a:rPr lang="en-US" b="0" u="sng" dirty="0" smtClean="0">
+                <a:hlinkClick r:id="rId2"/>
+              </a:rPr>
+              <a:t>www.ti.com/sitarabootcamp</a:t>
+            </a:r>
+            <a:endParaRPr lang="en-US" b="0" dirty="0" smtClean="0"/>
+          </a:p>
+          <a:p>
+            <a:pPr algn="l">
+              <a:spcBef>
+                <a:spcPts val="1200"/>
+              </a:spcBef>
+            </a:pPr>
+            <a:r>
+              <a:rPr lang="en-US" dirty="0" smtClean="0"/>
+              <a:t>     PRU-ICSS Wiki – </a:t>
+            </a:r>
+            <a:r>
+              <a:rPr lang="en-US" b="0" dirty="0" smtClean="0">
+                <a:solidFill>
+                  <a:srgbClr val="0070C0"/>
                 </a:solidFill>
                 <a:hlinkClick r:id="rId3"/>
               </a:rPr>
-              <a:t>http://</a:t>
-            </a:r>
-            <a:r>
-              <a:rPr lang="en-US" sz="2400" dirty="0" smtClean="0">
-                <a:solidFill>
-                  <a:srgbClr val="FF0000"/>
+              <a:t>http</a:t>
+            </a:r>
+            <a:r>
+              <a:rPr lang="en-US" b="0" dirty="0">
+                <a:solidFill>
+                  <a:srgbClr val="0070C0"/>
                 </a:solidFill>
                 <a:hlinkClick r:id="rId3"/>
               </a:rPr>
-              <a:t>processors.wiki.ti.com/index.php/Sitara_Linux_SDK_Getting_Started_Guide</a:t>
-            </a:r>
-            <a:endParaRPr lang="en-US" sz="2400" dirty="0" smtClean="0">
-              <a:solidFill>
-                <a:srgbClr val="FF0000"/>
-              </a:solidFill>
-            </a:endParaRPr>
-          </a:p>
-          <a:p>
-            <a:r>
-              <a:rPr lang="en-US" sz="2400" dirty="0">
+              <a:t>://</a:t>
+            </a:r>
+            <a:r>
+              <a:rPr lang="en-US" b="0" dirty="0" smtClean="0">
+                <a:solidFill>
+                  <a:srgbClr val="0070C0"/>
+                </a:solidFill>
+                <a:hlinkClick r:id="rId3"/>
+              </a:rPr>
+              <a:t>processors.wiki.ti.com/index.php/PRU-ICSS</a:t>
+            </a:r>
+            <a:endParaRPr lang="en-US" b="0" dirty="0" smtClean="0"/>
+          </a:p>
+          <a:p>
+            <a:pPr algn="l">
+              <a:spcBef>
+                <a:spcPts val="1200"/>
+              </a:spcBef>
+            </a:pPr>
+            <a:r>
+              <a:rPr lang="en-US" dirty="0" smtClean="0"/>
+              <a:t>     PRU Evaluation Hardware </a:t>
+            </a:r>
+            <a:r>
+              <a:rPr lang="en-US" dirty="0"/>
+              <a:t>– </a:t>
+            </a:r>
+            <a:r>
+              <a:rPr lang="en-US" b="0" dirty="0" smtClean="0">
                 <a:hlinkClick r:id="rId4"/>
               </a:rPr>
               <a:t>http</a:t>
             </a:r>
             <a:r>
-              <a:rPr lang="en-US" sz="2400">
+              <a:rPr lang="en-US" b="0" dirty="0">
                 <a:hlinkClick r:id="rId4"/>
               </a:rPr>
               <a:t>://</a:t>
             </a:r>
             <a:r>
-              <a:rPr lang="en-US" sz="2400" smtClean="0">
+              <a:rPr lang="en-US" b="0" dirty="0" smtClean="0">
                 <a:hlinkClick r:id="rId4"/>
               </a:rPr>
-              <a:t>www.ti.com/lsds/ti/arm/sitara_arm_cortex_a_processor/arm_cortex_a9_core/am437x_arm_cortex_a9/tools_software.page</a:t>
-            </a:r>
-            <a:endParaRPr lang="en-US" sz="2400" dirty="0"/>
-          </a:p>
-          <a:p>
-            <a:r>
-              <a:rPr lang="en-US" sz="2400" dirty="0" smtClean="0"/>
-              <a:t>For </a:t>
-            </a:r>
-            <a:r>
-              <a:rPr lang="en-US" sz="2400" dirty="0" smtClean="0"/>
-              <a:t>questions regarding topics covered in this training, visit the support forums at the </a:t>
-            </a:r>
-            <a:r>
-              <a:rPr lang="en-US" sz="2400" dirty="0" smtClean="0">
+              <a:t>www.ti.com/tool/PRUCAPE</a:t>
+            </a:r>
+            <a:endParaRPr lang="en-US" b="0" dirty="0" smtClean="0"/>
+          </a:p>
+          <a:p>
+            <a:pPr algn="l">
+              <a:spcBef>
+                <a:spcPts val="1200"/>
+              </a:spcBef>
+            </a:pPr>
+            <a:r>
+              <a:rPr lang="en-US" dirty="0" smtClean="0"/>
+              <a:t>     Support </a:t>
+            </a:r>
+            <a:r>
+              <a:rPr lang="en-US" dirty="0"/>
+              <a:t>– </a:t>
+            </a:r>
+            <a:endParaRPr lang="en-US" dirty="0" smtClean="0"/>
+          </a:p>
+          <a:p>
+            <a:pPr algn="l">
+              <a:spcBef>
+                <a:spcPts val="1200"/>
+              </a:spcBef>
+            </a:pPr>
+            <a:r>
+              <a:rPr lang="en-US" b="0" dirty="0" smtClean="0">
                 <a:hlinkClick r:id="rId5"/>
               </a:rPr>
-              <a:t>TI E2E Community</a:t>
-            </a:r>
-            <a:r>
-              <a:rPr lang="en-US" sz="2400" dirty="0" smtClean="0"/>
-              <a:t> website.</a:t>
-            </a:r>
+              <a:t>http</a:t>
+            </a:r>
+            <a:r>
+              <a:rPr lang="en-US" b="0" dirty="0" smtClean="0">
+                <a:hlinkClick r:id="rId5"/>
+              </a:rPr>
+              <a:t>://e2e.ti.com</a:t>
+            </a:r>
+            <a:endParaRPr lang="en-US" dirty="0" smtClean="0">
+              <a:solidFill>
+                <a:srgbClr val="0070C0"/>
+              </a:solidFill>
+            </a:endParaRPr>
+          </a:p>
+          <a:p>
+            <a:endParaRPr lang="en-US" dirty="0">
+              <a:solidFill>
+                <a:schemeClr val="tx2"/>
+              </a:solidFill>
+            </a:endParaRPr>
+          </a:p>
+          <a:p>
+            <a:endParaRPr lang="en-US" dirty="0">
+              <a:solidFill>
+                <a:schemeClr val="tx2"/>
+              </a:solidFill>
+            </a:endParaRPr>
+          </a:p>
+          <a:p>
+            <a:endParaRPr lang="en-US" dirty="0">
+              <a:solidFill>
+                <a:schemeClr val="tx2"/>
+              </a:solidFill>
+            </a:endParaRPr>
           </a:p>
         </p:txBody>
       </p:sp>
     </p:spTree>
     <p:extLst>
       <p:ext uri="{BB962C8B-B14F-4D97-AF65-F5344CB8AC3E}">
-        <p14:creationId xmlns:p14="http://schemas.microsoft.com/office/powerpoint/2010/main" val="7972151"/>
+        <p14:creationId xmlns:p14="http://schemas.microsoft.com/office/powerpoint/2010/main" val="677502205"/>
       </p:ext>
     </p:extLst>
   </p:cSld>
   <p:clrMapOvr>
     <a:masterClrMapping/>
   </p:clrMapOvr>
+  <p:timing>
+    <p:tnLst>
+      <p:par>
+        <p:cTn id="1" dur="indefinite" restart="never" nodeType="tmRoot"/>
+      </p:par>
+    </p:tnLst>
+  </p:timing>
 </p:sld>
 </file>
 
@@ -33936,7 +33988,15 @@
             </a:pPr>
             <a:r>
               <a:rPr lang="en-US" sz="2000" dirty="0" smtClean="0"/>
-              <a:t>Reference Guide </a:t>
+              <a:t>User</a:t>
+            </a:r>
+            <a:r>
+              <a:rPr lang="en-US" sz="2000" dirty="0" smtClean="0"/>
+              <a:t> </a:t>
+            </a:r>
+            <a:r>
+              <a:rPr lang="en-US" sz="2000" dirty="0" smtClean="0"/>
+              <a:t>Guide </a:t>
             </a:r>
           </a:p>
           <a:p>
@@ -33956,17 +34016,12 @@
               <a:rPr lang="en-US" sz="2000" dirty="0" smtClean="0">
                 <a:hlinkClick r:id="rId3"/>
               </a:rPr>
-              <a:t>mythopoeic.org/BBB-PRU/am335xPruReferenceGuide.pdf</a:t>
-            </a:r>
-            <a:endParaRPr lang="en-US" sz="2000" dirty="0" smtClean="0"/>
-          </a:p>
-          <a:p>
-            <a:pPr marL="0" indent="0">
-              <a:lnSpc>
-                <a:spcPct val="110000"/>
-              </a:lnSpc>
-              <a:buNone/>
-            </a:pPr>
+              <a:t>processors.wiki.ti.com/index.php/PRU-ICSS</a:t>
+            </a:r>
+            <a:r>
+              <a:rPr lang="en-US" sz="2000" dirty="0" smtClean="0"/>
+              <a:t> </a:t>
+            </a:r>
             <a:endParaRPr lang="en-US" sz="2000" dirty="0" smtClean="0"/>
           </a:p>
         </p:txBody>
